--- a/slides/08/PyTorch講座8.pptx
+++ b/slides/08/PyTorch講座8.pptx
@@ -274,7 +274,7 @@
       </p15:sldGuideLst>
     </p:ext>
     <p:ext uri="GoogleSlidesCustomDataVersion2">
-      <go:slidesCustomData xmlns:go="http://customooxmlschemas.google.com/" xmlns:ahyp="http://schemas.microsoft.com/office/drawing/2018/hyperlinkcolor" xmlns:p15="http://schemas.microsoft.com/office/powerpoint/2012/main" xmlns:p14="http://schemas.microsoft.com/office/powerpoint/2010/main" xmlns:com="http://schemas.openxmlformats.org/drawingml/2006/compatibility" xmlns:pvml="urn:schemas-microsoft-com:office:powerpoint" xmlns:v="urn:schemas-microsoft-com:vml" xmlns:o="urn:schemas-microsoft-com:office:office" xmlns:dgm="http://schemas.openxmlformats.org/drawingml/2006/diagram" xmlns:c="http://schemas.openxmlformats.org/drawingml/2006/chart" xmlns:mv="urn:schemas-microsoft-com:mac:vml" xmlns:mc="http://schemas.openxmlformats.org/markup-compatibility/2006" xmlns="" r:id="rId24" roundtripDataSignature="AMtx7mhkNbPGquRFQVfDVSf4Ngo7eSZvKA=="/>
+      <go:slidesCustomData xmlns:go="http://customooxmlschemas.google.com/" xmlns:ahyp="http://schemas.microsoft.com/office/drawing/2018/hyperlinkcolor" xmlns:p15="http://schemas.microsoft.com/office/powerpoint/2012/main" xmlns:p14="http://schemas.microsoft.com/office/powerpoint/2010/main" xmlns:com="http://schemas.openxmlformats.org/drawingml/2006/compatibility" xmlns:pvml="urn:schemas-microsoft-com:office:powerpoint" xmlns:v="urn:schemas-microsoft-com:vml" xmlns:o="urn:schemas-microsoft-com:office:office" xmlns:dgm="http://schemas.openxmlformats.org/drawingml/2006/diagram" xmlns:c="http://schemas.openxmlformats.org/drawingml/2006/chart" xmlns:mv="urn:schemas-microsoft-com:mac:vml" xmlns:mc="http://schemas.openxmlformats.org/markup-compatibility/2006" xmlns="" r:id="rId24" roundtripDataSignature="AMtx7mjHHSHJuM5r7f9BSZIQ1ilbVEAJQw=="/>
     </p:ext>
   </p:extLst>
 </p:presentation>
@@ -1111,7 +1111,7 @@
         </p:nvSpPr>
         <p:spPr>
           <a:xfrm>
-            <a:off x="381000" y="685800"/>
+            <a:off x="381300" y="685800"/>
             <a:ext cx="6096000" cy="3429000"/>
           </a:xfrm>
           <a:custGeom>
@@ -1527,7 +1527,7 @@
         </p:nvSpPr>
         <p:spPr>
           <a:xfrm>
-            <a:off x="381300" y="685800"/>
+            <a:off x="381000" y="685800"/>
             <a:ext cx="6096000" cy="3429000"/>
           </a:xfrm>
           <a:custGeom>
@@ -2447,7 +2447,7 @@
     </p:spTree>
     <p:extLst>
       <p:ext uri="{BB962C8B-B14F-4D97-AF65-F5344CB8AC3E}">
-        <p14:creationId xmlns:p14="http://schemas.microsoft.com/office/powerpoint/2010/main" val="2228056552"/>
+        <p14:creationId xmlns:p14="http://schemas.microsoft.com/office/powerpoint/2010/main" val="3208635690"/>
       </p:ext>
     </p:extLst>
   </p:cSld>
@@ -2476,7 +2476,7 @@
       </p:grpSpPr>
       <p:sp>
         <p:nvSpPr>
-          <p:cNvPr id="106" name="Google Shape;106;g2a7c1fc1d97_1_133:notes"/>
+          <p:cNvPr id="106" name="Google Shape;106;g2643520e193_0_43:notes"/>
           <p:cNvSpPr>
             <a:spLocks noGrp="1" noRot="1" noChangeAspect="1"/>
           </p:cNvSpPr>
@@ -2517,7 +2517,7 @@
       </p:sp>
       <p:sp>
         <p:nvSpPr>
-          <p:cNvPr id="107" name="Google Shape;107;g2a7c1fc1d97_1_133:notes"/>
+          <p:cNvPr id="107" name="Google Shape;107;g2643520e193_0_43:notes"/>
           <p:cNvSpPr txBox="1">
             <a:spLocks noGrp="1"/>
           </p:cNvSpPr>
@@ -2556,7 +2556,7 @@
     </p:spTree>
     <p:extLst>
       <p:ext uri="{BB962C8B-B14F-4D97-AF65-F5344CB8AC3E}">
-        <p14:creationId xmlns:p14="http://schemas.microsoft.com/office/powerpoint/2010/main" val="1814931041"/>
+        <p14:creationId xmlns:p14="http://schemas.microsoft.com/office/powerpoint/2010/main" val="3606329348"/>
       </p:ext>
     </p:extLst>
   </p:cSld>
@@ -11059,7 +11059,7 @@
         </p:spPr>
         <p:txBody>
           <a:bodyPr spcFirstLastPara="1" wrap="square" lIns="91425" tIns="91425" rIns="91425" bIns="91425" anchor="t" anchorCtr="0">
-            <a:normAutofit/>
+            <a:normAutofit lnSpcReduction="10000"/>
           </a:bodyPr>
           <a:lstStyle/>
           <a:p>
@@ -11984,14 +11984,14 @@
               <a:buNone/>
             </a:pPr>
             <a:r>
-              <a:rPr lang="ja" b="1">
+              <a:rPr lang="ja" b="1" dirty="0">
                 <a:solidFill>
                   <a:schemeClr val="dk1"/>
                 </a:solidFill>
               </a:rPr>
               <a:t>課題内容</a:t>
             </a:r>
-            <a:endParaRPr b="1">
+            <a:endParaRPr b="1" dirty="0">
               <a:solidFill>
                 <a:schemeClr val="dk1"/>
               </a:solidFill>
@@ -12008,14 +12008,14 @@
               <a:buNone/>
             </a:pPr>
             <a:r>
-              <a:rPr lang="ja">
+              <a:rPr lang="ja" dirty="0">
                 <a:solidFill>
                   <a:schemeClr val="dk1"/>
                 </a:solidFill>
               </a:rPr>
               <a:t>（必須）</a:t>
             </a:r>
-            <a:endParaRPr>
+            <a:endParaRPr dirty="0">
               <a:solidFill>
                 <a:schemeClr val="dk1"/>
               </a:solidFill>
@@ -12032,14 +12032,14 @@
               <a:buNone/>
             </a:pPr>
             <a:r>
-              <a:rPr lang="ja">
+              <a:rPr lang="ja" dirty="0">
                 <a:solidFill>
                   <a:schemeClr val="dk1"/>
                 </a:solidFill>
               </a:rPr>
               <a:t>自由にモデルを組んで、CIFAR-10の分類精度を55%以上にしてください。</a:t>
             </a:r>
-            <a:endParaRPr>
+            <a:endParaRPr dirty="0">
               <a:solidFill>
                 <a:schemeClr val="dk1"/>
               </a:solidFill>
@@ -12055,7 +12055,7 @@
               </a:spcAft>
               <a:buNone/>
             </a:pPr>
-            <a:endParaRPr>
+            <a:endParaRPr dirty="0">
               <a:solidFill>
                 <a:schemeClr val="dk1"/>
               </a:solidFill>
@@ -12072,38 +12072,32 @@
               <a:buNone/>
             </a:pPr>
             <a:r>
-              <a:rPr lang="ja">
+              <a:rPr lang="ja" dirty="0">
                 <a:solidFill>
                   <a:schemeClr val="dk1"/>
                 </a:solidFill>
               </a:rPr>
               <a:t>（任意）</a:t>
             </a:r>
-            <a:endParaRPr>
+            <a:endParaRPr dirty="0">
               <a:solidFill>
                 <a:schemeClr val="dk1"/>
               </a:solidFill>
             </a:endParaRPr>
           </a:p>
           <a:p>
-            <a:pPr marL="0" lvl="0" indent="0" algn="l" rtl="0">
-              <a:spcBef>
-                <a:spcPts val="0"/>
-              </a:spcBef>
-              <a:spcAft>
-                <a:spcPts val="0"/>
-              </a:spcAft>
+            <a:pPr marL="457200" lvl="1" indent="0">
               <a:buNone/>
             </a:pPr>
             <a:r>
-              <a:rPr lang="ja">
+              <a:rPr lang="ja" sz="1800" dirty="0">
                 <a:solidFill>
                   <a:schemeClr val="dk1"/>
                 </a:solidFill>
               </a:rPr>
-              <a:t>	ResNetで学習し、自分で組んだモデルと分類精度を比較してください。</a:t>
+              <a:t>ResNetで学習し、自分で組んだモデルと分類精度を比較してください。</a:t>
             </a:r>
-            <a:endParaRPr>
+            <a:endParaRPr sz="1800" dirty="0">
               <a:solidFill>
                 <a:schemeClr val="dk1"/>
               </a:solidFill>
@@ -12119,7 +12113,7 @@
               </a:spcAft>
               <a:buNone/>
             </a:pPr>
-            <a:endParaRPr>
+            <a:endParaRPr dirty="0">
               <a:solidFill>
                 <a:schemeClr val="dk1"/>
               </a:solidFill>
@@ -12136,14 +12130,14 @@
               <a:buNone/>
             </a:pPr>
             <a:r>
-              <a:rPr lang="ja">
+              <a:rPr lang="ja" dirty="0">
                 <a:solidFill>
                   <a:schemeClr val="dk1"/>
                 </a:solidFill>
               </a:rPr>
               <a:t>以下の4つを実装してください。</a:t>
             </a:r>
-            <a:endParaRPr>
+            <a:endParaRPr dirty="0">
               <a:solidFill>
                 <a:schemeClr val="dk1"/>
               </a:solidFill>
@@ -12164,14 +12158,14 @@
               <a:buChar char="●"/>
             </a:pPr>
             <a:r>
-              <a:rPr lang="ja">
+              <a:rPr lang="ja" dirty="0">
                 <a:solidFill>
                   <a:schemeClr val="dk1"/>
                 </a:solidFill>
               </a:rPr>
               <a:t>dataset.py : データセットの読み込み</a:t>
             </a:r>
-            <a:endParaRPr>
+            <a:endParaRPr dirty="0">
               <a:solidFill>
                 <a:schemeClr val="dk1"/>
               </a:solidFill>
@@ -12192,14 +12186,14 @@
               <a:buChar char="●"/>
             </a:pPr>
             <a:r>
-              <a:rPr lang="ja">
+              <a:rPr lang="ja" dirty="0">
                 <a:solidFill>
                   <a:schemeClr val="dk1"/>
                 </a:solidFill>
               </a:rPr>
               <a:t>model.py : モデルの作成</a:t>
             </a:r>
-            <a:endParaRPr>
+            <a:endParaRPr dirty="0">
               <a:solidFill>
                 <a:schemeClr val="dk1"/>
               </a:solidFill>
@@ -12220,14 +12214,14 @@
               <a:buChar char="●"/>
             </a:pPr>
             <a:r>
-              <a:rPr lang="ja">
+              <a:rPr lang="ja" dirty="0">
                 <a:solidFill>
                   <a:schemeClr val="dk1"/>
                 </a:solidFill>
               </a:rPr>
               <a:t>train.py : モデルの学習・保存</a:t>
             </a:r>
-            <a:endParaRPr>
+            <a:endParaRPr dirty="0">
               <a:solidFill>
                 <a:schemeClr val="dk1"/>
               </a:solidFill>
@@ -12248,7 +12242,7 @@
               <a:buChar char="●"/>
             </a:pPr>
             <a:r>
-              <a:rPr lang="ja">
+              <a:rPr lang="ja" dirty="0">
                 <a:solidFill>
                   <a:schemeClr val="dk1"/>
                 </a:solidFill>
@@ -12256,14 +12250,14 @@
               <a:t>evaluation.py : </a:t>
             </a:r>
             <a:r>
-              <a:rPr lang="ja">
+              <a:rPr lang="ja" dirty="0">
                 <a:solidFill>
                   <a:srgbClr val="1D1C1D"/>
                 </a:solidFill>
               </a:rPr>
               <a:t>保存したモデルを読み込み、テストデータで精度を評価</a:t>
             </a:r>
-            <a:endParaRPr>
+            <a:endParaRPr dirty="0">
               <a:solidFill>
                 <a:schemeClr val="dk1"/>
               </a:solidFill>
@@ -12279,7 +12273,7 @@
               </a:spcAft>
               <a:buNone/>
             </a:pPr>
-            <a:endParaRPr>
+            <a:endParaRPr dirty="0">
               <a:solidFill>
                 <a:schemeClr val="dk1"/>
               </a:solidFill>
@@ -12328,8 +12322,8 @@
         </p:blipFill>
         <p:spPr>
           <a:xfrm>
-            <a:off x="4572000" y="1189275"/>
-            <a:ext cx="4517700" cy="3880550"/>
+            <a:off x="4571997" y="1189275"/>
+            <a:ext cx="4486115" cy="3880551"/>
           </a:xfrm>
           <a:prstGeom prst="rect">
             <a:avLst/>
@@ -12357,7 +12351,7 @@
         <p:spPr>
           <a:xfrm>
             <a:off x="311700" y="1527175"/>
-            <a:ext cx="4159851" cy="3542659"/>
+            <a:ext cx="4159851" cy="3563026"/>
           </a:xfrm>
           <a:prstGeom prst="rect">
             <a:avLst/>
@@ -12605,8 +12599,8 @@
         </p:blipFill>
         <p:spPr>
           <a:xfrm>
-            <a:off x="311700" y="1551600"/>
-            <a:ext cx="3744449" cy="3517950"/>
+            <a:off x="311701" y="1551600"/>
+            <a:ext cx="3806662" cy="3416400"/>
           </a:xfrm>
           <a:prstGeom prst="rect">
             <a:avLst/>
@@ -12721,8 +12715,8 @@
         </p:nvSpPr>
         <p:spPr>
           <a:xfrm>
-            <a:off x="720825" y="3017700"/>
-            <a:ext cx="1539300" cy="293100"/>
+            <a:off x="720825" y="3038400"/>
+            <a:ext cx="1539300" cy="348600"/>
           </a:xfrm>
           <a:prstGeom prst="roundRect">
             <a:avLst>
@@ -12767,8 +12761,8 @@
         </p:nvSpPr>
         <p:spPr>
           <a:xfrm>
-            <a:off x="720825" y="4159700"/>
-            <a:ext cx="2748900" cy="348600"/>
+            <a:off x="720825" y="4318525"/>
+            <a:ext cx="2834400" cy="409500"/>
           </a:xfrm>
           <a:prstGeom prst="roundRect">
             <a:avLst>
@@ -12821,8 +12815,8 @@
         </p:blipFill>
         <p:spPr>
           <a:xfrm>
-            <a:off x="4178350" y="1551594"/>
-            <a:ext cx="4825426" cy="2370825"/>
+            <a:off x="4216500" y="1551600"/>
+            <a:ext cx="4798476" cy="2174699"/>
           </a:xfrm>
           <a:prstGeom prst="rect">
             <a:avLst/>
@@ -14948,7 +14942,7 @@
       </p:grpSpPr>
       <p:sp>
         <p:nvSpPr>
-          <p:cNvPr id="100" name="Google Shape;100;g2a7c1fc1d97_1_113"/>
+          <p:cNvPr id="99" name="Google Shape;99;g2a7c1fc1d97_1_113"/>
           <p:cNvSpPr txBox="1">
             <a:spLocks noGrp="1"/>
           </p:cNvSpPr>
@@ -15026,7 +15020,7 @@
       </p:sp>
       <p:pic>
         <p:nvPicPr>
-          <p:cNvPr id="101" name="Google Shape;101;g2a7c1fc1d97_1_113"/>
+          <p:cNvPr id="100" name="Google Shape;100;g2a7c1fc1d97_1_113"/>
           <p:cNvPicPr preferRelativeResize="0"/>
           <p:nvPr/>
         </p:nvPicPr>
@@ -15054,7 +15048,7 @@
       </p:pic>
       <p:pic>
         <p:nvPicPr>
-          <p:cNvPr id="102" name="Google Shape;102;g2a7c1fc1d97_1_113"/>
+          <p:cNvPr id="101" name="Google Shape;101;g2a7c1fc1d97_1_113"/>
           <p:cNvPicPr preferRelativeResize="0"/>
           <p:nvPr/>
         </p:nvPicPr>
@@ -15082,7 +15076,7 @@
       </p:pic>
       <p:pic>
         <p:nvPicPr>
-          <p:cNvPr id="103" name="Google Shape;103;g2a7c1fc1d97_1_113"/>
+          <p:cNvPr id="102" name="Google Shape;102;g2a7c1fc1d97_1_113"/>
           <p:cNvPicPr preferRelativeResize="0"/>
           <p:nvPr/>
         </p:nvPicPr>
@@ -15109,7 +15103,7 @@
       </p:pic>
       <p:pic>
         <p:nvPicPr>
-          <p:cNvPr id="104" name="Google Shape;104;g2a7c1fc1d97_1_113"/>
+          <p:cNvPr id="103" name="Google Shape;103;g2a7c1fc1d97_1_113"/>
           <p:cNvPicPr preferRelativeResize="0"/>
           <p:nvPr/>
         </p:nvPicPr>
@@ -15137,10 +15131,10 @@
       </p:pic>
       <p:sp>
         <p:nvSpPr>
-          <p:cNvPr id="4" name="タイトル 3">
+          <p:cNvPr id="3" name="タイトル 2">
             <a:extLst>
               <a:ext uri="{FF2B5EF4-FFF2-40B4-BE49-F238E27FC236}">
-                <a16:creationId xmlns:a16="http://schemas.microsoft.com/office/drawing/2014/main" id="{19763682-F47C-4C0C-ECF9-3BCEDAA936D7}"/>
+                <a16:creationId xmlns:a16="http://schemas.microsoft.com/office/drawing/2014/main" id="{1E2731B5-7816-2159-AEF1-6AD72D80E0C3}"/>
               </a:ext>
             </a:extLst>
           </p:cNvPr>
@@ -15159,24 +15153,8 @@
           <a:lstStyle/>
           <a:p>
             <a:r>
-              <a:rPr lang="ja-JP" altLang="en-US" dirty="0"/>
-              <a:t>平均二乗誤差 </a:t>
-            </a:r>
-            <a:r>
-              <a:rPr lang="en-US" altLang="ja-JP" dirty="0"/>
-              <a:t>(</a:t>
-            </a:r>
-            <a:r>
-              <a:rPr lang="en-US" altLang="ja" dirty="0" err="1"/>
-              <a:t>MSELoss</a:t>
-            </a:r>
-            <a:r>
-              <a:rPr lang="ja" altLang="en-US" dirty="0"/>
-              <a:t>：</a:t>
-            </a:r>
-            <a:r>
-              <a:rPr lang="en-US" altLang="ja" dirty="0"/>
-              <a:t>Mean Squared Error Loss)</a:t>
+              <a:rPr lang="ja" altLang="ja-JP" dirty="0"/>
+              <a:t>平均二乗誤差 (MSELoss：Mean Squared Error Loss)</a:t>
             </a:r>
             <a:endParaRPr lang="ja-JP" altLang="en-US" dirty="0"/>
           </a:p>
@@ -15185,7 +15163,7 @@
     </p:spTree>
     <p:extLst>
       <p:ext uri="{BB962C8B-B14F-4D97-AF65-F5344CB8AC3E}">
-        <p14:creationId xmlns:p14="http://schemas.microsoft.com/office/powerpoint/2010/main" val="3373582991"/>
+        <p14:creationId xmlns:p14="http://schemas.microsoft.com/office/powerpoint/2010/main" val="1385327282"/>
       </p:ext>
     </p:extLst>
   </p:cSld>
@@ -15214,7 +15192,7 @@
       </p:grpSpPr>
       <p:sp>
         <p:nvSpPr>
-          <p:cNvPr id="110" name="Google Shape;110;g2a7c1fc1d97_1_133"/>
+          <p:cNvPr id="109" name="Google Shape;109;g2643520e193_0_43"/>
           <p:cNvSpPr txBox="1">
             <a:spLocks noGrp="1"/>
           </p:cNvSpPr>
@@ -15292,7 +15270,7 @@
       </p:sp>
       <p:pic>
         <p:nvPicPr>
-          <p:cNvPr id="111" name="Google Shape;111;g2a7c1fc1d97_1_133"/>
+          <p:cNvPr id="110" name="Google Shape;110;g2643520e193_0_43"/>
           <p:cNvPicPr preferRelativeResize="0"/>
           <p:nvPr/>
         </p:nvPicPr>
@@ -15320,7 +15298,7 @@
       </p:pic>
       <p:pic>
         <p:nvPicPr>
-          <p:cNvPr id="112" name="Google Shape;112;g2a7c1fc1d97_1_133"/>
+          <p:cNvPr id="111" name="Google Shape;111;g2643520e193_0_43"/>
           <p:cNvPicPr preferRelativeResize="0"/>
           <p:nvPr/>
         </p:nvPicPr>
@@ -15348,7 +15326,7 @@
       </p:pic>
       <p:sp>
         <p:nvSpPr>
-          <p:cNvPr id="113" name="Google Shape;113;g2a7c1fc1d97_1_133"/>
+          <p:cNvPr id="112" name="Google Shape;112;g2643520e193_0_43"/>
           <p:cNvSpPr/>
           <p:nvPr/>
         </p:nvSpPr>
@@ -15398,7 +15376,7 @@
       </p:sp>
       <p:pic>
         <p:nvPicPr>
-          <p:cNvPr id="114" name="Google Shape;114;g2a7c1fc1d97_1_133"/>
+          <p:cNvPr id="113" name="Google Shape;113;g2643520e193_0_43"/>
           <p:cNvPicPr preferRelativeResize="0"/>
           <p:nvPr/>
         </p:nvPicPr>
@@ -15426,7 +15404,7 @@
       </p:pic>
       <p:pic>
         <p:nvPicPr>
-          <p:cNvPr id="115" name="Google Shape;115;g2a7c1fc1d97_1_133"/>
+          <p:cNvPr id="114" name="Google Shape;114;g2643520e193_0_43"/>
           <p:cNvPicPr preferRelativeResize="0"/>
           <p:nvPr/>
         </p:nvPicPr>
@@ -15457,7 +15435,7 @@
           <p:cNvPr id="3" name="タイトル 2">
             <a:extLst>
               <a:ext uri="{FF2B5EF4-FFF2-40B4-BE49-F238E27FC236}">
-                <a16:creationId xmlns:a16="http://schemas.microsoft.com/office/drawing/2014/main" id="{0FA5AA2E-F5F2-C588-1A5B-37C1AEE62BC0}"/>
+                <a16:creationId xmlns:a16="http://schemas.microsoft.com/office/drawing/2014/main" id="{B1FE7E45-C103-9257-0A88-F68BF254F5AB}"/>
               </a:ext>
             </a:extLst>
           </p:cNvPr>
@@ -15476,7 +15454,7 @@
           <a:lstStyle/>
           <a:p>
             <a:r>
-              <a:rPr lang="ja-JP" altLang="en-US" dirty="0">
+              <a:rPr lang="ja" altLang="ja-JP" dirty="0">
                 <a:solidFill>
                   <a:srgbClr val="3A3E40"/>
                 </a:solidFill>
@@ -15484,25 +15462,14 @@
                   <a:schemeClr val="lt1"/>
                 </a:highlight>
               </a:rPr>
-              <a:t>交差エントロピー誤差 </a:t>
+              <a:t>交差エントロピー誤差 (</a:t>
             </a:r>
             <a:r>
-              <a:rPr lang="en-US" altLang="ja-JP" dirty="0">
-                <a:solidFill>
-                  <a:srgbClr val="3A3E40"/>
-                </a:solidFill>
-                <a:highlight>
-                  <a:schemeClr val="lt1"/>
-                </a:highlight>
-              </a:rPr>
-              <a:t>(</a:t>
-            </a:r>
-            <a:r>
-              <a:rPr lang="en-US" altLang="ja" dirty="0"/>
+              <a:rPr lang="ja" altLang="ja-JP" dirty="0"/>
               <a:t>Cross-Entropy Loss</a:t>
             </a:r>
             <a:r>
-              <a:rPr lang="en-US" altLang="ja" dirty="0">
+              <a:rPr lang="ja" altLang="ja-JP" dirty="0">
                 <a:solidFill>
                   <a:srgbClr val="3A3E40"/>
                 </a:solidFill>
@@ -15519,7 +15486,7 @@
     </p:spTree>
     <p:extLst>
       <p:ext uri="{BB962C8B-B14F-4D97-AF65-F5344CB8AC3E}">
-        <p14:creationId xmlns:p14="http://schemas.microsoft.com/office/powerpoint/2010/main" val="1381826833"/>
+        <p14:creationId xmlns:p14="http://schemas.microsoft.com/office/powerpoint/2010/main" val="3786896237"/>
       </p:ext>
     </p:extLst>
   </p:cSld>
@@ -15608,10 +15575,10 @@
               <a:buNone/>
             </a:pPr>
             <a:r>
-              <a:rPr lang="ja" dirty="0"/>
+              <a:rPr lang="ja"/>
               <a:t>最適化アルゴリズム (Optimizer)</a:t>
             </a:r>
-            <a:endParaRPr dirty="0"/>
+            <a:endParaRPr/>
           </a:p>
         </p:txBody>
       </p:sp>

--- a/slides/08/PyTorch講座8.pptx
+++ b/slides/08/PyTorch講座8.pptx
@@ -14,7 +14,7 @@
     <p:sldId id="259" r:id="rId5"/>
     <p:sldId id="260" r:id="rId6"/>
     <p:sldId id="274" r:id="rId7"/>
-    <p:sldId id="275" r:id="rId8"/>
+    <p:sldId id="262" r:id="rId8"/>
     <p:sldId id="263" r:id="rId9"/>
     <p:sldId id="264" r:id="rId10"/>
     <p:sldId id="265" r:id="rId11"/>
@@ -2447,7 +2447,7 @@
     </p:spTree>
     <p:extLst>
       <p:ext uri="{BB962C8B-B14F-4D97-AF65-F5344CB8AC3E}">
-        <p14:creationId xmlns:p14="http://schemas.microsoft.com/office/powerpoint/2010/main" val="3208635690"/>
+        <p14:creationId xmlns:p14="http://schemas.microsoft.com/office/powerpoint/2010/main" val="3819244512"/>
       </p:ext>
     </p:extLst>
   </p:cSld>
@@ -2554,11 +2554,6 @@
         </p:txBody>
       </p:sp>
     </p:spTree>
-    <p:extLst>
-      <p:ext uri="{BB962C8B-B14F-4D97-AF65-F5344CB8AC3E}">
-        <p14:creationId xmlns:p14="http://schemas.microsoft.com/office/powerpoint/2010/main" val="3606329348"/>
-      </p:ext>
-    </p:extLst>
   </p:cSld>
   <p:clrMapOvr>
     <a:masterClrMapping/>
@@ -11962,7 +11957,7 @@
         <p:spPr>
           <a:xfrm>
             <a:off x="311700" y="1152475"/>
-            <a:ext cx="8520600" cy="3416400"/>
+            <a:ext cx="8801100" cy="3990900"/>
           </a:xfrm>
           <a:prstGeom prst="rect">
             <a:avLst/>
@@ -11970,7 +11965,7 @@
         </p:spPr>
         <p:txBody>
           <a:bodyPr spcFirstLastPara="1" wrap="square" lIns="91425" tIns="91425" rIns="91425" bIns="91425" anchor="t" anchorCtr="0">
-            <a:normAutofit fontScale="92500" lnSpcReduction="20000"/>
+            <a:normAutofit/>
           </a:bodyPr>
           <a:lstStyle/>
           <a:p>
@@ -11989,7 +11984,7 @@
                   <a:schemeClr val="dk1"/>
                 </a:solidFill>
               </a:rPr>
-              <a:t>課題内容</a:t>
+              <a:t>（必須）</a:t>
             </a:r>
             <a:endParaRPr b="1" dirty="0">
               <a:solidFill>
@@ -11998,7 +11993,7 @@
             </a:endParaRPr>
           </a:p>
           <a:p>
-            <a:pPr marL="0" lvl="0" indent="0" algn="l" rtl="0">
+            <a:pPr marL="457200" lvl="0" indent="0" algn="l" rtl="0">
               <a:spcBef>
                 <a:spcPts val="0"/>
               </a:spcBef>
@@ -12013,7 +12008,7 @@
                   <a:schemeClr val="dk1"/>
                 </a:solidFill>
               </a:rPr>
-              <a:t>（必須）</a:t>
+              <a:t>画像分類モデルを自前で組んで、CIFAR-10で分類精度55%以上を達成する。</a:t>
             </a:r>
             <a:endParaRPr dirty="0">
               <a:solidFill>
@@ -12022,13 +12017,18 @@
             </a:endParaRPr>
           </a:p>
           <a:p>
-            <a:pPr marL="457200" lvl="0" indent="0" algn="l" rtl="0">
-              <a:spcBef>
-                <a:spcPts val="0"/>
-              </a:spcBef>
-              <a:spcAft>
-                <a:spcPts val="0"/>
-              </a:spcAft>
+            <a:pPr marL="0" lvl="0" indent="0" algn="l" rtl="0">
+              <a:spcBef>
+                <a:spcPts val="0"/>
+              </a:spcBef>
+              <a:spcAft>
+                <a:spcPts val="0"/>
+              </a:spcAft>
+              <a:buClr>
+                <a:schemeClr val="dk1"/>
+              </a:buClr>
+              <a:buSzPts val="1100"/>
+              <a:buFont typeface="Arial"/>
               <a:buNone/>
             </a:pPr>
             <a:r>
@@ -12037,7 +12037,7 @@
                   <a:schemeClr val="dk1"/>
                 </a:solidFill>
               </a:rPr>
-              <a:t>自由にモデルを組んで、CIFAR-10の分類精度を55%以上にしてください。</a:t>
+              <a:t>実装するファイル</a:t>
             </a:r>
             <a:endParaRPr dirty="0">
               <a:solidFill>
@@ -12046,115 +12046,17 @@
             </a:endParaRPr>
           </a:p>
           <a:p>
-            <a:pPr marL="0" lvl="0" indent="0" algn="l" rtl="0">
-              <a:spcBef>
-                <a:spcPts val="0"/>
-              </a:spcBef>
-              <a:spcAft>
-                <a:spcPts val="0"/>
-              </a:spcAft>
-              <a:buNone/>
-            </a:pPr>
-            <a:endParaRPr dirty="0">
-              <a:solidFill>
+            <a:pPr marL="457200" lvl="0" indent="-342900" algn="l" rtl="0">
+              <a:spcBef>
+                <a:spcPts val="0"/>
+              </a:spcBef>
+              <a:spcAft>
+                <a:spcPts val="0"/>
+              </a:spcAft>
+              <a:buClr>
                 <a:schemeClr val="dk1"/>
-              </a:solidFill>
-            </a:endParaRPr>
-          </a:p>
-          <a:p>
-            <a:pPr marL="0" lvl="0" indent="0" algn="l" rtl="0">
-              <a:spcBef>
-                <a:spcPts val="0"/>
-              </a:spcBef>
-              <a:spcAft>
-                <a:spcPts val="0"/>
-              </a:spcAft>
-              <a:buNone/>
-            </a:pPr>
-            <a:r>
-              <a:rPr lang="ja" dirty="0">
-                <a:solidFill>
-                  <a:schemeClr val="dk1"/>
-                </a:solidFill>
-              </a:rPr>
-              <a:t>（任意）</a:t>
-            </a:r>
-            <a:endParaRPr dirty="0">
-              <a:solidFill>
-                <a:schemeClr val="dk1"/>
-              </a:solidFill>
-            </a:endParaRPr>
-          </a:p>
-          <a:p>
-            <a:pPr marL="457200" lvl="1" indent="0">
-              <a:buNone/>
-            </a:pPr>
-            <a:r>
-              <a:rPr lang="ja" sz="1800" dirty="0">
-                <a:solidFill>
-                  <a:schemeClr val="dk1"/>
-                </a:solidFill>
-              </a:rPr>
-              <a:t>ResNetで学習し、自分で組んだモデルと分類精度を比較してください。</a:t>
-            </a:r>
-            <a:endParaRPr sz="1800" dirty="0">
-              <a:solidFill>
-                <a:schemeClr val="dk1"/>
-              </a:solidFill>
-            </a:endParaRPr>
-          </a:p>
-          <a:p>
-            <a:pPr marL="0" lvl="0" indent="0" algn="l" rtl="0">
-              <a:spcBef>
-                <a:spcPts val="0"/>
-              </a:spcBef>
-              <a:spcAft>
-                <a:spcPts val="0"/>
-              </a:spcAft>
-              <a:buNone/>
-            </a:pPr>
-            <a:endParaRPr dirty="0">
-              <a:solidFill>
-                <a:schemeClr val="dk1"/>
-              </a:solidFill>
-            </a:endParaRPr>
-          </a:p>
-          <a:p>
-            <a:pPr marL="0" lvl="0" indent="0" algn="l" rtl="0">
-              <a:spcBef>
-                <a:spcPts val="0"/>
-              </a:spcBef>
-              <a:spcAft>
-                <a:spcPts val="0"/>
-              </a:spcAft>
-              <a:buNone/>
-            </a:pPr>
-            <a:r>
-              <a:rPr lang="ja" dirty="0">
-                <a:solidFill>
-                  <a:schemeClr val="dk1"/>
-                </a:solidFill>
-              </a:rPr>
-              <a:t>以下の4つを実装してください。</a:t>
-            </a:r>
-            <a:endParaRPr dirty="0">
-              <a:solidFill>
-                <a:schemeClr val="dk1"/>
-              </a:solidFill>
-            </a:endParaRPr>
-          </a:p>
-          <a:p>
-            <a:pPr marL="457200" lvl="0" indent="-334327" algn="l" rtl="0">
-              <a:spcBef>
-                <a:spcPts val="0"/>
-              </a:spcBef>
-              <a:spcAft>
-                <a:spcPts val="0"/>
-              </a:spcAft>
-              <a:buClr>
-                <a:schemeClr val="dk1"/>
-              </a:buClr>
-              <a:buSzPct val="100000"/>
+              </a:buClr>
+              <a:buSzPts val="1800"/>
               <a:buChar char="●"/>
             </a:pPr>
             <a:r>
@@ -12172,7 +12074,7 @@
             </a:endParaRPr>
           </a:p>
           <a:p>
-            <a:pPr marL="457200" lvl="0" indent="-334327" algn="l" rtl="0">
+            <a:pPr marL="457200" lvl="0" indent="-342900" algn="l" rtl="0">
               <a:spcBef>
                 <a:spcPts val="0"/>
               </a:spcBef>
@@ -12182,7 +12084,7 @@
               <a:buClr>
                 <a:schemeClr val="dk1"/>
               </a:buClr>
-              <a:buSzPct val="100000"/>
+              <a:buSzPts val="1800"/>
               <a:buChar char="●"/>
             </a:pPr>
             <a:r>
@@ -12200,7 +12102,7 @@
             </a:endParaRPr>
           </a:p>
           <a:p>
-            <a:pPr marL="457200" lvl="0" indent="-334327" algn="l" rtl="0">
+            <a:pPr marL="457200" lvl="0" indent="-342900" algn="l" rtl="0">
               <a:spcBef>
                 <a:spcPts val="0"/>
               </a:spcBef>
@@ -12210,7 +12112,7 @@
               <a:buClr>
                 <a:schemeClr val="dk1"/>
               </a:buClr>
-              <a:buSzPct val="100000"/>
+              <a:buSzPts val="1800"/>
               <a:buChar char="●"/>
             </a:pPr>
             <a:r>
@@ -12228,7 +12130,7 @@
             </a:endParaRPr>
           </a:p>
           <a:p>
-            <a:pPr marL="457200" lvl="0" indent="-334327" algn="l" rtl="0">
+            <a:pPr marL="457200" lvl="0" indent="-342900" algn="l" rtl="0">
               <a:spcBef>
                 <a:spcPts val="0"/>
               </a:spcBef>
@@ -12238,7 +12140,7 @@
               <a:buClr>
                 <a:schemeClr val="dk1"/>
               </a:buClr>
-              <a:buSzPct val="100000"/>
+              <a:buSzPts val="1800"/>
               <a:buChar char="●"/>
             </a:pPr>
             <a:r>
@@ -12274,6 +12176,101 @@
               <a:buNone/>
             </a:pPr>
             <a:endParaRPr dirty="0">
+              <a:solidFill>
+                <a:schemeClr val="dk1"/>
+              </a:solidFill>
+            </a:endParaRPr>
+          </a:p>
+          <a:p>
+            <a:pPr marL="0" lvl="0" indent="0" algn="l" rtl="0">
+              <a:spcBef>
+                <a:spcPts val="0"/>
+              </a:spcBef>
+              <a:spcAft>
+                <a:spcPts val="0"/>
+              </a:spcAft>
+              <a:buNone/>
+            </a:pPr>
+            <a:r>
+              <a:rPr lang="ja" b="1" dirty="0">
+                <a:solidFill>
+                  <a:schemeClr val="dk1"/>
+                </a:solidFill>
+              </a:rPr>
+              <a:t>（任意）</a:t>
+            </a:r>
+            <a:endParaRPr b="1" dirty="0">
+              <a:solidFill>
+                <a:schemeClr val="dk1"/>
+              </a:solidFill>
+            </a:endParaRPr>
+          </a:p>
+          <a:p>
+            <a:pPr marL="457200" lvl="1" indent="0">
+              <a:buNone/>
+            </a:pPr>
+            <a:r>
+              <a:rPr lang="ja" sz="1800" dirty="0">
+                <a:solidFill>
+                  <a:schemeClr val="dk1"/>
+                </a:solidFill>
+              </a:rPr>
+              <a:t>ResNet18で学習を行い、自分で組んだモデルと分類精度を比較する。</a:t>
+            </a:r>
+            <a:endParaRPr sz="1800" dirty="0">
+              <a:solidFill>
+                <a:srgbClr val="1D1C1D"/>
+              </a:solidFill>
+            </a:endParaRPr>
+          </a:p>
+          <a:p>
+            <a:pPr marL="0" lvl="0" indent="0" algn="l" rtl="0">
+              <a:spcBef>
+                <a:spcPts val="0"/>
+              </a:spcBef>
+              <a:spcAft>
+                <a:spcPts val="0"/>
+              </a:spcAft>
+              <a:buNone/>
+            </a:pPr>
+            <a:r>
+              <a:rPr lang="ja" dirty="0">
+                <a:solidFill>
+                  <a:schemeClr val="dk1"/>
+                </a:solidFill>
+              </a:rPr>
+              <a:t>TorchvisionからResNetを利用することができる</a:t>
+            </a:r>
+            <a:endParaRPr dirty="0">
+              <a:solidFill>
+                <a:schemeClr val="dk1"/>
+              </a:solidFill>
+            </a:endParaRPr>
+          </a:p>
+          <a:p>
+            <a:pPr marL="457200" lvl="0" indent="-317500" algn="l" rtl="0">
+              <a:spcBef>
+                <a:spcPts val="0"/>
+              </a:spcBef>
+              <a:spcAft>
+                <a:spcPts val="0"/>
+              </a:spcAft>
+              <a:buClr>
+                <a:schemeClr val="dk1"/>
+              </a:buClr>
+              <a:buSzPts val="1400"/>
+              <a:buChar char="●"/>
+            </a:pPr>
+            <a:r>
+              <a:rPr lang="ja" sz="1400" u="sng" dirty="0">
+                <a:solidFill>
+                  <a:schemeClr val="hlink"/>
+                </a:solidFill>
+                <a:hlinkClick r:id="rId3"/>
+              </a:rPr>
+              <a:t>https://pytorch.org/vision/main/models/generated/torchvision.models.resnet18.html</a:t>
+            </a:r>
+            <a:endParaRPr sz="1400" dirty="0">
               <a:solidFill>
                 <a:schemeClr val="dk1"/>
               </a:solidFill>
@@ -15134,7 +15131,7 @@
           <p:cNvPr id="3" name="タイトル 2">
             <a:extLst>
               <a:ext uri="{FF2B5EF4-FFF2-40B4-BE49-F238E27FC236}">
-                <a16:creationId xmlns:a16="http://schemas.microsoft.com/office/drawing/2014/main" id="{1E2731B5-7816-2159-AEF1-6AD72D80E0C3}"/>
+                <a16:creationId xmlns:a16="http://schemas.microsoft.com/office/drawing/2014/main" id="{F0E27DC6-BACB-E231-1BF1-5530D203E3C5}"/>
               </a:ext>
             </a:extLst>
           </p:cNvPr>
@@ -15163,7 +15160,7 @@
     </p:spTree>
     <p:extLst>
       <p:ext uri="{BB962C8B-B14F-4D97-AF65-F5344CB8AC3E}">
-        <p14:creationId xmlns:p14="http://schemas.microsoft.com/office/powerpoint/2010/main" val="1385327282"/>
+        <p14:creationId xmlns:p14="http://schemas.microsoft.com/office/powerpoint/2010/main" val="4040831324"/>
       </p:ext>
     </p:extLst>
   </p:cSld>
@@ -15435,7 +15432,7 @@
           <p:cNvPr id="3" name="タイトル 2">
             <a:extLst>
               <a:ext uri="{FF2B5EF4-FFF2-40B4-BE49-F238E27FC236}">
-                <a16:creationId xmlns:a16="http://schemas.microsoft.com/office/drawing/2014/main" id="{B1FE7E45-C103-9257-0A88-F68BF254F5AB}"/>
+                <a16:creationId xmlns:a16="http://schemas.microsoft.com/office/drawing/2014/main" id="{351071AC-1D4A-419F-0B28-59642631F0F0}"/>
               </a:ext>
             </a:extLst>
           </p:cNvPr>
@@ -15484,11 +15481,6 @@
         </p:txBody>
       </p:sp>
     </p:spTree>
-    <p:extLst>
-      <p:ext uri="{BB962C8B-B14F-4D97-AF65-F5344CB8AC3E}">
-        <p14:creationId xmlns:p14="http://schemas.microsoft.com/office/powerpoint/2010/main" val="3786896237"/>
-      </p:ext>
-    </p:extLst>
   </p:cSld>
   <p:clrMapOvr>
     <a:masterClrMapping/>

--- a/slides/08/PyTorch講座8.pptx
+++ b/slides/08/PyTorch講座8.pptx
@@ -1,36 +1,36 @@
 
 <file path=ppt/presentation.xml><?xml version="1.0" encoding="utf-8"?>
-<p:presentation xmlns:a="http://schemas.openxmlformats.org/drawingml/2006/main" xmlns:r="http://schemas.openxmlformats.org/officeDocument/2006/relationships" xmlns:p="http://schemas.openxmlformats.org/presentationml/2006/main" strictFirstAndLastChars="0" saveSubsetFonts="1" autoCompressPictures="0">
+<p:presentation xmlns:a="http://schemas.openxmlformats.org/drawingml/2006/main" xmlns:r="http://schemas.openxmlformats.org/officeDocument/2006/relationships" xmlns:mc="http://schemas.openxmlformats.org/markup-compatibility/2006" xmlns:mv="urn:schemas-microsoft-com:mac:vml" xmlns:p="http://schemas.openxmlformats.org/presentationml/2006/main" xmlns:c="http://schemas.openxmlformats.org/drawingml/2006/chart" xmlns:dgm="http://schemas.openxmlformats.org/drawingml/2006/diagram" xmlns:o="urn:schemas-microsoft-com:office:office" xmlns:v="urn:schemas-microsoft-com:vml" xmlns:pvml="urn:schemas-microsoft-com:office:powerpoint" xmlns:com="http://schemas.openxmlformats.org/drawingml/2006/compatibility" xmlns:p14="http://schemas.microsoft.com/office/powerpoint/2010/main" xmlns:p15="http://schemas.microsoft.com/office/powerpoint/2012/main" xmlns:ahyp="http://schemas.microsoft.com/office/drawing/2018/hyperlinkcolor" autoCompressPictures="0" strictFirstAndLastChars="0" saveSubsetFonts="1">
   <p:sldMasterIdLst>
-    <p:sldMasterId id="2147483648" r:id="rId1"/>
+    <p:sldMasterId id="2147483648" r:id="rId4"/>
   </p:sldMasterIdLst>
   <p:notesMasterIdLst>
-    <p:notesMasterId r:id="rId20"/>
+    <p:notesMasterId r:id="rId5"/>
   </p:notesMasterIdLst>
   <p:sldIdLst>
-    <p:sldId id="256" r:id="rId2"/>
-    <p:sldId id="257" r:id="rId3"/>
-    <p:sldId id="258" r:id="rId4"/>
-    <p:sldId id="259" r:id="rId5"/>
-    <p:sldId id="260" r:id="rId6"/>
-    <p:sldId id="274" r:id="rId7"/>
-    <p:sldId id="262" r:id="rId8"/>
-    <p:sldId id="263" r:id="rId9"/>
-    <p:sldId id="264" r:id="rId10"/>
-    <p:sldId id="265" r:id="rId11"/>
-    <p:sldId id="266" r:id="rId12"/>
-    <p:sldId id="267" r:id="rId13"/>
-    <p:sldId id="268" r:id="rId14"/>
-    <p:sldId id="269" r:id="rId15"/>
-    <p:sldId id="270" r:id="rId16"/>
-    <p:sldId id="271" r:id="rId17"/>
-    <p:sldId id="272" r:id="rId18"/>
-    <p:sldId id="273" r:id="rId19"/>
+    <p:sldId id="256" r:id="rId6"/>
+    <p:sldId id="257" r:id="rId7"/>
+    <p:sldId id="258" r:id="rId8"/>
+    <p:sldId id="259" r:id="rId9"/>
+    <p:sldId id="260" r:id="rId10"/>
+    <p:sldId id="261" r:id="rId11"/>
+    <p:sldId id="262" r:id="rId12"/>
+    <p:sldId id="263" r:id="rId13"/>
+    <p:sldId id="264" r:id="rId14"/>
+    <p:sldId id="265" r:id="rId15"/>
+    <p:sldId id="266" r:id="rId16"/>
+    <p:sldId id="267" r:id="rId17"/>
+    <p:sldId id="268" r:id="rId18"/>
+    <p:sldId id="269" r:id="rId19"/>
+    <p:sldId id="270" r:id="rId20"/>
+    <p:sldId id="271" r:id="rId21"/>
+    <p:sldId id="272" r:id="rId22"/>
+    <p:sldId id="273" r:id="rId23"/>
   </p:sldIdLst>
-  <p:sldSz cx="9144000" cy="5143500" type="screen16x9"/>
+  <p:sldSz cy="5143500" cx="9144000"/>
   <p:notesSz cx="6858000" cy="9144000"/>
   <p:defaultTextStyle>
-    <a:defPPr marR="0" lvl="0" algn="l" rtl="0">
+    <a:defPPr lvl="0" marR="0" rtl="0" algn="l">
       <a:lnSpc>
         <a:spcPct val="100000"/>
       </a:lnSpc>
@@ -41,7 +41,7 @@
         <a:spcPts val="0"/>
       </a:spcAft>
     </a:defPPr>
-    <a:lvl1pPr marR="0" lvl="0" algn="l" rtl="0">
+    <a:lvl1pPr lvl="0" marR="0" rtl="0" algn="l">
       <a:lnSpc>
         <a:spcPct val="100000"/>
       </a:lnSpc>
@@ -55,7 +55,7 @@
         <a:srgbClr val="000000"/>
       </a:buClr>
       <a:buFont typeface="Arial"/>
-      <a:defRPr sz="1400" b="0" i="0" u="none" strike="noStrike" cap="none">
+      <a:defRPr b="0" i="0" sz="1400" u="none" cap="none" strike="noStrike">
         <a:solidFill>
           <a:srgbClr val="000000"/>
         </a:solidFill>
@@ -65,7 +65,7 @@
         <a:sym typeface="Arial"/>
       </a:defRPr>
     </a:lvl1pPr>
-    <a:lvl2pPr marR="0" lvl="1" algn="l" rtl="0">
+    <a:lvl2pPr lvl="1" marR="0" rtl="0" algn="l">
       <a:lnSpc>
         <a:spcPct val="100000"/>
       </a:lnSpc>
@@ -79,7 +79,7 @@
         <a:srgbClr val="000000"/>
       </a:buClr>
       <a:buFont typeface="Arial"/>
-      <a:defRPr sz="1400" b="0" i="0" u="none" strike="noStrike" cap="none">
+      <a:defRPr b="0" i="0" sz="1400" u="none" cap="none" strike="noStrike">
         <a:solidFill>
           <a:srgbClr val="000000"/>
         </a:solidFill>
@@ -89,7 +89,7 @@
         <a:sym typeface="Arial"/>
       </a:defRPr>
     </a:lvl2pPr>
-    <a:lvl3pPr marR="0" lvl="2" algn="l" rtl="0">
+    <a:lvl3pPr lvl="2" marR="0" rtl="0" algn="l">
       <a:lnSpc>
         <a:spcPct val="100000"/>
       </a:lnSpc>
@@ -103,7 +103,7 @@
         <a:srgbClr val="000000"/>
       </a:buClr>
       <a:buFont typeface="Arial"/>
-      <a:defRPr sz="1400" b="0" i="0" u="none" strike="noStrike" cap="none">
+      <a:defRPr b="0" i="0" sz="1400" u="none" cap="none" strike="noStrike">
         <a:solidFill>
           <a:srgbClr val="000000"/>
         </a:solidFill>
@@ -113,7 +113,7 @@
         <a:sym typeface="Arial"/>
       </a:defRPr>
     </a:lvl3pPr>
-    <a:lvl4pPr marR="0" lvl="3" algn="l" rtl="0">
+    <a:lvl4pPr lvl="3" marR="0" rtl="0" algn="l">
       <a:lnSpc>
         <a:spcPct val="100000"/>
       </a:lnSpc>
@@ -127,7 +127,7 @@
         <a:srgbClr val="000000"/>
       </a:buClr>
       <a:buFont typeface="Arial"/>
-      <a:defRPr sz="1400" b="0" i="0" u="none" strike="noStrike" cap="none">
+      <a:defRPr b="0" i="0" sz="1400" u="none" cap="none" strike="noStrike">
         <a:solidFill>
           <a:srgbClr val="000000"/>
         </a:solidFill>
@@ -137,7 +137,7 @@
         <a:sym typeface="Arial"/>
       </a:defRPr>
     </a:lvl4pPr>
-    <a:lvl5pPr marR="0" lvl="4" algn="l" rtl="0">
+    <a:lvl5pPr lvl="4" marR="0" rtl="0" algn="l">
       <a:lnSpc>
         <a:spcPct val="100000"/>
       </a:lnSpc>
@@ -151,7 +151,7 @@
         <a:srgbClr val="000000"/>
       </a:buClr>
       <a:buFont typeface="Arial"/>
-      <a:defRPr sz="1400" b="0" i="0" u="none" strike="noStrike" cap="none">
+      <a:defRPr b="0" i="0" sz="1400" u="none" cap="none" strike="noStrike">
         <a:solidFill>
           <a:srgbClr val="000000"/>
         </a:solidFill>
@@ -161,7 +161,7 @@
         <a:sym typeface="Arial"/>
       </a:defRPr>
     </a:lvl5pPr>
-    <a:lvl6pPr marR="0" lvl="5" algn="l" rtl="0">
+    <a:lvl6pPr lvl="5" marR="0" rtl="0" algn="l">
       <a:lnSpc>
         <a:spcPct val="100000"/>
       </a:lnSpc>
@@ -175,7 +175,7 @@
         <a:srgbClr val="000000"/>
       </a:buClr>
       <a:buFont typeface="Arial"/>
-      <a:defRPr sz="1400" b="0" i="0" u="none" strike="noStrike" cap="none">
+      <a:defRPr b="0" i="0" sz="1400" u="none" cap="none" strike="noStrike">
         <a:solidFill>
           <a:srgbClr val="000000"/>
         </a:solidFill>
@@ -185,7 +185,7 @@
         <a:sym typeface="Arial"/>
       </a:defRPr>
     </a:lvl6pPr>
-    <a:lvl7pPr marR="0" lvl="6" algn="l" rtl="0">
+    <a:lvl7pPr lvl="6" marR="0" rtl="0" algn="l">
       <a:lnSpc>
         <a:spcPct val="100000"/>
       </a:lnSpc>
@@ -199,7 +199,7 @@
         <a:srgbClr val="000000"/>
       </a:buClr>
       <a:buFont typeface="Arial"/>
-      <a:defRPr sz="1400" b="0" i="0" u="none" strike="noStrike" cap="none">
+      <a:defRPr b="0" i="0" sz="1400" u="none" cap="none" strike="noStrike">
         <a:solidFill>
           <a:srgbClr val="000000"/>
         </a:solidFill>
@@ -209,7 +209,7 @@
         <a:sym typeface="Arial"/>
       </a:defRPr>
     </a:lvl7pPr>
-    <a:lvl8pPr marR="0" lvl="7" algn="l" rtl="0">
+    <a:lvl8pPr lvl="7" marR="0" rtl="0" algn="l">
       <a:lnSpc>
         <a:spcPct val="100000"/>
       </a:lnSpc>
@@ -223,7 +223,7 @@
         <a:srgbClr val="000000"/>
       </a:buClr>
       <a:buFont typeface="Arial"/>
-      <a:defRPr sz="1400" b="0" i="0" u="none" strike="noStrike" cap="none">
+      <a:defRPr b="0" i="0" sz="1400" u="none" cap="none" strike="noStrike">
         <a:solidFill>
           <a:srgbClr val="000000"/>
         </a:solidFill>
@@ -233,7 +233,7 @@
         <a:sym typeface="Arial"/>
       </a:defRPr>
     </a:lvl8pPr>
-    <a:lvl9pPr marR="0" lvl="8" algn="l" rtl="0">
+    <a:lvl9pPr lvl="8" marR="0" rtl="0" algn="l">
       <a:lnSpc>
         <a:spcPct val="100000"/>
       </a:lnSpc>
@@ -247,7 +247,7 @@
         <a:srgbClr val="000000"/>
       </a:buClr>
       <a:buFont typeface="Arial"/>
-      <a:defRPr sz="1400" b="0" i="0" u="none" strike="noStrike" cap="none">
+      <a:defRPr b="0" i="0" sz="1400" u="none" cap="none" strike="noStrike">
         <a:solidFill>
           <a:srgbClr val="000000"/>
         </a:solidFill>
@@ -260,7 +260,7 @@
   </p:defaultTextStyle>
   <p:extLst>
     <p:ext uri="{EFAFB233-063F-42B5-8137-9DF3F51BA10A}">
-      <p15:sldGuideLst xmlns:p15="http://schemas.microsoft.com/office/powerpoint/2012/main">
+      <p15:sldGuideLst>
         <p15:guide id="1" orient="horz" pos="1620">
           <p15:clr>
             <a:srgbClr val="747775"/>
@@ -274,23 +274,18 @@
       </p15:sldGuideLst>
     </p:ext>
     <p:ext uri="GoogleSlidesCustomDataVersion2">
-      <go:slidesCustomData xmlns:go="http://customooxmlschemas.google.com/" xmlns:ahyp="http://schemas.microsoft.com/office/drawing/2018/hyperlinkcolor" xmlns:p15="http://schemas.microsoft.com/office/powerpoint/2012/main" xmlns:p14="http://schemas.microsoft.com/office/powerpoint/2010/main" xmlns:com="http://schemas.openxmlformats.org/drawingml/2006/compatibility" xmlns:pvml="urn:schemas-microsoft-com:office:powerpoint" xmlns:v="urn:schemas-microsoft-com:vml" xmlns:o="urn:schemas-microsoft-com:office:office" xmlns:dgm="http://schemas.openxmlformats.org/drawingml/2006/diagram" xmlns:c="http://schemas.openxmlformats.org/drawingml/2006/chart" xmlns:mv="urn:schemas-microsoft-com:mac:vml" xmlns:mc="http://schemas.openxmlformats.org/markup-compatibility/2006" xmlns="" r:id="rId24" roundtripDataSignature="AMtx7mjHHSHJuM5r7f9BSZIQ1ilbVEAJQw=="/>
+      <go:slidesCustomData xmlns:go="http://customooxmlschemas.google.com/" r:id="rId24" roundtripDataSignature="AMtx7mjHHSHJuM5r7f9BSZIQ1ilbVEAJQw=="/>
     </p:ext>
   </p:extLst>
 </p:presentation>
 </file>
 
 <file path=ppt/notesMasters/notesMaster1.xml><?xml version="1.0" encoding="utf-8"?>
-<p:notesMaster xmlns:a="http://schemas.openxmlformats.org/drawingml/2006/main" xmlns:r="http://schemas.openxmlformats.org/officeDocument/2006/relationships" xmlns:p="http://schemas.openxmlformats.org/presentationml/2006/main">
+<p:notesMaster xmlns:a="http://schemas.openxmlformats.org/drawingml/2006/main" xmlns:r="http://schemas.openxmlformats.org/officeDocument/2006/relationships" xmlns:mc="http://schemas.openxmlformats.org/markup-compatibility/2006" xmlns:mv="urn:schemas-microsoft-com:mac:vml" xmlns:p="http://schemas.openxmlformats.org/presentationml/2006/main" xmlns:c="http://schemas.openxmlformats.org/drawingml/2006/chart" xmlns:dgm="http://schemas.openxmlformats.org/drawingml/2006/diagram" xmlns:o="urn:schemas-microsoft-com:office:office" xmlns:v="urn:schemas-microsoft-com:vml" xmlns:pvml="urn:schemas-microsoft-com:office:powerpoint" xmlns:com="http://schemas.openxmlformats.org/drawingml/2006/compatibility" xmlns:p14="http://schemas.microsoft.com/office/powerpoint/2010/main" xmlns:p15="http://schemas.microsoft.com/office/powerpoint/2012/main" xmlns:ahyp="http://schemas.microsoft.com/office/drawing/2018/hyperlinkcolor">
   <p:cSld>
-    <p:bg>
-      <p:bgRef idx="1001">
-        <a:schemeClr val="bg1"/>
-      </p:bgRef>
-    </p:bg>
     <p:spTree>
       <p:nvGrpSpPr>
-        <p:cNvPr id="1" name="Shape 2"/>
+        <p:cNvPr id="2" name="Shape 2"/>
         <p:cNvGrpSpPr/>
         <p:nvPr/>
       </p:nvGrpSpPr>
@@ -305,11 +300,9 @@
       <p:sp>
         <p:nvSpPr>
           <p:cNvPr id="3" name="Google Shape;3;n"/>
-          <p:cNvSpPr>
-            <a:spLocks noGrp="1" noRot="1" noChangeAspect="1"/>
-          </p:cNvSpPr>
+          <p:cNvSpPr/>
           <p:nvPr>
-            <p:ph type="sldImg" idx="2"/>
+            <p:ph idx="2" type="sldImg"/>
           </p:nvPr>
         </p:nvSpPr>
         <p:spPr>
@@ -318,13 +311,9 @@
             <a:ext cx="6096075" cy="3429000"/>
           </a:xfrm>
           <a:custGeom>
-            <a:avLst/>
-            <a:gdLst/>
-            <a:ahLst/>
-            <a:cxnLst/>
-            <a:rect l="l" t="t" r="r" b="b"/>
+            <a:rect b="b" l="l" r="r" t="t"/>
             <a:pathLst>
-              <a:path w="120000" h="120000" extrusionOk="0">
+              <a:path extrusionOk="0" h="120000" w="120000">
                 <a:moveTo>
                   <a:pt x="0" y="0"/>
                 </a:moveTo>
@@ -342,25 +331,23 @@
             </a:pathLst>
           </a:custGeom>
           <a:noFill/>
-          <a:ln w="9525" cap="flat" cmpd="sng">
+          <a:ln cap="flat" cmpd="sng" w="9525">
             <a:solidFill>
               <a:srgbClr val="000000"/>
             </a:solidFill>
             <a:prstDash val="solid"/>
             <a:round/>
-            <a:headEnd type="none" w="sm" len="sm"/>
-            <a:tailEnd type="none" w="sm" len="sm"/>
+            <a:headEnd len="sm" w="sm" type="none"/>
+            <a:tailEnd len="sm" w="sm" type="none"/>
           </a:ln>
         </p:spPr>
       </p:sp>
       <p:sp>
         <p:nvSpPr>
           <p:cNvPr id="4" name="Google Shape;4;n"/>
-          <p:cNvSpPr txBox="1">
-            <a:spLocks noGrp="1"/>
-          </p:cNvSpPr>
+          <p:cNvSpPr txBox="1"/>
           <p:nvPr>
-            <p:ph type="body" idx="1"/>
+            <p:ph idx="1" type="body"/>
           </p:nvPr>
         </p:nvSpPr>
         <p:spPr>
@@ -377,11 +364,11 @@
           </a:ln>
         </p:spPr>
         <p:txBody>
-          <a:bodyPr spcFirstLastPara="1" wrap="square" lIns="91425" tIns="91425" rIns="91425" bIns="91425" anchor="t" anchorCtr="0">
+          <a:bodyPr anchorCtr="0" anchor="t" bIns="91425" lIns="91425" spcFirstLastPara="1" rIns="91425" wrap="square" tIns="91425">
             <a:noAutofit/>
           </a:bodyPr>
           <a:lstStyle>
-            <a:lvl1pPr marL="457200" marR="0" lvl="0" indent="-298450" algn="l" rtl="0">
+            <a:lvl1pPr indent="-298450" lvl="0" marL="457200" marR="0" rtl="0" algn="l">
               <a:lnSpc>
                 <a:spcPct val="100000"/>
               </a:lnSpc>
@@ -397,7 +384,7 @@
               <a:buSzPts val="1100"/>
               <a:buFont typeface="Arial"/>
               <a:buChar char="●"/>
-              <a:defRPr sz="1100" b="0" i="0" u="none" strike="noStrike" cap="none">
+              <a:defRPr b="0" i="0" sz="1100" u="none" cap="none" strike="noStrike">
                 <a:solidFill>
                   <a:srgbClr val="000000"/>
                 </a:solidFill>
@@ -407,7 +394,7 @@
                 <a:sym typeface="Arial"/>
               </a:defRPr>
             </a:lvl1pPr>
-            <a:lvl2pPr marL="914400" marR="0" lvl="1" indent="-298450" algn="l" rtl="0">
+            <a:lvl2pPr indent="-298450" lvl="1" marL="914400" marR="0" rtl="0" algn="l">
               <a:lnSpc>
                 <a:spcPct val="100000"/>
               </a:lnSpc>
@@ -423,7 +410,7 @@
               <a:buSzPts val="1100"/>
               <a:buFont typeface="Arial"/>
               <a:buChar char="○"/>
-              <a:defRPr sz="1100" b="0" i="0" u="none" strike="noStrike" cap="none">
+              <a:defRPr b="0" i="0" sz="1100" u="none" cap="none" strike="noStrike">
                 <a:solidFill>
                   <a:srgbClr val="000000"/>
                 </a:solidFill>
@@ -433,7 +420,7 @@
                 <a:sym typeface="Arial"/>
               </a:defRPr>
             </a:lvl2pPr>
-            <a:lvl3pPr marL="1371600" marR="0" lvl="2" indent="-298450" algn="l" rtl="0">
+            <a:lvl3pPr indent="-298450" lvl="2" marL="1371600" marR="0" rtl="0" algn="l">
               <a:lnSpc>
                 <a:spcPct val="100000"/>
               </a:lnSpc>
@@ -449,7 +436,7 @@
               <a:buSzPts val="1100"/>
               <a:buFont typeface="Arial"/>
               <a:buChar char="■"/>
-              <a:defRPr sz="1100" b="0" i="0" u="none" strike="noStrike" cap="none">
+              <a:defRPr b="0" i="0" sz="1100" u="none" cap="none" strike="noStrike">
                 <a:solidFill>
                   <a:srgbClr val="000000"/>
                 </a:solidFill>
@@ -459,7 +446,7 @@
                 <a:sym typeface="Arial"/>
               </a:defRPr>
             </a:lvl3pPr>
-            <a:lvl4pPr marL="1828800" marR="0" lvl="3" indent="-298450" algn="l" rtl="0">
+            <a:lvl4pPr indent="-298450" lvl="3" marL="1828800" marR="0" rtl="0" algn="l">
               <a:lnSpc>
                 <a:spcPct val="100000"/>
               </a:lnSpc>
@@ -475,7 +462,7 @@
               <a:buSzPts val="1100"/>
               <a:buFont typeface="Arial"/>
               <a:buChar char="●"/>
-              <a:defRPr sz="1100" b="0" i="0" u="none" strike="noStrike" cap="none">
+              <a:defRPr b="0" i="0" sz="1100" u="none" cap="none" strike="noStrike">
                 <a:solidFill>
                   <a:srgbClr val="000000"/>
                 </a:solidFill>
@@ -485,7 +472,7 @@
                 <a:sym typeface="Arial"/>
               </a:defRPr>
             </a:lvl4pPr>
-            <a:lvl5pPr marL="2286000" marR="0" lvl="4" indent="-298450" algn="l" rtl="0">
+            <a:lvl5pPr indent="-298450" lvl="4" marL="2286000" marR="0" rtl="0" algn="l">
               <a:lnSpc>
                 <a:spcPct val="100000"/>
               </a:lnSpc>
@@ -501,7 +488,7 @@
               <a:buSzPts val="1100"/>
               <a:buFont typeface="Arial"/>
               <a:buChar char="○"/>
-              <a:defRPr sz="1100" b="0" i="0" u="none" strike="noStrike" cap="none">
+              <a:defRPr b="0" i="0" sz="1100" u="none" cap="none" strike="noStrike">
                 <a:solidFill>
                   <a:srgbClr val="000000"/>
                 </a:solidFill>
@@ -511,7 +498,7 @@
                 <a:sym typeface="Arial"/>
               </a:defRPr>
             </a:lvl5pPr>
-            <a:lvl6pPr marL="2743200" marR="0" lvl="5" indent="-298450" algn="l" rtl="0">
+            <a:lvl6pPr indent="-298450" lvl="5" marL="2743200" marR="0" rtl="0" algn="l">
               <a:lnSpc>
                 <a:spcPct val="100000"/>
               </a:lnSpc>
@@ -527,7 +514,7 @@
               <a:buSzPts val="1100"/>
               <a:buFont typeface="Arial"/>
               <a:buChar char="■"/>
-              <a:defRPr sz="1100" b="0" i="0" u="none" strike="noStrike" cap="none">
+              <a:defRPr b="0" i="0" sz="1100" u="none" cap="none" strike="noStrike">
                 <a:solidFill>
                   <a:srgbClr val="000000"/>
                 </a:solidFill>
@@ -537,7 +524,7 @@
                 <a:sym typeface="Arial"/>
               </a:defRPr>
             </a:lvl6pPr>
-            <a:lvl7pPr marL="3200400" marR="0" lvl="6" indent="-298450" algn="l" rtl="0">
+            <a:lvl7pPr indent="-298450" lvl="6" marL="3200400" marR="0" rtl="0" algn="l">
               <a:lnSpc>
                 <a:spcPct val="100000"/>
               </a:lnSpc>
@@ -553,7 +540,7 @@
               <a:buSzPts val="1100"/>
               <a:buFont typeface="Arial"/>
               <a:buChar char="●"/>
-              <a:defRPr sz="1100" b="0" i="0" u="none" strike="noStrike" cap="none">
+              <a:defRPr b="0" i="0" sz="1100" u="none" cap="none" strike="noStrike">
                 <a:solidFill>
                   <a:srgbClr val="000000"/>
                 </a:solidFill>
@@ -563,7 +550,7 @@
                 <a:sym typeface="Arial"/>
               </a:defRPr>
             </a:lvl7pPr>
-            <a:lvl8pPr marL="3657600" marR="0" lvl="7" indent="-298450" algn="l" rtl="0">
+            <a:lvl8pPr indent="-298450" lvl="7" marL="3657600" marR="0" rtl="0" algn="l">
               <a:lnSpc>
                 <a:spcPct val="100000"/>
               </a:lnSpc>
@@ -579,7 +566,7 @@
               <a:buSzPts val="1100"/>
               <a:buFont typeface="Arial"/>
               <a:buChar char="○"/>
-              <a:defRPr sz="1100" b="0" i="0" u="none" strike="noStrike" cap="none">
+              <a:defRPr b="0" i="0" sz="1100" u="none" cap="none" strike="noStrike">
                 <a:solidFill>
                   <a:srgbClr val="000000"/>
                 </a:solidFill>
@@ -589,7 +576,7 @@
                 <a:sym typeface="Arial"/>
               </a:defRPr>
             </a:lvl8pPr>
-            <a:lvl9pPr marL="4114800" marR="0" lvl="8" indent="-298450" algn="l" rtl="0">
+            <a:lvl9pPr indent="-298450" lvl="8" marL="4114800" marR="0" rtl="0" algn="l">
               <a:lnSpc>
                 <a:spcPct val="100000"/>
               </a:lnSpc>
@@ -605,7 +592,7 @@
               <a:buSzPts val="1100"/>
               <a:buFont typeface="Arial"/>
               <a:buChar char="■"/>
-              <a:defRPr sz="1100" b="0" i="0" u="none" strike="noStrike" cap="none">
+              <a:defRPr b="0" i="0" sz="1100" u="none" cap="none" strike="noStrike">
                 <a:solidFill>
                   <a:srgbClr val="000000"/>
                 </a:solidFill>
@@ -616,16 +603,14 @@
               </a:defRPr>
             </a:lvl9pPr>
           </a:lstStyle>
-          <a:p>
-            <a:endParaRPr/>
-          </a:p>
+          <a:p/>
         </p:txBody>
       </p:sp>
     </p:spTree>
   </p:cSld>
-  <p:clrMap bg1="lt1" tx1="dk1" bg2="dk2" tx2="lt2" accent1="accent1" accent2="accent2" accent3="accent3" accent4="accent4" accent5="accent5" accent6="accent6" hlink="hlink" folHlink="folHlink"/>
+  <p:clrMap accent1="accent1" accent2="accent2" accent3="accent3" accent4="accent4" accent5="accent5" accent6="accent6" bg1="lt1" bg2="dk2" tx1="dk1" tx2="lt2" folHlink="folHlink" hlink="hlink"/>
   <p:notesStyle>
-    <a:defPPr marR="0" lvl="0" algn="l" rtl="0">
+    <a:defPPr lvl="0" marR="0" rtl="0" algn="l">
       <a:lnSpc>
         <a:spcPct val="100000"/>
       </a:lnSpc>
@@ -636,7 +621,7 @@
         <a:spcPts val="0"/>
       </a:spcAft>
     </a:defPPr>
-    <a:lvl1pPr marR="0" lvl="0" algn="l" rtl="0">
+    <a:lvl1pPr lvl="0" marR="0" rtl="0" algn="l">
       <a:lnSpc>
         <a:spcPct val="100000"/>
       </a:lnSpc>
@@ -650,7 +635,7 @@
         <a:srgbClr val="000000"/>
       </a:buClr>
       <a:buFont typeface="Arial"/>
-      <a:defRPr sz="1400" b="0" i="0" u="none" strike="noStrike" cap="none">
+      <a:defRPr b="0" i="0" sz="1400" u="none" cap="none" strike="noStrike">
         <a:solidFill>
           <a:srgbClr val="000000"/>
         </a:solidFill>
@@ -660,7 +645,7 @@
         <a:sym typeface="Arial"/>
       </a:defRPr>
     </a:lvl1pPr>
-    <a:lvl2pPr marR="0" lvl="1" algn="l" rtl="0">
+    <a:lvl2pPr lvl="1" marR="0" rtl="0" algn="l">
       <a:lnSpc>
         <a:spcPct val="100000"/>
       </a:lnSpc>
@@ -674,7 +659,7 @@
         <a:srgbClr val="000000"/>
       </a:buClr>
       <a:buFont typeface="Arial"/>
-      <a:defRPr sz="1400" b="0" i="0" u="none" strike="noStrike" cap="none">
+      <a:defRPr b="0" i="0" sz="1400" u="none" cap="none" strike="noStrike">
         <a:solidFill>
           <a:srgbClr val="000000"/>
         </a:solidFill>
@@ -684,7 +669,7 @@
         <a:sym typeface="Arial"/>
       </a:defRPr>
     </a:lvl2pPr>
-    <a:lvl3pPr marR="0" lvl="2" algn="l" rtl="0">
+    <a:lvl3pPr lvl="2" marR="0" rtl="0" algn="l">
       <a:lnSpc>
         <a:spcPct val="100000"/>
       </a:lnSpc>
@@ -698,7 +683,7 @@
         <a:srgbClr val="000000"/>
       </a:buClr>
       <a:buFont typeface="Arial"/>
-      <a:defRPr sz="1400" b="0" i="0" u="none" strike="noStrike" cap="none">
+      <a:defRPr b="0" i="0" sz="1400" u="none" cap="none" strike="noStrike">
         <a:solidFill>
           <a:srgbClr val="000000"/>
         </a:solidFill>
@@ -708,7 +693,7 @@
         <a:sym typeface="Arial"/>
       </a:defRPr>
     </a:lvl3pPr>
-    <a:lvl4pPr marR="0" lvl="3" algn="l" rtl="0">
+    <a:lvl4pPr lvl="3" marR="0" rtl="0" algn="l">
       <a:lnSpc>
         <a:spcPct val="100000"/>
       </a:lnSpc>
@@ -722,7 +707,7 @@
         <a:srgbClr val="000000"/>
       </a:buClr>
       <a:buFont typeface="Arial"/>
-      <a:defRPr sz="1400" b="0" i="0" u="none" strike="noStrike" cap="none">
+      <a:defRPr b="0" i="0" sz="1400" u="none" cap="none" strike="noStrike">
         <a:solidFill>
           <a:srgbClr val="000000"/>
         </a:solidFill>
@@ -732,7 +717,7 @@
         <a:sym typeface="Arial"/>
       </a:defRPr>
     </a:lvl4pPr>
-    <a:lvl5pPr marR="0" lvl="4" algn="l" rtl="0">
+    <a:lvl5pPr lvl="4" marR="0" rtl="0" algn="l">
       <a:lnSpc>
         <a:spcPct val="100000"/>
       </a:lnSpc>
@@ -746,7 +731,7 @@
         <a:srgbClr val="000000"/>
       </a:buClr>
       <a:buFont typeface="Arial"/>
-      <a:defRPr sz="1400" b="0" i="0" u="none" strike="noStrike" cap="none">
+      <a:defRPr b="0" i="0" sz="1400" u="none" cap="none" strike="noStrike">
         <a:solidFill>
           <a:srgbClr val="000000"/>
         </a:solidFill>
@@ -756,7 +741,7 @@
         <a:sym typeface="Arial"/>
       </a:defRPr>
     </a:lvl5pPr>
-    <a:lvl6pPr marR="0" lvl="5" algn="l" rtl="0">
+    <a:lvl6pPr lvl="5" marR="0" rtl="0" algn="l">
       <a:lnSpc>
         <a:spcPct val="100000"/>
       </a:lnSpc>
@@ -770,7 +755,7 @@
         <a:srgbClr val="000000"/>
       </a:buClr>
       <a:buFont typeface="Arial"/>
-      <a:defRPr sz="1400" b="0" i="0" u="none" strike="noStrike" cap="none">
+      <a:defRPr b="0" i="0" sz="1400" u="none" cap="none" strike="noStrike">
         <a:solidFill>
           <a:srgbClr val="000000"/>
         </a:solidFill>
@@ -780,7 +765,7 @@
         <a:sym typeface="Arial"/>
       </a:defRPr>
     </a:lvl6pPr>
-    <a:lvl7pPr marR="0" lvl="6" algn="l" rtl="0">
+    <a:lvl7pPr lvl="6" marR="0" rtl="0" algn="l">
       <a:lnSpc>
         <a:spcPct val="100000"/>
       </a:lnSpc>
@@ -794,7 +779,7 @@
         <a:srgbClr val="000000"/>
       </a:buClr>
       <a:buFont typeface="Arial"/>
-      <a:defRPr sz="1400" b="0" i="0" u="none" strike="noStrike" cap="none">
+      <a:defRPr b="0" i="0" sz="1400" u="none" cap="none" strike="noStrike">
         <a:solidFill>
           <a:srgbClr val="000000"/>
         </a:solidFill>
@@ -804,7 +789,7 @@
         <a:sym typeface="Arial"/>
       </a:defRPr>
     </a:lvl7pPr>
-    <a:lvl8pPr marR="0" lvl="7" algn="l" rtl="0">
+    <a:lvl8pPr lvl="7" marR="0" rtl="0" algn="l">
       <a:lnSpc>
         <a:spcPct val="100000"/>
       </a:lnSpc>
@@ -818,7 +803,7 @@
         <a:srgbClr val="000000"/>
       </a:buClr>
       <a:buFont typeface="Arial"/>
-      <a:defRPr sz="1400" b="0" i="0" u="none" strike="noStrike" cap="none">
+      <a:defRPr b="0" i="0" sz="1400" u="none" cap="none" strike="noStrike">
         <a:solidFill>
           <a:srgbClr val="000000"/>
         </a:solidFill>
@@ -828,7 +813,7 @@
         <a:sym typeface="Arial"/>
       </a:defRPr>
     </a:lvl8pPr>
-    <a:lvl9pPr marR="0" lvl="8" algn="l" rtl="0">
+    <a:lvl9pPr lvl="8" marR="0" rtl="0" algn="l">
       <a:lnSpc>
         <a:spcPct val="100000"/>
       </a:lnSpc>
@@ -842,7 +827,7 @@
         <a:srgbClr val="000000"/>
       </a:buClr>
       <a:buFont typeface="Arial"/>
-      <a:defRPr sz="1400" b="0" i="0" u="none" strike="noStrike" cap="none">
+      <a:defRPr b="0" i="0" sz="1400" u="none" cap="none" strike="noStrike">
         <a:solidFill>
           <a:srgbClr val="000000"/>
         </a:solidFill>
@@ -857,11 +842,11 @@
 </file>
 
 <file path=ppt/notesSlides/notesSlide1.xml><?xml version="1.0" encoding="utf-8"?>
-<p:notes xmlns:a="http://schemas.openxmlformats.org/drawingml/2006/main" xmlns:r="http://schemas.openxmlformats.org/officeDocument/2006/relationships" xmlns:p="http://schemas.openxmlformats.org/presentationml/2006/main" showMasterSp="0" showMasterPhAnim="0">
+<p:notes xmlns:a="http://schemas.openxmlformats.org/drawingml/2006/main" xmlns:r="http://schemas.openxmlformats.org/officeDocument/2006/relationships" xmlns:mc="http://schemas.openxmlformats.org/markup-compatibility/2006" xmlns:mv="urn:schemas-microsoft-com:mac:vml" xmlns:p="http://schemas.openxmlformats.org/presentationml/2006/main" xmlns:c="http://schemas.openxmlformats.org/drawingml/2006/chart" xmlns:dgm="http://schemas.openxmlformats.org/drawingml/2006/diagram" xmlns:o="urn:schemas-microsoft-com:office:office" xmlns:v="urn:schemas-microsoft-com:vml" xmlns:pvml="urn:schemas-microsoft-com:office:powerpoint" xmlns:com="http://schemas.openxmlformats.org/drawingml/2006/compatibility" xmlns:p14="http://schemas.microsoft.com/office/powerpoint/2010/main" xmlns:p15="http://schemas.microsoft.com/office/powerpoint/2012/main" xmlns:ahyp="http://schemas.microsoft.com/office/drawing/2018/hyperlinkcolor" showMasterPhAnim="0" showMasterSp="0">
   <p:cSld>
     <p:spTree>
       <p:nvGrpSpPr>
-        <p:cNvPr id="1" name="Shape 50"/>
+        <p:cNvPr id="50" name="Shape 50"/>
         <p:cNvGrpSpPr/>
         <p:nvPr/>
       </p:nvGrpSpPr>
@@ -876,11 +861,9 @@
       <p:sp>
         <p:nvSpPr>
           <p:cNvPr id="51" name="Google Shape;51;p1:notes"/>
-          <p:cNvSpPr>
-            <a:spLocks noGrp="1" noRot="1" noChangeAspect="1"/>
-          </p:cNvSpPr>
+          <p:cNvSpPr/>
           <p:nvPr>
-            <p:ph type="sldImg" idx="2"/>
+            <p:ph idx="2" type="sldImg"/>
           </p:nvPr>
         </p:nvSpPr>
         <p:spPr>
@@ -889,13 +872,9 @@
             <a:ext cx="6096000" cy="3429000"/>
           </a:xfrm>
           <a:custGeom>
-            <a:avLst/>
-            <a:gdLst/>
-            <a:ahLst/>
-            <a:cxnLst/>
-            <a:rect l="l" t="t" r="r" b="b"/>
+            <a:rect b="b" l="l" r="r" t="t"/>
             <a:pathLst>
-              <a:path w="120000" h="120000" extrusionOk="0">
+              <a:path extrusionOk="0" h="120000" w="120000">
                 <a:moveTo>
                   <a:pt x="0" y="0"/>
                 </a:moveTo>
@@ -913,25 +892,23 @@
             </a:pathLst>
           </a:custGeom>
           <a:noFill/>
-          <a:ln w="9525" cap="flat" cmpd="sng">
+          <a:ln cap="flat" cmpd="sng" w="9525">
             <a:solidFill>
               <a:srgbClr val="000000"/>
             </a:solidFill>
             <a:prstDash val="solid"/>
             <a:round/>
-            <a:headEnd type="none" w="sm" len="sm"/>
-            <a:tailEnd type="none" w="sm" len="sm"/>
+            <a:headEnd len="sm" w="sm" type="none"/>
+            <a:tailEnd len="sm" w="sm" type="none"/>
           </a:ln>
         </p:spPr>
       </p:sp>
       <p:sp>
         <p:nvSpPr>
           <p:cNvPr id="52" name="Google Shape;52;p1:notes"/>
-          <p:cNvSpPr txBox="1">
-            <a:spLocks noGrp="1"/>
-          </p:cNvSpPr>
+          <p:cNvSpPr txBox="1"/>
           <p:nvPr>
-            <p:ph type="body" idx="1"/>
+            <p:ph idx="1" type="body"/>
           </p:nvPr>
         </p:nvSpPr>
         <p:spPr>
@@ -948,12 +925,12 @@
           </a:ln>
         </p:spPr>
         <p:txBody>
-          <a:bodyPr spcFirstLastPara="1" wrap="square" lIns="91425" tIns="91425" rIns="91425" bIns="91425" anchor="t" anchorCtr="0">
+          <a:bodyPr anchorCtr="0" anchor="t" bIns="91425" lIns="91425" spcFirstLastPara="1" rIns="91425" wrap="square" tIns="91425">
             <a:noAutofit/>
           </a:bodyPr>
           <a:lstStyle/>
           <a:p>
-            <a:pPr marL="0" lvl="0" indent="0" algn="l" rtl="0">
+            <a:pPr indent="0" lvl="0" marL="0" rtl="0" algn="l">
               <a:lnSpc>
                 <a:spcPct val="100000"/>
               </a:lnSpc>
@@ -966,6 +943,9 @@
               <a:buSzPts val="1100"/>
               <a:buNone/>
             </a:pPr>
+            <a:r>
+              <a:t/>
+            </a:r>
             <a:endParaRPr/>
           </a:p>
         </p:txBody>
@@ -979,11 +959,11 @@
 </file>
 
 <file path=ppt/notesSlides/notesSlide10.xml><?xml version="1.0" encoding="utf-8"?>
-<p:notes xmlns:a="http://schemas.openxmlformats.org/drawingml/2006/main" xmlns:r="http://schemas.openxmlformats.org/officeDocument/2006/relationships" xmlns:p="http://schemas.openxmlformats.org/presentationml/2006/main" showMasterSp="0" showMasterPhAnim="0">
+<p:notes xmlns:a="http://schemas.openxmlformats.org/drawingml/2006/main" xmlns:r="http://schemas.openxmlformats.org/officeDocument/2006/relationships" xmlns:mc="http://schemas.openxmlformats.org/markup-compatibility/2006" xmlns:mv="urn:schemas-microsoft-com:mac:vml" xmlns:p="http://schemas.openxmlformats.org/presentationml/2006/main" xmlns:c="http://schemas.openxmlformats.org/drawingml/2006/chart" xmlns:dgm="http://schemas.openxmlformats.org/drawingml/2006/diagram" xmlns:o="urn:schemas-microsoft-com:office:office" xmlns:v="urn:schemas-microsoft-com:vml" xmlns:pvml="urn:schemas-microsoft-com:office:powerpoint" xmlns:com="http://schemas.openxmlformats.org/drawingml/2006/compatibility" xmlns:p14="http://schemas.microsoft.com/office/powerpoint/2010/main" xmlns:p15="http://schemas.microsoft.com/office/powerpoint/2012/main" xmlns:ahyp="http://schemas.microsoft.com/office/drawing/2018/hyperlinkcolor" showMasterPhAnim="0" showMasterSp="0">
   <p:cSld>
     <p:spTree>
       <p:nvGrpSpPr>
-        <p:cNvPr id="1" name="Shape 132"/>
+        <p:cNvPr id="132" name="Shape 132"/>
         <p:cNvGrpSpPr/>
         <p:nvPr/>
       </p:nvGrpSpPr>
@@ -998,11 +978,9 @@
       <p:sp>
         <p:nvSpPr>
           <p:cNvPr id="133" name="Google Shape;133;g2a7c1fc1d97_1_163:notes"/>
-          <p:cNvSpPr>
-            <a:spLocks noGrp="1" noRot="1" noChangeAspect="1"/>
-          </p:cNvSpPr>
+          <p:cNvSpPr/>
           <p:nvPr>
-            <p:ph type="sldImg" idx="2"/>
+            <p:ph idx="2" type="sldImg"/>
           </p:nvPr>
         </p:nvSpPr>
         <p:spPr>
@@ -1011,13 +989,9 @@
             <a:ext cx="6096000" cy="3429000"/>
           </a:xfrm>
           <a:custGeom>
-            <a:avLst/>
-            <a:gdLst/>
-            <a:ahLst/>
-            <a:cxnLst/>
-            <a:rect l="l" t="t" r="r" b="b"/>
+            <a:rect b="b" l="l" r="r" t="t"/>
             <a:pathLst>
-              <a:path w="120000" h="120000" extrusionOk="0">
+              <a:path extrusionOk="0" h="120000" w="120000">
                 <a:moveTo>
                   <a:pt x="0" y="0"/>
                 </a:moveTo>
@@ -1039,11 +1013,9 @@
       <p:sp>
         <p:nvSpPr>
           <p:cNvPr id="134" name="Google Shape;134;g2a7c1fc1d97_1_163:notes"/>
-          <p:cNvSpPr txBox="1">
-            <a:spLocks noGrp="1"/>
-          </p:cNvSpPr>
+          <p:cNvSpPr txBox="1"/>
           <p:nvPr>
-            <p:ph type="body" idx="1"/>
+            <p:ph idx="1" type="body"/>
           </p:nvPr>
         </p:nvSpPr>
         <p:spPr>
@@ -1056,12 +1028,12 @@
           </a:prstGeom>
         </p:spPr>
         <p:txBody>
-          <a:bodyPr spcFirstLastPara="1" wrap="square" lIns="91425" tIns="91425" rIns="91425" bIns="91425" anchor="t" anchorCtr="0">
+          <a:bodyPr anchorCtr="0" anchor="t" bIns="91425" lIns="91425" spcFirstLastPara="1" rIns="91425" wrap="square" tIns="91425">
             <a:noAutofit/>
           </a:bodyPr>
           <a:lstStyle/>
           <a:p>
-            <a:pPr marL="0" lvl="0" indent="0" algn="l" rtl="0">
+            <a:pPr indent="0" lvl="0" marL="0" rtl="0" algn="l">
               <a:spcBef>
                 <a:spcPts val="0"/>
               </a:spcBef>
@@ -1070,6 +1042,9 @@
               </a:spcAft>
               <a:buNone/>
             </a:pPr>
+            <a:r>
+              <a:t/>
+            </a:r>
             <a:endParaRPr/>
           </a:p>
         </p:txBody>
@@ -1083,11 +1058,11 @@
 </file>
 
 <file path=ppt/notesSlides/notesSlide11.xml><?xml version="1.0" encoding="utf-8"?>
-<p:notes xmlns:a="http://schemas.openxmlformats.org/drawingml/2006/main" xmlns:r="http://schemas.openxmlformats.org/officeDocument/2006/relationships" xmlns:p="http://schemas.openxmlformats.org/presentationml/2006/main" showMasterSp="0" showMasterPhAnim="0">
+<p:notes xmlns:a="http://schemas.openxmlformats.org/drawingml/2006/main" xmlns:r="http://schemas.openxmlformats.org/officeDocument/2006/relationships" xmlns:mc="http://schemas.openxmlformats.org/markup-compatibility/2006" xmlns:mv="urn:schemas-microsoft-com:mac:vml" xmlns:p="http://schemas.openxmlformats.org/presentationml/2006/main" xmlns:c="http://schemas.openxmlformats.org/drawingml/2006/chart" xmlns:dgm="http://schemas.openxmlformats.org/drawingml/2006/diagram" xmlns:o="urn:schemas-microsoft-com:office:office" xmlns:v="urn:schemas-microsoft-com:vml" xmlns:pvml="urn:schemas-microsoft-com:office:powerpoint" xmlns:com="http://schemas.openxmlformats.org/drawingml/2006/compatibility" xmlns:p14="http://schemas.microsoft.com/office/powerpoint/2010/main" xmlns:p15="http://schemas.microsoft.com/office/powerpoint/2012/main" xmlns:ahyp="http://schemas.microsoft.com/office/drawing/2018/hyperlinkcolor" showMasterPhAnim="0" showMasterSp="0">
   <p:cSld>
     <p:spTree>
       <p:nvGrpSpPr>
-        <p:cNvPr id="1" name="Shape 141"/>
+        <p:cNvPr id="141" name="Shape 141"/>
         <p:cNvGrpSpPr/>
         <p:nvPr/>
       </p:nvGrpSpPr>
@@ -1102,11 +1077,9 @@
       <p:sp>
         <p:nvSpPr>
           <p:cNvPr id="142" name="Google Shape;142;g2a801c85953_3_91:notes"/>
-          <p:cNvSpPr>
-            <a:spLocks noGrp="1" noRot="1" noChangeAspect="1"/>
-          </p:cNvSpPr>
+          <p:cNvSpPr/>
           <p:nvPr>
-            <p:ph type="sldImg" idx="2"/>
+            <p:ph idx="2" type="sldImg"/>
           </p:nvPr>
         </p:nvSpPr>
         <p:spPr>
@@ -1115,13 +1088,9 @@
             <a:ext cx="6096000" cy="3429000"/>
           </a:xfrm>
           <a:custGeom>
-            <a:avLst/>
-            <a:gdLst/>
-            <a:ahLst/>
-            <a:cxnLst/>
-            <a:rect l="l" t="t" r="r" b="b"/>
+            <a:rect b="b" l="l" r="r" t="t"/>
             <a:pathLst>
-              <a:path w="120000" h="120000" extrusionOk="0">
+              <a:path extrusionOk="0" h="120000" w="120000">
                 <a:moveTo>
                   <a:pt x="0" y="0"/>
                 </a:moveTo>
@@ -1143,11 +1112,9 @@
       <p:sp>
         <p:nvSpPr>
           <p:cNvPr id="143" name="Google Shape;143;g2a801c85953_3_91:notes"/>
-          <p:cNvSpPr txBox="1">
-            <a:spLocks noGrp="1"/>
-          </p:cNvSpPr>
+          <p:cNvSpPr txBox="1"/>
           <p:nvPr>
-            <p:ph type="body" idx="1"/>
+            <p:ph idx="1" type="body"/>
           </p:nvPr>
         </p:nvSpPr>
         <p:spPr>
@@ -1160,12 +1127,12 @@
           </a:prstGeom>
         </p:spPr>
         <p:txBody>
-          <a:bodyPr spcFirstLastPara="1" wrap="square" lIns="91425" tIns="91425" rIns="91425" bIns="91425" anchor="t" anchorCtr="0">
+          <a:bodyPr anchorCtr="0" anchor="t" bIns="91425" lIns="91425" spcFirstLastPara="1" rIns="91425" wrap="square" tIns="91425">
             <a:noAutofit/>
           </a:bodyPr>
           <a:lstStyle/>
           <a:p>
-            <a:pPr marL="0" lvl="0" indent="0" algn="l" rtl="0">
+            <a:pPr indent="0" lvl="0" marL="0" rtl="0" algn="l">
               <a:spcBef>
                 <a:spcPts val="0"/>
               </a:spcBef>
@@ -1174,6 +1141,9 @@
               </a:spcAft>
               <a:buNone/>
             </a:pPr>
+            <a:r>
+              <a:t/>
+            </a:r>
             <a:endParaRPr/>
           </a:p>
         </p:txBody>
@@ -1187,11 +1157,11 @@
 </file>
 
 <file path=ppt/notesSlides/notesSlide12.xml><?xml version="1.0" encoding="utf-8"?>
-<p:notes xmlns:a="http://schemas.openxmlformats.org/drawingml/2006/main" xmlns:r="http://schemas.openxmlformats.org/officeDocument/2006/relationships" xmlns:p="http://schemas.openxmlformats.org/presentationml/2006/main" showMasterSp="0" showMasterPhAnim="0">
+<p:notes xmlns:a="http://schemas.openxmlformats.org/drawingml/2006/main" xmlns:r="http://schemas.openxmlformats.org/officeDocument/2006/relationships" xmlns:mc="http://schemas.openxmlformats.org/markup-compatibility/2006" xmlns:mv="urn:schemas-microsoft-com:mac:vml" xmlns:p="http://schemas.openxmlformats.org/presentationml/2006/main" xmlns:c="http://schemas.openxmlformats.org/drawingml/2006/chart" xmlns:dgm="http://schemas.openxmlformats.org/drawingml/2006/diagram" xmlns:o="urn:schemas-microsoft-com:office:office" xmlns:v="urn:schemas-microsoft-com:vml" xmlns:pvml="urn:schemas-microsoft-com:office:powerpoint" xmlns:com="http://schemas.openxmlformats.org/drawingml/2006/compatibility" xmlns:p14="http://schemas.microsoft.com/office/powerpoint/2010/main" xmlns:p15="http://schemas.microsoft.com/office/powerpoint/2012/main" xmlns:ahyp="http://schemas.microsoft.com/office/drawing/2018/hyperlinkcolor" showMasterPhAnim="0" showMasterSp="0">
   <p:cSld>
     <p:spTree>
       <p:nvGrpSpPr>
-        <p:cNvPr id="1" name="Shape 150"/>
+        <p:cNvPr id="150" name="Shape 150"/>
         <p:cNvGrpSpPr/>
         <p:nvPr/>
       </p:nvGrpSpPr>
@@ -1206,11 +1176,9 @@
       <p:sp>
         <p:nvSpPr>
           <p:cNvPr id="151" name="Google Shape;151;g2a801c85953_3_108:notes"/>
-          <p:cNvSpPr>
-            <a:spLocks noGrp="1" noRot="1" noChangeAspect="1"/>
-          </p:cNvSpPr>
+          <p:cNvSpPr/>
           <p:nvPr>
-            <p:ph type="sldImg" idx="2"/>
+            <p:ph idx="2" type="sldImg"/>
           </p:nvPr>
         </p:nvSpPr>
         <p:spPr>
@@ -1219,13 +1187,9 @@
             <a:ext cx="6096000" cy="3429000"/>
           </a:xfrm>
           <a:custGeom>
-            <a:avLst/>
-            <a:gdLst/>
-            <a:ahLst/>
-            <a:cxnLst/>
-            <a:rect l="l" t="t" r="r" b="b"/>
+            <a:rect b="b" l="l" r="r" t="t"/>
             <a:pathLst>
-              <a:path w="120000" h="120000" extrusionOk="0">
+              <a:path extrusionOk="0" h="120000" w="120000">
                 <a:moveTo>
                   <a:pt x="0" y="0"/>
                 </a:moveTo>
@@ -1247,11 +1211,9 @@
       <p:sp>
         <p:nvSpPr>
           <p:cNvPr id="152" name="Google Shape;152;g2a801c85953_3_108:notes"/>
-          <p:cNvSpPr txBox="1">
-            <a:spLocks noGrp="1"/>
-          </p:cNvSpPr>
+          <p:cNvSpPr txBox="1"/>
           <p:nvPr>
-            <p:ph type="body" idx="1"/>
+            <p:ph idx="1" type="body"/>
           </p:nvPr>
         </p:nvSpPr>
         <p:spPr>
@@ -1264,12 +1226,12 @@
           </a:prstGeom>
         </p:spPr>
         <p:txBody>
-          <a:bodyPr spcFirstLastPara="1" wrap="square" lIns="91425" tIns="91425" rIns="91425" bIns="91425" anchor="t" anchorCtr="0">
+          <a:bodyPr anchorCtr="0" anchor="t" bIns="91425" lIns="91425" spcFirstLastPara="1" rIns="91425" wrap="square" tIns="91425">
             <a:noAutofit/>
           </a:bodyPr>
           <a:lstStyle/>
           <a:p>
-            <a:pPr marL="0" lvl="0" indent="0" algn="l" rtl="0">
+            <a:pPr indent="0" lvl="0" marL="0" rtl="0" algn="l">
               <a:spcBef>
                 <a:spcPts val="0"/>
               </a:spcBef>
@@ -1278,6 +1240,9 @@
               </a:spcAft>
               <a:buNone/>
             </a:pPr>
+            <a:r>
+              <a:t/>
+            </a:r>
             <a:endParaRPr/>
           </a:p>
         </p:txBody>
@@ -1291,11 +1256,11 @@
 </file>
 
 <file path=ppt/notesSlides/notesSlide13.xml><?xml version="1.0" encoding="utf-8"?>
-<p:notes xmlns:a="http://schemas.openxmlformats.org/drawingml/2006/main" xmlns:r="http://schemas.openxmlformats.org/officeDocument/2006/relationships" xmlns:p="http://schemas.openxmlformats.org/presentationml/2006/main" showMasterSp="0" showMasterPhAnim="0">
+<p:notes xmlns:a="http://schemas.openxmlformats.org/drawingml/2006/main" xmlns:r="http://schemas.openxmlformats.org/officeDocument/2006/relationships" xmlns:mc="http://schemas.openxmlformats.org/markup-compatibility/2006" xmlns:mv="urn:schemas-microsoft-com:mac:vml" xmlns:p="http://schemas.openxmlformats.org/presentationml/2006/main" xmlns:c="http://schemas.openxmlformats.org/drawingml/2006/chart" xmlns:dgm="http://schemas.openxmlformats.org/drawingml/2006/diagram" xmlns:o="urn:schemas-microsoft-com:office:office" xmlns:v="urn:schemas-microsoft-com:vml" xmlns:pvml="urn:schemas-microsoft-com:office:powerpoint" xmlns:com="http://schemas.openxmlformats.org/drawingml/2006/compatibility" xmlns:p14="http://schemas.microsoft.com/office/powerpoint/2010/main" xmlns:p15="http://schemas.microsoft.com/office/powerpoint/2012/main" xmlns:ahyp="http://schemas.microsoft.com/office/drawing/2018/hyperlinkcolor" showMasterPhAnim="0" showMasterSp="0">
   <p:cSld>
     <p:spTree>
       <p:nvGrpSpPr>
-        <p:cNvPr id="1" name="Shape 159"/>
+        <p:cNvPr id="159" name="Shape 159"/>
         <p:cNvGrpSpPr/>
         <p:nvPr/>
       </p:nvGrpSpPr>
@@ -1310,11 +1275,9 @@
       <p:sp>
         <p:nvSpPr>
           <p:cNvPr id="160" name="Google Shape;160;g2a7c1fc1d97_1_156:notes"/>
-          <p:cNvSpPr>
-            <a:spLocks noGrp="1" noRot="1" noChangeAspect="1"/>
-          </p:cNvSpPr>
+          <p:cNvSpPr/>
           <p:nvPr>
-            <p:ph type="sldImg" idx="2"/>
+            <p:ph idx="2" type="sldImg"/>
           </p:nvPr>
         </p:nvSpPr>
         <p:spPr>
@@ -1323,13 +1286,9 @@
             <a:ext cx="6096000" cy="3429000"/>
           </a:xfrm>
           <a:custGeom>
-            <a:avLst/>
-            <a:gdLst/>
-            <a:ahLst/>
-            <a:cxnLst/>
-            <a:rect l="l" t="t" r="r" b="b"/>
+            <a:rect b="b" l="l" r="r" t="t"/>
             <a:pathLst>
-              <a:path w="120000" h="120000" extrusionOk="0">
+              <a:path extrusionOk="0" h="120000" w="120000">
                 <a:moveTo>
                   <a:pt x="0" y="0"/>
                 </a:moveTo>
@@ -1351,11 +1310,9 @@
       <p:sp>
         <p:nvSpPr>
           <p:cNvPr id="161" name="Google Shape;161;g2a7c1fc1d97_1_156:notes"/>
-          <p:cNvSpPr txBox="1">
-            <a:spLocks noGrp="1"/>
-          </p:cNvSpPr>
+          <p:cNvSpPr txBox="1"/>
           <p:nvPr>
-            <p:ph type="body" idx="1"/>
+            <p:ph idx="1" type="body"/>
           </p:nvPr>
         </p:nvSpPr>
         <p:spPr>
@@ -1368,12 +1325,12 @@
           </a:prstGeom>
         </p:spPr>
         <p:txBody>
-          <a:bodyPr spcFirstLastPara="1" wrap="square" lIns="91425" tIns="91425" rIns="91425" bIns="91425" anchor="t" anchorCtr="0">
+          <a:bodyPr anchorCtr="0" anchor="t" bIns="91425" lIns="91425" spcFirstLastPara="1" rIns="91425" wrap="square" tIns="91425">
             <a:noAutofit/>
           </a:bodyPr>
           <a:lstStyle/>
           <a:p>
-            <a:pPr marL="0" lvl="0" indent="0" algn="l" rtl="0">
+            <a:pPr indent="0" lvl="0" marL="0" rtl="0" algn="l">
               <a:spcBef>
                 <a:spcPts val="0"/>
               </a:spcBef>
@@ -1382,6 +1339,9 @@
               </a:spcAft>
               <a:buNone/>
             </a:pPr>
+            <a:r>
+              <a:t/>
+            </a:r>
             <a:endParaRPr/>
           </a:p>
         </p:txBody>
@@ -1395,11 +1355,11 @@
 </file>
 
 <file path=ppt/notesSlides/notesSlide14.xml><?xml version="1.0" encoding="utf-8"?>
-<p:notes xmlns:a="http://schemas.openxmlformats.org/drawingml/2006/main" xmlns:r="http://schemas.openxmlformats.org/officeDocument/2006/relationships" xmlns:p="http://schemas.openxmlformats.org/presentationml/2006/main" showMasterSp="0" showMasterPhAnim="0">
+<p:notes xmlns:a="http://schemas.openxmlformats.org/drawingml/2006/main" xmlns:r="http://schemas.openxmlformats.org/officeDocument/2006/relationships" xmlns:mc="http://schemas.openxmlformats.org/markup-compatibility/2006" xmlns:mv="urn:schemas-microsoft-com:mac:vml" xmlns:p="http://schemas.openxmlformats.org/presentationml/2006/main" xmlns:c="http://schemas.openxmlformats.org/drawingml/2006/chart" xmlns:dgm="http://schemas.openxmlformats.org/drawingml/2006/diagram" xmlns:o="urn:schemas-microsoft-com:office:office" xmlns:v="urn:schemas-microsoft-com:vml" xmlns:pvml="urn:schemas-microsoft-com:office:powerpoint" xmlns:com="http://schemas.openxmlformats.org/drawingml/2006/compatibility" xmlns:p14="http://schemas.microsoft.com/office/powerpoint/2010/main" xmlns:p15="http://schemas.microsoft.com/office/powerpoint/2012/main" xmlns:ahyp="http://schemas.microsoft.com/office/drawing/2018/hyperlinkcolor" showMasterPhAnim="0" showMasterSp="0">
   <p:cSld>
     <p:spTree>
       <p:nvGrpSpPr>
-        <p:cNvPr id="1" name="Shape 168"/>
+        <p:cNvPr id="168" name="Shape 168"/>
         <p:cNvGrpSpPr/>
         <p:nvPr/>
       </p:nvGrpSpPr>
@@ -1414,11 +1374,9 @@
       <p:sp>
         <p:nvSpPr>
           <p:cNvPr id="169" name="Google Shape;169;g2a801c85953_5_5:notes"/>
-          <p:cNvSpPr>
-            <a:spLocks noGrp="1" noRot="1" noChangeAspect="1"/>
-          </p:cNvSpPr>
+          <p:cNvSpPr/>
           <p:nvPr>
-            <p:ph type="sldImg" idx="2"/>
+            <p:ph idx="2" type="sldImg"/>
           </p:nvPr>
         </p:nvSpPr>
         <p:spPr>
@@ -1427,13 +1385,9 @@
             <a:ext cx="6096000" cy="3429000"/>
           </a:xfrm>
           <a:custGeom>
-            <a:avLst/>
-            <a:gdLst/>
-            <a:ahLst/>
-            <a:cxnLst/>
-            <a:rect l="l" t="t" r="r" b="b"/>
+            <a:rect b="b" l="l" r="r" t="t"/>
             <a:pathLst>
-              <a:path w="120000" h="120000" extrusionOk="0">
+              <a:path extrusionOk="0" h="120000" w="120000">
                 <a:moveTo>
                   <a:pt x="0" y="0"/>
                 </a:moveTo>
@@ -1455,11 +1409,9 @@
       <p:sp>
         <p:nvSpPr>
           <p:cNvPr id="170" name="Google Shape;170;g2a801c85953_5_5:notes"/>
-          <p:cNvSpPr txBox="1">
-            <a:spLocks noGrp="1"/>
-          </p:cNvSpPr>
+          <p:cNvSpPr txBox="1"/>
           <p:nvPr>
-            <p:ph type="body" idx="1"/>
+            <p:ph idx="1" type="body"/>
           </p:nvPr>
         </p:nvSpPr>
         <p:spPr>
@@ -1472,12 +1424,12 @@
           </a:prstGeom>
         </p:spPr>
         <p:txBody>
-          <a:bodyPr spcFirstLastPara="1" wrap="square" lIns="91425" tIns="91425" rIns="91425" bIns="91425" anchor="t" anchorCtr="0">
+          <a:bodyPr anchorCtr="0" anchor="t" bIns="91425" lIns="91425" spcFirstLastPara="1" rIns="91425" wrap="square" tIns="91425">
             <a:noAutofit/>
           </a:bodyPr>
           <a:lstStyle/>
           <a:p>
-            <a:pPr marL="0" lvl="0" indent="0" algn="l" rtl="0">
+            <a:pPr indent="0" lvl="0" marL="0" rtl="0" algn="l">
               <a:spcBef>
                 <a:spcPts val="0"/>
               </a:spcBef>
@@ -1486,6 +1438,9 @@
               </a:spcAft>
               <a:buNone/>
             </a:pPr>
+            <a:r>
+              <a:t/>
+            </a:r>
             <a:endParaRPr/>
           </a:p>
         </p:txBody>
@@ -1499,11 +1454,11 @@
 </file>
 
 <file path=ppt/notesSlides/notesSlide15.xml><?xml version="1.0" encoding="utf-8"?>
-<p:notes xmlns:a="http://schemas.openxmlformats.org/drawingml/2006/main" xmlns:r="http://schemas.openxmlformats.org/officeDocument/2006/relationships" xmlns:p="http://schemas.openxmlformats.org/presentationml/2006/main" showMasterSp="0" showMasterPhAnim="0">
+<p:notes xmlns:a="http://schemas.openxmlformats.org/drawingml/2006/main" xmlns:r="http://schemas.openxmlformats.org/officeDocument/2006/relationships" xmlns:mc="http://schemas.openxmlformats.org/markup-compatibility/2006" xmlns:mv="urn:schemas-microsoft-com:mac:vml" xmlns:p="http://schemas.openxmlformats.org/presentationml/2006/main" xmlns:c="http://schemas.openxmlformats.org/drawingml/2006/chart" xmlns:dgm="http://schemas.openxmlformats.org/drawingml/2006/diagram" xmlns:o="urn:schemas-microsoft-com:office:office" xmlns:v="urn:schemas-microsoft-com:vml" xmlns:pvml="urn:schemas-microsoft-com:office:powerpoint" xmlns:com="http://schemas.openxmlformats.org/drawingml/2006/compatibility" xmlns:p14="http://schemas.microsoft.com/office/powerpoint/2010/main" xmlns:p15="http://schemas.microsoft.com/office/powerpoint/2012/main" xmlns:ahyp="http://schemas.microsoft.com/office/drawing/2018/hyperlinkcolor" showMasterPhAnim="0" showMasterSp="0">
   <p:cSld>
     <p:spTree>
       <p:nvGrpSpPr>
-        <p:cNvPr id="1" name="Shape 173"/>
+        <p:cNvPr id="173" name="Shape 173"/>
         <p:cNvGrpSpPr/>
         <p:nvPr/>
       </p:nvGrpSpPr>
@@ -1518,26 +1473,20 @@
       <p:sp>
         <p:nvSpPr>
           <p:cNvPr id="174" name="Google Shape;174;g263b0ff8fa3_0_0:notes"/>
-          <p:cNvSpPr>
-            <a:spLocks noGrp="1" noRot="1" noChangeAspect="1"/>
-          </p:cNvSpPr>
+          <p:cNvSpPr/>
           <p:nvPr>
-            <p:ph type="sldImg" idx="2"/>
+            <p:ph idx="2" type="sldImg"/>
           </p:nvPr>
         </p:nvSpPr>
         <p:spPr>
           <a:xfrm>
-            <a:off x="381000" y="685800"/>
+            <a:off x="381300" y="685800"/>
             <a:ext cx="6096000" cy="3429000"/>
           </a:xfrm>
           <a:custGeom>
-            <a:avLst/>
-            <a:gdLst/>
-            <a:ahLst/>
-            <a:cxnLst/>
-            <a:rect l="l" t="t" r="r" b="b"/>
+            <a:rect b="b" l="l" r="r" t="t"/>
             <a:pathLst>
-              <a:path w="120000" h="120000" extrusionOk="0">
+              <a:path extrusionOk="0" h="120000" w="120000">
                 <a:moveTo>
                   <a:pt x="0" y="0"/>
                 </a:moveTo>
@@ -1559,11 +1508,9 @@
       <p:sp>
         <p:nvSpPr>
           <p:cNvPr id="175" name="Google Shape;175;g263b0ff8fa3_0_0:notes"/>
-          <p:cNvSpPr txBox="1">
-            <a:spLocks noGrp="1"/>
-          </p:cNvSpPr>
+          <p:cNvSpPr txBox="1"/>
           <p:nvPr>
-            <p:ph type="body" idx="1"/>
+            <p:ph idx="1" type="body"/>
           </p:nvPr>
         </p:nvSpPr>
         <p:spPr>
@@ -1576,12 +1523,12 @@
           </a:prstGeom>
         </p:spPr>
         <p:txBody>
-          <a:bodyPr spcFirstLastPara="1" wrap="square" lIns="91425" tIns="91425" rIns="91425" bIns="91425" anchor="t" anchorCtr="0">
+          <a:bodyPr anchorCtr="0" anchor="t" bIns="91425" lIns="91425" spcFirstLastPara="1" rIns="91425" wrap="square" tIns="91425">
             <a:noAutofit/>
           </a:bodyPr>
           <a:lstStyle/>
           <a:p>
-            <a:pPr marL="0" lvl="0" indent="0" algn="l" rtl="0">
+            <a:pPr indent="0" lvl="0" marL="0" rtl="0" algn="l">
               <a:spcBef>
                 <a:spcPts val="0"/>
               </a:spcBef>
@@ -1590,6 +1537,9 @@
               </a:spcAft>
               <a:buNone/>
             </a:pPr>
+            <a:r>
+              <a:t/>
+            </a:r>
             <a:endParaRPr/>
           </a:p>
         </p:txBody>
@@ -1603,11 +1553,11 @@
 </file>
 
 <file path=ppt/notesSlides/notesSlide16.xml><?xml version="1.0" encoding="utf-8"?>
-<p:notes xmlns:a="http://schemas.openxmlformats.org/drawingml/2006/main" xmlns:r="http://schemas.openxmlformats.org/officeDocument/2006/relationships" xmlns:p="http://schemas.openxmlformats.org/presentationml/2006/main" showMasterSp="0" showMasterPhAnim="0">
+<p:notes xmlns:a="http://schemas.openxmlformats.org/drawingml/2006/main" xmlns:r="http://schemas.openxmlformats.org/officeDocument/2006/relationships" xmlns:mc="http://schemas.openxmlformats.org/markup-compatibility/2006" xmlns:mv="urn:schemas-microsoft-com:mac:vml" xmlns:p="http://schemas.openxmlformats.org/presentationml/2006/main" xmlns:c="http://schemas.openxmlformats.org/drawingml/2006/chart" xmlns:dgm="http://schemas.openxmlformats.org/drawingml/2006/diagram" xmlns:o="urn:schemas-microsoft-com:office:office" xmlns:v="urn:schemas-microsoft-com:vml" xmlns:pvml="urn:schemas-microsoft-com:office:powerpoint" xmlns:com="http://schemas.openxmlformats.org/drawingml/2006/compatibility" xmlns:p14="http://schemas.microsoft.com/office/powerpoint/2010/main" xmlns:p15="http://schemas.microsoft.com/office/powerpoint/2012/main" xmlns:ahyp="http://schemas.microsoft.com/office/drawing/2018/hyperlinkcolor" showMasterPhAnim="0" showMasterSp="0">
   <p:cSld>
     <p:spTree>
       <p:nvGrpSpPr>
-        <p:cNvPr id="1" name="Shape 179"/>
+        <p:cNvPr id="179" name="Shape 179"/>
         <p:cNvGrpSpPr/>
         <p:nvPr/>
       </p:nvGrpSpPr>
@@ -1622,11 +1572,9 @@
       <p:sp>
         <p:nvSpPr>
           <p:cNvPr id="180" name="Google Shape;180;g2643520e193_0_10:notes"/>
-          <p:cNvSpPr>
-            <a:spLocks noGrp="1" noRot="1" noChangeAspect="1"/>
-          </p:cNvSpPr>
+          <p:cNvSpPr/>
           <p:nvPr>
-            <p:ph type="sldImg" idx="2"/>
+            <p:ph idx="2" type="sldImg"/>
           </p:nvPr>
         </p:nvSpPr>
         <p:spPr>
@@ -1635,13 +1583,9 @@
             <a:ext cx="6096000" cy="3429000"/>
           </a:xfrm>
           <a:custGeom>
-            <a:avLst/>
-            <a:gdLst/>
-            <a:ahLst/>
-            <a:cxnLst/>
-            <a:rect l="l" t="t" r="r" b="b"/>
+            <a:rect b="b" l="l" r="r" t="t"/>
             <a:pathLst>
-              <a:path w="120000" h="120000" extrusionOk="0">
+              <a:path extrusionOk="0" h="120000" w="120000">
                 <a:moveTo>
                   <a:pt x="0" y="0"/>
                 </a:moveTo>
@@ -1663,11 +1607,9 @@
       <p:sp>
         <p:nvSpPr>
           <p:cNvPr id="181" name="Google Shape;181;g2643520e193_0_10:notes"/>
-          <p:cNvSpPr txBox="1">
-            <a:spLocks noGrp="1"/>
-          </p:cNvSpPr>
+          <p:cNvSpPr txBox="1"/>
           <p:nvPr>
-            <p:ph type="body" idx="1"/>
+            <p:ph idx="1" type="body"/>
           </p:nvPr>
         </p:nvSpPr>
         <p:spPr>
@@ -1680,12 +1622,12 @@
           </a:prstGeom>
         </p:spPr>
         <p:txBody>
-          <a:bodyPr spcFirstLastPara="1" wrap="square" lIns="91425" tIns="91425" rIns="91425" bIns="91425" anchor="t" anchorCtr="0">
+          <a:bodyPr anchorCtr="0" anchor="t" bIns="91425" lIns="91425" spcFirstLastPara="1" rIns="91425" wrap="square" tIns="91425">
             <a:noAutofit/>
           </a:bodyPr>
           <a:lstStyle/>
           <a:p>
-            <a:pPr marL="0" lvl="0" indent="0" algn="l" rtl="0">
+            <a:pPr indent="0" lvl="0" marL="0" rtl="0" algn="l">
               <a:spcBef>
                 <a:spcPts val="0"/>
               </a:spcBef>
@@ -1694,6 +1636,9 @@
               </a:spcAft>
               <a:buNone/>
             </a:pPr>
+            <a:r>
+              <a:t/>
+            </a:r>
             <a:endParaRPr/>
           </a:p>
         </p:txBody>
@@ -1707,11 +1652,11 @@
 </file>
 
 <file path=ppt/notesSlides/notesSlide17.xml><?xml version="1.0" encoding="utf-8"?>
-<p:notes xmlns:a="http://schemas.openxmlformats.org/drawingml/2006/main" xmlns:r="http://schemas.openxmlformats.org/officeDocument/2006/relationships" xmlns:p="http://schemas.openxmlformats.org/presentationml/2006/main" showMasterSp="0" showMasterPhAnim="0">
+<p:notes xmlns:a="http://schemas.openxmlformats.org/drawingml/2006/main" xmlns:r="http://schemas.openxmlformats.org/officeDocument/2006/relationships" xmlns:mc="http://schemas.openxmlformats.org/markup-compatibility/2006" xmlns:mv="urn:schemas-microsoft-com:mac:vml" xmlns:p="http://schemas.openxmlformats.org/presentationml/2006/main" xmlns:c="http://schemas.openxmlformats.org/drawingml/2006/chart" xmlns:dgm="http://schemas.openxmlformats.org/drawingml/2006/diagram" xmlns:o="urn:schemas-microsoft-com:office:office" xmlns:v="urn:schemas-microsoft-com:vml" xmlns:pvml="urn:schemas-microsoft-com:office:powerpoint" xmlns:com="http://schemas.openxmlformats.org/drawingml/2006/compatibility" xmlns:p14="http://schemas.microsoft.com/office/powerpoint/2010/main" xmlns:p15="http://schemas.microsoft.com/office/powerpoint/2012/main" xmlns:ahyp="http://schemas.microsoft.com/office/drawing/2018/hyperlinkcolor" showMasterPhAnim="0" showMasterSp="0">
   <p:cSld>
     <p:spTree>
       <p:nvGrpSpPr>
-        <p:cNvPr id="1" name="Shape 189"/>
+        <p:cNvPr id="189" name="Shape 189"/>
         <p:cNvGrpSpPr/>
         <p:nvPr/>
       </p:nvGrpSpPr>
@@ -1726,11 +1671,9 @@
       <p:sp>
         <p:nvSpPr>
           <p:cNvPr id="190" name="Google Shape;190;g2643520e193_0_15:notes"/>
-          <p:cNvSpPr>
-            <a:spLocks noGrp="1" noRot="1" noChangeAspect="1"/>
-          </p:cNvSpPr>
+          <p:cNvSpPr/>
           <p:nvPr>
-            <p:ph type="sldImg" idx="2"/>
+            <p:ph idx="2" type="sldImg"/>
           </p:nvPr>
         </p:nvSpPr>
         <p:spPr>
@@ -1739,13 +1682,9 @@
             <a:ext cx="6096000" cy="3429000"/>
           </a:xfrm>
           <a:custGeom>
-            <a:avLst/>
-            <a:gdLst/>
-            <a:ahLst/>
-            <a:cxnLst/>
-            <a:rect l="l" t="t" r="r" b="b"/>
+            <a:rect b="b" l="l" r="r" t="t"/>
             <a:pathLst>
-              <a:path w="120000" h="120000" extrusionOk="0">
+              <a:path extrusionOk="0" h="120000" w="120000">
                 <a:moveTo>
                   <a:pt x="0" y="0"/>
                 </a:moveTo>
@@ -1767,11 +1706,9 @@
       <p:sp>
         <p:nvSpPr>
           <p:cNvPr id="191" name="Google Shape;191;g2643520e193_0_15:notes"/>
-          <p:cNvSpPr txBox="1">
-            <a:spLocks noGrp="1"/>
-          </p:cNvSpPr>
+          <p:cNvSpPr txBox="1"/>
           <p:nvPr>
-            <p:ph type="body" idx="1"/>
+            <p:ph idx="1" type="body"/>
           </p:nvPr>
         </p:nvSpPr>
         <p:spPr>
@@ -1784,12 +1721,12 @@
           </a:prstGeom>
         </p:spPr>
         <p:txBody>
-          <a:bodyPr spcFirstLastPara="1" wrap="square" lIns="91425" tIns="91425" rIns="91425" bIns="91425" anchor="t" anchorCtr="0">
+          <a:bodyPr anchorCtr="0" anchor="t" bIns="91425" lIns="91425" spcFirstLastPara="1" rIns="91425" wrap="square" tIns="91425">
             <a:noAutofit/>
           </a:bodyPr>
           <a:lstStyle/>
           <a:p>
-            <a:pPr marL="0" lvl="0" indent="0" algn="l" rtl="0">
+            <a:pPr indent="0" lvl="0" marL="0" rtl="0" algn="l">
               <a:spcBef>
                 <a:spcPts val="0"/>
               </a:spcBef>
@@ -1798,6 +1735,9 @@
               </a:spcAft>
               <a:buNone/>
             </a:pPr>
+            <a:r>
+              <a:t/>
+            </a:r>
             <a:endParaRPr/>
           </a:p>
         </p:txBody>
@@ -1811,11 +1751,11 @@
 </file>
 
 <file path=ppt/notesSlides/notesSlide18.xml><?xml version="1.0" encoding="utf-8"?>
-<p:notes xmlns:a="http://schemas.openxmlformats.org/drawingml/2006/main" xmlns:r="http://schemas.openxmlformats.org/officeDocument/2006/relationships" xmlns:p="http://schemas.openxmlformats.org/presentationml/2006/main" showMasterSp="0" showMasterPhAnim="0">
+<p:notes xmlns:a="http://schemas.openxmlformats.org/drawingml/2006/main" xmlns:r="http://schemas.openxmlformats.org/officeDocument/2006/relationships" xmlns:mc="http://schemas.openxmlformats.org/markup-compatibility/2006" xmlns:mv="urn:schemas-microsoft-com:mac:vml" xmlns:p="http://schemas.openxmlformats.org/presentationml/2006/main" xmlns:c="http://schemas.openxmlformats.org/drawingml/2006/chart" xmlns:dgm="http://schemas.openxmlformats.org/drawingml/2006/diagram" xmlns:o="urn:schemas-microsoft-com:office:office" xmlns:v="urn:schemas-microsoft-com:vml" xmlns:pvml="urn:schemas-microsoft-com:office:powerpoint" xmlns:com="http://schemas.openxmlformats.org/drawingml/2006/compatibility" xmlns:p14="http://schemas.microsoft.com/office/powerpoint/2010/main" xmlns:p15="http://schemas.microsoft.com/office/powerpoint/2012/main" xmlns:ahyp="http://schemas.microsoft.com/office/drawing/2018/hyperlinkcolor" showMasterPhAnim="0" showMasterSp="0">
   <p:cSld>
     <p:spTree>
       <p:nvGrpSpPr>
-        <p:cNvPr id="1" name="Shape 199"/>
+        <p:cNvPr id="199" name="Shape 199"/>
         <p:cNvGrpSpPr/>
         <p:nvPr/>
       </p:nvGrpSpPr>
@@ -1830,11 +1770,9 @@
       <p:sp>
         <p:nvSpPr>
           <p:cNvPr id="200" name="Google Shape;200;g2643520e193_0_1:notes"/>
-          <p:cNvSpPr>
-            <a:spLocks noGrp="1" noRot="1" noChangeAspect="1"/>
-          </p:cNvSpPr>
+          <p:cNvSpPr/>
           <p:nvPr>
-            <p:ph type="sldImg" idx="2"/>
+            <p:ph idx="2" type="sldImg"/>
           </p:nvPr>
         </p:nvSpPr>
         <p:spPr>
@@ -1843,13 +1781,9 @@
             <a:ext cx="6096000" cy="3429000"/>
           </a:xfrm>
           <a:custGeom>
-            <a:avLst/>
-            <a:gdLst/>
-            <a:ahLst/>
-            <a:cxnLst/>
-            <a:rect l="l" t="t" r="r" b="b"/>
+            <a:rect b="b" l="l" r="r" t="t"/>
             <a:pathLst>
-              <a:path w="120000" h="120000" extrusionOk="0">
+              <a:path extrusionOk="0" h="120000" w="120000">
                 <a:moveTo>
                   <a:pt x="0" y="0"/>
                 </a:moveTo>
@@ -1871,11 +1805,9 @@
       <p:sp>
         <p:nvSpPr>
           <p:cNvPr id="201" name="Google Shape;201;g2643520e193_0_1:notes"/>
-          <p:cNvSpPr txBox="1">
-            <a:spLocks noGrp="1"/>
-          </p:cNvSpPr>
+          <p:cNvSpPr txBox="1"/>
           <p:nvPr>
-            <p:ph type="body" idx="1"/>
+            <p:ph idx="1" type="body"/>
           </p:nvPr>
         </p:nvSpPr>
         <p:spPr>
@@ -1888,12 +1820,12 @@
           </a:prstGeom>
         </p:spPr>
         <p:txBody>
-          <a:bodyPr spcFirstLastPara="1" wrap="square" lIns="91425" tIns="91425" rIns="91425" bIns="91425" anchor="t" anchorCtr="0">
+          <a:bodyPr anchorCtr="0" anchor="t" bIns="91425" lIns="91425" spcFirstLastPara="1" rIns="91425" wrap="square" tIns="91425">
             <a:noAutofit/>
           </a:bodyPr>
           <a:lstStyle/>
           <a:p>
-            <a:pPr marL="0" lvl="0" indent="0" algn="l" rtl="0">
+            <a:pPr indent="0" lvl="0" marL="0" rtl="0" algn="l">
               <a:spcBef>
                 <a:spcPts val="0"/>
               </a:spcBef>
@@ -1902,6 +1834,9 @@
               </a:spcAft>
               <a:buNone/>
             </a:pPr>
+            <a:r>
+              <a:t/>
+            </a:r>
             <a:endParaRPr/>
           </a:p>
         </p:txBody>
@@ -1915,11 +1850,11 @@
 </file>
 
 <file path=ppt/notesSlides/notesSlide2.xml><?xml version="1.0" encoding="utf-8"?>
-<p:notes xmlns:a="http://schemas.openxmlformats.org/drawingml/2006/main" xmlns:r="http://schemas.openxmlformats.org/officeDocument/2006/relationships" xmlns:p="http://schemas.openxmlformats.org/presentationml/2006/main" showMasterSp="0" showMasterPhAnim="0">
+<p:notes xmlns:a="http://schemas.openxmlformats.org/drawingml/2006/main" xmlns:r="http://schemas.openxmlformats.org/officeDocument/2006/relationships" xmlns:mc="http://schemas.openxmlformats.org/markup-compatibility/2006" xmlns:mv="urn:schemas-microsoft-com:mac:vml" xmlns:p="http://schemas.openxmlformats.org/presentationml/2006/main" xmlns:c="http://schemas.openxmlformats.org/drawingml/2006/chart" xmlns:dgm="http://schemas.openxmlformats.org/drawingml/2006/diagram" xmlns:o="urn:schemas-microsoft-com:office:office" xmlns:v="urn:schemas-microsoft-com:vml" xmlns:pvml="urn:schemas-microsoft-com:office:powerpoint" xmlns:com="http://schemas.openxmlformats.org/drawingml/2006/compatibility" xmlns:p14="http://schemas.microsoft.com/office/powerpoint/2010/main" xmlns:p15="http://schemas.microsoft.com/office/powerpoint/2012/main" xmlns:ahyp="http://schemas.microsoft.com/office/drawing/2018/hyperlinkcolor" showMasterPhAnim="0" showMasterSp="0">
   <p:cSld>
     <p:spTree>
       <p:nvGrpSpPr>
-        <p:cNvPr id="1" name="Shape 56"/>
+        <p:cNvPr id="56" name="Shape 56"/>
         <p:cNvGrpSpPr/>
         <p:nvPr/>
       </p:nvGrpSpPr>
@@ -1934,11 +1869,9 @@
       <p:sp>
         <p:nvSpPr>
           <p:cNvPr id="57" name="Google Shape;57;p3:notes"/>
-          <p:cNvSpPr>
-            <a:spLocks noGrp="1" noRot="1" noChangeAspect="1"/>
-          </p:cNvSpPr>
+          <p:cNvSpPr/>
           <p:nvPr>
-            <p:ph type="sldImg" idx="2"/>
+            <p:ph idx="2" type="sldImg"/>
           </p:nvPr>
         </p:nvSpPr>
         <p:spPr>
@@ -1947,13 +1880,9 @@
             <a:ext cx="6096000" cy="3429000"/>
           </a:xfrm>
           <a:custGeom>
-            <a:avLst/>
-            <a:gdLst/>
-            <a:ahLst/>
-            <a:cxnLst/>
-            <a:rect l="l" t="t" r="r" b="b"/>
+            <a:rect b="b" l="l" r="r" t="t"/>
             <a:pathLst>
-              <a:path w="120000" h="120000" extrusionOk="0">
+              <a:path extrusionOk="0" h="120000" w="120000">
                 <a:moveTo>
                   <a:pt x="0" y="0"/>
                 </a:moveTo>
@@ -1971,25 +1900,23 @@
             </a:pathLst>
           </a:custGeom>
           <a:noFill/>
-          <a:ln w="9525" cap="flat" cmpd="sng">
+          <a:ln cap="flat" cmpd="sng" w="9525">
             <a:solidFill>
               <a:srgbClr val="000000"/>
             </a:solidFill>
             <a:prstDash val="solid"/>
             <a:round/>
-            <a:headEnd type="none" w="sm" len="sm"/>
-            <a:tailEnd type="none" w="sm" len="sm"/>
+            <a:headEnd len="sm" w="sm" type="none"/>
+            <a:tailEnd len="sm" w="sm" type="none"/>
           </a:ln>
         </p:spPr>
       </p:sp>
       <p:sp>
         <p:nvSpPr>
           <p:cNvPr id="58" name="Google Shape;58;p3:notes"/>
-          <p:cNvSpPr txBox="1">
-            <a:spLocks noGrp="1"/>
-          </p:cNvSpPr>
+          <p:cNvSpPr txBox="1"/>
           <p:nvPr>
-            <p:ph type="body" idx="1"/>
+            <p:ph idx="1" type="body"/>
           </p:nvPr>
         </p:nvSpPr>
         <p:spPr>
@@ -2006,12 +1933,12 @@
           </a:ln>
         </p:spPr>
         <p:txBody>
-          <a:bodyPr spcFirstLastPara="1" wrap="square" lIns="91425" tIns="91425" rIns="91425" bIns="91425" anchor="t" anchorCtr="0">
+          <a:bodyPr anchorCtr="0" anchor="t" bIns="91425" lIns="91425" spcFirstLastPara="1" rIns="91425" wrap="square" tIns="91425">
             <a:noAutofit/>
           </a:bodyPr>
           <a:lstStyle/>
           <a:p>
-            <a:pPr marL="0" lvl="0" indent="0" algn="l" rtl="0">
+            <a:pPr indent="0" lvl="0" marL="0" rtl="0" algn="l">
               <a:lnSpc>
                 <a:spcPct val="100000"/>
               </a:lnSpc>
@@ -2024,6 +1951,9 @@
               <a:buSzPts val="1100"/>
               <a:buNone/>
             </a:pPr>
+            <a:r>
+              <a:t/>
+            </a:r>
             <a:endParaRPr/>
           </a:p>
         </p:txBody>
@@ -2037,11 +1967,11 @@
 </file>
 
 <file path=ppt/notesSlides/notesSlide3.xml><?xml version="1.0" encoding="utf-8"?>
-<p:notes xmlns:a="http://schemas.openxmlformats.org/drawingml/2006/main" xmlns:r="http://schemas.openxmlformats.org/officeDocument/2006/relationships" xmlns:p="http://schemas.openxmlformats.org/presentationml/2006/main" showMasterSp="0" showMasterPhAnim="0">
+<p:notes xmlns:a="http://schemas.openxmlformats.org/drawingml/2006/main" xmlns:r="http://schemas.openxmlformats.org/officeDocument/2006/relationships" xmlns:mc="http://schemas.openxmlformats.org/markup-compatibility/2006" xmlns:mv="urn:schemas-microsoft-com:mac:vml" xmlns:p="http://schemas.openxmlformats.org/presentationml/2006/main" xmlns:c="http://schemas.openxmlformats.org/drawingml/2006/chart" xmlns:dgm="http://schemas.openxmlformats.org/drawingml/2006/diagram" xmlns:o="urn:schemas-microsoft-com:office:office" xmlns:v="urn:schemas-microsoft-com:vml" xmlns:pvml="urn:schemas-microsoft-com:office:powerpoint" xmlns:com="http://schemas.openxmlformats.org/drawingml/2006/compatibility" xmlns:p14="http://schemas.microsoft.com/office/powerpoint/2010/main" xmlns:p15="http://schemas.microsoft.com/office/powerpoint/2012/main" xmlns:ahyp="http://schemas.microsoft.com/office/drawing/2018/hyperlinkcolor" showMasterPhAnim="0" showMasterSp="0">
   <p:cSld>
     <p:spTree>
       <p:nvGrpSpPr>
-        <p:cNvPr id="1" name="Shape 62"/>
+        <p:cNvPr id="62" name="Shape 62"/>
         <p:cNvGrpSpPr/>
         <p:nvPr/>
       </p:nvGrpSpPr>
@@ -2056,11 +1986,9 @@
       <p:sp>
         <p:nvSpPr>
           <p:cNvPr id="63" name="Google Shape;63;g263b0ff8fa3_0_11:notes"/>
-          <p:cNvSpPr>
-            <a:spLocks noGrp="1" noRot="1" noChangeAspect="1"/>
-          </p:cNvSpPr>
+          <p:cNvSpPr/>
           <p:nvPr>
-            <p:ph type="sldImg" idx="2"/>
+            <p:ph idx="2" type="sldImg"/>
           </p:nvPr>
         </p:nvSpPr>
         <p:spPr>
@@ -2069,13 +1997,9 @@
             <a:ext cx="6096000" cy="3429000"/>
           </a:xfrm>
           <a:custGeom>
-            <a:avLst/>
-            <a:gdLst/>
-            <a:ahLst/>
-            <a:cxnLst/>
-            <a:rect l="l" t="t" r="r" b="b"/>
+            <a:rect b="b" l="l" r="r" t="t"/>
             <a:pathLst>
-              <a:path w="120000" h="120000" extrusionOk="0">
+              <a:path extrusionOk="0" h="120000" w="120000">
                 <a:moveTo>
                   <a:pt x="0" y="0"/>
                 </a:moveTo>
@@ -2097,11 +2021,9 @@
       <p:sp>
         <p:nvSpPr>
           <p:cNvPr id="64" name="Google Shape;64;g263b0ff8fa3_0_11:notes"/>
-          <p:cNvSpPr txBox="1">
-            <a:spLocks noGrp="1"/>
-          </p:cNvSpPr>
+          <p:cNvSpPr txBox="1"/>
           <p:nvPr>
-            <p:ph type="body" idx="1"/>
+            <p:ph idx="1" type="body"/>
           </p:nvPr>
         </p:nvSpPr>
         <p:spPr>
@@ -2114,12 +2036,12 @@
           </a:prstGeom>
         </p:spPr>
         <p:txBody>
-          <a:bodyPr spcFirstLastPara="1" wrap="square" lIns="91425" tIns="91425" rIns="91425" bIns="91425" anchor="t" anchorCtr="0">
+          <a:bodyPr anchorCtr="0" anchor="t" bIns="91425" lIns="91425" spcFirstLastPara="1" rIns="91425" wrap="square" tIns="91425">
             <a:noAutofit/>
           </a:bodyPr>
           <a:lstStyle/>
           <a:p>
-            <a:pPr marL="0" lvl="0" indent="0" algn="l" rtl="0">
+            <a:pPr indent="0" lvl="0" marL="0" rtl="0" algn="l">
               <a:spcBef>
                 <a:spcPts val="0"/>
               </a:spcBef>
@@ -2128,6 +2050,9 @@
               </a:spcAft>
               <a:buNone/>
             </a:pPr>
+            <a:r>
+              <a:t/>
+            </a:r>
             <a:endParaRPr/>
           </a:p>
         </p:txBody>
@@ -2141,11 +2066,11 @@
 </file>
 
 <file path=ppt/notesSlides/notesSlide4.xml><?xml version="1.0" encoding="utf-8"?>
-<p:notes xmlns:a="http://schemas.openxmlformats.org/drawingml/2006/main" xmlns:r="http://schemas.openxmlformats.org/officeDocument/2006/relationships" xmlns:p="http://schemas.openxmlformats.org/presentationml/2006/main" showMasterSp="0" showMasterPhAnim="0">
+<p:notes xmlns:a="http://schemas.openxmlformats.org/drawingml/2006/main" xmlns:r="http://schemas.openxmlformats.org/officeDocument/2006/relationships" xmlns:mc="http://schemas.openxmlformats.org/markup-compatibility/2006" xmlns:mv="urn:schemas-microsoft-com:mac:vml" xmlns:p="http://schemas.openxmlformats.org/presentationml/2006/main" xmlns:c="http://schemas.openxmlformats.org/drawingml/2006/chart" xmlns:dgm="http://schemas.openxmlformats.org/drawingml/2006/diagram" xmlns:o="urn:schemas-microsoft-com:office:office" xmlns:v="urn:schemas-microsoft-com:vml" xmlns:pvml="urn:schemas-microsoft-com:office:powerpoint" xmlns:com="http://schemas.openxmlformats.org/drawingml/2006/compatibility" xmlns:p14="http://schemas.microsoft.com/office/powerpoint/2010/main" xmlns:p15="http://schemas.microsoft.com/office/powerpoint/2012/main" xmlns:ahyp="http://schemas.microsoft.com/office/drawing/2018/hyperlinkcolor" showMasterPhAnim="0" showMasterSp="0">
   <p:cSld>
     <p:spTree>
       <p:nvGrpSpPr>
-        <p:cNvPr id="1" name="Shape 68"/>
+        <p:cNvPr id="68" name="Shape 68"/>
         <p:cNvGrpSpPr/>
         <p:nvPr/>
       </p:nvGrpSpPr>
@@ -2160,11 +2085,9 @@
       <p:sp>
         <p:nvSpPr>
           <p:cNvPr id="69" name="Google Shape;69;g2a7c1fc1d97_1_0:notes"/>
-          <p:cNvSpPr>
-            <a:spLocks noGrp="1" noRot="1" noChangeAspect="1"/>
-          </p:cNvSpPr>
+          <p:cNvSpPr/>
           <p:nvPr>
-            <p:ph type="sldImg" idx="2"/>
+            <p:ph idx="2" type="sldImg"/>
           </p:nvPr>
         </p:nvSpPr>
         <p:spPr>
@@ -2173,13 +2096,9 @@
             <a:ext cx="6096000" cy="3429000"/>
           </a:xfrm>
           <a:custGeom>
-            <a:avLst/>
-            <a:gdLst/>
-            <a:ahLst/>
-            <a:cxnLst/>
-            <a:rect l="l" t="t" r="r" b="b"/>
+            <a:rect b="b" l="l" r="r" t="t"/>
             <a:pathLst>
-              <a:path w="120000" h="120000" extrusionOk="0">
+              <a:path extrusionOk="0" h="120000" w="120000">
                 <a:moveTo>
                   <a:pt x="0" y="0"/>
                 </a:moveTo>
@@ -2201,11 +2120,9 @@
       <p:sp>
         <p:nvSpPr>
           <p:cNvPr id="70" name="Google Shape;70;g2a7c1fc1d97_1_0:notes"/>
-          <p:cNvSpPr txBox="1">
-            <a:spLocks noGrp="1"/>
-          </p:cNvSpPr>
+          <p:cNvSpPr txBox="1"/>
           <p:nvPr>
-            <p:ph type="body" idx="1"/>
+            <p:ph idx="1" type="body"/>
           </p:nvPr>
         </p:nvSpPr>
         <p:spPr>
@@ -2218,12 +2135,12 @@
           </a:prstGeom>
         </p:spPr>
         <p:txBody>
-          <a:bodyPr spcFirstLastPara="1" wrap="square" lIns="91425" tIns="91425" rIns="91425" bIns="91425" anchor="t" anchorCtr="0">
+          <a:bodyPr anchorCtr="0" anchor="t" bIns="91425" lIns="91425" spcFirstLastPara="1" rIns="91425" wrap="square" tIns="91425">
             <a:noAutofit/>
           </a:bodyPr>
           <a:lstStyle/>
           <a:p>
-            <a:pPr marL="0" lvl="0" indent="0" algn="l" rtl="0">
+            <a:pPr indent="0" lvl="0" marL="0" rtl="0" algn="l">
               <a:spcBef>
                 <a:spcPts val="0"/>
               </a:spcBef>
@@ -2232,6 +2149,9 @@
               </a:spcAft>
               <a:buNone/>
             </a:pPr>
+            <a:r>
+              <a:t/>
+            </a:r>
             <a:endParaRPr/>
           </a:p>
         </p:txBody>
@@ -2245,11 +2165,11 @@
 </file>
 
 <file path=ppt/notesSlides/notesSlide5.xml><?xml version="1.0" encoding="utf-8"?>
-<p:notes xmlns:a="http://schemas.openxmlformats.org/drawingml/2006/main" xmlns:r="http://schemas.openxmlformats.org/officeDocument/2006/relationships" xmlns:p="http://schemas.openxmlformats.org/presentationml/2006/main" showMasterSp="0" showMasterPhAnim="0">
+<p:notes xmlns:a="http://schemas.openxmlformats.org/drawingml/2006/main" xmlns:r="http://schemas.openxmlformats.org/officeDocument/2006/relationships" xmlns:mc="http://schemas.openxmlformats.org/markup-compatibility/2006" xmlns:mv="urn:schemas-microsoft-com:mac:vml" xmlns:p="http://schemas.openxmlformats.org/presentationml/2006/main" xmlns:c="http://schemas.openxmlformats.org/drawingml/2006/chart" xmlns:dgm="http://schemas.openxmlformats.org/drawingml/2006/diagram" xmlns:o="urn:schemas-microsoft-com:office:office" xmlns:v="urn:schemas-microsoft-com:vml" xmlns:pvml="urn:schemas-microsoft-com:office:powerpoint" xmlns:com="http://schemas.openxmlformats.org/drawingml/2006/compatibility" xmlns:p14="http://schemas.microsoft.com/office/powerpoint/2010/main" xmlns:p15="http://schemas.microsoft.com/office/powerpoint/2012/main" xmlns:ahyp="http://schemas.microsoft.com/office/drawing/2018/hyperlinkcolor" showMasterPhAnim="0" showMasterSp="0">
   <p:cSld>
     <p:spTree>
       <p:nvGrpSpPr>
-        <p:cNvPr id="1" name="Shape 85"/>
+        <p:cNvPr id="85" name="Shape 85"/>
         <p:cNvGrpSpPr/>
         <p:nvPr/>
       </p:nvGrpSpPr>
@@ -2264,11 +2184,9 @@
       <p:sp>
         <p:nvSpPr>
           <p:cNvPr id="86" name="Google Shape;86;g263b0ff8fa3_0_21:notes"/>
-          <p:cNvSpPr>
-            <a:spLocks noGrp="1" noRot="1" noChangeAspect="1"/>
-          </p:cNvSpPr>
+          <p:cNvSpPr/>
           <p:nvPr>
-            <p:ph type="sldImg" idx="2"/>
+            <p:ph idx="2" type="sldImg"/>
           </p:nvPr>
         </p:nvSpPr>
         <p:spPr>
@@ -2277,13 +2195,9 @@
             <a:ext cx="6096000" cy="3429000"/>
           </a:xfrm>
           <a:custGeom>
-            <a:avLst/>
-            <a:gdLst/>
-            <a:ahLst/>
-            <a:cxnLst/>
-            <a:rect l="l" t="t" r="r" b="b"/>
+            <a:rect b="b" l="l" r="r" t="t"/>
             <a:pathLst>
-              <a:path w="120000" h="120000" extrusionOk="0">
+              <a:path extrusionOk="0" h="120000" w="120000">
                 <a:moveTo>
                   <a:pt x="0" y="0"/>
                 </a:moveTo>
@@ -2305,11 +2219,9 @@
       <p:sp>
         <p:nvSpPr>
           <p:cNvPr id="87" name="Google Shape;87;g263b0ff8fa3_0_21:notes"/>
-          <p:cNvSpPr txBox="1">
-            <a:spLocks noGrp="1"/>
-          </p:cNvSpPr>
+          <p:cNvSpPr txBox="1"/>
           <p:nvPr>
-            <p:ph type="body" idx="1"/>
+            <p:ph idx="1" type="body"/>
           </p:nvPr>
         </p:nvSpPr>
         <p:spPr>
@@ -2322,12 +2234,12 @@
           </a:prstGeom>
         </p:spPr>
         <p:txBody>
-          <a:bodyPr spcFirstLastPara="1" wrap="square" lIns="91425" tIns="91425" rIns="91425" bIns="91425" anchor="t" anchorCtr="0">
+          <a:bodyPr anchorCtr="0" anchor="t" bIns="91425" lIns="91425" spcFirstLastPara="1" rIns="91425" wrap="square" tIns="91425">
             <a:noAutofit/>
           </a:bodyPr>
           <a:lstStyle/>
           <a:p>
-            <a:pPr marL="0" lvl="0" indent="0" algn="l" rtl="0">
+            <a:pPr indent="0" lvl="0" marL="0" rtl="0" algn="l">
               <a:spcBef>
                 <a:spcPts val="0"/>
               </a:spcBef>
@@ -2336,6 +2248,9 @@
               </a:spcAft>
               <a:buNone/>
             </a:pPr>
+            <a:r>
+              <a:t/>
+            </a:r>
             <a:endParaRPr/>
           </a:p>
         </p:txBody>
@@ -2349,11 +2264,11 @@
 </file>
 
 <file path=ppt/notesSlides/notesSlide6.xml><?xml version="1.0" encoding="utf-8"?>
-<p:notes xmlns:a="http://schemas.openxmlformats.org/drawingml/2006/main" xmlns:r="http://schemas.openxmlformats.org/officeDocument/2006/relationships" xmlns:p="http://schemas.openxmlformats.org/presentationml/2006/main" showMasterSp="0" showMasterPhAnim="0">
+<p:notes xmlns:a="http://schemas.openxmlformats.org/drawingml/2006/main" xmlns:r="http://schemas.openxmlformats.org/officeDocument/2006/relationships" xmlns:mc="http://schemas.openxmlformats.org/markup-compatibility/2006" xmlns:mv="urn:schemas-microsoft-com:mac:vml" xmlns:p="http://schemas.openxmlformats.org/presentationml/2006/main" xmlns:c="http://schemas.openxmlformats.org/drawingml/2006/chart" xmlns:dgm="http://schemas.openxmlformats.org/drawingml/2006/diagram" xmlns:o="urn:schemas-microsoft-com:office:office" xmlns:v="urn:schemas-microsoft-com:vml" xmlns:pvml="urn:schemas-microsoft-com:office:powerpoint" xmlns:com="http://schemas.openxmlformats.org/drawingml/2006/compatibility" xmlns:p14="http://schemas.microsoft.com/office/powerpoint/2010/main" xmlns:p15="http://schemas.microsoft.com/office/powerpoint/2012/main" xmlns:ahyp="http://schemas.microsoft.com/office/drawing/2018/hyperlinkcolor" showMasterPhAnim="0" showMasterSp="0">
   <p:cSld>
     <p:spTree>
       <p:nvGrpSpPr>
-        <p:cNvPr id="1" name="Shape 95"/>
+        <p:cNvPr id="95" name="Shape 95"/>
         <p:cNvGrpSpPr/>
         <p:nvPr/>
       </p:nvGrpSpPr>
@@ -2368,26 +2283,20 @@
       <p:sp>
         <p:nvSpPr>
           <p:cNvPr id="96" name="Google Shape;96;g2a7c1fc1d97_1_113:notes"/>
-          <p:cNvSpPr>
-            <a:spLocks noGrp="1" noRot="1" noChangeAspect="1"/>
-          </p:cNvSpPr>
+          <p:cNvSpPr/>
           <p:nvPr>
-            <p:ph type="sldImg" idx="2"/>
+            <p:ph idx="2" type="sldImg"/>
           </p:nvPr>
         </p:nvSpPr>
         <p:spPr>
           <a:xfrm>
-            <a:off x="381000" y="685800"/>
+            <a:off x="381300" y="685800"/>
             <a:ext cx="6096000" cy="3429000"/>
           </a:xfrm>
           <a:custGeom>
-            <a:avLst/>
-            <a:gdLst/>
-            <a:ahLst/>
-            <a:cxnLst/>
-            <a:rect l="l" t="t" r="r" b="b"/>
+            <a:rect b="b" l="l" r="r" t="t"/>
             <a:pathLst>
-              <a:path w="120000" h="120000" extrusionOk="0">
+              <a:path extrusionOk="0" h="120000" w="120000">
                 <a:moveTo>
                   <a:pt x="0" y="0"/>
                 </a:moveTo>
@@ -2409,11 +2318,9 @@
       <p:sp>
         <p:nvSpPr>
           <p:cNvPr id="97" name="Google Shape;97;g2a7c1fc1d97_1_113:notes"/>
-          <p:cNvSpPr txBox="1">
-            <a:spLocks noGrp="1"/>
-          </p:cNvSpPr>
+          <p:cNvSpPr txBox="1"/>
           <p:nvPr>
-            <p:ph type="body" idx="1"/>
+            <p:ph idx="1" type="body"/>
           </p:nvPr>
         </p:nvSpPr>
         <p:spPr>
@@ -2426,12 +2333,12 @@
           </a:prstGeom>
         </p:spPr>
         <p:txBody>
-          <a:bodyPr spcFirstLastPara="1" wrap="square" lIns="91425" tIns="91425" rIns="91425" bIns="91425" anchor="t" anchorCtr="0">
+          <a:bodyPr anchorCtr="0" anchor="t" bIns="91425" lIns="91425" spcFirstLastPara="1" rIns="91425" wrap="square" tIns="91425">
             <a:noAutofit/>
           </a:bodyPr>
           <a:lstStyle/>
           <a:p>
-            <a:pPr marL="0" lvl="0" indent="0" algn="l" rtl="0">
+            <a:pPr indent="0" lvl="0" marL="0" rtl="0" algn="l">
               <a:spcBef>
                 <a:spcPts val="0"/>
               </a:spcBef>
@@ -2440,16 +2347,14 @@
               </a:spcAft>
               <a:buNone/>
             </a:pPr>
+            <a:r>
+              <a:t/>
+            </a:r>
             <a:endParaRPr/>
           </a:p>
         </p:txBody>
       </p:sp>
     </p:spTree>
-    <p:extLst>
-      <p:ext uri="{BB962C8B-B14F-4D97-AF65-F5344CB8AC3E}">
-        <p14:creationId xmlns:p14="http://schemas.microsoft.com/office/powerpoint/2010/main" val="3819244512"/>
-      </p:ext>
-    </p:extLst>
   </p:cSld>
   <p:clrMapOvr>
     <a:masterClrMapping/>
@@ -2458,11 +2363,11 @@
 </file>
 
 <file path=ppt/notesSlides/notesSlide7.xml><?xml version="1.0" encoding="utf-8"?>
-<p:notes xmlns:a="http://schemas.openxmlformats.org/drawingml/2006/main" xmlns:r="http://schemas.openxmlformats.org/officeDocument/2006/relationships" xmlns:p="http://schemas.openxmlformats.org/presentationml/2006/main" showMasterSp="0" showMasterPhAnim="0">
+<p:notes xmlns:a="http://schemas.openxmlformats.org/drawingml/2006/main" xmlns:r="http://schemas.openxmlformats.org/officeDocument/2006/relationships" xmlns:mc="http://schemas.openxmlformats.org/markup-compatibility/2006" xmlns:mv="urn:schemas-microsoft-com:mac:vml" xmlns:p="http://schemas.openxmlformats.org/presentationml/2006/main" xmlns:c="http://schemas.openxmlformats.org/drawingml/2006/chart" xmlns:dgm="http://schemas.openxmlformats.org/drawingml/2006/diagram" xmlns:o="urn:schemas-microsoft-com:office:office" xmlns:v="urn:schemas-microsoft-com:vml" xmlns:pvml="urn:schemas-microsoft-com:office:powerpoint" xmlns:com="http://schemas.openxmlformats.org/drawingml/2006/compatibility" xmlns:p14="http://schemas.microsoft.com/office/powerpoint/2010/main" xmlns:p15="http://schemas.microsoft.com/office/powerpoint/2012/main" xmlns:ahyp="http://schemas.microsoft.com/office/drawing/2018/hyperlinkcolor" showMasterPhAnim="0" showMasterSp="0">
   <p:cSld>
     <p:spTree>
       <p:nvGrpSpPr>
-        <p:cNvPr id="1" name="Shape 105"/>
+        <p:cNvPr id="105" name="Shape 105"/>
         <p:cNvGrpSpPr/>
         <p:nvPr/>
       </p:nvGrpSpPr>
@@ -2477,26 +2382,20 @@
       <p:sp>
         <p:nvSpPr>
           <p:cNvPr id="106" name="Google Shape;106;g2643520e193_0_43:notes"/>
-          <p:cNvSpPr>
-            <a:spLocks noGrp="1" noRot="1" noChangeAspect="1"/>
-          </p:cNvSpPr>
+          <p:cNvSpPr/>
           <p:nvPr>
-            <p:ph type="sldImg" idx="2"/>
+            <p:ph idx="2" type="sldImg"/>
           </p:nvPr>
         </p:nvSpPr>
         <p:spPr>
           <a:xfrm>
-            <a:off x="381000" y="685800"/>
+            <a:off x="381300" y="685800"/>
             <a:ext cx="6096000" cy="3429000"/>
           </a:xfrm>
           <a:custGeom>
-            <a:avLst/>
-            <a:gdLst/>
-            <a:ahLst/>
-            <a:cxnLst/>
-            <a:rect l="l" t="t" r="r" b="b"/>
+            <a:rect b="b" l="l" r="r" t="t"/>
             <a:pathLst>
-              <a:path w="120000" h="120000" extrusionOk="0">
+              <a:path extrusionOk="0" h="120000" w="120000">
                 <a:moveTo>
                   <a:pt x="0" y="0"/>
                 </a:moveTo>
@@ -2518,11 +2417,9 @@
       <p:sp>
         <p:nvSpPr>
           <p:cNvPr id="107" name="Google Shape;107;g2643520e193_0_43:notes"/>
-          <p:cNvSpPr txBox="1">
-            <a:spLocks noGrp="1"/>
-          </p:cNvSpPr>
+          <p:cNvSpPr txBox="1"/>
           <p:nvPr>
-            <p:ph type="body" idx="1"/>
+            <p:ph idx="1" type="body"/>
           </p:nvPr>
         </p:nvSpPr>
         <p:spPr>
@@ -2535,12 +2432,12 @@
           </a:prstGeom>
         </p:spPr>
         <p:txBody>
-          <a:bodyPr spcFirstLastPara="1" wrap="square" lIns="91425" tIns="91425" rIns="91425" bIns="91425" anchor="t" anchorCtr="0">
+          <a:bodyPr anchorCtr="0" anchor="t" bIns="91425" lIns="91425" spcFirstLastPara="1" rIns="91425" wrap="square" tIns="91425">
             <a:noAutofit/>
           </a:bodyPr>
           <a:lstStyle/>
           <a:p>
-            <a:pPr marL="0" lvl="0" indent="0" algn="l" rtl="0">
+            <a:pPr indent="0" lvl="0" marL="0" rtl="0" algn="l">
               <a:spcBef>
                 <a:spcPts val="0"/>
               </a:spcBef>
@@ -2549,6 +2446,9 @@
               </a:spcAft>
               <a:buNone/>
             </a:pPr>
+            <a:r>
+              <a:t/>
+            </a:r>
             <a:endParaRPr/>
           </a:p>
         </p:txBody>
@@ -2562,11 +2462,11 @@
 </file>
 
 <file path=ppt/notesSlides/notesSlide8.xml><?xml version="1.0" encoding="utf-8"?>
-<p:notes xmlns:a="http://schemas.openxmlformats.org/drawingml/2006/main" xmlns:r="http://schemas.openxmlformats.org/officeDocument/2006/relationships" xmlns:p="http://schemas.openxmlformats.org/presentationml/2006/main" showMasterSp="0" showMasterPhAnim="0">
+<p:notes xmlns:a="http://schemas.openxmlformats.org/drawingml/2006/main" xmlns:r="http://schemas.openxmlformats.org/officeDocument/2006/relationships" xmlns:mc="http://schemas.openxmlformats.org/markup-compatibility/2006" xmlns:mv="urn:schemas-microsoft-com:mac:vml" xmlns:p="http://schemas.openxmlformats.org/presentationml/2006/main" xmlns:c="http://schemas.openxmlformats.org/drawingml/2006/chart" xmlns:dgm="http://schemas.openxmlformats.org/drawingml/2006/diagram" xmlns:o="urn:schemas-microsoft-com:office:office" xmlns:v="urn:schemas-microsoft-com:vml" xmlns:pvml="urn:schemas-microsoft-com:office:powerpoint" xmlns:com="http://schemas.openxmlformats.org/drawingml/2006/compatibility" xmlns:p14="http://schemas.microsoft.com/office/powerpoint/2010/main" xmlns:p15="http://schemas.microsoft.com/office/powerpoint/2012/main" xmlns:ahyp="http://schemas.microsoft.com/office/drawing/2018/hyperlinkcolor" showMasterPhAnim="0" showMasterSp="0">
   <p:cSld>
     <p:spTree>
       <p:nvGrpSpPr>
-        <p:cNvPr id="1" name="Shape 116"/>
+        <p:cNvPr id="116" name="Shape 116"/>
         <p:cNvGrpSpPr/>
         <p:nvPr/>
       </p:nvGrpSpPr>
@@ -2581,11 +2481,9 @@
       <p:sp>
         <p:nvSpPr>
           <p:cNvPr id="117" name="Google Shape;117;g2a801c85953_3_64:notes"/>
-          <p:cNvSpPr>
-            <a:spLocks noGrp="1" noRot="1" noChangeAspect="1"/>
-          </p:cNvSpPr>
+          <p:cNvSpPr/>
           <p:nvPr>
-            <p:ph type="sldImg" idx="2"/>
+            <p:ph idx="2" type="sldImg"/>
           </p:nvPr>
         </p:nvSpPr>
         <p:spPr>
@@ -2594,13 +2492,9 @@
             <a:ext cx="6096000" cy="3429000"/>
           </a:xfrm>
           <a:custGeom>
-            <a:avLst/>
-            <a:gdLst/>
-            <a:ahLst/>
-            <a:cxnLst/>
-            <a:rect l="l" t="t" r="r" b="b"/>
+            <a:rect b="b" l="l" r="r" t="t"/>
             <a:pathLst>
-              <a:path w="120000" h="120000" extrusionOk="0">
+              <a:path extrusionOk="0" h="120000" w="120000">
                 <a:moveTo>
                   <a:pt x="0" y="0"/>
                 </a:moveTo>
@@ -2622,11 +2516,9 @@
       <p:sp>
         <p:nvSpPr>
           <p:cNvPr id="118" name="Google Shape;118;g2a801c85953_3_64:notes"/>
-          <p:cNvSpPr txBox="1">
-            <a:spLocks noGrp="1"/>
-          </p:cNvSpPr>
+          <p:cNvSpPr txBox="1"/>
           <p:nvPr>
-            <p:ph type="body" idx="1"/>
+            <p:ph idx="1" type="body"/>
           </p:nvPr>
         </p:nvSpPr>
         <p:spPr>
@@ -2639,12 +2531,12 @@
           </a:prstGeom>
         </p:spPr>
         <p:txBody>
-          <a:bodyPr spcFirstLastPara="1" wrap="square" lIns="91425" tIns="91425" rIns="91425" bIns="91425" anchor="t" anchorCtr="0">
+          <a:bodyPr anchorCtr="0" anchor="t" bIns="91425" lIns="91425" spcFirstLastPara="1" rIns="91425" wrap="square" tIns="91425">
             <a:noAutofit/>
           </a:bodyPr>
           <a:lstStyle/>
           <a:p>
-            <a:pPr marL="0" lvl="0" indent="0" algn="l" rtl="0">
+            <a:pPr indent="0" lvl="0" marL="0" rtl="0" algn="l">
               <a:spcBef>
                 <a:spcPts val="0"/>
               </a:spcBef>
@@ -2653,6 +2545,9 @@
               </a:spcAft>
               <a:buNone/>
             </a:pPr>
+            <a:r>
+              <a:t/>
+            </a:r>
             <a:endParaRPr/>
           </a:p>
         </p:txBody>
@@ -2666,11 +2561,11 @@
 </file>
 
 <file path=ppt/notesSlides/notesSlide9.xml><?xml version="1.0" encoding="utf-8"?>
-<p:notes xmlns:a="http://schemas.openxmlformats.org/drawingml/2006/main" xmlns:r="http://schemas.openxmlformats.org/officeDocument/2006/relationships" xmlns:p="http://schemas.openxmlformats.org/presentationml/2006/main" showMasterSp="0" showMasterPhAnim="0">
+<p:notes xmlns:a="http://schemas.openxmlformats.org/drawingml/2006/main" xmlns:r="http://schemas.openxmlformats.org/officeDocument/2006/relationships" xmlns:mc="http://schemas.openxmlformats.org/markup-compatibility/2006" xmlns:mv="urn:schemas-microsoft-com:mac:vml" xmlns:p="http://schemas.openxmlformats.org/presentationml/2006/main" xmlns:c="http://schemas.openxmlformats.org/drawingml/2006/chart" xmlns:dgm="http://schemas.openxmlformats.org/drawingml/2006/diagram" xmlns:o="urn:schemas-microsoft-com:office:office" xmlns:v="urn:schemas-microsoft-com:vml" xmlns:pvml="urn:schemas-microsoft-com:office:powerpoint" xmlns:com="http://schemas.openxmlformats.org/drawingml/2006/compatibility" xmlns:p14="http://schemas.microsoft.com/office/powerpoint/2010/main" xmlns:p15="http://schemas.microsoft.com/office/powerpoint/2012/main" xmlns:ahyp="http://schemas.microsoft.com/office/drawing/2018/hyperlinkcolor" showMasterPhAnim="0" showMasterSp="0">
   <p:cSld>
     <p:spTree>
       <p:nvGrpSpPr>
-        <p:cNvPr id="1" name="Shape 123"/>
+        <p:cNvPr id="123" name="Shape 123"/>
         <p:cNvGrpSpPr/>
         <p:nvPr/>
       </p:nvGrpSpPr>
@@ -2685,11 +2580,9 @@
       <p:sp>
         <p:nvSpPr>
           <p:cNvPr id="124" name="Google Shape;124;g2a7c1fc1d97_1_118:notes"/>
-          <p:cNvSpPr>
-            <a:spLocks noGrp="1" noRot="1" noChangeAspect="1"/>
-          </p:cNvSpPr>
+          <p:cNvSpPr/>
           <p:nvPr>
-            <p:ph type="sldImg" idx="2"/>
+            <p:ph idx="2" type="sldImg"/>
           </p:nvPr>
         </p:nvSpPr>
         <p:spPr>
@@ -2698,13 +2591,9 @@
             <a:ext cx="6096000" cy="3429000"/>
           </a:xfrm>
           <a:custGeom>
-            <a:avLst/>
-            <a:gdLst/>
-            <a:ahLst/>
-            <a:cxnLst/>
-            <a:rect l="l" t="t" r="r" b="b"/>
+            <a:rect b="b" l="l" r="r" t="t"/>
             <a:pathLst>
-              <a:path w="120000" h="120000" extrusionOk="0">
+              <a:path extrusionOk="0" h="120000" w="120000">
                 <a:moveTo>
                   <a:pt x="0" y="0"/>
                 </a:moveTo>
@@ -2726,11 +2615,9 @@
       <p:sp>
         <p:nvSpPr>
           <p:cNvPr id="125" name="Google Shape;125;g2a7c1fc1d97_1_118:notes"/>
-          <p:cNvSpPr txBox="1">
-            <a:spLocks noGrp="1"/>
-          </p:cNvSpPr>
+          <p:cNvSpPr txBox="1"/>
           <p:nvPr>
-            <p:ph type="body" idx="1"/>
+            <p:ph idx="1" type="body"/>
           </p:nvPr>
         </p:nvSpPr>
         <p:spPr>
@@ -2743,12 +2630,12 @@
           </a:prstGeom>
         </p:spPr>
         <p:txBody>
-          <a:bodyPr spcFirstLastPara="1" wrap="square" lIns="91425" tIns="91425" rIns="91425" bIns="91425" anchor="t" anchorCtr="0">
+          <a:bodyPr anchorCtr="0" anchor="t" bIns="91425" lIns="91425" spcFirstLastPara="1" rIns="91425" wrap="square" tIns="91425">
             <a:noAutofit/>
           </a:bodyPr>
           <a:lstStyle/>
           <a:p>
-            <a:pPr marL="0" lvl="0" indent="0" algn="l" rtl="0">
+            <a:pPr indent="0" lvl="0" marL="0" rtl="0" algn="l">
               <a:spcBef>
                 <a:spcPts val="0"/>
               </a:spcBef>
@@ -2757,6 +2644,9 @@
               </a:spcAft>
               <a:buNone/>
             </a:pPr>
+            <a:r>
+              <a:t/>
+            </a:r>
             <a:endParaRPr/>
           </a:p>
         </p:txBody>
@@ -2770,11 +2660,11 @@
 </file>
 
 <file path=ppt/slideLayouts/slideLayout1.xml><?xml version="1.0" encoding="utf-8"?>
-<p:sldLayout xmlns:a="http://schemas.openxmlformats.org/drawingml/2006/main" xmlns:r="http://schemas.openxmlformats.org/officeDocument/2006/relationships" xmlns:p="http://schemas.openxmlformats.org/presentationml/2006/main" matchingName="Title slide" type="title">
+<p:sldLayout xmlns:a="http://schemas.openxmlformats.org/drawingml/2006/main" xmlns:r="http://schemas.openxmlformats.org/officeDocument/2006/relationships" xmlns:mc="http://schemas.openxmlformats.org/markup-compatibility/2006" xmlns:mv="urn:schemas-microsoft-com:mac:vml" xmlns:p="http://schemas.openxmlformats.org/presentationml/2006/main" xmlns:c="http://schemas.openxmlformats.org/drawingml/2006/chart" xmlns:dgm="http://schemas.openxmlformats.org/drawingml/2006/diagram" xmlns:o="urn:schemas-microsoft-com:office:office" xmlns:v="urn:schemas-microsoft-com:vml" xmlns:pvml="urn:schemas-microsoft-com:office:powerpoint" xmlns:com="http://schemas.openxmlformats.org/drawingml/2006/compatibility" xmlns:p14="http://schemas.microsoft.com/office/powerpoint/2010/main" xmlns:p15="http://schemas.microsoft.com/office/powerpoint/2012/main" xmlns:ahyp="http://schemas.microsoft.com/office/drawing/2018/hyperlinkcolor" matchingName="Title slide" type="title">
   <p:cSld name="TITLE">
     <p:spTree>
       <p:nvGrpSpPr>
-        <p:cNvPr id="1" name="Shape 9"/>
+        <p:cNvPr id="9" name="Shape 9"/>
         <p:cNvGrpSpPr/>
         <p:nvPr/>
       </p:nvGrpSpPr>
@@ -2789,9 +2679,7 @@
       <p:sp>
         <p:nvSpPr>
           <p:cNvPr id="10" name="Google Shape;10;p27"/>
-          <p:cNvSpPr txBox="1">
-            <a:spLocks noGrp="1"/>
-          </p:cNvSpPr>
+          <p:cNvSpPr txBox="1"/>
           <p:nvPr>
             <p:ph type="ctrTitle"/>
           </p:nvPr>
@@ -2810,7 +2698,7 @@
           </a:ln>
         </p:spPr>
         <p:txBody>
-          <a:bodyPr spcFirstLastPara="1" wrap="square" lIns="91425" tIns="91425" rIns="91425" bIns="91425" anchor="b" anchorCtr="0">
+          <a:bodyPr anchorCtr="0" anchor="b" bIns="91425" lIns="91425" spcFirstLastPara="1" rIns="91425" wrap="square" tIns="91425">
             <a:normAutofit/>
           </a:bodyPr>
           <a:lstStyle>
@@ -2941,19 +2829,15 @@
               <a:defRPr sz="5200"/>
             </a:lvl9pPr>
           </a:lstStyle>
-          <a:p>
-            <a:endParaRPr/>
-          </a:p>
+          <a:p/>
         </p:txBody>
       </p:sp>
       <p:sp>
         <p:nvSpPr>
           <p:cNvPr id="11" name="Google Shape;11;p27"/>
-          <p:cNvSpPr txBox="1">
-            <a:spLocks noGrp="1"/>
-          </p:cNvSpPr>
+          <p:cNvSpPr txBox="1"/>
           <p:nvPr>
-            <p:ph type="subTitle" idx="1"/>
+            <p:ph idx="1" type="subTitle"/>
           </p:nvPr>
         </p:nvSpPr>
         <p:spPr>
@@ -2970,7 +2854,7 @@
           </a:ln>
         </p:spPr>
         <p:txBody>
-          <a:bodyPr spcFirstLastPara="1" wrap="square" lIns="91425" tIns="91425" rIns="91425" bIns="91425" anchor="t" anchorCtr="0">
+          <a:bodyPr anchorCtr="0" anchor="t" bIns="91425" lIns="91425" spcFirstLastPara="1" rIns="91425" wrap="square" tIns="91425">
             <a:normAutofit/>
           </a:bodyPr>
           <a:lstStyle>
@@ -3101,19 +2985,15 @@
               <a:defRPr sz="2800"/>
             </a:lvl9pPr>
           </a:lstStyle>
-          <a:p>
-            <a:endParaRPr/>
-          </a:p>
+          <a:p/>
         </p:txBody>
       </p:sp>
       <p:sp>
         <p:nvSpPr>
           <p:cNvPr id="12" name="Google Shape;12;p27"/>
-          <p:cNvSpPr txBox="1">
-            <a:spLocks noGrp="1"/>
-          </p:cNvSpPr>
+          <p:cNvSpPr txBox="1"/>
           <p:nvPr>
-            <p:ph type="sldNum" idx="12"/>
+            <p:ph idx="12" type="sldNum"/>
           </p:nvPr>
         </p:nvSpPr>
         <p:spPr>
@@ -3130,11 +3010,11 @@
           </a:ln>
         </p:spPr>
         <p:txBody>
-          <a:bodyPr spcFirstLastPara="1" wrap="square" lIns="91425" tIns="91425" rIns="91425" bIns="91425" anchor="ctr" anchorCtr="0">
+          <a:bodyPr anchorCtr="0" anchor="ctr" bIns="91425" lIns="91425" spcFirstLastPara="1" rIns="91425" wrap="square" tIns="91425">
             <a:normAutofit/>
           </a:bodyPr>
           <a:lstStyle>
-            <a:lvl1pPr marL="0" marR="0" lvl="0" indent="0" algn="r">
+            <a:lvl1pPr indent="0" lvl="0" marL="0" marR="0" algn="r">
               <a:lnSpc>
                 <a:spcPct val="100000"/>
               </a:lnSpc>
@@ -3150,7 +3030,7 @@
               <a:buSzPts val="1000"/>
               <a:buFont typeface="Arial"/>
               <a:buNone/>
-              <a:defRPr sz="1000" b="0" i="0" u="none" strike="noStrike" cap="none">
+              <a:defRPr b="0" i="0" sz="1000" u="none" cap="none" strike="noStrike">
                 <a:solidFill>
                   <a:schemeClr val="dk2"/>
                 </a:solidFill>
@@ -3160,7 +3040,7 @@
                 <a:sym typeface="Arial"/>
               </a:defRPr>
             </a:lvl1pPr>
-            <a:lvl2pPr marL="0" marR="0" lvl="1" indent="0" algn="r">
+            <a:lvl2pPr indent="0" lvl="1" marL="0" marR="0" algn="r">
               <a:lnSpc>
                 <a:spcPct val="100000"/>
               </a:lnSpc>
@@ -3176,7 +3056,7 @@
               <a:buSzPts val="1000"/>
               <a:buFont typeface="Arial"/>
               <a:buNone/>
-              <a:defRPr sz="1000" b="0" i="0" u="none" strike="noStrike" cap="none">
+              <a:defRPr b="0" i="0" sz="1000" u="none" cap="none" strike="noStrike">
                 <a:solidFill>
                   <a:schemeClr val="dk2"/>
                 </a:solidFill>
@@ -3186,7 +3066,7 @@
                 <a:sym typeface="Arial"/>
               </a:defRPr>
             </a:lvl2pPr>
-            <a:lvl3pPr marL="0" marR="0" lvl="2" indent="0" algn="r">
+            <a:lvl3pPr indent="0" lvl="2" marL="0" marR="0" algn="r">
               <a:lnSpc>
                 <a:spcPct val="100000"/>
               </a:lnSpc>
@@ -3202,7 +3082,7 @@
               <a:buSzPts val="1000"/>
               <a:buFont typeface="Arial"/>
               <a:buNone/>
-              <a:defRPr sz="1000" b="0" i="0" u="none" strike="noStrike" cap="none">
+              <a:defRPr b="0" i="0" sz="1000" u="none" cap="none" strike="noStrike">
                 <a:solidFill>
                   <a:schemeClr val="dk2"/>
                 </a:solidFill>
@@ -3212,7 +3092,7 @@
                 <a:sym typeface="Arial"/>
               </a:defRPr>
             </a:lvl3pPr>
-            <a:lvl4pPr marL="0" marR="0" lvl="3" indent="0" algn="r">
+            <a:lvl4pPr indent="0" lvl="3" marL="0" marR="0" algn="r">
               <a:lnSpc>
                 <a:spcPct val="100000"/>
               </a:lnSpc>
@@ -3228,7 +3108,7 @@
               <a:buSzPts val="1000"/>
               <a:buFont typeface="Arial"/>
               <a:buNone/>
-              <a:defRPr sz="1000" b="0" i="0" u="none" strike="noStrike" cap="none">
+              <a:defRPr b="0" i="0" sz="1000" u="none" cap="none" strike="noStrike">
                 <a:solidFill>
                   <a:schemeClr val="dk2"/>
                 </a:solidFill>
@@ -3238,7 +3118,7 @@
                 <a:sym typeface="Arial"/>
               </a:defRPr>
             </a:lvl4pPr>
-            <a:lvl5pPr marL="0" marR="0" lvl="4" indent="0" algn="r">
+            <a:lvl5pPr indent="0" lvl="4" marL="0" marR="0" algn="r">
               <a:lnSpc>
                 <a:spcPct val="100000"/>
               </a:lnSpc>
@@ -3254,7 +3134,7 @@
               <a:buSzPts val="1000"/>
               <a:buFont typeface="Arial"/>
               <a:buNone/>
-              <a:defRPr sz="1000" b="0" i="0" u="none" strike="noStrike" cap="none">
+              <a:defRPr b="0" i="0" sz="1000" u="none" cap="none" strike="noStrike">
                 <a:solidFill>
                   <a:schemeClr val="dk2"/>
                 </a:solidFill>
@@ -3264,7 +3144,7 @@
                 <a:sym typeface="Arial"/>
               </a:defRPr>
             </a:lvl5pPr>
-            <a:lvl6pPr marL="0" marR="0" lvl="5" indent="0" algn="r">
+            <a:lvl6pPr indent="0" lvl="5" marL="0" marR="0" algn="r">
               <a:lnSpc>
                 <a:spcPct val="100000"/>
               </a:lnSpc>
@@ -3280,7 +3160,7 @@
               <a:buSzPts val="1000"/>
               <a:buFont typeface="Arial"/>
               <a:buNone/>
-              <a:defRPr sz="1000" b="0" i="0" u="none" strike="noStrike" cap="none">
+              <a:defRPr b="0" i="0" sz="1000" u="none" cap="none" strike="noStrike">
                 <a:solidFill>
                   <a:schemeClr val="dk2"/>
                 </a:solidFill>
@@ -3290,7 +3170,7 @@
                 <a:sym typeface="Arial"/>
               </a:defRPr>
             </a:lvl6pPr>
-            <a:lvl7pPr marL="0" marR="0" lvl="6" indent="0" algn="r">
+            <a:lvl7pPr indent="0" lvl="6" marL="0" marR="0" algn="r">
               <a:lnSpc>
                 <a:spcPct val="100000"/>
               </a:lnSpc>
@@ -3306,7 +3186,7 @@
               <a:buSzPts val="1000"/>
               <a:buFont typeface="Arial"/>
               <a:buNone/>
-              <a:defRPr sz="1000" b="0" i="0" u="none" strike="noStrike" cap="none">
+              <a:defRPr b="0" i="0" sz="1000" u="none" cap="none" strike="noStrike">
                 <a:solidFill>
                   <a:schemeClr val="dk2"/>
                 </a:solidFill>
@@ -3316,7 +3196,7 @@
                 <a:sym typeface="Arial"/>
               </a:defRPr>
             </a:lvl7pPr>
-            <a:lvl8pPr marL="0" marR="0" lvl="7" indent="0" algn="r">
+            <a:lvl8pPr indent="0" lvl="7" marL="0" marR="0" algn="r">
               <a:lnSpc>
                 <a:spcPct val="100000"/>
               </a:lnSpc>
@@ -3332,7 +3212,7 @@
               <a:buSzPts val="1000"/>
               <a:buFont typeface="Arial"/>
               <a:buNone/>
-              <a:defRPr sz="1000" b="0" i="0" u="none" strike="noStrike" cap="none">
+              <a:defRPr b="0" i="0" sz="1000" u="none" cap="none" strike="noStrike">
                 <a:solidFill>
                   <a:schemeClr val="dk2"/>
                 </a:solidFill>
@@ -3342,7 +3222,7 @@
                 <a:sym typeface="Arial"/>
               </a:defRPr>
             </a:lvl8pPr>
-            <a:lvl9pPr marL="0" marR="0" lvl="8" indent="0" algn="r">
+            <a:lvl9pPr indent="0" lvl="8" marL="0" marR="0" algn="r">
               <a:lnSpc>
                 <a:spcPct val="100000"/>
               </a:lnSpc>
@@ -3358,7 +3238,7 @@
               <a:buSzPts val="1000"/>
               <a:buFont typeface="Arial"/>
               <a:buNone/>
-              <a:defRPr sz="1000" b="0" i="0" u="none" strike="noStrike" cap="none">
+              <a:defRPr b="0" i="0" sz="1000" u="none" cap="none" strike="noStrike">
                 <a:solidFill>
                   <a:schemeClr val="dk2"/>
                 </a:solidFill>
@@ -3370,7 +3250,7 @@
             </a:lvl9pPr>
           </a:lstStyle>
           <a:p>
-            <a:pPr marL="0" lvl="0" indent="0" algn="r" rtl="0">
+            <a:pPr indent="0" lvl="0" marL="0" rtl="0" algn="r">
               <a:spcBef>
                 <a:spcPts val="0"/>
               </a:spcBef>
@@ -3396,11 +3276,11 @@
 </file>
 
 <file path=ppt/slideLayouts/slideLayout10.xml><?xml version="1.0" encoding="utf-8"?>
-<p:sldLayout xmlns:a="http://schemas.openxmlformats.org/drawingml/2006/main" xmlns:r="http://schemas.openxmlformats.org/officeDocument/2006/relationships" xmlns:p="http://schemas.openxmlformats.org/presentationml/2006/main" matchingName="Big number">
+<p:sldLayout xmlns:a="http://schemas.openxmlformats.org/drawingml/2006/main" xmlns:r="http://schemas.openxmlformats.org/officeDocument/2006/relationships" xmlns:mc="http://schemas.openxmlformats.org/markup-compatibility/2006" xmlns:mv="urn:schemas-microsoft-com:mac:vml" xmlns:p="http://schemas.openxmlformats.org/presentationml/2006/main" xmlns:c="http://schemas.openxmlformats.org/drawingml/2006/chart" xmlns:dgm="http://schemas.openxmlformats.org/drawingml/2006/diagram" xmlns:o="urn:schemas-microsoft-com:office:office" xmlns:v="urn:schemas-microsoft-com:vml" xmlns:pvml="urn:schemas-microsoft-com:office:powerpoint" xmlns:com="http://schemas.openxmlformats.org/drawingml/2006/compatibility" xmlns:p14="http://schemas.microsoft.com/office/powerpoint/2010/main" xmlns:p15="http://schemas.microsoft.com/office/powerpoint/2012/main" xmlns:ahyp="http://schemas.microsoft.com/office/drawing/2018/hyperlinkcolor" matchingName="Big number">
   <p:cSld name="BIG_NUMBER">
     <p:spTree>
       <p:nvGrpSpPr>
-        <p:cNvPr id="1" name="Shape 44"/>
+        <p:cNvPr id="44" name="Shape 44"/>
         <p:cNvGrpSpPr/>
         <p:nvPr/>
       </p:nvGrpSpPr>
@@ -3415,11 +3295,9 @@
       <p:sp>
         <p:nvSpPr>
           <p:cNvPr id="45" name="Google Shape;45;p36"/>
-          <p:cNvSpPr txBox="1">
-            <a:spLocks noGrp="1"/>
-          </p:cNvSpPr>
+          <p:cNvSpPr txBox="1"/>
           <p:nvPr>
-            <p:ph type="title" hasCustomPrompt="1"/>
+            <p:ph hasCustomPrompt="1" type="title"/>
           </p:nvPr>
         </p:nvSpPr>
         <p:spPr>
@@ -3436,7 +3314,7 @@
           </a:ln>
         </p:spPr>
         <p:txBody>
-          <a:bodyPr spcFirstLastPara="1" wrap="square" lIns="91425" tIns="91425" rIns="91425" bIns="91425" anchor="b" anchorCtr="0">
+          <a:bodyPr anchorCtr="0" anchor="b" bIns="91425" lIns="91425" spcFirstLastPara="1" rIns="91425" wrap="square" tIns="91425">
             <a:normAutofit/>
           </a:bodyPr>
           <a:lstStyle>
@@ -3577,11 +3455,9 @@
       <p:sp>
         <p:nvSpPr>
           <p:cNvPr id="46" name="Google Shape;46;p36"/>
-          <p:cNvSpPr txBox="1">
-            <a:spLocks noGrp="1"/>
-          </p:cNvSpPr>
+          <p:cNvSpPr txBox="1"/>
           <p:nvPr>
-            <p:ph type="body" idx="1"/>
+            <p:ph idx="1" type="body"/>
           </p:nvPr>
         </p:nvSpPr>
         <p:spPr>
@@ -3598,11 +3474,11 @@
           </a:ln>
         </p:spPr>
         <p:txBody>
-          <a:bodyPr spcFirstLastPara="1" wrap="square" lIns="91425" tIns="91425" rIns="91425" bIns="91425" anchor="t" anchorCtr="0">
+          <a:bodyPr anchorCtr="0" anchor="t" bIns="91425" lIns="91425" spcFirstLastPara="1" rIns="91425" wrap="square" tIns="91425">
             <a:normAutofit/>
           </a:bodyPr>
           <a:lstStyle>
-            <a:lvl1pPr marL="457200" lvl="0" indent="-342900" algn="ctr">
+            <a:lvl1pPr indent="-342900" lvl="0" marL="457200" algn="ctr">
               <a:lnSpc>
                 <a:spcPct val="115000"/>
               </a:lnSpc>
@@ -3616,7 +3492,7 @@
               <a:buChar char="●"/>
               <a:defRPr/>
             </a:lvl1pPr>
-            <a:lvl2pPr marL="914400" lvl="1" indent="-317500" algn="ctr">
+            <a:lvl2pPr indent="-317500" lvl="1" marL="914400" algn="ctr">
               <a:lnSpc>
                 <a:spcPct val="115000"/>
               </a:lnSpc>
@@ -3630,7 +3506,7 @@
               <a:buChar char="○"/>
               <a:defRPr/>
             </a:lvl2pPr>
-            <a:lvl3pPr marL="1371600" lvl="2" indent="-317500" algn="ctr">
+            <a:lvl3pPr indent="-317500" lvl="2" marL="1371600" algn="ctr">
               <a:lnSpc>
                 <a:spcPct val="115000"/>
               </a:lnSpc>
@@ -3644,7 +3520,7 @@
               <a:buChar char="■"/>
               <a:defRPr/>
             </a:lvl3pPr>
-            <a:lvl4pPr marL="1828800" lvl="3" indent="-317500" algn="ctr">
+            <a:lvl4pPr indent="-317500" lvl="3" marL="1828800" algn="ctr">
               <a:lnSpc>
                 <a:spcPct val="115000"/>
               </a:lnSpc>
@@ -3658,7 +3534,7 @@
               <a:buChar char="●"/>
               <a:defRPr/>
             </a:lvl4pPr>
-            <a:lvl5pPr marL="2286000" lvl="4" indent="-317500" algn="ctr">
+            <a:lvl5pPr indent="-317500" lvl="4" marL="2286000" algn="ctr">
               <a:lnSpc>
                 <a:spcPct val="115000"/>
               </a:lnSpc>
@@ -3672,7 +3548,7 @@
               <a:buChar char="○"/>
               <a:defRPr/>
             </a:lvl5pPr>
-            <a:lvl6pPr marL="2743200" lvl="5" indent="-317500" algn="ctr">
+            <a:lvl6pPr indent="-317500" lvl="5" marL="2743200" algn="ctr">
               <a:lnSpc>
                 <a:spcPct val="115000"/>
               </a:lnSpc>
@@ -3686,7 +3562,7 @@
               <a:buChar char="■"/>
               <a:defRPr/>
             </a:lvl6pPr>
-            <a:lvl7pPr marL="3200400" lvl="6" indent="-317500" algn="ctr">
+            <a:lvl7pPr indent="-317500" lvl="6" marL="3200400" algn="ctr">
               <a:lnSpc>
                 <a:spcPct val="115000"/>
               </a:lnSpc>
@@ -3700,7 +3576,7 @@
               <a:buChar char="●"/>
               <a:defRPr/>
             </a:lvl7pPr>
-            <a:lvl8pPr marL="3657600" lvl="7" indent="-317500" algn="ctr">
+            <a:lvl8pPr indent="-317500" lvl="7" marL="3657600" algn="ctr">
               <a:lnSpc>
                 <a:spcPct val="115000"/>
               </a:lnSpc>
@@ -3714,7 +3590,7 @@
               <a:buChar char="○"/>
               <a:defRPr/>
             </a:lvl8pPr>
-            <a:lvl9pPr marL="4114800" lvl="8" indent="-317500" algn="ctr">
+            <a:lvl9pPr indent="-317500" lvl="8" marL="4114800" algn="ctr">
               <a:lnSpc>
                 <a:spcPct val="115000"/>
               </a:lnSpc>
@@ -3729,19 +3605,15 @@
               <a:defRPr/>
             </a:lvl9pPr>
           </a:lstStyle>
-          <a:p>
-            <a:endParaRPr/>
-          </a:p>
+          <a:p/>
         </p:txBody>
       </p:sp>
       <p:sp>
         <p:nvSpPr>
           <p:cNvPr id="47" name="Google Shape;47;p36"/>
-          <p:cNvSpPr txBox="1">
-            <a:spLocks noGrp="1"/>
-          </p:cNvSpPr>
+          <p:cNvSpPr txBox="1"/>
           <p:nvPr>
-            <p:ph type="sldNum" idx="12"/>
+            <p:ph idx="12" type="sldNum"/>
           </p:nvPr>
         </p:nvSpPr>
         <p:spPr>
@@ -3758,11 +3630,11 @@
           </a:ln>
         </p:spPr>
         <p:txBody>
-          <a:bodyPr spcFirstLastPara="1" wrap="square" lIns="91425" tIns="91425" rIns="91425" bIns="91425" anchor="ctr" anchorCtr="0">
+          <a:bodyPr anchorCtr="0" anchor="ctr" bIns="91425" lIns="91425" spcFirstLastPara="1" rIns="91425" wrap="square" tIns="91425">
             <a:normAutofit/>
           </a:bodyPr>
           <a:lstStyle>
-            <a:lvl1pPr marL="0" marR="0" lvl="0" indent="0" algn="r">
+            <a:lvl1pPr indent="0" lvl="0" marL="0" marR="0" algn="r">
               <a:lnSpc>
                 <a:spcPct val="100000"/>
               </a:lnSpc>
@@ -3778,7 +3650,7 @@
               <a:buSzPts val="1000"/>
               <a:buFont typeface="Arial"/>
               <a:buNone/>
-              <a:defRPr sz="1000" b="0" i="0" u="none" strike="noStrike" cap="none">
+              <a:defRPr b="0" i="0" sz="1000" u="none" cap="none" strike="noStrike">
                 <a:solidFill>
                   <a:schemeClr val="dk2"/>
                 </a:solidFill>
@@ -3788,7 +3660,7 @@
                 <a:sym typeface="Arial"/>
               </a:defRPr>
             </a:lvl1pPr>
-            <a:lvl2pPr marL="0" marR="0" lvl="1" indent="0" algn="r">
+            <a:lvl2pPr indent="0" lvl="1" marL="0" marR="0" algn="r">
               <a:lnSpc>
                 <a:spcPct val="100000"/>
               </a:lnSpc>
@@ -3804,7 +3676,7 @@
               <a:buSzPts val="1000"/>
               <a:buFont typeface="Arial"/>
               <a:buNone/>
-              <a:defRPr sz="1000" b="0" i="0" u="none" strike="noStrike" cap="none">
+              <a:defRPr b="0" i="0" sz="1000" u="none" cap="none" strike="noStrike">
                 <a:solidFill>
                   <a:schemeClr val="dk2"/>
                 </a:solidFill>
@@ -3814,7 +3686,7 @@
                 <a:sym typeface="Arial"/>
               </a:defRPr>
             </a:lvl2pPr>
-            <a:lvl3pPr marL="0" marR="0" lvl="2" indent="0" algn="r">
+            <a:lvl3pPr indent="0" lvl="2" marL="0" marR="0" algn="r">
               <a:lnSpc>
                 <a:spcPct val="100000"/>
               </a:lnSpc>
@@ -3830,7 +3702,7 @@
               <a:buSzPts val="1000"/>
               <a:buFont typeface="Arial"/>
               <a:buNone/>
-              <a:defRPr sz="1000" b="0" i="0" u="none" strike="noStrike" cap="none">
+              <a:defRPr b="0" i="0" sz="1000" u="none" cap="none" strike="noStrike">
                 <a:solidFill>
                   <a:schemeClr val="dk2"/>
                 </a:solidFill>
@@ -3840,7 +3712,7 @@
                 <a:sym typeface="Arial"/>
               </a:defRPr>
             </a:lvl3pPr>
-            <a:lvl4pPr marL="0" marR="0" lvl="3" indent="0" algn="r">
+            <a:lvl4pPr indent="0" lvl="3" marL="0" marR="0" algn="r">
               <a:lnSpc>
                 <a:spcPct val="100000"/>
               </a:lnSpc>
@@ -3856,7 +3728,7 @@
               <a:buSzPts val="1000"/>
               <a:buFont typeface="Arial"/>
               <a:buNone/>
-              <a:defRPr sz="1000" b="0" i="0" u="none" strike="noStrike" cap="none">
+              <a:defRPr b="0" i="0" sz="1000" u="none" cap="none" strike="noStrike">
                 <a:solidFill>
                   <a:schemeClr val="dk2"/>
                 </a:solidFill>
@@ -3866,7 +3738,7 @@
                 <a:sym typeface="Arial"/>
               </a:defRPr>
             </a:lvl4pPr>
-            <a:lvl5pPr marL="0" marR="0" lvl="4" indent="0" algn="r">
+            <a:lvl5pPr indent="0" lvl="4" marL="0" marR="0" algn="r">
               <a:lnSpc>
                 <a:spcPct val="100000"/>
               </a:lnSpc>
@@ -3882,7 +3754,7 @@
               <a:buSzPts val="1000"/>
               <a:buFont typeface="Arial"/>
               <a:buNone/>
-              <a:defRPr sz="1000" b="0" i="0" u="none" strike="noStrike" cap="none">
+              <a:defRPr b="0" i="0" sz="1000" u="none" cap="none" strike="noStrike">
                 <a:solidFill>
                   <a:schemeClr val="dk2"/>
                 </a:solidFill>
@@ -3892,7 +3764,7 @@
                 <a:sym typeface="Arial"/>
               </a:defRPr>
             </a:lvl5pPr>
-            <a:lvl6pPr marL="0" marR="0" lvl="5" indent="0" algn="r">
+            <a:lvl6pPr indent="0" lvl="5" marL="0" marR="0" algn="r">
               <a:lnSpc>
                 <a:spcPct val="100000"/>
               </a:lnSpc>
@@ -3908,7 +3780,7 @@
               <a:buSzPts val="1000"/>
               <a:buFont typeface="Arial"/>
               <a:buNone/>
-              <a:defRPr sz="1000" b="0" i="0" u="none" strike="noStrike" cap="none">
+              <a:defRPr b="0" i="0" sz="1000" u="none" cap="none" strike="noStrike">
                 <a:solidFill>
                   <a:schemeClr val="dk2"/>
                 </a:solidFill>
@@ -3918,7 +3790,7 @@
                 <a:sym typeface="Arial"/>
               </a:defRPr>
             </a:lvl6pPr>
-            <a:lvl7pPr marL="0" marR="0" lvl="6" indent="0" algn="r">
+            <a:lvl7pPr indent="0" lvl="6" marL="0" marR="0" algn="r">
               <a:lnSpc>
                 <a:spcPct val="100000"/>
               </a:lnSpc>
@@ -3934,7 +3806,7 @@
               <a:buSzPts val="1000"/>
               <a:buFont typeface="Arial"/>
               <a:buNone/>
-              <a:defRPr sz="1000" b="0" i="0" u="none" strike="noStrike" cap="none">
+              <a:defRPr b="0" i="0" sz="1000" u="none" cap="none" strike="noStrike">
                 <a:solidFill>
                   <a:schemeClr val="dk2"/>
                 </a:solidFill>
@@ -3944,7 +3816,7 @@
                 <a:sym typeface="Arial"/>
               </a:defRPr>
             </a:lvl7pPr>
-            <a:lvl8pPr marL="0" marR="0" lvl="7" indent="0" algn="r">
+            <a:lvl8pPr indent="0" lvl="7" marL="0" marR="0" algn="r">
               <a:lnSpc>
                 <a:spcPct val="100000"/>
               </a:lnSpc>
@@ -3960,7 +3832,7 @@
               <a:buSzPts val="1000"/>
               <a:buFont typeface="Arial"/>
               <a:buNone/>
-              <a:defRPr sz="1000" b="0" i="0" u="none" strike="noStrike" cap="none">
+              <a:defRPr b="0" i="0" sz="1000" u="none" cap="none" strike="noStrike">
                 <a:solidFill>
                   <a:schemeClr val="dk2"/>
                 </a:solidFill>
@@ -3970,7 +3842,7 @@
                 <a:sym typeface="Arial"/>
               </a:defRPr>
             </a:lvl8pPr>
-            <a:lvl9pPr marL="0" marR="0" lvl="8" indent="0" algn="r">
+            <a:lvl9pPr indent="0" lvl="8" marL="0" marR="0" algn="r">
               <a:lnSpc>
                 <a:spcPct val="100000"/>
               </a:lnSpc>
@@ -3986,7 +3858,7 @@
               <a:buSzPts val="1000"/>
               <a:buFont typeface="Arial"/>
               <a:buNone/>
-              <a:defRPr sz="1000" b="0" i="0" u="none" strike="noStrike" cap="none">
+              <a:defRPr b="0" i="0" sz="1000" u="none" cap="none" strike="noStrike">
                 <a:solidFill>
                   <a:schemeClr val="dk2"/>
                 </a:solidFill>
@@ -3998,7 +3870,7 @@
             </a:lvl9pPr>
           </a:lstStyle>
           <a:p>
-            <a:pPr marL="0" lvl="0" indent="0" algn="r" rtl="0">
+            <a:pPr indent="0" lvl="0" marL="0" rtl="0" algn="r">
               <a:spcBef>
                 <a:spcPts val="0"/>
               </a:spcBef>
@@ -4024,11 +3896,11 @@
 </file>
 
 <file path=ppt/slideLayouts/slideLayout11.xml><?xml version="1.0" encoding="utf-8"?>
-<p:sldLayout xmlns:a="http://schemas.openxmlformats.org/drawingml/2006/main" xmlns:r="http://schemas.openxmlformats.org/officeDocument/2006/relationships" xmlns:p="http://schemas.openxmlformats.org/presentationml/2006/main" matchingName="Blank" type="blank">
+<p:sldLayout xmlns:a="http://schemas.openxmlformats.org/drawingml/2006/main" xmlns:r="http://schemas.openxmlformats.org/officeDocument/2006/relationships" xmlns:mc="http://schemas.openxmlformats.org/markup-compatibility/2006" xmlns:mv="urn:schemas-microsoft-com:mac:vml" xmlns:p="http://schemas.openxmlformats.org/presentationml/2006/main" xmlns:c="http://schemas.openxmlformats.org/drawingml/2006/chart" xmlns:dgm="http://schemas.openxmlformats.org/drawingml/2006/diagram" xmlns:o="urn:schemas-microsoft-com:office:office" xmlns:v="urn:schemas-microsoft-com:vml" xmlns:pvml="urn:schemas-microsoft-com:office:powerpoint" xmlns:com="http://schemas.openxmlformats.org/drawingml/2006/compatibility" xmlns:p14="http://schemas.microsoft.com/office/powerpoint/2010/main" xmlns:p15="http://schemas.microsoft.com/office/powerpoint/2012/main" xmlns:ahyp="http://schemas.microsoft.com/office/drawing/2018/hyperlinkcolor" matchingName="Blank" type="blank">
   <p:cSld name="BLANK">
     <p:spTree>
       <p:nvGrpSpPr>
-        <p:cNvPr id="1" name="Shape 48"/>
+        <p:cNvPr id="48" name="Shape 48"/>
         <p:cNvGrpSpPr/>
         <p:nvPr/>
       </p:nvGrpSpPr>
@@ -4043,11 +3915,9 @@
       <p:sp>
         <p:nvSpPr>
           <p:cNvPr id="49" name="Google Shape;49;p37"/>
-          <p:cNvSpPr txBox="1">
-            <a:spLocks noGrp="1"/>
-          </p:cNvSpPr>
+          <p:cNvSpPr txBox="1"/>
           <p:nvPr>
-            <p:ph type="sldNum" idx="12"/>
+            <p:ph idx="12" type="sldNum"/>
           </p:nvPr>
         </p:nvSpPr>
         <p:spPr>
@@ -4064,11 +3934,11 @@
           </a:ln>
         </p:spPr>
         <p:txBody>
-          <a:bodyPr spcFirstLastPara="1" wrap="square" lIns="91425" tIns="91425" rIns="91425" bIns="91425" anchor="ctr" anchorCtr="0">
+          <a:bodyPr anchorCtr="0" anchor="ctr" bIns="91425" lIns="91425" spcFirstLastPara="1" rIns="91425" wrap="square" tIns="91425">
             <a:normAutofit/>
           </a:bodyPr>
           <a:lstStyle>
-            <a:lvl1pPr marL="0" marR="0" lvl="0" indent="0" algn="r">
+            <a:lvl1pPr indent="0" lvl="0" marL="0" marR="0" algn="r">
               <a:lnSpc>
                 <a:spcPct val="100000"/>
               </a:lnSpc>
@@ -4084,7 +3954,7 @@
               <a:buSzPts val="1000"/>
               <a:buFont typeface="Arial"/>
               <a:buNone/>
-              <a:defRPr sz="1000" b="0" i="0" u="none" strike="noStrike" cap="none">
+              <a:defRPr b="0" i="0" sz="1000" u="none" cap="none" strike="noStrike">
                 <a:solidFill>
                   <a:schemeClr val="dk2"/>
                 </a:solidFill>
@@ -4094,7 +3964,7 @@
                 <a:sym typeface="Arial"/>
               </a:defRPr>
             </a:lvl1pPr>
-            <a:lvl2pPr marL="0" marR="0" lvl="1" indent="0" algn="r">
+            <a:lvl2pPr indent="0" lvl="1" marL="0" marR="0" algn="r">
               <a:lnSpc>
                 <a:spcPct val="100000"/>
               </a:lnSpc>
@@ -4110,7 +3980,7 @@
               <a:buSzPts val="1000"/>
               <a:buFont typeface="Arial"/>
               <a:buNone/>
-              <a:defRPr sz="1000" b="0" i="0" u="none" strike="noStrike" cap="none">
+              <a:defRPr b="0" i="0" sz="1000" u="none" cap="none" strike="noStrike">
                 <a:solidFill>
                   <a:schemeClr val="dk2"/>
                 </a:solidFill>
@@ -4120,7 +3990,7 @@
                 <a:sym typeface="Arial"/>
               </a:defRPr>
             </a:lvl2pPr>
-            <a:lvl3pPr marL="0" marR="0" lvl="2" indent="0" algn="r">
+            <a:lvl3pPr indent="0" lvl="2" marL="0" marR="0" algn="r">
               <a:lnSpc>
                 <a:spcPct val="100000"/>
               </a:lnSpc>
@@ -4136,7 +4006,7 @@
               <a:buSzPts val="1000"/>
               <a:buFont typeface="Arial"/>
               <a:buNone/>
-              <a:defRPr sz="1000" b="0" i="0" u="none" strike="noStrike" cap="none">
+              <a:defRPr b="0" i="0" sz="1000" u="none" cap="none" strike="noStrike">
                 <a:solidFill>
                   <a:schemeClr val="dk2"/>
                 </a:solidFill>
@@ -4146,7 +4016,7 @@
                 <a:sym typeface="Arial"/>
               </a:defRPr>
             </a:lvl3pPr>
-            <a:lvl4pPr marL="0" marR="0" lvl="3" indent="0" algn="r">
+            <a:lvl4pPr indent="0" lvl="3" marL="0" marR="0" algn="r">
               <a:lnSpc>
                 <a:spcPct val="100000"/>
               </a:lnSpc>
@@ -4162,7 +4032,7 @@
               <a:buSzPts val="1000"/>
               <a:buFont typeface="Arial"/>
               <a:buNone/>
-              <a:defRPr sz="1000" b="0" i="0" u="none" strike="noStrike" cap="none">
+              <a:defRPr b="0" i="0" sz="1000" u="none" cap="none" strike="noStrike">
                 <a:solidFill>
                   <a:schemeClr val="dk2"/>
                 </a:solidFill>
@@ -4172,7 +4042,7 @@
                 <a:sym typeface="Arial"/>
               </a:defRPr>
             </a:lvl4pPr>
-            <a:lvl5pPr marL="0" marR="0" lvl="4" indent="0" algn="r">
+            <a:lvl5pPr indent="0" lvl="4" marL="0" marR="0" algn="r">
               <a:lnSpc>
                 <a:spcPct val="100000"/>
               </a:lnSpc>
@@ -4188,7 +4058,7 @@
               <a:buSzPts val="1000"/>
               <a:buFont typeface="Arial"/>
               <a:buNone/>
-              <a:defRPr sz="1000" b="0" i="0" u="none" strike="noStrike" cap="none">
+              <a:defRPr b="0" i="0" sz="1000" u="none" cap="none" strike="noStrike">
                 <a:solidFill>
                   <a:schemeClr val="dk2"/>
                 </a:solidFill>
@@ -4198,7 +4068,7 @@
                 <a:sym typeface="Arial"/>
               </a:defRPr>
             </a:lvl5pPr>
-            <a:lvl6pPr marL="0" marR="0" lvl="5" indent="0" algn="r">
+            <a:lvl6pPr indent="0" lvl="5" marL="0" marR="0" algn="r">
               <a:lnSpc>
                 <a:spcPct val="100000"/>
               </a:lnSpc>
@@ -4214,7 +4084,7 @@
               <a:buSzPts val="1000"/>
               <a:buFont typeface="Arial"/>
               <a:buNone/>
-              <a:defRPr sz="1000" b="0" i="0" u="none" strike="noStrike" cap="none">
+              <a:defRPr b="0" i="0" sz="1000" u="none" cap="none" strike="noStrike">
                 <a:solidFill>
                   <a:schemeClr val="dk2"/>
                 </a:solidFill>
@@ -4224,7 +4094,7 @@
                 <a:sym typeface="Arial"/>
               </a:defRPr>
             </a:lvl6pPr>
-            <a:lvl7pPr marL="0" marR="0" lvl="6" indent="0" algn="r">
+            <a:lvl7pPr indent="0" lvl="6" marL="0" marR="0" algn="r">
               <a:lnSpc>
                 <a:spcPct val="100000"/>
               </a:lnSpc>
@@ -4240,7 +4110,7 @@
               <a:buSzPts val="1000"/>
               <a:buFont typeface="Arial"/>
               <a:buNone/>
-              <a:defRPr sz="1000" b="0" i="0" u="none" strike="noStrike" cap="none">
+              <a:defRPr b="0" i="0" sz="1000" u="none" cap="none" strike="noStrike">
                 <a:solidFill>
                   <a:schemeClr val="dk2"/>
                 </a:solidFill>
@@ -4250,7 +4120,7 @@
                 <a:sym typeface="Arial"/>
               </a:defRPr>
             </a:lvl7pPr>
-            <a:lvl8pPr marL="0" marR="0" lvl="7" indent="0" algn="r">
+            <a:lvl8pPr indent="0" lvl="7" marL="0" marR="0" algn="r">
               <a:lnSpc>
                 <a:spcPct val="100000"/>
               </a:lnSpc>
@@ -4266,7 +4136,7 @@
               <a:buSzPts val="1000"/>
               <a:buFont typeface="Arial"/>
               <a:buNone/>
-              <a:defRPr sz="1000" b="0" i="0" u="none" strike="noStrike" cap="none">
+              <a:defRPr b="0" i="0" sz="1000" u="none" cap="none" strike="noStrike">
                 <a:solidFill>
                   <a:schemeClr val="dk2"/>
                 </a:solidFill>
@@ -4276,7 +4146,7 @@
                 <a:sym typeface="Arial"/>
               </a:defRPr>
             </a:lvl8pPr>
-            <a:lvl9pPr marL="0" marR="0" lvl="8" indent="0" algn="r">
+            <a:lvl9pPr indent="0" lvl="8" marL="0" marR="0" algn="r">
               <a:lnSpc>
                 <a:spcPct val="100000"/>
               </a:lnSpc>
@@ -4292,7 +4162,7 @@
               <a:buSzPts val="1000"/>
               <a:buFont typeface="Arial"/>
               <a:buNone/>
-              <a:defRPr sz="1000" b="0" i="0" u="none" strike="noStrike" cap="none">
+              <a:defRPr b="0" i="0" sz="1000" u="none" cap="none" strike="noStrike">
                 <a:solidFill>
                   <a:schemeClr val="dk2"/>
                 </a:solidFill>
@@ -4304,7 +4174,7 @@
             </a:lvl9pPr>
           </a:lstStyle>
           <a:p>
-            <a:pPr marL="0" lvl="0" indent="0" algn="r" rtl="0">
+            <a:pPr indent="0" lvl="0" marL="0" rtl="0" algn="r">
               <a:spcBef>
                 <a:spcPts val="0"/>
               </a:spcBef>
@@ -4330,11 +4200,11 @@
 </file>
 
 <file path=ppt/slideLayouts/slideLayout2.xml><?xml version="1.0" encoding="utf-8"?>
-<p:sldLayout xmlns:a="http://schemas.openxmlformats.org/drawingml/2006/main" xmlns:r="http://schemas.openxmlformats.org/officeDocument/2006/relationships" xmlns:p="http://schemas.openxmlformats.org/presentationml/2006/main" matchingName="Title and body" type="tx">
+<p:sldLayout xmlns:a="http://schemas.openxmlformats.org/drawingml/2006/main" xmlns:r="http://schemas.openxmlformats.org/officeDocument/2006/relationships" xmlns:mc="http://schemas.openxmlformats.org/markup-compatibility/2006" xmlns:mv="urn:schemas-microsoft-com:mac:vml" xmlns:p="http://schemas.openxmlformats.org/presentationml/2006/main" xmlns:c="http://schemas.openxmlformats.org/drawingml/2006/chart" xmlns:dgm="http://schemas.openxmlformats.org/drawingml/2006/diagram" xmlns:o="urn:schemas-microsoft-com:office:office" xmlns:v="urn:schemas-microsoft-com:vml" xmlns:pvml="urn:schemas-microsoft-com:office:powerpoint" xmlns:com="http://schemas.openxmlformats.org/drawingml/2006/compatibility" xmlns:p14="http://schemas.microsoft.com/office/powerpoint/2010/main" xmlns:p15="http://schemas.microsoft.com/office/powerpoint/2012/main" xmlns:ahyp="http://schemas.microsoft.com/office/drawing/2018/hyperlinkcolor" matchingName="Title and body" type="tx">
   <p:cSld name="TITLE_AND_BODY">
     <p:spTree>
       <p:nvGrpSpPr>
-        <p:cNvPr id="1" name="Shape 13"/>
+        <p:cNvPr id="13" name="Shape 13"/>
         <p:cNvGrpSpPr/>
         <p:nvPr/>
       </p:nvGrpSpPr>
@@ -4349,9 +4219,7 @@
       <p:sp>
         <p:nvSpPr>
           <p:cNvPr id="14" name="Google Shape;14;p28"/>
-          <p:cNvSpPr txBox="1">
-            <a:spLocks noGrp="1"/>
-          </p:cNvSpPr>
+          <p:cNvSpPr txBox="1"/>
           <p:nvPr>
             <p:ph type="title"/>
           </p:nvPr>
@@ -4370,7 +4238,7 @@
           </a:ln>
         </p:spPr>
         <p:txBody>
-          <a:bodyPr spcFirstLastPara="1" wrap="square" lIns="91425" tIns="91425" rIns="91425" bIns="91425" anchor="t" anchorCtr="0">
+          <a:bodyPr anchorCtr="0" anchor="t" bIns="91425" lIns="91425" spcFirstLastPara="1" rIns="91425" wrap="square" tIns="91425">
             <a:normAutofit/>
           </a:bodyPr>
           <a:lstStyle>
@@ -4501,19 +4369,15 @@
               <a:defRPr/>
             </a:lvl9pPr>
           </a:lstStyle>
-          <a:p>
-            <a:endParaRPr/>
-          </a:p>
+          <a:p/>
         </p:txBody>
       </p:sp>
       <p:sp>
         <p:nvSpPr>
           <p:cNvPr id="15" name="Google Shape;15;p28"/>
-          <p:cNvSpPr txBox="1">
-            <a:spLocks noGrp="1"/>
-          </p:cNvSpPr>
+          <p:cNvSpPr txBox="1"/>
           <p:nvPr>
-            <p:ph type="body" idx="1"/>
+            <p:ph idx="1" type="body"/>
           </p:nvPr>
         </p:nvSpPr>
         <p:spPr>
@@ -4530,11 +4394,11 @@
           </a:ln>
         </p:spPr>
         <p:txBody>
-          <a:bodyPr spcFirstLastPara="1" wrap="square" lIns="91425" tIns="91425" rIns="91425" bIns="91425" anchor="t" anchorCtr="0">
+          <a:bodyPr anchorCtr="0" anchor="t" bIns="91425" lIns="91425" spcFirstLastPara="1" rIns="91425" wrap="square" tIns="91425">
             <a:normAutofit/>
           </a:bodyPr>
           <a:lstStyle>
-            <a:lvl1pPr marL="457200" lvl="0" indent="-342900" algn="l">
+            <a:lvl1pPr indent="-342900" lvl="0" marL="457200" algn="l">
               <a:lnSpc>
                 <a:spcPct val="115000"/>
               </a:lnSpc>
@@ -4548,7 +4412,7 @@
               <a:buChar char="●"/>
               <a:defRPr/>
             </a:lvl1pPr>
-            <a:lvl2pPr marL="914400" lvl="1" indent="-317500" algn="l">
+            <a:lvl2pPr indent="-317500" lvl="1" marL="914400" algn="l">
               <a:lnSpc>
                 <a:spcPct val="115000"/>
               </a:lnSpc>
@@ -4562,7 +4426,7 @@
               <a:buChar char="○"/>
               <a:defRPr/>
             </a:lvl2pPr>
-            <a:lvl3pPr marL="1371600" lvl="2" indent="-317500" algn="l">
+            <a:lvl3pPr indent="-317500" lvl="2" marL="1371600" algn="l">
               <a:lnSpc>
                 <a:spcPct val="115000"/>
               </a:lnSpc>
@@ -4576,7 +4440,7 @@
               <a:buChar char="■"/>
               <a:defRPr/>
             </a:lvl3pPr>
-            <a:lvl4pPr marL="1828800" lvl="3" indent="-317500" algn="l">
+            <a:lvl4pPr indent="-317500" lvl="3" marL="1828800" algn="l">
               <a:lnSpc>
                 <a:spcPct val="115000"/>
               </a:lnSpc>
@@ -4590,7 +4454,7 @@
               <a:buChar char="●"/>
               <a:defRPr/>
             </a:lvl4pPr>
-            <a:lvl5pPr marL="2286000" lvl="4" indent="-317500" algn="l">
+            <a:lvl5pPr indent="-317500" lvl="4" marL="2286000" algn="l">
               <a:lnSpc>
                 <a:spcPct val="115000"/>
               </a:lnSpc>
@@ -4604,7 +4468,7 @@
               <a:buChar char="○"/>
               <a:defRPr/>
             </a:lvl5pPr>
-            <a:lvl6pPr marL="2743200" lvl="5" indent="-317500" algn="l">
+            <a:lvl6pPr indent="-317500" lvl="5" marL="2743200" algn="l">
               <a:lnSpc>
                 <a:spcPct val="115000"/>
               </a:lnSpc>
@@ -4618,7 +4482,7 @@
               <a:buChar char="■"/>
               <a:defRPr/>
             </a:lvl6pPr>
-            <a:lvl7pPr marL="3200400" lvl="6" indent="-317500" algn="l">
+            <a:lvl7pPr indent="-317500" lvl="6" marL="3200400" algn="l">
               <a:lnSpc>
                 <a:spcPct val="115000"/>
               </a:lnSpc>
@@ -4632,7 +4496,7 @@
               <a:buChar char="●"/>
               <a:defRPr/>
             </a:lvl7pPr>
-            <a:lvl8pPr marL="3657600" lvl="7" indent="-317500" algn="l">
+            <a:lvl8pPr indent="-317500" lvl="7" marL="3657600" algn="l">
               <a:lnSpc>
                 <a:spcPct val="115000"/>
               </a:lnSpc>
@@ -4646,7 +4510,7 @@
               <a:buChar char="○"/>
               <a:defRPr/>
             </a:lvl8pPr>
-            <a:lvl9pPr marL="4114800" lvl="8" indent="-317500" algn="l">
+            <a:lvl9pPr indent="-317500" lvl="8" marL="4114800" algn="l">
               <a:lnSpc>
                 <a:spcPct val="115000"/>
               </a:lnSpc>
@@ -4661,19 +4525,15 @@
               <a:defRPr/>
             </a:lvl9pPr>
           </a:lstStyle>
-          <a:p>
-            <a:endParaRPr/>
-          </a:p>
+          <a:p/>
         </p:txBody>
       </p:sp>
       <p:sp>
         <p:nvSpPr>
           <p:cNvPr id="16" name="Google Shape;16;p28"/>
-          <p:cNvSpPr txBox="1">
-            <a:spLocks noGrp="1"/>
-          </p:cNvSpPr>
+          <p:cNvSpPr txBox="1"/>
           <p:nvPr>
-            <p:ph type="sldNum" idx="12"/>
+            <p:ph idx="12" type="sldNum"/>
           </p:nvPr>
         </p:nvSpPr>
         <p:spPr>
@@ -4690,11 +4550,11 @@
           </a:ln>
         </p:spPr>
         <p:txBody>
-          <a:bodyPr spcFirstLastPara="1" wrap="square" lIns="91425" tIns="91425" rIns="91425" bIns="91425" anchor="ctr" anchorCtr="0">
+          <a:bodyPr anchorCtr="0" anchor="ctr" bIns="91425" lIns="91425" spcFirstLastPara="1" rIns="91425" wrap="square" tIns="91425">
             <a:normAutofit/>
           </a:bodyPr>
           <a:lstStyle>
-            <a:lvl1pPr marL="0" marR="0" lvl="0" indent="0" algn="r">
+            <a:lvl1pPr indent="0" lvl="0" marL="0" marR="0" algn="r">
               <a:lnSpc>
                 <a:spcPct val="100000"/>
               </a:lnSpc>
@@ -4710,7 +4570,7 @@
               <a:buSzPts val="1000"/>
               <a:buFont typeface="Arial"/>
               <a:buNone/>
-              <a:defRPr sz="1000" b="0" i="0" u="none" strike="noStrike" cap="none">
+              <a:defRPr b="0" i="0" sz="1000" u="none" cap="none" strike="noStrike">
                 <a:solidFill>
                   <a:schemeClr val="dk2"/>
                 </a:solidFill>
@@ -4720,7 +4580,7 @@
                 <a:sym typeface="Arial"/>
               </a:defRPr>
             </a:lvl1pPr>
-            <a:lvl2pPr marL="0" marR="0" lvl="1" indent="0" algn="r">
+            <a:lvl2pPr indent="0" lvl="1" marL="0" marR="0" algn="r">
               <a:lnSpc>
                 <a:spcPct val="100000"/>
               </a:lnSpc>
@@ -4736,7 +4596,7 @@
               <a:buSzPts val="1000"/>
               <a:buFont typeface="Arial"/>
               <a:buNone/>
-              <a:defRPr sz="1000" b="0" i="0" u="none" strike="noStrike" cap="none">
+              <a:defRPr b="0" i="0" sz="1000" u="none" cap="none" strike="noStrike">
                 <a:solidFill>
                   <a:schemeClr val="dk2"/>
                 </a:solidFill>
@@ -4746,7 +4606,7 @@
                 <a:sym typeface="Arial"/>
               </a:defRPr>
             </a:lvl2pPr>
-            <a:lvl3pPr marL="0" marR="0" lvl="2" indent="0" algn="r">
+            <a:lvl3pPr indent="0" lvl="2" marL="0" marR="0" algn="r">
               <a:lnSpc>
                 <a:spcPct val="100000"/>
               </a:lnSpc>
@@ -4762,7 +4622,7 @@
               <a:buSzPts val="1000"/>
               <a:buFont typeface="Arial"/>
               <a:buNone/>
-              <a:defRPr sz="1000" b="0" i="0" u="none" strike="noStrike" cap="none">
+              <a:defRPr b="0" i="0" sz="1000" u="none" cap="none" strike="noStrike">
                 <a:solidFill>
                   <a:schemeClr val="dk2"/>
                 </a:solidFill>
@@ -4772,7 +4632,7 @@
                 <a:sym typeface="Arial"/>
               </a:defRPr>
             </a:lvl3pPr>
-            <a:lvl4pPr marL="0" marR="0" lvl="3" indent="0" algn="r">
+            <a:lvl4pPr indent="0" lvl="3" marL="0" marR="0" algn="r">
               <a:lnSpc>
                 <a:spcPct val="100000"/>
               </a:lnSpc>
@@ -4788,7 +4648,7 @@
               <a:buSzPts val="1000"/>
               <a:buFont typeface="Arial"/>
               <a:buNone/>
-              <a:defRPr sz="1000" b="0" i="0" u="none" strike="noStrike" cap="none">
+              <a:defRPr b="0" i="0" sz="1000" u="none" cap="none" strike="noStrike">
                 <a:solidFill>
                   <a:schemeClr val="dk2"/>
                 </a:solidFill>
@@ -4798,7 +4658,7 @@
                 <a:sym typeface="Arial"/>
               </a:defRPr>
             </a:lvl4pPr>
-            <a:lvl5pPr marL="0" marR="0" lvl="4" indent="0" algn="r">
+            <a:lvl5pPr indent="0" lvl="4" marL="0" marR="0" algn="r">
               <a:lnSpc>
                 <a:spcPct val="100000"/>
               </a:lnSpc>
@@ -4814,7 +4674,7 @@
               <a:buSzPts val="1000"/>
               <a:buFont typeface="Arial"/>
               <a:buNone/>
-              <a:defRPr sz="1000" b="0" i="0" u="none" strike="noStrike" cap="none">
+              <a:defRPr b="0" i="0" sz="1000" u="none" cap="none" strike="noStrike">
                 <a:solidFill>
                   <a:schemeClr val="dk2"/>
                 </a:solidFill>
@@ -4824,7 +4684,7 @@
                 <a:sym typeface="Arial"/>
               </a:defRPr>
             </a:lvl5pPr>
-            <a:lvl6pPr marL="0" marR="0" lvl="5" indent="0" algn="r">
+            <a:lvl6pPr indent="0" lvl="5" marL="0" marR="0" algn="r">
               <a:lnSpc>
                 <a:spcPct val="100000"/>
               </a:lnSpc>
@@ -4840,7 +4700,7 @@
               <a:buSzPts val="1000"/>
               <a:buFont typeface="Arial"/>
               <a:buNone/>
-              <a:defRPr sz="1000" b="0" i="0" u="none" strike="noStrike" cap="none">
+              <a:defRPr b="0" i="0" sz="1000" u="none" cap="none" strike="noStrike">
                 <a:solidFill>
                   <a:schemeClr val="dk2"/>
                 </a:solidFill>
@@ -4850,7 +4710,7 @@
                 <a:sym typeface="Arial"/>
               </a:defRPr>
             </a:lvl6pPr>
-            <a:lvl7pPr marL="0" marR="0" lvl="6" indent="0" algn="r">
+            <a:lvl7pPr indent="0" lvl="6" marL="0" marR="0" algn="r">
               <a:lnSpc>
                 <a:spcPct val="100000"/>
               </a:lnSpc>
@@ -4866,7 +4726,7 @@
               <a:buSzPts val="1000"/>
               <a:buFont typeface="Arial"/>
               <a:buNone/>
-              <a:defRPr sz="1000" b="0" i="0" u="none" strike="noStrike" cap="none">
+              <a:defRPr b="0" i="0" sz="1000" u="none" cap="none" strike="noStrike">
                 <a:solidFill>
                   <a:schemeClr val="dk2"/>
                 </a:solidFill>
@@ -4876,7 +4736,7 @@
                 <a:sym typeface="Arial"/>
               </a:defRPr>
             </a:lvl7pPr>
-            <a:lvl8pPr marL="0" marR="0" lvl="7" indent="0" algn="r">
+            <a:lvl8pPr indent="0" lvl="7" marL="0" marR="0" algn="r">
               <a:lnSpc>
                 <a:spcPct val="100000"/>
               </a:lnSpc>
@@ -4892,7 +4752,7 @@
               <a:buSzPts val="1000"/>
               <a:buFont typeface="Arial"/>
               <a:buNone/>
-              <a:defRPr sz="1000" b="0" i="0" u="none" strike="noStrike" cap="none">
+              <a:defRPr b="0" i="0" sz="1000" u="none" cap="none" strike="noStrike">
                 <a:solidFill>
                   <a:schemeClr val="dk2"/>
                 </a:solidFill>
@@ -4902,7 +4762,7 @@
                 <a:sym typeface="Arial"/>
               </a:defRPr>
             </a:lvl8pPr>
-            <a:lvl9pPr marL="0" marR="0" lvl="8" indent="0" algn="r">
+            <a:lvl9pPr indent="0" lvl="8" marL="0" marR="0" algn="r">
               <a:lnSpc>
                 <a:spcPct val="100000"/>
               </a:lnSpc>
@@ -4918,7 +4778,7 @@
               <a:buSzPts val="1000"/>
               <a:buFont typeface="Arial"/>
               <a:buNone/>
-              <a:defRPr sz="1000" b="0" i="0" u="none" strike="noStrike" cap="none">
+              <a:defRPr b="0" i="0" sz="1000" u="none" cap="none" strike="noStrike">
                 <a:solidFill>
                   <a:schemeClr val="dk2"/>
                 </a:solidFill>
@@ -4930,7 +4790,7 @@
             </a:lvl9pPr>
           </a:lstStyle>
           <a:p>
-            <a:pPr marL="0" lvl="0" indent="0" algn="r" rtl="0">
+            <a:pPr indent="0" lvl="0" marL="0" rtl="0" algn="r">
               <a:spcBef>
                 <a:spcPts val="0"/>
               </a:spcBef>
@@ -4956,11 +4816,11 @@
 </file>
 
 <file path=ppt/slideLayouts/slideLayout3.xml><?xml version="1.0" encoding="utf-8"?>
-<p:sldLayout xmlns:a="http://schemas.openxmlformats.org/drawingml/2006/main" xmlns:r="http://schemas.openxmlformats.org/officeDocument/2006/relationships" xmlns:p="http://schemas.openxmlformats.org/presentationml/2006/main" matchingName="Section header" type="secHead">
+<p:sldLayout xmlns:a="http://schemas.openxmlformats.org/drawingml/2006/main" xmlns:r="http://schemas.openxmlformats.org/officeDocument/2006/relationships" xmlns:mc="http://schemas.openxmlformats.org/markup-compatibility/2006" xmlns:mv="urn:schemas-microsoft-com:mac:vml" xmlns:p="http://schemas.openxmlformats.org/presentationml/2006/main" xmlns:c="http://schemas.openxmlformats.org/drawingml/2006/chart" xmlns:dgm="http://schemas.openxmlformats.org/drawingml/2006/diagram" xmlns:o="urn:schemas-microsoft-com:office:office" xmlns:v="urn:schemas-microsoft-com:vml" xmlns:pvml="urn:schemas-microsoft-com:office:powerpoint" xmlns:com="http://schemas.openxmlformats.org/drawingml/2006/compatibility" xmlns:p14="http://schemas.microsoft.com/office/powerpoint/2010/main" xmlns:p15="http://schemas.microsoft.com/office/powerpoint/2012/main" xmlns:ahyp="http://schemas.microsoft.com/office/drawing/2018/hyperlinkcolor" matchingName="Section header" type="secHead">
   <p:cSld name="SECTION_HEADER">
     <p:spTree>
       <p:nvGrpSpPr>
-        <p:cNvPr id="1" name="Shape 17"/>
+        <p:cNvPr id="17" name="Shape 17"/>
         <p:cNvGrpSpPr/>
         <p:nvPr/>
       </p:nvGrpSpPr>
@@ -4975,9 +4835,7 @@
       <p:sp>
         <p:nvSpPr>
           <p:cNvPr id="18" name="Google Shape;18;p29"/>
-          <p:cNvSpPr txBox="1">
-            <a:spLocks noGrp="1"/>
-          </p:cNvSpPr>
+          <p:cNvSpPr txBox="1"/>
           <p:nvPr>
             <p:ph type="title"/>
           </p:nvPr>
@@ -4996,7 +4854,7 @@
           </a:ln>
         </p:spPr>
         <p:txBody>
-          <a:bodyPr spcFirstLastPara="1" wrap="square" lIns="91425" tIns="91425" rIns="91425" bIns="91425" anchor="ctr" anchorCtr="0">
+          <a:bodyPr anchorCtr="0" anchor="ctr" bIns="91425" lIns="91425" spcFirstLastPara="1" rIns="91425" wrap="square" tIns="91425">
             <a:normAutofit/>
           </a:bodyPr>
           <a:lstStyle>
@@ -5127,19 +4985,15 @@
               <a:defRPr sz="3600"/>
             </a:lvl9pPr>
           </a:lstStyle>
-          <a:p>
-            <a:endParaRPr/>
-          </a:p>
+          <a:p/>
         </p:txBody>
       </p:sp>
       <p:sp>
         <p:nvSpPr>
           <p:cNvPr id="19" name="Google Shape;19;p29"/>
-          <p:cNvSpPr txBox="1">
-            <a:spLocks noGrp="1"/>
-          </p:cNvSpPr>
+          <p:cNvSpPr txBox="1"/>
           <p:nvPr>
-            <p:ph type="sldNum" idx="12"/>
+            <p:ph idx="12" type="sldNum"/>
           </p:nvPr>
         </p:nvSpPr>
         <p:spPr>
@@ -5156,11 +5010,11 @@
           </a:ln>
         </p:spPr>
         <p:txBody>
-          <a:bodyPr spcFirstLastPara="1" wrap="square" lIns="91425" tIns="91425" rIns="91425" bIns="91425" anchor="ctr" anchorCtr="0">
+          <a:bodyPr anchorCtr="0" anchor="ctr" bIns="91425" lIns="91425" spcFirstLastPara="1" rIns="91425" wrap="square" tIns="91425">
             <a:normAutofit/>
           </a:bodyPr>
           <a:lstStyle>
-            <a:lvl1pPr marL="0" marR="0" lvl="0" indent="0" algn="r">
+            <a:lvl1pPr indent="0" lvl="0" marL="0" marR="0" algn="r">
               <a:lnSpc>
                 <a:spcPct val="100000"/>
               </a:lnSpc>
@@ -5176,7 +5030,7 @@
               <a:buSzPts val="1000"/>
               <a:buFont typeface="Arial"/>
               <a:buNone/>
-              <a:defRPr sz="1000" b="0" i="0" u="none" strike="noStrike" cap="none">
+              <a:defRPr b="0" i="0" sz="1000" u="none" cap="none" strike="noStrike">
                 <a:solidFill>
                   <a:schemeClr val="dk2"/>
                 </a:solidFill>
@@ -5186,7 +5040,7 @@
                 <a:sym typeface="Arial"/>
               </a:defRPr>
             </a:lvl1pPr>
-            <a:lvl2pPr marL="0" marR="0" lvl="1" indent="0" algn="r">
+            <a:lvl2pPr indent="0" lvl="1" marL="0" marR="0" algn="r">
               <a:lnSpc>
                 <a:spcPct val="100000"/>
               </a:lnSpc>
@@ -5202,7 +5056,7 @@
               <a:buSzPts val="1000"/>
               <a:buFont typeface="Arial"/>
               <a:buNone/>
-              <a:defRPr sz="1000" b="0" i="0" u="none" strike="noStrike" cap="none">
+              <a:defRPr b="0" i="0" sz="1000" u="none" cap="none" strike="noStrike">
                 <a:solidFill>
                   <a:schemeClr val="dk2"/>
                 </a:solidFill>
@@ -5212,7 +5066,7 @@
                 <a:sym typeface="Arial"/>
               </a:defRPr>
             </a:lvl2pPr>
-            <a:lvl3pPr marL="0" marR="0" lvl="2" indent="0" algn="r">
+            <a:lvl3pPr indent="0" lvl="2" marL="0" marR="0" algn="r">
               <a:lnSpc>
                 <a:spcPct val="100000"/>
               </a:lnSpc>
@@ -5228,7 +5082,7 @@
               <a:buSzPts val="1000"/>
               <a:buFont typeface="Arial"/>
               <a:buNone/>
-              <a:defRPr sz="1000" b="0" i="0" u="none" strike="noStrike" cap="none">
+              <a:defRPr b="0" i="0" sz="1000" u="none" cap="none" strike="noStrike">
                 <a:solidFill>
                   <a:schemeClr val="dk2"/>
                 </a:solidFill>
@@ -5238,7 +5092,7 @@
                 <a:sym typeface="Arial"/>
               </a:defRPr>
             </a:lvl3pPr>
-            <a:lvl4pPr marL="0" marR="0" lvl="3" indent="0" algn="r">
+            <a:lvl4pPr indent="0" lvl="3" marL="0" marR="0" algn="r">
               <a:lnSpc>
                 <a:spcPct val="100000"/>
               </a:lnSpc>
@@ -5254,7 +5108,7 @@
               <a:buSzPts val="1000"/>
               <a:buFont typeface="Arial"/>
               <a:buNone/>
-              <a:defRPr sz="1000" b="0" i="0" u="none" strike="noStrike" cap="none">
+              <a:defRPr b="0" i="0" sz="1000" u="none" cap="none" strike="noStrike">
                 <a:solidFill>
                   <a:schemeClr val="dk2"/>
                 </a:solidFill>
@@ -5264,7 +5118,7 @@
                 <a:sym typeface="Arial"/>
               </a:defRPr>
             </a:lvl4pPr>
-            <a:lvl5pPr marL="0" marR="0" lvl="4" indent="0" algn="r">
+            <a:lvl5pPr indent="0" lvl="4" marL="0" marR="0" algn="r">
               <a:lnSpc>
                 <a:spcPct val="100000"/>
               </a:lnSpc>
@@ -5280,7 +5134,7 @@
               <a:buSzPts val="1000"/>
               <a:buFont typeface="Arial"/>
               <a:buNone/>
-              <a:defRPr sz="1000" b="0" i="0" u="none" strike="noStrike" cap="none">
+              <a:defRPr b="0" i="0" sz="1000" u="none" cap="none" strike="noStrike">
                 <a:solidFill>
                   <a:schemeClr val="dk2"/>
                 </a:solidFill>
@@ -5290,7 +5144,7 @@
                 <a:sym typeface="Arial"/>
               </a:defRPr>
             </a:lvl5pPr>
-            <a:lvl6pPr marL="0" marR="0" lvl="5" indent="0" algn="r">
+            <a:lvl6pPr indent="0" lvl="5" marL="0" marR="0" algn="r">
               <a:lnSpc>
                 <a:spcPct val="100000"/>
               </a:lnSpc>
@@ -5306,7 +5160,7 @@
               <a:buSzPts val="1000"/>
               <a:buFont typeface="Arial"/>
               <a:buNone/>
-              <a:defRPr sz="1000" b="0" i="0" u="none" strike="noStrike" cap="none">
+              <a:defRPr b="0" i="0" sz="1000" u="none" cap="none" strike="noStrike">
                 <a:solidFill>
                   <a:schemeClr val="dk2"/>
                 </a:solidFill>
@@ -5316,7 +5170,7 @@
                 <a:sym typeface="Arial"/>
               </a:defRPr>
             </a:lvl6pPr>
-            <a:lvl7pPr marL="0" marR="0" lvl="6" indent="0" algn="r">
+            <a:lvl7pPr indent="0" lvl="6" marL="0" marR="0" algn="r">
               <a:lnSpc>
                 <a:spcPct val="100000"/>
               </a:lnSpc>
@@ -5332,7 +5186,7 @@
               <a:buSzPts val="1000"/>
               <a:buFont typeface="Arial"/>
               <a:buNone/>
-              <a:defRPr sz="1000" b="0" i="0" u="none" strike="noStrike" cap="none">
+              <a:defRPr b="0" i="0" sz="1000" u="none" cap="none" strike="noStrike">
                 <a:solidFill>
                   <a:schemeClr val="dk2"/>
                 </a:solidFill>
@@ -5342,7 +5196,7 @@
                 <a:sym typeface="Arial"/>
               </a:defRPr>
             </a:lvl7pPr>
-            <a:lvl8pPr marL="0" marR="0" lvl="7" indent="0" algn="r">
+            <a:lvl8pPr indent="0" lvl="7" marL="0" marR="0" algn="r">
               <a:lnSpc>
                 <a:spcPct val="100000"/>
               </a:lnSpc>
@@ -5358,7 +5212,7 @@
               <a:buSzPts val="1000"/>
               <a:buFont typeface="Arial"/>
               <a:buNone/>
-              <a:defRPr sz="1000" b="0" i="0" u="none" strike="noStrike" cap="none">
+              <a:defRPr b="0" i="0" sz="1000" u="none" cap="none" strike="noStrike">
                 <a:solidFill>
                   <a:schemeClr val="dk2"/>
                 </a:solidFill>
@@ -5368,7 +5222,7 @@
                 <a:sym typeface="Arial"/>
               </a:defRPr>
             </a:lvl8pPr>
-            <a:lvl9pPr marL="0" marR="0" lvl="8" indent="0" algn="r">
+            <a:lvl9pPr indent="0" lvl="8" marL="0" marR="0" algn="r">
               <a:lnSpc>
                 <a:spcPct val="100000"/>
               </a:lnSpc>
@@ -5384,7 +5238,7 @@
               <a:buSzPts val="1000"/>
               <a:buFont typeface="Arial"/>
               <a:buNone/>
-              <a:defRPr sz="1000" b="0" i="0" u="none" strike="noStrike" cap="none">
+              <a:defRPr b="0" i="0" sz="1000" u="none" cap="none" strike="noStrike">
                 <a:solidFill>
                   <a:schemeClr val="dk2"/>
                 </a:solidFill>
@@ -5396,7 +5250,7 @@
             </a:lvl9pPr>
           </a:lstStyle>
           <a:p>
-            <a:pPr marL="0" lvl="0" indent="0" algn="r" rtl="0">
+            <a:pPr indent="0" lvl="0" marL="0" rtl="0" algn="r">
               <a:spcBef>
                 <a:spcPts val="0"/>
               </a:spcBef>
@@ -5422,11 +5276,11 @@
 </file>
 
 <file path=ppt/slideLayouts/slideLayout4.xml><?xml version="1.0" encoding="utf-8"?>
-<p:sldLayout xmlns:a="http://schemas.openxmlformats.org/drawingml/2006/main" xmlns:r="http://schemas.openxmlformats.org/officeDocument/2006/relationships" xmlns:p="http://schemas.openxmlformats.org/presentationml/2006/main" matchingName="Title and two columns" type="twoColTx">
+<p:sldLayout xmlns:a="http://schemas.openxmlformats.org/drawingml/2006/main" xmlns:r="http://schemas.openxmlformats.org/officeDocument/2006/relationships" xmlns:mc="http://schemas.openxmlformats.org/markup-compatibility/2006" xmlns:mv="urn:schemas-microsoft-com:mac:vml" xmlns:p="http://schemas.openxmlformats.org/presentationml/2006/main" xmlns:c="http://schemas.openxmlformats.org/drawingml/2006/chart" xmlns:dgm="http://schemas.openxmlformats.org/drawingml/2006/diagram" xmlns:o="urn:schemas-microsoft-com:office:office" xmlns:v="urn:schemas-microsoft-com:vml" xmlns:pvml="urn:schemas-microsoft-com:office:powerpoint" xmlns:com="http://schemas.openxmlformats.org/drawingml/2006/compatibility" xmlns:p14="http://schemas.microsoft.com/office/powerpoint/2010/main" xmlns:p15="http://schemas.microsoft.com/office/powerpoint/2012/main" xmlns:ahyp="http://schemas.microsoft.com/office/drawing/2018/hyperlinkcolor" matchingName="Title and two columns" type="twoColTx">
   <p:cSld name="TITLE_AND_TWO_COLUMNS">
     <p:spTree>
       <p:nvGrpSpPr>
-        <p:cNvPr id="1" name="Shape 20"/>
+        <p:cNvPr id="20" name="Shape 20"/>
         <p:cNvGrpSpPr/>
         <p:nvPr/>
       </p:nvGrpSpPr>
@@ -5441,9 +5295,7 @@
       <p:sp>
         <p:nvSpPr>
           <p:cNvPr id="21" name="Google Shape;21;p30"/>
-          <p:cNvSpPr txBox="1">
-            <a:spLocks noGrp="1"/>
-          </p:cNvSpPr>
+          <p:cNvSpPr txBox="1"/>
           <p:nvPr>
             <p:ph type="title"/>
           </p:nvPr>
@@ -5462,7 +5314,7 @@
           </a:ln>
         </p:spPr>
         <p:txBody>
-          <a:bodyPr spcFirstLastPara="1" wrap="square" lIns="91425" tIns="91425" rIns="91425" bIns="91425" anchor="t" anchorCtr="0">
+          <a:bodyPr anchorCtr="0" anchor="t" bIns="91425" lIns="91425" spcFirstLastPara="1" rIns="91425" wrap="square" tIns="91425">
             <a:normAutofit/>
           </a:bodyPr>
           <a:lstStyle>
@@ -5593,19 +5445,15 @@
               <a:defRPr/>
             </a:lvl9pPr>
           </a:lstStyle>
-          <a:p>
-            <a:endParaRPr/>
-          </a:p>
+          <a:p/>
         </p:txBody>
       </p:sp>
       <p:sp>
         <p:nvSpPr>
           <p:cNvPr id="22" name="Google Shape;22;p30"/>
-          <p:cNvSpPr txBox="1">
-            <a:spLocks noGrp="1"/>
-          </p:cNvSpPr>
+          <p:cNvSpPr txBox="1"/>
           <p:nvPr>
-            <p:ph type="body" idx="1"/>
+            <p:ph idx="1" type="body"/>
           </p:nvPr>
         </p:nvSpPr>
         <p:spPr>
@@ -5622,11 +5470,11 @@
           </a:ln>
         </p:spPr>
         <p:txBody>
-          <a:bodyPr spcFirstLastPara="1" wrap="square" lIns="91425" tIns="91425" rIns="91425" bIns="91425" anchor="t" anchorCtr="0">
+          <a:bodyPr anchorCtr="0" anchor="t" bIns="91425" lIns="91425" spcFirstLastPara="1" rIns="91425" wrap="square" tIns="91425">
             <a:normAutofit/>
           </a:bodyPr>
           <a:lstStyle>
-            <a:lvl1pPr marL="457200" lvl="0" indent="-317500" algn="l">
+            <a:lvl1pPr indent="-317500" lvl="0" marL="457200" algn="l">
               <a:lnSpc>
                 <a:spcPct val="115000"/>
               </a:lnSpc>
@@ -5640,7 +5488,7 @@
               <a:buChar char="●"/>
               <a:defRPr sz="1400"/>
             </a:lvl1pPr>
-            <a:lvl2pPr marL="914400" lvl="1" indent="-304800" algn="l">
+            <a:lvl2pPr indent="-304800" lvl="1" marL="914400" algn="l">
               <a:lnSpc>
                 <a:spcPct val="115000"/>
               </a:lnSpc>
@@ -5654,7 +5502,7 @@
               <a:buChar char="○"/>
               <a:defRPr sz="1200"/>
             </a:lvl2pPr>
-            <a:lvl3pPr marL="1371600" lvl="2" indent="-304800" algn="l">
+            <a:lvl3pPr indent="-304800" lvl="2" marL="1371600" algn="l">
               <a:lnSpc>
                 <a:spcPct val="115000"/>
               </a:lnSpc>
@@ -5668,7 +5516,7 @@
               <a:buChar char="■"/>
               <a:defRPr sz="1200"/>
             </a:lvl3pPr>
-            <a:lvl4pPr marL="1828800" lvl="3" indent="-304800" algn="l">
+            <a:lvl4pPr indent="-304800" lvl="3" marL="1828800" algn="l">
               <a:lnSpc>
                 <a:spcPct val="115000"/>
               </a:lnSpc>
@@ -5682,7 +5530,7 @@
               <a:buChar char="●"/>
               <a:defRPr sz="1200"/>
             </a:lvl4pPr>
-            <a:lvl5pPr marL="2286000" lvl="4" indent="-304800" algn="l">
+            <a:lvl5pPr indent="-304800" lvl="4" marL="2286000" algn="l">
               <a:lnSpc>
                 <a:spcPct val="115000"/>
               </a:lnSpc>
@@ -5696,7 +5544,7 @@
               <a:buChar char="○"/>
               <a:defRPr sz="1200"/>
             </a:lvl5pPr>
-            <a:lvl6pPr marL="2743200" lvl="5" indent="-304800" algn="l">
+            <a:lvl6pPr indent="-304800" lvl="5" marL="2743200" algn="l">
               <a:lnSpc>
                 <a:spcPct val="115000"/>
               </a:lnSpc>
@@ -5710,7 +5558,7 @@
               <a:buChar char="■"/>
               <a:defRPr sz="1200"/>
             </a:lvl6pPr>
-            <a:lvl7pPr marL="3200400" lvl="6" indent="-304800" algn="l">
+            <a:lvl7pPr indent="-304800" lvl="6" marL="3200400" algn="l">
               <a:lnSpc>
                 <a:spcPct val="115000"/>
               </a:lnSpc>
@@ -5724,7 +5572,7 @@
               <a:buChar char="●"/>
               <a:defRPr sz="1200"/>
             </a:lvl7pPr>
-            <a:lvl8pPr marL="3657600" lvl="7" indent="-304800" algn="l">
+            <a:lvl8pPr indent="-304800" lvl="7" marL="3657600" algn="l">
               <a:lnSpc>
                 <a:spcPct val="115000"/>
               </a:lnSpc>
@@ -5738,7 +5586,7 @@
               <a:buChar char="○"/>
               <a:defRPr sz="1200"/>
             </a:lvl8pPr>
-            <a:lvl9pPr marL="4114800" lvl="8" indent="-304800" algn="l">
+            <a:lvl9pPr indent="-304800" lvl="8" marL="4114800" algn="l">
               <a:lnSpc>
                 <a:spcPct val="115000"/>
               </a:lnSpc>
@@ -5753,19 +5601,15 @@
               <a:defRPr sz="1200"/>
             </a:lvl9pPr>
           </a:lstStyle>
-          <a:p>
-            <a:endParaRPr/>
-          </a:p>
+          <a:p/>
         </p:txBody>
       </p:sp>
       <p:sp>
         <p:nvSpPr>
           <p:cNvPr id="23" name="Google Shape;23;p30"/>
-          <p:cNvSpPr txBox="1">
-            <a:spLocks noGrp="1"/>
-          </p:cNvSpPr>
+          <p:cNvSpPr txBox="1"/>
           <p:nvPr>
-            <p:ph type="body" idx="2"/>
+            <p:ph idx="2" type="body"/>
           </p:nvPr>
         </p:nvSpPr>
         <p:spPr>
@@ -5782,11 +5626,11 @@
           </a:ln>
         </p:spPr>
         <p:txBody>
-          <a:bodyPr spcFirstLastPara="1" wrap="square" lIns="91425" tIns="91425" rIns="91425" bIns="91425" anchor="t" anchorCtr="0">
+          <a:bodyPr anchorCtr="0" anchor="t" bIns="91425" lIns="91425" spcFirstLastPara="1" rIns="91425" wrap="square" tIns="91425">
             <a:normAutofit/>
           </a:bodyPr>
           <a:lstStyle>
-            <a:lvl1pPr marL="457200" lvl="0" indent="-317500" algn="l">
+            <a:lvl1pPr indent="-317500" lvl="0" marL="457200" algn="l">
               <a:lnSpc>
                 <a:spcPct val="115000"/>
               </a:lnSpc>
@@ -5800,7 +5644,7 @@
               <a:buChar char="●"/>
               <a:defRPr sz="1400"/>
             </a:lvl1pPr>
-            <a:lvl2pPr marL="914400" lvl="1" indent="-304800" algn="l">
+            <a:lvl2pPr indent="-304800" lvl="1" marL="914400" algn="l">
               <a:lnSpc>
                 <a:spcPct val="115000"/>
               </a:lnSpc>
@@ -5814,7 +5658,7 @@
               <a:buChar char="○"/>
               <a:defRPr sz="1200"/>
             </a:lvl2pPr>
-            <a:lvl3pPr marL="1371600" lvl="2" indent="-304800" algn="l">
+            <a:lvl3pPr indent="-304800" lvl="2" marL="1371600" algn="l">
               <a:lnSpc>
                 <a:spcPct val="115000"/>
               </a:lnSpc>
@@ -5828,7 +5672,7 @@
               <a:buChar char="■"/>
               <a:defRPr sz="1200"/>
             </a:lvl3pPr>
-            <a:lvl4pPr marL="1828800" lvl="3" indent="-304800" algn="l">
+            <a:lvl4pPr indent="-304800" lvl="3" marL="1828800" algn="l">
               <a:lnSpc>
                 <a:spcPct val="115000"/>
               </a:lnSpc>
@@ -5842,7 +5686,7 @@
               <a:buChar char="●"/>
               <a:defRPr sz="1200"/>
             </a:lvl4pPr>
-            <a:lvl5pPr marL="2286000" lvl="4" indent="-304800" algn="l">
+            <a:lvl5pPr indent="-304800" lvl="4" marL="2286000" algn="l">
               <a:lnSpc>
                 <a:spcPct val="115000"/>
               </a:lnSpc>
@@ -5856,7 +5700,7 @@
               <a:buChar char="○"/>
               <a:defRPr sz="1200"/>
             </a:lvl5pPr>
-            <a:lvl6pPr marL="2743200" lvl="5" indent="-304800" algn="l">
+            <a:lvl6pPr indent="-304800" lvl="5" marL="2743200" algn="l">
               <a:lnSpc>
                 <a:spcPct val="115000"/>
               </a:lnSpc>
@@ -5870,7 +5714,7 @@
               <a:buChar char="■"/>
               <a:defRPr sz="1200"/>
             </a:lvl6pPr>
-            <a:lvl7pPr marL="3200400" lvl="6" indent="-304800" algn="l">
+            <a:lvl7pPr indent="-304800" lvl="6" marL="3200400" algn="l">
               <a:lnSpc>
                 <a:spcPct val="115000"/>
               </a:lnSpc>
@@ -5884,7 +5728,7 @@
               <a:buChar char="●"/>
               <a:defRPr sz="1200"/>
             </a:lvl7pPr>
-            <a:lvl8pPr marL="3657600" lvl="7" indent="-304800" algn="l">
+            <a:lvl8pPr indent="-304800" lvl="7" marL="3657600" algn="l">
               <a:lnSpc>
                 <a:spcPct val="115000"/>
               </a:lnSpc>
@@ -5898,7 +5742,7 @@
               <a:buChar char="○"/>
               <a:defRPr sz="1200"/>
             </a:lvl8pPr>
-            <a:lvl9pPr marL="4114800" lvl="8" indent="-304800" algn="l">
+            <a:lvl9pPr indent="-304800" lvl="8" marL="4114800" algn="l">
               <a:lnSpc>
                 <a:spcPct val="115000"/>
               </a:lnSpc>
@@ -5913,19 +5757,15 @@
               <a:defRPr sz="1200"/>
             </a:lvl9pPr>
           </a:lstStyle>
-          <a:p>
-            <a:endParaRPr/>
-          </a:p>
+          <a:p/>
         </p:txBody>
       </p:sp>
       <p:sp>
         <p:nvSpPr>
           <p:cNvPr id="24" name="Google Shape;24;p30"/>
-          <p:cNvSpPr txBox="1">
-            <a:spLocks noGrp="1"/>
-          </p:cNvSpPr>
+          <p:cNvSpPr txBox="1"/>
           <p:nvPr>
-            <p:ph type="sldNum" idx="12"/>
+            <p:ph idx="12" type="sldNum"/>
           </p:nvPr>
         </p:nvSpPr>
         <p:spPr>
@@ -5942,11 +5782,11 @@
           </a:ln>
         </p:spPr>
         <p:txBody>
-          <a:bodyPr spcFirstLastPara="1" wrap="square" lIns="91425" tIns="91425" rIns="91425" bIns="91425" anchor="ctr" anchorCtr="0">
+          <a:bodyPr anchorCtr="0" anchor="ctr" bIns="91425" lIns="91425" spcFirstLastPara="1" rIns="91425" wrap="square" tIns="91425">
             <a:normAutofit/>
           </a:bodyPr>
           <a:lstStyle>
-            <a:lvl1pPr marL="0" marR="0" lvl="0" indent="0" algn="r">
+            <a:lvl1pPr indent="0" lvl="0" marL="0" marR="0" algn="r">
               <a:lnSpc>
                 <a:spcPct val="100000"/>
               </a:lnSpc>
@@ -5962,7 +5802,7 @@
               <a:buSzPts val="1000"/>
               <a:buFont typeface="Arial"/>
               <a:buNone/>
-              <a:defRPr sz="1000" b="0" i="0" u="none" strike="noStrike" cap="none">
+              <a:defRPr b="0" i="0" sz="1000" u="none" cap="none" strike="noStrike">
                 <a:solidFill>
                   <a:schemeClr val="dk2"/>
                 </a:solidFill>
@@ -5972,7 +5812,7 @@
                 <a:sym typeface="Arial"/>
               </a:defRPr>
             </a:lvl1pPr>
-            <a:lvl2pPr marL="0" marR="0" lvl="1" indent="0" algn="r">
+            <a:lvl2pPr indent="0" lvl="1" marL="0" marR="0" algn="r">
               <a:lnSpc>
                 <a:spcPct val="100000"/>
               </a:lnSpc>
@@ -5988,7 +5828,7 @@
               <a:buSzPts val="1000"/>
               <a:buFont typeface="Arial"/>
               <a:buNone/>
-              <a:defRPr sz="1000" b="0" i="0" u="none" strike="noStrike" cap="none">
+              <a:defRPr b="0" i="0" sz="1000" u="none" cap="none" strike="noStrike">
                 <a:solidFill>
                   <a:schemeClr val="dk2"/>
                 </a:solidFill>
@@ -5998,7 +5838,7 @@
                 <a:sym typeface="Arial"/>
               </a:defRPr>
             </a:lvl2pPr>
-            <a:lvl3pPr marL="0" marR="0" lvl="2" indent="0" algn="r">
+            <a:lvl3pPr indent="0" lvl="2" marL="0" marR="0" algn="r">
               <a:lnSpc>
                 <a:spcPct val="100000"/>
               </a:lnSpc>
@@ -6014,7 +5854,7 @@
               <a:buSzPts val="1000"/>
               <a:buFont typeface="Arial"/>
               <a:buNone/>
-              <a:defRPr sz="1000" b="0" i="0" u="none" strike="noStrike" cap="none">
+              <a:defRPr b="0" i="0" sz="1000" u="none" cap="none" strike="noStrike">
                 <a:solidFill>
                   <a:schemeClr val="dk2"/>
                 </a:solidFill>
@@ -6024,7 +5864,7 @@
                 <a:sym typeface="Arial"/>
               </a:defRPr>
             </a:lvl3pPr>
-            <a:lvl4pPr marL="0" marR="0" lvl="3" indent="0" algn="r">
+            <a:lvl4pPr indent="0" lvl="3" marL="0" marR="0" algn="r">
               <a:lnSpc>
                 <a:spcPct val="100000"/>
               </a:lnSpc>
@@ -6040,7 +5880,7 @@
               <a:buSzPts val="1000"/>
               <a:buFont typeface="Arial"/>
               <a:buNone/>
-              <a:defRPr sz="1000" b="0" i="0" u="none" strike="noStrike" cap="none">
+              <a:defRPr b="0" i="0" sz="1000" u="none" cap="none" strike="noStrike">
                 <a:solidFill>
                   <a:schemeClr val="dk2"/>
                 </a:solidFill>
@@ -6050,7 +5890,7 @@
                 <a:sym typeface="Arial"/>
               </a:defRPr>
             </a:lvl4pPr>
-            <a:lvl5pPr marL="0" marR="0" lvl="4" indent="0" algn="r">
+            <a:lvl5pPr indent="0" lvl="4" marL="0" marR="0" algn="r">
               <a:lnSpc>
                 <a:spcPct val="100000"/>
               </a:lnSpc>
@@ -6066,7 +5906,7 @@
               <a:buSzPts val="1000"/>
               <a:buFont typeface="Arial"/>
               <a:buNone/>
-              <a:defRPr sz="1000" b="0" i="0" u="none" strike="noStrike" cap="none">
+              <a:defRPr b="0" i="0" sz="1000" u="none" cap="none" strike="noStrike">
                 <a:solidFill>
                   <a:schemeClr val="dk2"/>
                 </a:solidFill>
@@ -6076,7 +5916,7 @@
                 <a:sym typeface="Arial"/>
               </a:defRPr>
             </a:lvl5pPr>
-            <a:lvl6pPr marL="0" marR="0" lvl="5" indent="0" algn="r">
+            <a:lvl6pPr indent="0" lvl="5" marL="0" marR="0" algn="r">
               <a:lnSpc>
                 <a:spcPct val="100000"/>
               </a:lnSpc>
@@ -6092,7 +5932,7 @@
               <a:buSzPts val="1000"/>
               <a:buFont typeface="Arial"/>
               <a:buNone/>
-              <a:defRPr sz="1000" b="0" i="0" u="none" strike="noStrike" cap="none">
+              <a:defRPr b="0" i="0" sz="1000" u="none" cap="none" strike="noStrike">
                 <a:solidFill>
                   <a:schemeClr val="dk2"/>
                 </a:solidFill>
@@ -6102,7 +5942,7 @@
                 <a:sym typeface="Arial"/>
               </a:defRPr>
             </a:lvl6pPr>
-            <a:lvl7pPr marL="0" marR="0" lvl="6" indent="0" algn="r">
+            <a:lvl7pPr indent="0" lvl="6" marL="0" marR="0" algn="r">
               <a:lnSpc>
                 <a:spcPct val="100000"/>
               </a:lnSpc>
@@ -6118,7 +5958,7 @@
               <a:buSzPts val="1000"/>
               <a:buFont typeface="Arial"/>
               <a:buNone/>
-              <a:defRPr sz="1000" b="0" i="0" u="none" strike="noStrike" cap="none">
+              <a:defRPr b="0" i="0" sz="1000" u="none" cap="none" strike="noStrike">
                 <a:solidFill>
                   <a:schemeClr val="dk2"/>
                 </a:solidFill>
@@ -6128,7 +5968,7 @@
                 <a:sym typeface="Arial"/>
               </a:defRPr>
             </a:lvl7pPr>
-            <a:lvl8pPr marL="0" marR="0" lvl="7" indent="0" algn="r">
+            <a:lvl8pPr indent="0" lvl="7" marL="0" marR="0" algn="r">
               <a:lnSpc>
                 <a:spcPct val="100000"/>
               </a:lnSpc>
@@ -6144,7 +5984,7 @@
               <a:buSzPts val="1000"/>
               <a:buFont typeface="Arial"/>
               <a:buNone/>
-              <a:defRPr sz="1000" b="0" i="0" u="none" strike="noStrike" cap="none">
+              <a:defRPr b="0" i="0" sz="1000" u="none" cap="none" strike="noStrike">
                 <a:solidFill>
                   <a:schemeClr val="dk2"/>
                 </a:solidFill>
@@ -6154,7 +5994,7 @@
                 <a:sym typeface="Arial"/>
               </a:defRPr>
             </a:lvl8pPr>
-            <a:lvl9pPr marL="0" marR="0" lvl="8" indent="0" algn="r">
+            <a:lvl9pPr indent="0" lvl="8" marL="0" marR="0" algn="r">
               <a:lnSpc>
                 <a:spcPct val="100000"/>
               </a:lnSpc>
@@ -6170,7 +6010,7 @@
               <a:buSzPts val="1000"/>
               <a:buFont typeface="Arial"/>
               <a:buNone/>
-              <a:defRPr sz="1000" b="0" i="0" u="none" strike="noStrike" cap="none">
+              <a:defRPr b="0" i="0" sz="1000" u="none" cap="none" strike="noStrike">
                 <a:solidFill>
                   <a:schemeClr val="dk2"/>
                 </a:solidFill>
@@ -6182,7 +6022,7 @@
             </a:lvl9pPr>
           </a:lstStyle>
           <a:p>
-            <a:pPr marL="0" lvl="0" indent="0" algn="r" rtl="0">
+            <a:pPr indent="0" lvl="0" marL="0" rtl="0" algn="r">
               <a:spcBef>
                 <a:spcPts val="0"/>
               </a:spcBef>
@@ -6208,11 +6048,11 @@
 </file>
 
 <file path=ppt/slideLayouts/slideLayout5.xml><?xml version="1.0" encoding="utf-8"?>
-<p:sldLayout xmlns:a="http://schemas.openxmlformats.org/drawingml/2006/main" xmlns:r="http://schemas.openxmlformats.org/officeDocument/2006/relationships" xmlns:p="http://schemas.openxmlformats.org/presentationml/2006/main" matchingName="Title only" type="titleOnly">
+<p:sldLayout xmlns:a="http://schemas.openxmlformats.org/drawingml/2006/main" xmlns:r="http://schemas.openxmlformats.org/officeDocument/2006/relationships" xmlns:mc="http://schemas.openxmlformats.org/markup-compatibility/2006" xmlns:mv="urn:schemas-microsoft-com:mac:vml" xmlns:p="http://schemas.openxmlformats.org/presentationml/2006/main" xmlns:c="http://schemas.openxmlformats.org/drawingml/2006/chart" xmlns:dgm="http://schemas.openxmlformats.org/drawingml/2006/diagram" xmlns:o="urn:schemas-microsoft-com:office:office" xmlns:v="urn:schemas-microsoft-com:vml" xmlns:pvml="urn:schemas-microsoft-com:office:powerpoint" xmlns:com="http://schemas.openxmlformats.org/drawingml/2006/compatibility" xmlns:p14="http://schemas.microsoft.com/office/powerpoint/2010/main" xmlns:p15="http://schemas.microsoft.com/office/powerpoint/2012/main" xmlns:ahyp="http://schemas.microsoft.com/office/drawing/2018/hyperlinkcolor" matchingName="Title only" type="titleOnly">
   <p:cSld name="TITLE_ONLY">
     <p:spTree>
       <p:nvGrpSpPr>
-        <p:cNvPr id="1" name="Shape 25"/>
+        <p:cNvPr id="25" name="Shape 25"/>
         <p:cNvGrpSpPr/>
         <p:nvPr/>
       </p:nvGrpSpPr>
@@ -6227,9 +6067,7 @@
       <p:sp>
         <p:nvSpPr>
           <p:cNvPr id="26" name="Google Shape;26;p31"/>
-          <p:cNvSpPr txBox="1">
-            <a:spLocks noGrp="1"/>
-          </p:cNvSpPr>
+          <p:cNvSpPr txBox="1"/>
           <p:nvPr>
             <p:ph type="title"/>
           </p:nvPr>
@@ -6248,7 +6086,7 @@
           </a:ln>
         </p:spPr>
         <p:txBody>
-          <a:bodyPr spcFirstLastPara="1" wrap="square" lIns="91425" tIns="91425" rIns="91425" bIns="91425" anchor="t" anchorCtr="0">
+          <a:bodyPr anchorCtr="0" anchor="t" bIns="91425" lIns="91425" spcFirstLastPara="1" rIns="91425" wrap="square" tIns="91425">
             <a:normAutofit/>
           </a:bodyPr>
           <a:lstStyle>
@@ -6379,19 +6217,15 @@
               <a:defRPr/>
             </a:lvl9pPr>
           </a:lstStyle>
-          <a:p>
-            <a:endParaRPr/>
-          </a:p>
+          <a:p/>
         </p:txBody>
       </p:sp>
       <p:sp>
         <p:nvSpPr>
           <p:cNvPr id="27" name="Google Shape;27;p31"/>
-          <p:cNvSpPr txBox="1">
-            <a:spLocks noGrp="1"/>
-          </p:cNvSpPr>
+          <p:cNvSpPr txBox="1"/>
           <p:nvPr>
-            <p:ph type="sldNum" idx="12"/>
+            <p:ph idx="12" type="sldNum"/>
           </p:nvPr>
         </p:nvSpPr>
         <p:spPr>
@@ -6408,11 +6242,11 @@
           </a:ln>
         </p:spPr>
         <p:txBody>
-          <a:bodyPr spcFirstLastPara="1" wrap="square" lIns="91425" tIns="91425" rIns="91425" bIns="91425" anchor="ctr" anchorCtr="0">
+          <a:bodyPr anchorCtr="0" anchor="ctr" bIns="91425" lIns="91425" spcFirstLastPara="1" rIns="91425" wrap="square" tIns="91425">
             <a:normAutofit/>
           </a:bodyPr>
           <a:lstStyle>
-            <a:lvl1pPr marL="0" marR="0" lvl="0" indent="0" algn="r">
+            <a:lvl1pPr indent="0" lvl="0" marL="0" marR="0" algn="r">
               <a:lnSpc>
                 <a:spcPct val="100000"/>
               </a:lnSpc>
@@ -6428,7 +6262,7 @@
               <a:buSzPts val="1000"/>
               <a:buFont typeface="Arial"/>
               <a:buNone/>
-              <a:defRPr sz="1000" b="0" i="0" u="none" strike="noStrike" cap="none">
+              <a:defRPr b="0" i="0" sz="1000" u="none" cap="none" strike="noStrike">
                 <a:solidFill>
                   <a:schemeClr val="dk2"/>
                 </a:solidFill>
@@ -6438,7 +6272,7 @@
                 <a:sym typeface="Arial"/>
               </a:defRPr>
             </a:lvl1pPr>
-            <a:lvl2pPr marL="0" marR="0" lvl="1" indent="0" algn="r">
+            <a:lvl2pPr indent="0" lvl="1" marL="0" marR="0" algn="r">
               <a:lnSpc>
                 <a:spcPct val="100000"/>
               </a:lnSpc>
@@ -6454,7 +6288,7 @@
               <a:buSzPts val="1000"/>
               <a:buFont typeface="Arial"/>
               <a:buNone/>
-              <a:defRPr sz="1000" b="0" i="0" u="none" strike="noStrike" cap="none">
+              <a:defRPr b="0" i="0" sz="1000" u="none" cap="none" strike="noStrike">
                 <a:solidFill>
                   <a:schemeClr val="dk2"/>
                 </a:solidFill>
@@ -6464,7 +6298,7 @@
                 <a:sym typeface="Arial"/>
               </a:defRPr>
             </a:lvl2pPr>
-            <a:lvl3pPr marL="0" marR="0" lvl="2" indent="0" algn="r">
+            <a:lvl3pPr indent="0" lvl="2" marL="0" marR="0" algn="r">
               <a:lnSpc>
                 <a:spcPct val="100000"/>
               </a:lnSpc>
@@ -6480,7 +6314,7 @@
               <a:buSzPts val="1000"/>
               <a:buFont typeface="Arial"/>
               <a:buNone/>
-              <a:defRPr sz="1000" b="0" i="0" u="none" strike="noStrike" cap="none">
+              <a:defRPr b="0" i="0" sz="1000" u="none" cap="none" strike="noStrike">
                 <a:solidFill>
                   <a:schemeClr val="dk2"/>
                 </a:solidFill>
@@ -6490,7 +6324,7 @@
                 <a:sym typeface="Arial"/>
               </a:defRPr>
             </a:lvl3pPr>
-            <a:lvl4pPr marL="0" marR="0" lvl="3" indent="0" algn="r">
+            <a:lvl4pPr indent="0" lvl="3" marL="0" marR="0" algn="r">
               <a:lnSpc>
                 <a:spcPct val="100000"/>
               </a:lnSpc>
@@ -6506,7 +6340,7 @@
               <a:buSzPts val="1000"/>
               <a:buFont typeface="Arial"/>
               <a:buNone/>
-              <a:defRPr sz="1000" b="0" i="0" u="none" strike="noStrike" cap="none">
+              <a:defRPr b="0" i="0" sz="1000" u="none" cap="none" strike="noStrike">
                 <a:solidFill>
                   <a:schemeClr val="dk2"/>
                 </a:solidFill>
@@ -6516,7 +6350,7 @@
                 <a:sym typeface="Arial"/>
               </a:defRPr>
             </a:lvl4pPr>
-            <a:lvl5pPr marL="0" marR="0" lvl="4" indent="0" algn="r">
+            <a:lvl5pPr indent="0" lvl="4" marL="0" marR="0" algn="r">
               <a:lnSpc>
                 <a:spcPct val="100000"/>
               </a:lnSpc>
@@ -6532,7 +6366,7 @@
               <a:buSzPts val="1000"/>
               <a:buFont typeface="Arial"/>
               <a:buNone/>
-              <a:defRPr sz="1000" b="0" i="0" u="none" strike="noStrike" cap="none">
+              <a:defRPr b="0" i="0" sz="1000" u="none" cap="none" strike="noStrike">
                 <a:solidFill>
                   <a:schemeClr val="dk2"/>
                 </a:solidFill>
@@ -6542,7 +6376,7 @@
                 <a:sym typeface="Arial"/>
               </a:defRPr>
             </a:lvl5pPr>
-            <a:lvl6pPr marL="0" marR="0" lvl="5" indent="0" algn="r">
+            <a:lvl6pPr indent="0" lvl="5" marL="0" marR="0" algn="r">
               <a:lnSpc>
                 <a:spcPct val="100000"/>
               </a:lnSpc>
@@ -6558,7 +6392,7 @@
               <a:buSzPts val="1000"/>
               <a:buFont typeface="Arial"/>
               <a:buNone/>
-              <a:defRPr sz="1000" b="0" i="0" u="none" strike="noStrike" cap="none">
+              <a:defRPr b="0" i="0" sz="1000" u="none" cap="none" strike="noStrike">
                 <a:solidFill>
                   <a:schemeClr val="dk2"/>
                 </a:solidFill>
@@ -6568,7 +6402,7 @@
                 <a:sym typeface="Arial"/>
               </a:defRPr>
             </a:lvl6pPr>
-            <a:lvl7pPr marL="0" marR="0" lvl="6" indent="0" algn="r">
+            <a:lvl7pPr indent="0" lvl="6" marL="0" marR="0" algn="r">
               <a:lnSpc>
                 <a:spcPct val="100000"/>
               </a:lnSpc>
@@ -6584,7 +6418,7 @@
               <a:buSzPts val="1000"/>
               <a:buFont typeface="Arial"/>
               <a:buNone/>
-              <a:defRPr sz="1000" b="0" i="0" u="none" strike="noStrike" cap="none">
+              <a:defRPr b="0" i="0" sz="1000" u="none" cap="none" strike="noStrike">
                 <a:solidFill>
                   <a:schemeClr val="dk2"/>
                 </a:solidFill>
@@ -6594,7 +6428,7 @@
                 <a:sym typeface="Arial"/>
               </a:defRPr>
             </a:lvl7pPr>
-            <a:lvl8pPr marL="0" marR="0" lvl="7" indent="0" algn="r">
+            <a:lvl8pPr indent="0" lvl="7" marL="0" marR="0" algn="r">
               <a:lnSpc>
                 <a:spcPct val="100000"/>
               </a:lnSpc>
@@ -6610,7 +6444,7 @@
               <a:buSzPts val="1000"/>
               <a:buFont typeface="Arial"/>
               <a:buNone/>
-              <a:defRPr sz="1000" b="0" i="0" u="none" strike="noStrike" cap="none">
+              <a:defRPr b="0" i="0" sz="1000" u="none" cap="none" strike="noStrike">
                 <a:solidFill>
                   <a:schemeClr val="dk2"/>
                 </a:solidFill>
@@ -6620,7 +6454,7 @@
                 <a:sym typeface="Arial"/>
               </a:defRPr>
             </a:lvl8pPr>
-            <a:lvl9pPr marL="0" marR="0" lvl="8" indent="0" algn="r">
+            <a:lvl9pPr indent="0" lvl="8" marL="0" marR="0" algn="r">
               <a:lnSpc>
                 <a:spcPct val="100000"/>
               </a:lnSpc>
@@ -6636,7 +6470,7 @@
               <a:buSzPts val="1000"/>
               <a:buFont typeface="Arial"/>
               <a:buNone/>
-              <a:defRPr sz="1000" b="0" i="0" u="none" strike="noStrike" cap="none">
+              <a:defRPr b="0" i="0" sz="1000" u="none" cap="none" strike="noStrike">
                 <a:solidFill>
                   <a:schemeClr val="dk2"/>
                 </a:solidFill>
@@ -6648,7 +6482,7 @@
             </a:lvl9pPr>
           </a:lstStyle>
           <a:p>
-            <a:pPr marL="0" lvl="0" indent="0" algn="r" rtl="0">
+            <a:pPr indent="0" lvl="0" marL="0" rtl="0" algn="r">
               <a:spcBef>
                 <a:spcPts val="0"/>
               </a:spcBef>
@@ -6674,11 +6508,11 @@
 </file>
 
 <file path=ppt/slideLayouts/slideLayout6.xml><?xml version="1.0" encoding="utf-8"?>
-<p:sldLayout xmlns:a="http://schemas.openxmlformats.org/drawingml/2006/main" xmlns:r="http://schemas.openxmlformats.org/officeDocument/2006/relationships" xmlns:p="http://schemas.openxmlformats.org/presentationml/2006/main" matchingName="One column text">
+<p:sldLayout xmlns:a="http://schemas.openxmlformats.org/drawingml/2006/main" xmlns:r="http://schemas.openxmlformats.org/officeDocument/2006/relationships" xmlns:mc="http://schemas.openxmlformats.org/markup-compatibility/2006" xmlns:mv="urn:schemas-microsoft-com:mac:vml" xmlns:p="http://schemas.openxmlformats.org/presentationml/2006/main" xmlns:c="http://schemas.openxmlformats.org/drawingml/2006/chart" xmlns:dgm="http://schemas.openxmlformats.org/drawingml/2006/diagram" xmlns:o="urn:schemas-microsoft-com:office:office" xmlns:v="urn:schemas-microsoft-com:vml" xmlns:pvml="urn:schemas-microsoft-com:office:powerpoint" xmlns:com="http://schemas.openxmlformats.org/drawingml/2006/compatibility" xmlns:p14="http://schemas.microsoft.com/office/powerpoint/2010/main" xmlns:p15="http://schemas.microsoft.com/office/powerpoint/2012/main" xmlns:ahyp="http://schemas.microsoft.com/office/drawing/2018/hyperlinkcolor" matchingName="One column text">
   <p:cSld name="ONE_COLUMN_TEXT">
     <p:spTree>
       <p:nvGrpSpPr>
-        <p:cNvPr id="1" name="Shape 28"/>
+        <p:cNvPr id="28" name="Shape 28"/>
         <p:cNvGrpSpPr/>
         <p:nvPr/>
       </p:nvGrpSpPr>
@@ -6693,9 +6527,7 @@
       <p:sp>
         <p:nvSpPr>
           <p:cNvPr id="29" name="Google Shape;29;p32"/>
-          <p:cNvSpPr txBox="1">
-            <a:spLocks noGrp="1"/>
-          </p:cNvSpPr>
+          <p:cNvSpPr txBox="1"/>
           <p:nvPr>
             <p:ph type="title"/>
           </p:nvPr>
@@ -6714,7 +6546,7 @@
           </a:ln>
         </p:spPr>
         <p:txBody>
-          <a:bodyPr spcFirstLastPara="1" wrap="square" lIns="91425" tIns="91425" rIns="91425" bIns="91425" anchor="b" anchorCtr="0">
+          <a:bodyPr anchorCtr="0" anchor="b" bIns="91425" lIns="91425" spcFirstLastPara="1" rIns="91425" wrap="square" tIns="91425">
             <a:normAutofit/>
           </a:bodyPr>
           <a:lstStyle>
@@ -6845,19 +6677,15 @@
               <a:defRPr sz="2400"/>
             </a:lvl9pPr>
           </a:lstStyle>
-          <a:p>
-            <a:endParaRPr/>
-          </a:p>
+          <a:p/>
         </p:txBody>
       </p:sp>
       <p:sp>
         <p:nvSpPr>
           <p:cNvPr id="30" name="Google Shape;30;p32"/>
-          <p:cNvSpPr txBox="1">
-            <a:spLocks noGrp="1"/>
-          </p:cNvSpPr>
+          <p:cNvSpPr txBox="1"/>
           <p:nvPr>
-            <p:ph type="body" idx="1"/>
+            <p:ph idx="1" type="body"/>
           </p:nvPr>
         </p:nvSpPr>
         <p:spPr>
@@ -6874,11 +6702,11 @@
           </a:ln>
         </p:spPr>
         <p:txBody>
-          <a:bodyPr spcFirstLastPara="1" wrap="square" lIns="91425" tIns="91425" rIns="91425" bIns="91425" anchor="t" anchorCtr="0">
+          <a:bodyPr anchorCtr="0" anchor="t" bIns="91425" lIns="91425" spcFirstLastPara="1" rIns="91425" wrap="square" tIns="91425">
             <a:normAutofit/>
           </a:bodyPr>
           <a:lstStyle>
-            <a:lvl1pPr marL="457200" lvl="0" indent="-304800" algn="l">
+            <a:lvl1pPr indent="-304800" lvl="0" marL="457200" algn="l">
               <a:lnSpc>
                 <a:spcPct val="115000"/>
               </a:lnSpc>
@@ -6892,7 +6720,7 @@
               <a:buChar char="●"/>
               <a:defRPr sz="1200"/>
             </a:lvl1pPr>
-            <a:lvl2pPr marL="914400" lvl="1" indent="-304800" algn="l">
+            <a:lvl2pPr indent="-304800" lvl="1" marL="914400" algn="l">
               <a:lnSpc>
                 <a:spcPct val="115000"/>
               </a:lnSpc>
@@ -6906,7 +6734,7 @@
               <a:buChar char="○"/>
               <a:defRPr sz="1200"/>
             </a:lvl2pPr>
-            <a:lvl3pPr marL="1371600" lvl="2" indent="-304800" algn="l">
+            <a:lvl3pPr indent="-304800" lvl="2" marL="1371600" algn="l">
               <a:lnSpc>
                 <a:spcPct val="115000"/>
               </a:lnSpc>
@@ -6920,7 +6748,7 @@
               <a:buChar char="■"/>
               <a:defRPr sz="1200"/>
             </a:lvl3pPr>
-            <a:lvl4pPr marL="1828800" lvl="3" indent="-304800" algn="l">
+            <a:lvl4pPr indent="-304800" lvl="3" marL="1828800" algn="l">
               <a:lnSpc>
                 <a:spcPct val="115000"/>
               </a:lnSpc>
@@ -6934,7 +6762,7 @@
               <a:buChar char="●"/>
               <a:defRPr sz="1200"/>
             </a:lvl4pPr>
-            <a:lvl5pPr marL="2286000" lvl="4" indent="-304800" algn="l">
+            <a:lvl5pPr indent="-304800" lvl="4" marL="2286000" algn="l">
               <a:lnSpc>
                 <a:spcPct val="115000"/>
               </a:lnSpc>
@@ -6948,7 +6776,7 @@
               <a:buChar char="○"/>
               <a:defRPr sz="1200"/>
             </a:lvl5pPr>
-            <a:lvl6pPr marL="2743200" lvl="5" indent="-304800" algn="l">
+            <a:lvl6pPr indent="-304800" lvl="5" marL="2743200" algn="l">
               <a:lnSpc>
                 <a:spcPct val="115000"/>
               </a:lnSpc>
@@ -6962,7 +6790,7 @@
               <a:buChar char="■"/>
               <a:defRPr sz="1200"/>
             </a:lvl6pPr>
-            <a:lvl7pPr marL="3200400" lvl="6" indent="-304800" algn="l">
+            <a:lvl7pPr indent="-304800" lvl="6" marL="3200400" algn="l">
               <a:lnSpc>
                 <a:spcPct val="115000"/>
               </a:lnSpc>
@@ -6976,7 +6804,7 @@
               <a:buChar char="●"/>
               <a:defRPr sz="1200"/>
             </a:lvl7pPr>
-            <a:lvl8pPr marL="3657600" lvl="7" indent="-304800" algn="l">
+            <a:lvl8pPr indent="-304800" lvl="7" marL="3657600" algn="l">
               <a:lnSpc>
                 <a:spcPct val="115000"/>
               </a:lnSpc>
@@ -6990,7 +6818,7 @@
               <a:buChar char="○"/>
               <a:defRPr sz="1200"/>
             </a:lvl8pPr>
-            <a:lvl9pPr marL="4114800" lvl="8" indent="-304800" algn="l">
+            <a:lvl9pPr indent="-304800" lvl="8" marL="4114800" algn="l">
               <a:lnSpc>
                 <a:spcPct val="115000"/>
               </a:lnSpc>
@@ -7005,19 +6833,15 @@
               <a:defRPr sz="1200"/>
             </a:lvl9pPr>
           </a:lstStyle>
-          <a:p>
-            <a:endParaRPr/>
-          </a:p>
+          <a:p/>
         </p:txBody>
       </p:sp>
       <p:sp>
         <p:nvSpPr>
           <p:cNvPr id="31" name="Google Shape;31;p32"/>
-          <p:cNvSpPr txBox="1">
-            <a:spLocks noGrp="1"/>
-          </p:cNvSpPr>
+          <p:cNvSpPr txBox="1"/>
           <p:nvPr>
-            <p:ph type="sldNum" idx="12"/>
+            <p:ph idx="12" type="sldNum"/>
           </p:nvPr>
         </p:nvSpPr>
         <p:spPr>
@@ -7034,11 +6858,11 @@
           </a:ln>
         </p:spPr>
         <p:txBody>
-          <a:bodyPr spcFirstLastPara="1" wrap="square" lIns="91425" tIns="91425" rIns="91425" bIns="91425" anchor="ctr" anchorCtr="0">
+          <a:bodyPr anchorCtr="0" anchor="ctr" bIns="91425" lIns="91425" spcFirstLastPara="1" rIns="91425" wrap="square" tIns="91425">
             <a:normAutofit/>
           </a:bodyPr>
           <a:lstStyle>
-            <a:lvl1pPr marL="0" marR="0" lvl="0" indent="0" algn="r">
+            <a:lvl1pPr indent="0" lvl="0" marL="0" marR="0" algn="r">
               <a:lnSpc>
                 <a:spcPct val="100000"/>
               </a:lnSpc>
@@ -7054,7 +6878,7 @@
               <a:buSzPts val="1000"/>
               <a:buFont typeface="Arial"/>
               <a:buNone/>
-              <a:defRPr sz="1000" b="0" i="0" u="none" strike="noStrike" cap="none">
+              <a:defRPr b="0" i="0" sz="1000" u="none" cap="none" strike="noStrike">
                 <a:solidFill>
                   <a:schemeClr val="dk2"/>
                 </a:solidFill>
@@ -7064,7 +6888,7 @@
                 <a:sym typeface="Arial"/>
               </a:defRPr>
             </a:lvl1pPr>
-            <a:lvl2pPr marL="0" marR="0" lvl="1" indent="0" algn="r">
+            <a:lvl2pPr indent="0" lvl="1" marL="0" marR="0" algn="r">
               <a:lnSpc>
                 <a:spcPct val="100000"/>
               </a:lnSpc>
@@ -7080,7 +6904,7 @@
               <a:buSzPts val="1000"/>
               <a:buFont typeface="Arial"/>
               <a:buNone/>
-              <a:defRPr sz="1000" b="0" i="0" u="none" strike="noStrike" cap="none">
+              <a:defRPr b="0" i="0" sz="1000" u="none" cap="none" strike="noStrike">
                 <a:solidFill>
                   <a:schemeClr val="dk2"/>
                 </a:solidFill>
@@ -7090,7 +6914,7 @@
                 <a:sym typeface="Arial"/>
               </a:defRPr>
             </a:lvl2pPr>
-            <a:lvl3pPr marL="0" marR="0" lvl="2" indent="0" algn="r">
+            <a:lvl3pPr indent="0" lvl="2" marL="0" marR="0" algn="r">
               <a:lnSpc>
                 <a:spcPct val="100000"/>
               </a:lnSpc>
@@ -7106,7 +6930,7 @@
               <a:buSzPts val="1000"/>
               <a:buFont typeface="Arial"/>
               <a:buNone/>
-              <a:defRPr sz="1000" b="0" i="0" u="none" strike="noStrike" cap="none">
+              <a:defRPr b="0" i="0" sz="1000" u="none" cap="none" strike="noStrike">
                 <a:solidFill>
                   <a:schemeClr val="dk2"/>
                 </a:solidFill>
@@ -7116,7 +6940,7 @@
                 <a:sym typeface="Arial"/>
               </a:defRPr>
             </a:lvl3pPr>
-            <a:lvl4pPr marL="0" marR="0" lvl="3" indent="0" algn="r">
+            <a:lvl4pPr indent="0" lvl="3" marL="0" marR="0" algn="r">
               <a:lnSpc>
                 <a:spcPct val="100000"/>
               </a:lnSpc>
@@ -7132,7 +6956,7 @@
               <a:buSzPts val="1000"/>
               <a:buFont typeface="Arial"/>
               <a:buNone/>
-              <a:defRPr sz="1000" b="0" i="0" u="none" strike="noStrike" cap="none">
+              <a:defRPr b="0" i="0" sz="1000" u="none" cap="none" strike="noStrike">
                 <a:solidFill>
                   <a:schemeClr val="dk2"/>
                 </a:solidFill>
@@ -7142,7 +6966,7 @@
                 <a:sym typeface="Arial"/>
               </a:defRPr>
             </a:lvl4pPr>
-            <a:lvl5pPr marL="0" marR="0" lvl="4" indent="0" algn="r">
+            <a:lvl5pPr indent="0" lvl="4" marL="0" marR="0" algn="r">
               <a:lnSpc>
                 <a:spcPct val="100000"/>
               </a:lnSpc>
@@ -7158,7 +6982,7 @@
               <a:buSzPts val="1000"/>
               <a:buFont typeface="Arial"/>
               <a:buNone/>
-              <a:defRPr sz="1000" b="0" i="0" u="none" strike="noStrike" cap="none">
+              <a:defRPr b="0" i="0" sz="1000" u="none" cap="none" strike="noStrike">
                 <a:solidFill>
                   <a:schemeClr val="dk2"/>
                 </a:solidFill>
@@ -7168,7 +6992,7 @@
                 <a:sym typeface="Arial"/>
               </a:defRPr>
             </a:lvl5pPr>
-            <a:lvl6pPr marL="0" marR="0" lvl="5" indent="0" algn="r">
+            <a:lvl6pPr indent="0" lvl="5" marL="0" marR="0" algn="r">
               <a:lnSpc>
                 <a:spcPct val="100000"/>
               </a:lnSpc>
@@ -7184,7 +7008,7 @@
               <a:buSzPts val="1000"/>
               <a:buFont typeface="Arial"/>
               <a:buNone/>
-              <a:defRPr sz="1000" b="0" i="0" u="none" strike="noStrike" cap="none">
+              <a:defRPr b="0" i="0" sz="1000" u="none" cap="none" strike="noStrike">
                 <a:solidFill>
                   <a:schemeClr val="dk2"/>
                 </a:solidFill>
@@ -7194,7 +7018,7 @@
                 <a:sym typeface="Arial"/>
               </a:defRPr>
             </a:lvl6pPr>
-            <a:lvl7pPr marL="0" marR="0" lvl="6" indent="0" algn="r">
+            <a:lvl7pPr indent="0" lvl="6" marL="0" marR="0" algn="r">
               <a:lnSpc>
                 <a:spcPct val="100000"/>
               </a:lnSpc>
@@ -7210,7 +7034,7 @@
               <a:buSzPts val="1000"/>
               <a:buFont typeface="Arial"/>
               <a:buNone/>
-              <a:defRPr sz="1000" b="0" i="0" u="none" strike="noStrike" cap="none">
+              <a:defRPr b="0" i="0" sz="1000" u="none" cap="none" strike="noStrike">
                 <a:solidFill>
                   <a:schemeClr val="dk2"/>
                 </a:solidFill>
@@ -7220,7 +7044,7 @@
                 <a:sym typeface="Arial"/>
               </a:defRPr>
             </a:lvl7pPr>
-            <a:lvl8pPr marL="0" marR="0" lvl="7" indent="0" algn="r">
+            <a:lvl8pPr indent="0" lvl="7" marL="0" marR="0" algn="r">
               <a:lnSpc>
                 <a:spcPct val="100000"/>
               </a:lnSpc>
@@ -7236,7 +7060,7 @@
               <a:buSzPts val="1000"/>
               <a:buFont typeface="Arial"/>
               <a:buNone/>
-              <a:defRPr sz="1000" b="0" i="0" u="none" strike="noStrike" cap="none">
+              <a:defRPr b="0" i="0" sz="1000" u="none" cap="none" strike="noStrike">
                 <a:solidFill>
                   <a:schemeClr val="dk2"/>
                 </a:solidFill>
@@ -7246,7 +7070,7 @@
                 <a:sym typeface="Arial"/>
               </a:defRPr>
             </a:lvl8pPr>
-            <a:lvl9pPr marL="0" marR="0" lvl="8" indent="0" algn="r">
+            <a:lvl9pPr indent="0" lvl="8" marL="0" marR="0" algn="r">
               <a:lnSpc>
                 <a:spcPct val="100000"/>
               </a:lnSpc>
@@ -7262,7 +7086,7 @@
               <a:buSzPts val="1000"/>
               <a:buFont typeface="Arial"/>
               <a:buNone/>
-              <a:defRPr sz="1000" b="0" i="0" u="none" strike="noStrike" cap="none">
+              <a:defRPr b="0" i="0" sz="1000" u="none" cap="none" strike="noStrike">
                 <a:solidFill>
                   <a:schemeClr val="dk2"/>
                 </a:solidFill>
@@ -7274,7 +7098,7 @@
             </a:lvl9pPr>
           </a:lstStyle>
           <a:p>
-            <a:pPr marL="0" lvl="0" indent="0" algn="r" rtl="0">
+            <a:pPr indent="0" lvl="0" marL="0" rtl="0" algn="r">
               <a:spcBef>
                 <a:spcPts val="0"/>
               </a:spcBef>
@@ -7300,11 +7124,11 @@
 </file>
 
 <file path=ppt/slideLayouts/slideLayout7.xml><?xml version="1.0" encoding="utf-8"?>
-<p:sldLayout xmlns:a="http://schemas.openxmlformats.org/drawingml/2006/main" xmlns:r="http://schemas.openxmlformats.org/officeDocument/2006/relationships" xmlns:p="http://schemas.openxmlformats.org/presentationml/2006/main" matchingName="Main point">
+<p:sldLayout xmlns:a="http://schemas.openxmlformats.org/drawingml/2006/main" xmlns:r="http://schemas.openxmlformats.org/officeDocument/2006/relationships" xmlns:mc="http://schemas.openxmlformats.org/markup-compatibility/2006" xmlns:mv="urn:schemas-microsoft-com:mac:vml" xmlns:p="http://schemas.openxmlformats.org/presentationml/2006/main" xmlns:c="http://schemas.openxmlformats.org/drawingml/2006/chart" xmlns:dgm="http://schemas.openxmlformats.org/drawingml/2006/diagram" xmlns:o="urn:schemas-microsoft-com:office:office" xmlns:v="urn:schemas-microsoft-com:vml" xmlns:pvml="urn:schemas-microsoft-com:office:powerpoint" xmlns:com="http://schemas.openxmlformats.org/drawingml/2006/compatibility" xmlns:p14="http://schemas.microsoft.com/office/powerpoint/2010/main" xmlns:p15="http://schemas.microsoft.com/office/powerpoint/2012/main" xmlns:ahyp="http://schemas.microsoft.com/office/drawing/2018/hyperlinkcolor" matchingName="Main point">
   <p:cSld name="MAIN_POINT">
     <p:spTree>
       <p:nvGrpSpPr>
-        <p:cNvPr id="1" name="Shape 32"/>
+        <p:cNvPr id="32" name="Shape 32"/>
         <p:cNvGrpSpPr/>
         <p:nvPr/>
       </p:nvGrpSpPr>
@@ -7319,9 +7143,7 @@
       <p:sp>
         <p:nvSpPr>
           <p:cNvPr id="33" name="Google Shape;33;p33"/>
-          <p:cNvSpPr txBox="1">
-            <a:spLocks noGrp="1"/>
-          </p:cNvSpPr>
+          <p:cNvSpPr txBox="1"/>
           <p:nvPr>
             <p:ph type="title"/>
           </p:nvPr>
@@ -7340,7 +7162,7 @@
           </a:ln>
         </p:spPr>
         <p:txBody>
-          <a:bodyPr spcFirstLastPara="1" wrap="square" lIns="91425" tIns="91425" rIns="91425" bIns="91425" anchor="ctr" anchorCtr="0">
+          <a:bodyPr anchorCtr="0" anchor="ctr" bIns="91425" lIns="91425" spcFirstLastPara="1" rIns="91425" wrap="square" tIns="91425">
             <a:normAutofit/>
           </a:bodyPr>
           <a:lstStyle>
@@ -7471,19 +7293,15 @@
               <a:defRPr sz="4800"/>
             </a:lvl9pPr>
           </a:lstStyle>
-          <a:p>
-            <a:endParaRPr/>
-          </a:p>
+          <a:p/>
         </p:txBody>
       </p:sp>
       <p:sp>
         <p:nvSpPr>
           <p:cNvPr id="34" name="Google Shape;34;p33"/>
-          <p:cNvSpPr txBox="1">
-            <a:spLocks noGrp="1"/>
-          </p:cNvSpPr>
+          <p:cNvSpPr txBox="1"/>
           <p:nvPr>
-            <p:ph type="sldNum" idx="12"/>
+            <p:ph idx="12" type="sldNum"/>
           </p:nvPr>
         </p:nvSpPr>
         <p:spPr>
@@ -7500,11 +7318,11 @@
           </a:ln>
         </p:spPr>
         <p:txBody>
-          <a:bodyPr spcFirstLastPara="1" wrap="square" lIns="91425" tIns="91425" rIns="91425" bIns="91425" anchor="ctr" anchorCtr="0">
+          <a:bodyPr anchorCtr="0" anchor="ctr" bIns="91425" lIns="91425" spcFirstLastPara="1" rIns="91425" wrap="square" tIns="91425">
             <a:normAutofit/>
           </a:bodyPr>
           <a:lstStyle>
-            <a:lvl1pPr marL="0" marR="0" lvl="0" indent="0" algn="r">
+            <a:lvl1pPr indent="0" lvl="0" marL="0" marR="0" algn="r">
               <a:lnSpc>
                 <a:spcPct val="100000"/>
               </a:lnSpc>
@@ -7520,7 +7338,7 @@
               <a:buSzPts val="1000"/>
               <a:buFont typeface="Arial"/>
               <a:buNone/>
-              <a:defRPr sz="1000" b="0" i="0" u="none" strike="noStrike" cap="none">
+              <a:defRPr b="0" i="0" sz="1000" u="none" cap="none" strike="noStrike">
                 <a:solidFill>
                   <a:schemeClr val="dk2"/>
                 </a:solidFill>
@@ -7530,7 +7348,7 @@
                 <a:sym typeface="Arial"/>
               </a:defRPr>
             </a:lvl1pPr>
-            <a:lvl2pPr marL="0" marR="0" lvl="1" indent="0" algn="r">
+            <a:lvl2pPr indent="0" lvl="1" marL="0" marR="0" algn="r">
               <a:lnSpc>
                 <a:spcPct val="100000"/>
               </a:lnSpc>
@@ -7546,7 +7364,7 @@
               <a:buSzPts val="1000"/>
               <a:buFont typeface="Arial"/>
               <a:buNone/>
-              <a:defRPr sz="1000" b="0" i="0" u="none" strike="noStrike" cap="none">
+              <a:defRPr b="0" i="0" sz="1000" u="none" cap="none" strike="noStrike">
                 <a:solidFill>
                   <a:schemeClr val="dk2"/>
                 </a:solidFill>
@@ -7556,7 +7374,7 @@
                 <a:sym typeface="Arial"/>
               </a:defRPr>
             </a:lvl2pPr>
-            <a:lvl3pPr marL="0" marR="0" lvl="2" indent="0" algn="r">
+            <a:lvl3pPr indent="0" lvl="2" marL="0" marR="0" algn="r">
               <a:lnSpc>
                 <a:spcPct val="100000"/>
               </a:lnSpc>
@@ -7572,7 +7390,7 @@
               <a:buSzPts val="1000"/>
               <a:buFont typeface="Arial"/>
               <a:buNone/>
-              <a:defRPr sz="1000" b="0" i="0" u="none" strike="noStrike" cap="none">
+              <a:defRPr b="0" i="0" sz="1000" u="none" cap="none" strike="noStrike">
                 <a:solidFill>
                   <a:schemeClr val="dk2"/>
                 </a:solidFill>
@@ -7582,7 +7400,7 @@
                 <a:sym typeface="Arial"/>
               </a:defRPr>
             </a:lvl3pPr>
-            <a:lvl4pPr marL="0" marR="0" lvl="3" indent="0" algn="r">
+            <a:lvl4pPr indent="0" lvl="3" marL="0" marR="0" algn="r">
               <a:lnSpc>
                 <a:spcPct val="100000"/>
               </a:lnSpc>
@@ -7598,7 +7416,7 @@
               <a:buSzPts val="1000"/>
               <a:buFont typeface="Arial"/>
               <a:buNone/>
-              <a:defRPr sz="1000" b="0" i="0" u="none" strike="noStrike" cap="none">
+              <a:defRPr b="0" i="0" sz="1000" u="none" cap="none" strike="noStrike">
                 <a:solidFill>
                   <a:schemeClr val="dk2"/>
                 </a:solidFill>
@@ -7608,7 +7426,7 @@
                 <a:sym typeface="Arial"/>
               </a:defRPr>
             </a:lvl4pPr>
-            <a:lvl5pPr marL="0" marR="0" lvl="4" indent="0" algn="r">
+            <a:lvl5pPr indent="0" lvl="4" marL="0" marR="0" algn="r">
               <a:lnSpc>
                 <a:spcPct val="100000"/>
               </a:lnSpc>
@@ -7624,7 +7442,7 @@
               <a:buSzPts val="1000"/>
               <a:buFont typeface="Arial"/>
               <a:buNone/>
-              <a:defRPr sz="1000" b="0" i="0" u="none" strike="noStrike" cap="none">
+              <a:defRPr b="0" i="0" sz="1000" u="none" cap="none" strike="noStrike">
                 <a:solidFill>
                   <a:schemeClr val="dk2"/>
                 </a:solidFill>
@@ -7634,7 +7452,7 @@
                 <a:sym typeface="Arial"/>
               </a:defRPr>
             </a:lvl5pPr>
-            <a:lvl6pPr marL="0" marR="0" lvl="5" indent="0" algn="r">
+            <a:lvl6pPr indent="0" lvl="5" marL="0" marR="0" algn="r">
               <a:lnSpc>
                 <a:spcPct val="100000"/>
               </a:lnSpc>
@@ -7650,7 +7468,7 @@
               <a:buSzPts val="1000"/>
               <a:buFont typeface="Arial"/>
               <a:buNone/>
-              <a:defRPr sz="1000" b="0" i="0" u="none" strike="noStrike" cap="none">
+              <a:defRPr b="0" i="0" sz="1000" u="none" cap="none" strike="noStrike">
                 <a:solidFill>
                   <a:schemeClr val="dk2"/>
                 </a:solidFill>
@@ -7660,7 +7478,7 @@
                 <a:sym typeface="Arial"/>
               </a:defRPr>
             </a:lvl6pPr>
-            <a:lvl7pPr marL="0" marR="0" lvl="6" indent="0" algn="r">
+            <a:lvl7pPr indent="0" lvl="6" marL="0" marR="0" algn="r">
               <a:lnSpc>
                 <a:spcPct val="100000"/>
               </a:lnSpc>
@@ -7676,7 +7494,7 @@
               <a:buSzPts val="1000"/>
               <a:buFont typeface="Arial"/>
               <a:buNone/>
-              <a:defRPr sz="1000" b="0" i="0" u="none" strike="noStrike" cap="none">
+              <a:defRPr b="0" i="0" sz="1000" u="none" cap="none" strike="noStrike">
                 <a:solidFill>
                   <a:schemeClr val="dk2"/>
                 </a:solidFill>
@@ -7686,7 +7504,7 @@
                 <a:sym typeface="Arial"/>
               </a:defRPr>
             </a:lvl7pPr>
-            <a:lvl8pPr marL="0" marR="0" lvl="7" indent="0" algn="r">
+            <a:lvl8pPr indent="0" lvl="7" marL="0" marR="0" algn="r">
               <a:lnSpc>
                 <a:spcPct val="100000"/>
               </a:lnSpc>
@@ -7702,7 +7520,7 @@
               <a:buSzPts val="1000"/>
               <a:buFont typeface="Arial"/>
               <a:buNone/>
-              <a:defRPr sz="1000" b="0" i="0" u="none" strike="noStrike" cap="none">
+              <a:defRPr b="0" i="0" sz="1000" u="none" cap="none" strike="noStrike">
                 <a:solidFill>
                   <a:schemeClr val="dk2"/>
                 </a:solidFill>
@@ -7712,7 +7530,7 @@
                 <a:sym typeface="Arial"/>
               </a:defRPr>
             </a:lvl8pPr>
-            <a:lvl9pPr marL="0" marR="0" lvl="8" indent="0" algn="r">
+            <a:lvl9pPr indent="0" lvl="8" marL="0" marR="0" algn="r">
               <a:lnSpc>
                 <a:spcPct val="100000"/>
               </a:lnSpc>
@@ -7728,7 +7546,7 @@
               <a:buSzPts val="1000"/>
               <a:buFont typeface="Arial"/>
               <a:buNone/>
-              <a:defRPr sz="1000" b="0" i="0" u="none" strike="noStrike" cap="none">
+              <a:defRPr b="0" i="0" sz="1000" u="none" cap="none" strike="noStrike">
                 <a:solidFill>
                   <a:schemeClr val="dk2"/>
                 </a:solidFill>
@@ -7740,7 +7558,7 @@
             </a:lvl9pPr>
           </a:lstStyle>
           <a:p>
-            <a:pPr marL="0" lvl="0" indent="0" algn="r" rtl="0">
+            <a:pPr indent="0" lvl="0" marL="0" rtl="0" algn="r">
               <a:spcBef>
                 <a:spcPts val="0"/>
               </a:spcBef>
@@ -7766,11 +7584,11 @@
 </file>
 
 <file path=ppt/slideLayouts/slideLayout8.xml><?xml version="1.0" encoding="utf-8"?>
-<p:sldLayout xmlns:a="http://schemas.openxmlformats.org/drawingml/2006/main" xmlns:r="http://schemas.openxmlformats.org/officeDocument/2006/relationships" xmlns:p="http://schemas.openxmlformats.org/presentationml/2006/main" matchingName="Section title and description">
+<p:sldLayout xmlns:a="http://schemas.openxmlformats.org/drawingml/2006/main" xmlns:r="http://schemas.openxmlformats.org/officeDocument/2006/relationships" xmlns:mc="http://schemas.openxmlformats.org/markup-compatibility/2006" xmlns:mv="urn:schemas-microsoft-com:mac:vml" xmlns:p="http://schemas.openxmlformats.org/presentationml/2006/main" xmlns:c="http://schemas.openxmlformats.org/drawingml/2006/chart" xmlns:dgm="http://schemas.openxmlformats.org/drawingml/2006/diagram" xmlns:o="urn:schemas-microsoft-com:office:office" xmlns:v="urn:schemas-microsoft-com:vml" xmlns:pvml="urn:schemas-microsoft-com:office:powerpoint" xmlns:com="http://schemas.openxmlformats.org/drawingml/2006/compatibility" xmlns:p14="http://schemas.microsoft.com/office/powerpoint/2010/main" xmlns:p15="http://schemas.microsoft.com/office/powerpoint/2012/main" xmlns:ahyp="http://schemas.microsoft.com/office/drawing/2018/hyperlinkcolor" matchingName="Section title and description">
   <p:cSld name="SECTION_TITLE_AND_DESCRIPTION">
     <p:spTree>
       <p:nvGrpSpPr>
-        <p:cNvPr id="1" name="Shape 35"/>
+        <p:cNvPr id="35" name="Shape 35"/>
         <p:cNvGrpSpPr/>
         <p:nvPr/>
       </p:nvGrpSpPr>
@@ -7804,12 +7622,12 @@
           </a:ln>
         </p:spPr>
         <p:txBody>
-          <a:bodyPr spcFirstLastPara="1" wrap="square" lIns="91425" tIns="91425" rIns="91425" bIns="91425" anchor="ctr" anchorCtr="0">
+          <a:bodyPr anchorCtr="0" anchor="ctr" bIns="91425" lIns="91425" spcFirstLastPara="1" rIns="91425" wrap="square" tIns="91425">
             <a:noAutofit/>
           </a:bodyPr>
           <a:lstStyle/>
           <a:p>
-            <a:pPr marL="0" marR="0" lvl="0" indent="0" algn="l" rtl="0">
+            <a:pPr indent="0" lvl="0" marL="0" marR="0" rtl="0" algn="l">
               <a:lnSpc>
                 <a:spcPct val="100000"/>
               </a:lnSpc>
@@ -7826,7 +7644,10 @@
               <a:buFont typeface="Arial"/>
               <a:buNone/>
             </a:pPr>
-            <a:endParaRPr sz="1400" b="0" i="0" u="none" strike="noStrike" cap="none">
+            <a:r>
+              <a:t/>
+            </a:r>
+            <a:endParaRPr b="0" i="0" sz="1400" u="none" cap="none" strike="noStrike">
               <a:solidFill>
                 <a:srgbClr val="000000"/>
               </a:solidFill>
@@ -7841,9 +7662,7 @@
       <p:sp>
         <p:nvSpPr>
           <p:cNvPr id="37" name="Google Shape;37;p34"/>
-          <p:cNvSpPr txBox="1">
-            <a:spLocks noGrp="1"/>
-          </p:cNvSpPr>
+          <p:cNvSpPr txBox="1"/>
           <p:nvPr>
             <p:ph type="title"/>
           </p:nvPr>
@@ -7862,7 +7681,7 @@
           </a:ln>
         </p:spPr>
         <p:txBody>
-          <a:bodyPr spcFirstLastPara="1" wrap="square" lIns="91425" tIns="91425" rIns="91425" bIns="91425" anchor="b" anchorCtr="0">
+          <a:bodyPr anchorCtr="0" anchor="b" bIns="91425" lIns="91425" spcFirstLastPara="1" rIns="91425" wrap="square" tIns="91425">
             <a:normAutofit/>
           </a:bodyPr>
           <a:lstStyle>
@@ -7993,19 +7812,15 @@
               <a:defRPr sz="4200"/>
             </a:lvl9pPr>
           </a:lstStyle>
-          <a:p>
-            <a:endParaRPr/>
-          </a:p>
+          <a:p/>
         </p:txBody>
       </p:sp>
       <p:sp>
         <p:nvSpPr>
           <p:cNvPr id="38" name="Google Shape;38;p34"/>
-          <p:cNvSpPr txBox="1">
-            <a:spLocks noGrp="1"/>
-          </p:cNvSpPr>
+          <p:cNvSpPr txBox="1"/>
           <p:nvPr>
-            <p:ph type="subTitle" idx="1"/>
+            <p:ph idx="1" type="subTitle"/>
           </p:nvPr>
         </p:nvSpPr>
         <p:spPr>
@@ -8022,7 +7837,7 @@
           </a:ln>
         </p:spPr>
         <p:txBody>
-          <a:bodyPr spcFirstLastPara="1" wrap="square" lIns="91425" tIns="91425" rIns="91425" bIns="91425" anchor="t" anchorCtr="0">
+          <a:bodyPr anchorCtr="0" anchor="t" bIns="91425" lIns="91425" spcFirstLastPara="1" rIns="91425" wrap="square" tIns="91425">
             <a:normAutofit/>
           </a:bodyPr>
           <a:lstStyle>
@@ -8153,19 +7968,15 @@
               <a:defRPr sz="2100"/>
             </a:lvl9pPr>
           </a:lstStyle>
-          <a:p>
-            <a:endParaRPr/>
-          </a:p>
+          <a:p/>
         </p:txBody>
       </p:sp>
       <p:sp>
         <p:nvSpPr>
           <p:cNvPr id="39" name="Google Shape;39;p34"/>
-          <p:cNvSpPr txBox="1">
-            <a:spLocks noGrp="1"/>
-          </p:cNvSpPr>
+          <p:cNvSpPr txBox="1"/>
           <p:nvPr>
-            <p:ph type="body" idx="2"/>
+            <p:ph idx="2" type="body"/>
           </p:nvPr>
         </p:nvSpPr>
         <p:spPr>
@@ -8182,11 +7993,11 @@
           </a:ln>
         </p:spPr>
         <p:txBody>
-          <a:bodyPr spcFirstLastPara="1" wrap="square" lIns="91425" tIns="91425" rIns="91425" bIns="91425" anchor="ctr" anchorCtr="0">
+          <a:bodyPr anchorCtr="0" anchor="ctr" bIns="91425" lIns="91425" spcFirstLastPara="1" rIns="91425" wrap="square" tIns="91425">
             <a:normAutofit/>
           </a:bodyPr>
           <a:lstStyle>
-            <a:lvl1pPr marL="457200" lvl="0" indent="-342900" algn="l">
+            <a:lvl1pPr indent="-342900" lvl="0" marL="457200" algn="l">
               <a:lnSpc>
                 <a:spcPct val="115000"/>
               </a:lnSpc>
@@ -8200,7 +8011,7 @@
               <a:buChar char="●"/>
               <a:defRPr/>
             </a:lvl1pPr>
-            <a:lvl2pPr marL="914400" lvl="1" indent="-317500" algn="l">
+            <a:lvl2pPr indent="-317500" lvl="1" marL="914400" algn="l">
               <a:lnSpc>
                 <a:spcPct val="115000"/>
               </a:lnSpc>
@@ -8214,7 +8025,7 @@
               <a:buChar char="○"/>
               <a:defRPr/>
             </a:lvl2pPr>
-            <a:lvl3pPr marL="1371600" lvl="2" indent="-317500" algn="l">
+            <a:lvl3pPr indent="-317500" lvl="2" marL="1371600" algn="l">
               <a:lnSpc>
                 <a:spcPct val="115000"/>
               </a:lnSpc>
@@ -8228,7 +8039,7 @@
               <a:buChar char="■"/>
               <a:defRPr/>
             </a:lvl3pPr>
-            <a:lvl4pPr marL="1828800" lvl="3" indent="-317500" algn="l">
+            <a:lvl4pPr indent="-317500" lvl="3" marL="1828800" algn="l">
               <a:lnSpc>
                 <a:spcPct val="115000"/>
               </a:lnSpc>
@@ -8242,7 +8053,7 @@
               <a:buChar char="●"/>
               <a:defRPr/>
             </a:lvl4pPr>
-            <a:lvl5pPr marL="2286000" lvl="4" indent="-317500" algn="l">
+            <a:lvl5pPr indent="-317500" lvl="4" marL="2286000" algn="l">
               <a:lnSpc>
                 <a:spcPct val="115000"/>
               </a:lnSpc>
@@ -8256,7 +8067,7 @@
               <a:buChar char="○"/>
               <a:defRPr/>
             </a:lvl5pPr>
-            <a:lvl6pPr marL="2743200" lvl="5" indent="-317500" algn="l">
+            <a:lvl6pPr indent="-317500" lvl="5" marL="2743200" algn="l">
               <a:lnSpc>
                 <a:spcPct val="115000"/>
               </a:lnSpc>
@@ -8270,7 +8081,7 @@
               <a:buChar char="■"/>
               <a:defRPr/>
             </a:lvl6pPr>
-            <a:lvl7pPr marL="3200400" lvl="6" indent="-317500" algn="l">
+            <a:lvl7pPr indent="-317500" lvl="6" marL="3200400" algn="l">
               <a:lnSpc>
                 <a:spcPct val="115000"/>
               </a:lnSpc>
@@ -8284,7 +8095,7 @@
               <a:buChar char="●"/>
               <a:defRPr/>
             </a:lvl7pPr>
-            <a:lvl8pPr marL="3657600" lvl="7" indent="-317500" algn="l">
+            <a:lvl8pPr indent="-317500" lvl="7" marL="3657600" algn="l">
               <a:lnSpc>
                 <a:spcPct val="115000"/>
               </a:lnSpc>
@@ -8298,7 +8109,7 @@
               <a:buChar char="○"/>
               <a:defRPr/>
             </a:lvl8pPr>
-            <a:lvl9pPr marL="4114800" lvl="8" indent="-317500" algn="l">
+            <a:lvl9pPr indent="-317500" lvl="8" marL="4114800" algn="l">
               <a:lnSpc>
                 <a:spcPct val="115000"/>
               </a:lnSpc>
@@ -8313,19 +8124,15 @@
               <a:defRPr/>
             </a:lvl9pPr>
           </a:lstStyle>
-          <a:p>
-            <a:endParaRPr/>
-          </a:p>
+          <a:p/>
         </p:txBody>
       </p:sp>
       <p:sp>
         <p:nvSpPr>
           <p:cNvPr id="40" name="Google Shape;40;p34"/>
-          <p:cNvSpPr txBox="1">
-            <a:spLocks noGrp="1"/>
-          </p:cNvSpPr>
+          <p:cNvSpPr txBox="1"/>
           <p:nvPr>
-            <p:ph type="sldNum" idx="12"/>
+            <p:ph idx="12" type="sldNum"/>
           </p:nvPr>
         </p:nvSpPr>
         <p:spPr>
@@ -8342,11 +8149,11 @@
           </a:ln>
         </p:spPr>
         <p:txBody>
-          <a:bodyPr spcFirstLastPara="1" wrap="square" lIns="91425" tIns="91425" rIns="91425" bIns="91425" anchor="ctr" anchorCtr="0">
+          <a:bodyPr anchorCtr="0" anchor="ctr" bIns="91425" lIns="91425" spcFirstLastPara="1" rIns="91425" wrap="square" tIns="91425">
             <a:normAutofit/>
           </a:bodyPr>
           <a:lstStyle>
-            <a:lvl1pPr marL="0" marR="0" lvl="0" indent="0" algn="r">
+            <a:lvl1pPr indent="0" lvl="0" marL="0" marR="0" algn="r">
               <a:lnSpc>
                 <a:spcPct val="100000"/>
               </a:lnSpc>
@@ -8362,7 +8169,7 @@
               <a:buSzPts val="1000"/>
               <a:buFont typeface="Arial"/>
               <a:buNone/>
-              <a:defRPr sz="1000" b="0" i="0" u="none" strike="noStrike" cap="none">
+              <a:defRPr b="0" i="0" sz="1000" u="none" cap="none" strike="noStrike">
                 <a:solidFill>
                   <a:schemeClr val="dk2"/>
                 </a:solidFill>
@@ -8372,7 +8179,7 @@
                 <a:sym typeface="Arial"/>
               </a:defRPr>
             </a:lvl1pPr>
-            <a:lvl2pPr marL="0" marR="0" lvl="1" indent="0" algn="r">
+            <a:lvl2pPr indent="0" lvl="1" marL="0" marR="0" algn="r">
               <a:lnSpc>
                 <a:spcPct val="100000"/>
               </a:lnSpc>
@@ -8388,7 +8195,7 @@
               <a:buSzPts val="1000"/>
               <a:buFont typeface="Arial"/>
               <a:buNone/>
-              <a:defRPr sz="1000" b="0" i="0" u="none" strike="noStrike" cap="none">
+              <a:defRPr b="0" i="0" sz="1000" u="none" cap="none" strike="noStrike">
                 <a:solidFill>
                   <a:schemeClr val="dk2"/>
                 </a:solidFill>
@@ -8398,7 +8205,7 @@
                 <a:sym typeface="Arial"/>
               </a:defRPr>
             </a:lvl2pPr>
-            <a:lvl3pPr marL="0" marR="0" lvl="2" indent="0" algn="r">
+            <a:lvl3pPr indent="0" lvl="2" marL="0" marR="0" algn="r">
               <a:lnSpc>
                 <a:spcPct val="100000"/>
               </a:lnSpc>
@@ -8414,7 +8221,7 @@
               <a:buSzPts val="1000"/>
               <a:buFont typeface="Arial"/>
               <a:buNone/>
-              <a:defRPr sz="1000" b="0" i="0" u="none" strike="noStrike" cap="none">
+              <a:defRPr b="0" i="0" sz="1000" u="none" cap="none" strike="noStrike">
                 <a:solidFill>
                   <a:schemeClr val="dk2"/>
                 </a:solidFill>
@@ -8424,7 +8231,7 @@
                 <a:sym typeface="Arial"/>
               </a:defRPr>
             </a:lvl3pPr>
-            <a:lvl4pPr marL="0" marR="0" lvl="3" indent="0" algn="r">
+            <a:lvl4pPr indent="0" lvl="3" marL="0" marR="0" algn="r">
               <a:lnSpc>
                 <a:spcPct val="100000"/>
               </a:lnSpc>
@@ -8440,7 +8247,7 @@
               <a:buSzPts val="1000"/>
               <a:buFont typeface="Arial"/>
               <a:buNone/>
-              <a:defRPr sz="1000" b="0" i="0" u="none" strike="noStrike" cap="none">
+              <a:defRPr b="0" i="0" sz="1000" u="none" cap="none" strike="noStrike">
                 <a:solidFill>
                   <a:schemeClr val="dk2"/>
                 </a:solidFill>
@@ -8450,7 +8257,7 @@
                 <a:sym typeface="Arial"/>
               </a:defRPr>
             </a:lvl4pPr>
-            <a:lvl5pPr marL="0" marR="0" lvl="4" indent="0" algn="r">
+            <a:lvl5pPr indent="0" lvl="4" marL="0" marR="0" algn="r">
               <a:lnSpc>
                 <a:spcPct val="100000"/>
               </a:lnSpc>
@@ -8466,7 +8273,7 @@
               <a:buSzPts val="1000"/>
               <a:buFont typeface="Arial"/>
               <a:buNone/>
-              <a:defRPr sz="1000" b="0" i="0" u="none" strike="noStrike" cap="none">
+              <a:defRPr b="0" i="0" sz="1000" u="none" cap="none" strike="noStrike">
                 <a:solidFill>
                   <a:schemeClr val="dk2"/>
                 </a:solidFill>
@@ -8476,7 +8283,7 @@
                 <a:sym typeface="Arial"/>
               </a:defRPr>
             </a:lvl5pPr>
-            <a:lvl6pPr marL="0" marR="0" lvl="5" indent="0" algn="r">
+            <a:lvl6pPr indent="0" lvl="5" marL="0" marR="0" algn="r">
               <a:lnSpc>
                 <a:spcPct val="100000"/>
               </a:lnSpc>
@@ -8492,7 +8299,7 @@
               <a:buSzPts val="1000"/>
               <a:buFont typeface="Arial"/>
               <a:buNone/>
-              <a:defRPr sz="1000" b="0" i="0" u="none" strike="noStrike" cap="none">
+              <a:defRPr b="0" i="0" sz="1000" u="none" cap="none" strike="noStrike">
                 <a:solidFill>
                   <a:schemeClr val="dk2"/>
                 </a:solidFill>
@@ -8502,7 +8309,7 @@
                 <a:sym typeface="Arial"/>
               </a:defRPr>
             </a:lvl6pPr>
-            <a:lvl7pPr marL="0" marR="0" lvl="6" indent="0" algn="r">
+            <a:lvl7pPr indent="0" lvl="6" marL="0" marR="0" algn="r">
               <a:lnSpc>
                 <a:spcPct val="100000"/>
               </a:lnSpc>
@@ -8518,7 +8325,7 @@
               <a:buSzPts val="1000"/>
               <a:buFont typeface="Arial"/>
               <a:buNone/>
-              <a:defRPr sz="1000" b="0" i="0" u="none" strike="noStrike" cap="none">
+              <a:defRPr b="0" i="0" sz="1000" u="none" cap="none" strike="noStrike">
                 <a:solidFill>
                   <a:schemeClr val="dk2"/>
                 </a:solidFill>
@@ -8528,7 +8335,7 @@
                 <a:sym typeface="Arial"/>
               </a:defRPr>
             </a:lvl7pPr>
-            <a:lvl8pPr marL="0" marR="0" lvl="7" indent="0" algn="r">
+            <a:lvl8pPr indent="0" lvl="7" marL="0" marR="0" algn="r">
               <a:lnSpc>
                 <a:spcPct val="100000"/>
               </a:lnSpc>
@@ -8544,7 +8351,7 @@
               <a:buSzPts val="1000"/>
               <a:buFont typeface="Arial"/>
               <a:buNone/>
-              <a:defRPr sz="1000" b="0" i="0" u="none" strike="noStrike" cap="none">
+              <a:defRPr b="0" i="0" sz="1000" u="none" cap="none" strike="noStrike">
                 <a:solidFill>
                   <a:schemeClr val="dk2"/>
                 </a:solidFill>
@@ -8554,7 +8361,7 @@
                 <a:sym typeface="Arial"/>
               </a:defRPr>
             </a:lvl8pPr>
-            <a:lvl9pPr marL="0" marR="0" lvl="8" indent="0" algn="r">
+            <a:lvl9pPr indent="0" lvl="8" marL="0" marR="0" algn="r">
               <a:lnSpc>
                 <a:spcPct val="100000"/>
               </a:lnSpc>
@@ -8570,7 +8377,7 @@
               <a:buSzPts val="1000"/>
               <a:buFont typeface="Arial"/>
               <a:buNone/>
-              <a:defRPr sz="1000" b="0" i="0" u="none" strike="noStrike" cap="none">
+              <a:defRPr b="0" i="0" sz="1000" u="none" cap="none" strike="noStrike">
                 <a:solidFill>
                   <a:schemeClr val="dk2"/>
                 </a:solidFill>
@@ -8582,7 +8389,7 @@
             </a:lvl9pPr>
           </a:lstStyle>
           <a:p>
-            <a:pPr marL="0" lvl="0" indent="0" algn="r" rtl="0">
+            <a:pPr indent="0" lvl="0" marL="0" rtl="0" algn="r">
               <a:spcBef>
                 <a:spcPts val="0"/>
               </a:spcBef>
@@ -8608,11 +8415,11 @@
 </file>
 
 <file path=ppt/slideLayouts/slideLayout9.xml><?xml version="1.0" encoding="utf-8"?>
-<p:sldLayout xmlns:a="http://schemas.openxmlformats.org/drawingml/2006/main" xmlns:r="http://schemas.openxmlformats.org/officeDocument/2006/relationships" xmlns:p="http://schemas.openxmlformats.org/presentationml/2006/main" matchingName="Caption">
+<p:sldLayout xmlns:a="http://schemas.openxmlformats.org/drawingml/2006/main" xmlns:r="http://schemas.openxmlformats.org/officeDocument/2006/relationships" xmlns:mc="http://schemas.openxmlformats.org/markup-compatibility/2006" xmlns:mv="urn:schemas-microsoft-com:mac:vml" xmlns:p="http://schemas.openxmlformats.org/presentationml/2006/main" xmlns:c="http://schemas.openxmlformats.org/drawingml/2006/chart" xmlns:dgm="http://schemas.openxmlformats.org/drawingml/2006/diagram" xmlns:o="urn:schemas-microsoft-com:office:office" xmlns:v="urn:schemas-microsoft-com:vml" xmlns:pvml="urn:schemas-microsoft-com:office:powerpoint" xmlns:com="http://schemas.openxmlformats.org/drawingml/2006/compatibility" xmlns:p14="http://schemas.microsoft.com/office/powerpoint/2010/main" xmlns:p15="http://schemas.microsoft.com/office/powerpoint/2012/main" xmlns:ahyp="http://schemas.microsoft.com/office/drawing/2018/hyperlinkcolor" matchingName="Caption">
   <p:cSld name="CAPTION_ONLY">
     <p:spTree>
       <p:nvGrpSpPr>
-        <p:cNvPr id="1" name="Shape 41"/>
+        <p:cNvPr id="41" name="Shape 41"/>
         <p:cNvGrpSpPr/>
         <p:nvPr/>
       </p:nvGrpSpPr>
@@ -8627,11 +8434,9 @@
       <p:sp>
         <p:nvSpPr>
           <p:cNvPr id="42" name="Google Shape;42;p35"/>
-          <p:cNvSpPr txBox="1">
-            <a:spLocks noGrp="1"/>
-          </p:cNvSpPr>
+          <p:cNvSpPr txBox="1"/>
           <p:nvPr>
-            <p:ph type="body" idx="1"/>
+            <p:ph idx="1" type="body"/>
           </p:nvPr>
         </p:nvSpPr>
         <p:spPr>
@@ -8648,11 +8453,11 @@
           </a:ln>
         </p:spPr>
         <p:txBody>
-          <a:bodyPr spcFirstLastPara="1" wrap="square" lIns="91425" tIns="91425" rIns="91425" bIns="91425" anchor="ctr" anchorCtr="0">
+          <a:bodyPr anchorCtr="0" anchor="ctr" bIns="91425" lIns="91425" spcFirstLastPara="1" rIns="91425" wrap="square" tIns="91425">
             <a:normAutofit/>
           </a:bodyPr>
           <a:lstStyle>
-            <a:lvl1pPr marL="457200" lvl="0" indent="-228600" algn="l">
+            <a:lvl1pPr indent="-228600" lvl="0" marL="457200" algn="l">
               <a:lnSpc>
                 <a:spcPct val="100000"/>
               </a:lnSpc>
@@ -8667,19 +8472,15 @@
               <a:defRPr/>
             </a:lvl1pPr>
           </a:lstStyle>
-          <a:p>
-            <a:endParaRPr/>
-          </a:p>
+          <a:p/>
         </p:txBody>
       </p:sp>
       <p:sp>
         <p:nvSpPr>
           <p:cNvPr id="43" name="Google Shape;43;p35"/>
-          <p:cNvSpPr txBox="1">
-            <a:spLocks noGrp="1"/>
-          </p:cNvSpPr>
+          <p:cNvSpPr txBox="1"/>
           <p:nvPr>
-            <p:ph type="sldNum" idx="12"/>
+            <p:ph idx="12" type="sldNum"/>
           </p:nvPr>
         </p:nvSpPr>
         <p:spPr>
@@ -8696,11 +8497,11 @@
           </a:ln>
         </p:spPr>
         <p:txBody>
-          <a:bodyPr spcFirstLastPara="1" wrap="square" lIns="91425" tIns="91425" rIns="91425" bIns="91425" anchor="ctr" anchorCtr="0">
+          <a:bodyPr anchorCtr="0" anchor="ctr" bIns="91425" lIns="91425" spcFirstLastPara="1" rIns="91425" wrap="square" tIns="91425">
             <a:normAutofit/>
           </a:bodyPr>
           <a:lstStyle>
-            <a:lvl1pPr marL="0" marR="0" lvl="0" indent="0" algn="r">
+            <a:lvl1pPr indent="0" lvl="0" marL="0" marR="0" algn="r">
               <a:lnSpc>
                 <a:spcPct val="100000"/>
               </a:lnSpc>
@@ -8716,7 +8517,7 @@
               <a:buSzPts val="1000"/>
               <a:buFont typeface="Arial"/>
               <a:buNone/>
-              <a:defRPr sz="1000" b="0" i="0" u="none" strike="noStrike" cap="none">
+              <a:defRPr b="0" i="0" sz="1000" u="none" cap="none" strike="noStrike">
                 <a:solidFill>
                   <a:schemeClr val="dk2"/>
                 </a:solidFill>
@@ -8726,7 +8527,7 @@
                 <a:sym typeface="Arial"/>
               </a:defRPr>
             </a:lvl1pPr>
-            <a:lvl2pPr marL="0" marR="0" lvl="1" indent="0" algn="r">
+            <a:lvl2pPr indent="0" lvl="1" marL="0" marR="0" algn="r">
               <a:lnSpc>
                 <a:spcPct val="100000"/>
               </a:lnSpc>
@@ -8742,7 +8543,7 @@
               <a:buSzPts val="1000"/>
               <a:buFont typeface="Arial"/>
               <a:buNone/>
-              <a:defRPr sz="1000" b="0" i="0" u="none" strike="noStrike" cap="none">
+              <a:defRPr b="0" i="0" sz="1000" u="none" cap="none" strike="noStrike">
                 <a:solidFill>
                   <a:schemeClr val="dk2"/>
                 </a:solidFill>
@@ -8752,7 +8553,7 @@
                 <a:sym typeface="Arial"/>
               </a:defRPr>
             </a:lvl2pPr>
-            <a:lvl3pPr marL="0" marR="0" lvl="2" indent="0" algn="r">
+            <a:lvl3pPr indent="0" lvl="2" marL="0" marR="0" algn="r">
               <a:lnSpc>
                 <a:spcPct val="100000"/>
               </a:lnSpc>
@@ -8768,7 +8569,7 @@
               <a:buSzPts val="1000"/>
               <a:buFont typeface="Arial"/>
               <a:buNone/>
-              <a:defRPr sz="1000" b="0" i="0" u="none" strike="noStrike" cap="none">
+              <a:defRPr b="0" i="0" sz="1000" u="none" cap="none" strike="noStrike">
                 <a:solidFill>
                   <a:schemeClr val="dk2"/>
                 </a:solidFill>
@@ -8778,7 +8579,7 @@
                 <a:sym typeface="Arial"/>
               </a:defRPr>
             </a:lvl3pPr>
-            <a:lvl4pPr marL="0" marR="0" lvl="3" indent="0" algn="r">
+            <a:lvl4pPr indent="0" lvl="3" marL="0" marR="0" algn="r">
               <a:lnSpc>
                 <a:spcPct val="100000"/>
               </a:lnSpc>
@@ -8794,7 +8595,7 @@
               <a:buSzPts val="1000"/>
               <a:buFont typeface="Arial"/>
               <a:buNone/>
-              <a:defRPr sz="1000" b="0" i="0" u="none" strike="noStrike" cap="none">
+              <a:defRPr b="0" i="0" sz="1000" u="none" cap="none" strike="noStrike">
                 <a:solidFill>
                   <a:schemeClr val="dk2"/>
                 </a:solidFill>
@@ -8804,7 +8605,7 @@
                 <a:sym typeface="Arial"/>
               </a:defRPr>
             </a:lvl4pPr>
-            <a:lvl5pPr marL="0" marR="0" lvl="4" indent="0" algn="r">
+            <a:lvl5pPr indent="0" lvl="4" marL="0" marR="0" algn="r">
               <a:lnSpc>
                 <a:spcPct val="100000"/>
               </a:lnSpc>
@@ -8820,7 +8621,7 @@
               <a:buSzPts val="1000"/>
               <a:buFont typeface="Arial"/>
               <a:buNone/>
-              <a:defRPr sz="1000" b="0" i="0" u="none" strike="noStrike" cap="none">
+              <a:defRPr b="0" i="0" sz="1000" u="none" cap="none" strike="noStrike">
                 <a:solidFill>
                   <a:schemeClr val="dk2"/>
                 </a:solidFill>
@@ -8830,7 +8631,7 @@
                 <a:sym typeface="Arial"/>
               </a:defRPr>
             </a:lvl5pPr>
-            <a:lvl6pPr marL="0" marR="0" lvl="5" indent="0" algn="r">
+            <a:lvl6pPr indent="0" lvl="5" marL="0" marR="0" algn="r">
               <a:lnSpc>
                 <a:spcPct val="100000"/>
               </a:lnSpc>
@@ -8846,7 +8647,7 @@
               <a:buSzPts val="1000"/>
               <a:buFont typeface="Arial"/>
               <a:buNone/>
-              <a:defRPr sz="1000" b="0" i="0" u="none" strike="noStrike" cap="none">
+              <a:defRPr b="0" i="0" sz="1000" u="none" cap="none" strike="noStrike">
                 <a:solidFill>
                   <a:schemeClr val="dk2"/>
                 </a:solidFill>
@@ -8856,7 +8657,7 @@
                 <a:sym typeface="Arial"/>
               </a:defRPr>
             </a:lvl6pPr>
-            <a:lvl7pPr marL="0" marR="0" lvl="6" indent="0" algn="r">
+            <a:lvl7pPr indent="0" lvl="6" marL="0" marR="0" algn="r">
               <a:lnSpc>
                 <a:spcPct val="100000"/>
               </a:lnSpc>
@@ -8872,7 +8673,7 @@
               <a:buSzPts val="1000"/>
               <a:buFont typeface="Arial"/>
               <a:buNone/>
-              <a:defRPr sz="1000" b="0" i="0" u="none" strike="noStrike" cap="none">
+              <a:defRPr b="0" i="0" sz="1000" u="none" cap="none" strike="noStrike">
                 <a:solidFill>
                   <a:schemeClr val="dk2"/>
                 </a:solidFill>
@@ -8882,7 +8683,7 @@
                 <a:sym typeface="Arial"/>
               </a:defRPr>
             </a:lvl7pPr>
-            <a:lvl8pPr marL="0" marR="0" lvl="7" indent="0" algn="r">
+            <a:lvl8pPr indent="0" lvl="7" marL="0" marR="0" algn="r">
               <a:lnSpc>
                 <a:spcPct val="100000"/>
               </a:lnSpc>
@@ -8898,7 +8699,7 @@
               <a:buSzPts val="1000"/>
               <a:buFont typeface="Arial"/>
               <a:buNone/>
-              <a:defRPr sz="1000" b="0" i="0" u="none" strike="noStrike" cap="none">
+              <a:defRPr b="0" i="0" sz="1000" u="none" cap="none" strike="noStrike">
                 <a:solidFill>
                   <a:schemeClr val="dk2"/>
                 </a:solidFill>
@@ -8908,7 +8709,7 @@
                 <a:sym typeface="Arial"/>
               </a:defRPr>
             </a:lvl8pPr>
-            <a:lvl9pPr marL="0" marR="0" lvl="8" indent="0" algn="r">
+            <a:lvl9pPr indent="0" lvl="8" marL="0" marR="0" algn="r">
               <a:lnSpc>
                 <a:spcPct val="100000"/>
               </a:lnSpc>
@@ -8924,7 +8725,7 @@
               <a:buSzPts val="1000"/>
               <a:buFont typeface="Arial"/>
               <a:buNone/>
-              <a:defRPr sz="1000" b="0" i="0" u="none" strike="noStrike" cap="none">
+              <a:defRPr b="0" i="0" sz="1000" u="none" cap="none" strike="noStrike">
                 <a:solidFill>
                   <a:schemeClr val="dk2"/>
                 </a:solidFill>
@@ -8936,7 +8737,7 @@
             </a:lvl9pPr>
           </a:lstStyle>
           <a:p>
-            <a:pPr marL="0" lvl="0" indent="0" algn="r" rtl="0">
+            <a:pPr indent="0" lvl="0" marL="0" rtl="0" algn="r">
               <a:spcBef>
                 <a:spcPts val="0"/>
               </a:spcBef>
@@ -8962,19 +8763,18 @@
 </file>
 
 <file path=ppt/slideMasters/slideMaster1.xml><?xml version="1.0" encoding="utf-8"?>
-<p:sldMaster xmlns:a="http://schemas.openxmlformats.org/drawingml/2006/main" xmlns:r="http://schemas.openxmlformats.org/officeDocument/2006/relationships" xmlns:p="http://schemas.openxmlformats.org/presentationml/2006/main">
+<p:sldMaster xmlns:a="http://schemas.openxmlformats.org/drawingml/2006/main" xmlns:r="http://schemas.openxmlformats.org/officeDocument/2006/relationships" xmlns:mc="http://schemas.openxmlformats.org/markup-compatibility/2006" xmlns:mv="urn:schemas-microsoft-com:mac:vml" xmlns:p="http://schemas.openxmlformats.org/presentationml/2006/main" xmlns:c="http://schemas.openxmlformats.org/drawingml/2006/chart" xmlns:dgm="http://schemas.openxmlformats.org/drawingml/2006/diagram" xmlns:o="urn:schemas-microsoft-com:office:office" xmlns:v="urn:schemas-microsoft-com:vml" xmlns:pvml="urn:schemas-microsoft-com:office:powerpoint" xmlns:com="http://schemas.openxmlformats.org/drawingml/2006/compatibility" xmlns:p14="http://schemas.microsoft.com/office/powerpoint/2010/main" xmlns:p15="http://schemas.microsoft.com/office/powerpoint/2012/main" xmlns:ahyp="http://schemas.microsoft.com/office/drawing/2018/hyperlinkcolor">
   <p:cSld name="simple-light-2">
     <p:bg>
       <p:bgPr>
         <a:solidFill>
           <a:schemeClr val="lt1"/>
         </a:solidFill>
-        <a:effectLst/>
       </p:bgPr>
     </p:bg>
     <p:spTree>
       <p:nvGrpSpPr>
-        <p:cNvPr id="1" name="Shape 5"/>
+        <p:cNvPr id="5" name="Shape 5"/>
         <p:cNvGrpSpPr/>
         <p:nvPr/>
       </p:nvGrpSpPr>
@@ -8989,9 +8789,7 @@
       <p:sp>
         <p:nvSpPr>
           <p:cNvPr id="6" name="Google Shape;6;p26"/>
-          <p:cNvSpPr txBox="1">
-            <a:spLocks noGrp="1"/>
-          </p:cNvSpPr>
+          <p:cNvSpPr txBox="1"/>
           <p:nvPr>
             <p:ph type="title"/>
           </p:nvPr>
@@ -9010,11 +8808,11 @@
           </a:ln>
         </p:spPr>
         <p:txBody>
-          <a:bodyPr spcFirstLastPara="1" wrap="square" lIns="91425" tIns="91425" rIns="91425" bIns="91425" anchor="t" anchorCtr="0">
+          <a:bodyPr anchorCtr="0" anchor="t" bIns="91425" lIns="91425" spcFirstLastPara="1" rIns="91425" wrap="square" tIns="91425">
             <a:normAutofit/>
           </a:bodyPr>
           <a:lstStyle>
-            <a:lvl1pPr marR="0" lvl="0" algn="l" rtl="0">
+            <a:lvl1pPr lvl="0" marR="0" rtl="0" algn="l">
               <a:lnSpc>
                 <a:spcPct val="100000"/>
               </a:lnSpc>
@@ -9030,7 +8828,7 @@
               <a:buSzPts val="2800"/>
               <a:buFont typeface="Arial"/>
               <a:buNone/>
-              <a:defRPr sz="2800" b="0" i="0" u="none" strike="noStrike" cap="none">
+              <a:defRPr b="0" i="0" sz="2800" u="none" cap="none" strike="noStrike">
                 <a:solidFill>
                   <a:schemeClr val="dk1"/>
                 </a:solidFill>
@@ -9040,7 +8838,7 @@
                 <a:sym typeface="Arial"/>
               </a:defRPr>
             </a:lvl1pPr>
-            <a:lvl2pPr marR="0" lvl="1" algn="l" rtl="0">
+            <a:lvl2pPr lvl="1" marR="0" rtl="0" algn="l">
               <a:lnSpc>
                 <a:spcPct val="100000"/>
               </a:lnSpc>
@@ -9056,7 +8854,7 @@
               <a:buSzPts val="2800"/>
               <a:buFont typeface="Arial"/>
               <a:buNone/>
-              <a:defRPr sz="2800" b="0" i="0" u="none" strike="noStrike" cap="none">
+              <a:defRPr b="0" i="0" sz="2800" u="none" cap="none" strike="noStrike">
                 <a:solidFill>
                   <a:schemeClr val="dk1"/>
                 </a:solidFill>
@@ -9066,7 +8864,7 @@
                 <a:sym typeface="Arial"/>
               </a:defRPr>
             </a:lvl2pPr>
-            <a:lvl3pPr marR="0" lvl="2" algn="l" rtl="0">
+            <a:lvl3pPr lvl="2" marR="0" rtl="0" algn="l">
               <a:lnSpc>
                 <a:spcPct val="100000"/>
               </a:lnSpc>
@@ -9082,7 +8880,7 @@
               <a:buSzPts val="2800"/>
               <a:buFont typeface="Arial"/>
               <a:buNone/>
-              <a:defRPr sz="2800" b="0" i="0" u="none" strike="noStrike" cap="none">
+              <a:defRPr b="0" i="0" sz="2800" u="none" cap="none" strike="noStrike">
                 <a:solidFill>
                   <a:schemeClr val="dk1"/>
                 </a:solidFill>
@@ -9092,7 +8890,7 @@
                 <a:sym typeface="Arial"/>
               </a:defRPr>
             </a:lvl3pPr>
-            <a:lvl4pPr marR="0" lvl="3" algn="l" rtl="0">
+            <a:lvl4pPr lvl="3" marR="0" rtl="0" algn="l">
               <a:lnSpc>
                 <a:spcPct val="100000"/>
               </a:lnSpc>
@@ -9108,7 +8906,7 @@
               <a:buSzPts val="2800"/>
               <a:buFont typeface="Arial"/>
               <a:buNone/>
-              <a:defRPr sz="2800" b="0" i="0" u="none" strike="noStrike" cap="none">
+              <a:defRPr b="0" i="0" sz="2800" u="none" cap="none" strike="noStrike">
                 <a:solidFill>
                   <a:schemeClr val="dk1"/>
                 </a:solidFill>
@@ -9118,7 +8916,7 @@
                 <a:sym typeface="Arial"/>
               </a:defRPr>
             </a:lvl4pPr>
-            <a:lvl5pPr marR="0" lvl="4" algn="l" rtl="0">
+            <a:lvl5pPr lvl="4" marR="0" rtl="0" algn="l">
               <a:lnSpc>
                 <a:spcPct val="100000"/>
               </a:lnSpc>
@@ -9134,7 +8932,7 @@
               <a:buSzPts val="2800"/>
               <a:buFont typeface="Arial"/>
               <a:buNone/>
-              <a:defRPr sz="2800" b="0" i="0" u="none" strike="noStrike" cap="none">
+              <a:defRPr b="0" i="0" sz="2800" u="none" cap="none" strike="noStrike">
                 <a:solidFill>
                   <a:schemeClr val="dk1"/>
                 </a:solidFill>
@@ -9144,7 +8942,7 @@
                 <a:sym typeface="Arial"/>
               </a:defRPr>
             </a:lvl5pPr>
-            <a:lvl6pPr marR="0" lvl="5" algn="l" rtl="0">
+            <a:lvl6pPr lvl="5" marR="0" rtl="0" algn="l">
               <a:lnSpc>
                 <a:spcPct val="100000"/>
               </a:lnSpc>
@@ -9160,7 +8958,7 @@
               <a:buSzPts val="2800"/>
               <a:buFont typeface="Arial"/>
               <a:buNone/>
-              <a:defRPr sz="2800" b="0" i="0" u="none" strike="noStrike" cap="none">
+              <a:defRPr b="0" i="0" sz="2800" u="none" cap="none" strike="noStrike">
                 <a:solidFill>
                   <a:schemeClr val="dk1"/>
                 </a:solidFill>
@@ -9170,7 +8968,7 @@
                 <a:sym typeface="Arial"/>
               </a:defRPr>
             </a:lvl6pPr>
-            <a:lvl7pPr marR="0" lvl="6" algn="l" rtl="0">
+            <a:lvl7pPr lvl="6" marR="0" rtl="0" algn="l">
               <a:lnSpc>
                 <a:spcPct val="100000"/>
               </a:lnSpc>
@@ -9186,7 +8984,7 @@
               <a:buSzPts val="2800"/>
               <a:buFont typeface="Arial"/>
               <a:buNone/>
-              <a:defRPr sz="2800" b="0" i="0" u="none" strike="noStrike" cap="none">
+              <a:defRPr b="0" i="0" sz="2800" u="none" cap="none" strike="noStrike">
                 <a:solidFill>
                   <a:schemeClr val="dk1"/>
                 </a:solidFill>
@@ -9196,7 +8994,7 @@
                 <a:sym typeface="Arial"/>
               </a:defRPr>
             </a:lvl7pPr>
-            <a:lvl8pPr marR="0" lvl="7" algn="l" rtl="0">
+            <a:lvl8pPr lvl="7" marR="0" rtl="0" algn="l">
               <a:lnSpc>
                 <a:spcPct val="100000"/>
               </a:lnSpc>
@@ -9212,7 +9010,7 @@
               <a:buSzPts val="2800"/>
               <a:buFont typeface="Arial"/>
               <a:buNone/>
-              <a:defRPr sz="2800" b="0" i="0" u="none" strike="noStrike" cap="none">
+              <a:defRPr b="0" i="0" sz="2800" u="none" cap="none" strike="noStrike">
                 <a:solidFill>
                   <a:schemeClr val="dk1"/>
                 </a:solidFill>
@@ -9222,7 +9020,7 @@
                 <a:sym typeface="Arial"/>
               </a:defRPr>
             </a:lvl8pPr>
-            <a:lvl9pPr marR="0" lvl="8" algn="l" rtl="0">
+            <a:lvl9pPr lvl="8" marR="0" rtl="0" algn="l">
               <a:lnSpc>
                 <a:spcPct val="100000"/>
               </a:lnSpc>
@@ -9238,7 +9036,7 @@
               <a:buSzPts val="2800"/>
               <a:buFont typeface="Arial"/>
               <a:buNone/>
-              <a:defRPr sz="2800" b="0" i="0" u="none" strike="noStrike" cap="none">
+              <a:defRPr b="0" i="0" sz="2800" u="none" cap="none" strike="noStrike">
                 <a:solidFill>
                   <a:schemeClr val="dk1"/>
                 </a:solidFill>
@@ -9249,19 +9047,15 @@
               </a:defRPr>
             </a:lvl9pPr>
           </a:lstStyle>
-          <a:p>
-            <a:endParaRPr/>
-          </a:p>
+          <a:p/>
         </p:txBody>
       </p:sp>
       <p:sp>
         <p:nvSpPr>
           <p:cNvPr id="7" name="Google Shape;7;p26"/>
-          <p:cNvSpPr txBox="1">
-            <a:spLocks noGrp="1"/>
-          </p:cNvSpPr>
+          <p:cNvSpPr txBox="1"/>
           <p:nvPr>
-            <p:ph type="body" idx="1"/>
+            <p:ph idx="1" type="body"/>
           </p:nvPr>
         </p:nvSpPr>
         <p:spPr>
@@ -9278,11 +9072,11 @@
           </a:ln>
         </p:spPr>
         <p:txBody>
-          <a:bodyPr spcFirstLastPara="1" wrap="square" lIns="91425" tIns="91425" rIns="91425" bIns="91425" anchor="t" anchorCtr="0">
+          <a:bodyPr anchorCtr="0" anchor="t" bIns="91425" lIns="91425" spcFirstLastPara="1" rIns="91425" wrap="square" tIns="91425">
             <a:normAutofit/>
           </a:bodyPr>
           <a:lstStyle>
-            <a:lvl1pPr marL="457200" marR="0" lvl="0" indent="-342900" algn="l" rtl="0">
+            <a:lvl1pPr indent="-342900" lvl="0" marL="457200" marR="0" rtl="0" algn="l">
               <a:lnSpc>
                 <a:spcPct val="115000"/>
               </a:lnSpc>
@@ -9298,7 +9092,7 @@
               <a:buSzPts val="1800"/>
               <a:buFont typeface="Arial"/>
               <a:buChar char="●"/>
-              <a:defRPr sz="1800" b="0" i="0" u="none" strike="noStrike" cap="none">
+              <a:defRPr b="0" i="0" sz="1800" u="none" cap="none" strike="noStrike">
                 <a:solidFill>
                   <a:schemeClr val="dk2"/>
                 </a:solidFill>
@@ -9308,7 +9102,7 @@
                 <a:sym typeface="Arial"/>
               </a:defRPr>
             </a:lvl1pPr>
-            <a:lvl2pPr marL="914400" marR="0" lvl="1" indent="-317500" algn="l" rtl="0">
+            <a:lvl2pPr indent="-317500" lvl="1" marL="914400" marR="0" rtl="0" algn="l">
               <a:lnSpc>
                 <a:spcPct val="115000"/>
               </a:lnSpc>
@@ -9324,7 +9118,7 @@
               <a:buSzPts val="1400"/>
               <a:buFont typeface="Arial"/>
               <a:buChar char="○"/>
-              <a:defRPr sz="1400" b="0" i="0" u="none" strike="noStrike" cap="none">
+              <a:defRPr b="0" i="0" sz="1400" u="none" cap="none" strike="noStrike">
                 <a:solidFill>
                   <a:schemeClr val="dk2"/>
                 </a:solidFill>
@@ -9334,7 +9128,7 @@
                 <a:sym typeface="Arial"/>
               </a:defRPr>
             </a:lvl2pPr>
-            <a:lvl3pPr marL="1371600" marR="0" lvl="2" indent="-317500" algn="l" rtl="0">
+            <a:lvl3pPr indent="-317500" lvl="2" marL="1371600" marR="0" rtl="0" algn="l">
               <a:lnSpc>
                 <a:spcPct val="115000"/>
               </a:lnSpc>
@@ -9350,7 +9144,7 @@
               <a:buSzPts val="1400"/>
               <a:buFont typeface="Arial"/>
               <a:buChar char="■"/>
-              <a:defRPr sz="1400" b="0" i="0" u="none" strike="noStrike" cap="none">
+              <a:defRPr b="0" i="0" sz="1400" u="none" cap="none" strike="noStrike">
                 <a:solidFill>
                   <a:schemeClr val="dk2"/>
                 </a:solidFill>
@@ -9360,7 +9154,7 @@
                 <a:sym typeface="Arial"/>
               </a:defRPr>
             </a:lvl3pPr>
-            <a:lvl4pPr marL="1828800" marR="0" lvl="3" indent="-317500" algn="l" rtl="0">
+            <a:lvl4pPr indent="-317500" lvl="3" marL="1828800" marR="0" rtl="0" algn="l">
               <a:lnSpc>
                 <a:spcPct val="115000"/>
               </a:lnSpc>
@@ -9376,7 +9170,7 @@
               <a:buSzPts val="1400"/>
               <a:buFont typeface="Arial"/>
               <a:buChar char="●"/>
-              <a:defRPr sz="1400" b="0" i="0" u="none" strike="noStrike" cap="none">
+              <a:defRPr b="0" i="0" sz="1400" u="none" cap="none" strike="noStrike">
                 <a:solidFill>
                   <a:schemeClr val="dk2"/>
                 </a:solidFill>
@@ -9386,7 +9180,7 @@
                 <a:sym typeface="Arial"/>
               </a:defRPr>
             </a:lvl4pPr>
-            <a:lvl5pPr marL="2286000" marR="0" lvl="4" indent="-317500" algn="l" rtl="0">
+            <a:lvl5pPr indent="-317500" lvl="4" marL="2286000" marR="0" rtl="0" algn="l">
               <a:lnSpc>
                 <a:spcPct val="115000"/>
               </a:lnSpc>
@@ -9402,7 +9196,7 @@
               <a:buSzPts val="1400"/>
               <a:buFont typeface="Arial"/>
               <a:buChar char="○"/>
-              <a:defRPr sz="1400" b="0" i="0" u="none" strike="noStrike" cap="none">
+              <a:defRPr b="0" i="0" sz="1400" u="none" cap="none" strike="noStrike">
                 <a:solidFill>
                   <a:schemeClr val="dk2"/>
                 </a:solidFill>
@@ -9412,7 +9206,7 @@
                 <a:sym typeface="Arial"/>
               </a:defRPr>
             </a:lvl5pPr>
-            <a:lvl6pPr marL="2743200" marR="0" lvl="5" indent="-317500" algn="l" rtl="0">
+            <a:lvl6pPr indent="-317500" lvl="5" marL="2743200" marR="0" rtl="0" algn="l">
               <a:lnSpc>
                 <a:spcPct val="115000"/>
               </a:lnSpc>
@@ -9428,7 +9222,7 @@
               <a:buSzPts val="1400"/>
               <a:buFont typeface="Arial"/>
               <a:buChar char="■"/>
-              <a:defRPr sz="1400" b="0" i="0" u="none" strike="noStrike" cap="none">
+              <a:defRPr b="0" i="0" sz="1400" u="none" cap="none" strike="noStrike">
                 <a:solidFill>
                   <a:schemeClr val="dk2"/>
                 </a:solidFill>
@@ -9438,7 +9232,7 @@
                 <a:sym typeface="Arial"/>
               </a:defRPr>
             </a:lvl6pPr>
-            <a:lvl7pPr marL="3200400" marR="0" lvl="6" indent="-317500" algn="l" rtl="0">
+            <a:lvl7pPr indent="-317500" lvl="6" marL="3200400" marR="0" rtl="0" algn="l">
               <a:lnSpc>
                 <a:spcPct val="115000"/>
               </a:lnSpc>
@@ -9454,7 +9248,7 @@
               <a:buSzPts val="1400"/>
               <a:buFont typeface="Arial"/>
               <a:buChar char="●"/>
-              <a:defRPr sz="1400" b="0" i="0" u="none" strike="noStrike" cap="none">
+              <a:defRPr b="0" i="0" sz="1400" u="none" cap="none" strike="noStrike">
                 <a:solidFill>
                   <a:schemeClr val="dk2"/>
                 </a:solidFill>
@@ -9464,7 +9258,7 @@
                 <a:sym typeface="Arial"/>
               </a:defRPr>
             </a:lvl7pPr>
-            <a:lvl8pPr marL="3657600" marR="0" lvl="7" indent="-317500" algn="l" rtl="0">
+            <a:lvl8pPr indent="-317500" lvl="7" marL="3657600" marR="0" rtl="0" algn="l">
               <a:lnSpc>
                 <a:spcPct val="115000"/>
               </a:lnSpc>
@@ -9480,7 +9274,7 @@
               <a:buSzPts val="1400"/>
               <a:buFont typeface="Arial"/>
               <a:buChar char="○"/>
-              <a:defRPr sz="1400" b="0" i="0" u="none" strike="noStrike" cap="none">
+              <a:defRPr b="0" i="0" sz="1400" u="none" cap="none" strike="noStrike">
                 <a:solidFill>
                   <a:schemeClr val="dk2"/>
                 </a:solidFill>
@@ -9490,7 +9284,7 @@
                 <a:sym typeface="Arial"/>
               </a:defRPr>
             </a:lvl8pPr>
-            <a:lvl9pPr marL="4114800" marR="0" lvl="8" indent="-317500" algn="l" rtl="0">
+            <a:lvl9pPr indent="-317500" lvl="8" marL="4114800" marR="0" rtl="0" algn="l">
               <a:lnSpc>
                 <a:spcPct val="115000"/>
               </a:lnSpc>
@@ -9506,7 +9300,7 @@
               <a:buSzPts val="1400"/>
               <a:buFont typeface="Arial"/>
               <a:buChar char="■"/>
-              <a:defRPr sz="1400" b="0" i="0" u="none" strike="noStrike" cap="none">
+              <a:defRPr b="0" i="0" sz="1400" u="none" cap="none" strike="noStrike">
                 <a:solidFill>
                   <a:schemeClr val="dk2"/>
                 </a:solidFill>
@@ -9517,19 +9311,15 @@
               </a:defRPr>
             </a:lvl9pPr>
           </a:lstStyle>
-          <a:p>
-            <a:endParaRPr/>
-          </a:p>
+          <a:p/>
         </p:txBody>
       </p:sp>
       <p:sp>
         <p:nvSpPr>
           <p:cNvPr id="8" name="Google Shape;8;p26"/>
-          <p:cNvSpPr txBox="1">
-            <a:spLocks noGrp="1"/>
-          </p:cNvSpPr>
+          <p:cNvSpPr txBox="1"/>
           <p:nvPr>
-            <p:ph type="sldNum" idx="12"/>
+            <p:ph idx="12" type="sldNum"/>
           </p:nvPr>
         </p:nvSpPr>
         <p:spPr>
@@ -9546,11 +9336,11 @@
           </a:ln>
         </p:spPr>
         <p:txBody>
-          <a:bodyPr spcFirstLastPara="1" wrap="square" lIns="91425" tIns="91425" rIns="91425" bIns="91425" anchor="ctr" anchorCtr="0">
+          <a:bodyPr anchorCtr="0" anchor="ctr" bIns="91425" lIns="91425" spcFirstLastPara="1" rIns="91425" wrap="square" tIns="91425">
             <a:normAutofit/>
           </a:bodyPr>
           <a:lstStyle>
-            <a:lvl1pPr marL="0" marR="0" lvl="0" indent="0" algn="r" rtl="0">
+            <a:lvl1pPr indent="0" lvl="0" marL="0" marR="0" rtl="0" algn="r">
               <a:lnSpc>
                 <a:spcPct val="100000"/>
               </a:lnSpc>
@@ -9566,7 +9356,7 @@
               <a:buSzPts val="1000"/>
               <a:buFont typeface="Arial"/>
               <a:buNone/>
-              <a:defRPr sz="1000" b="0" i="0" u="none" strike="noStrike" cap="none">
+              <a:defRPr b="0" i="0" sz="1000" u="none" cap="none" strike="noStrike">
                 <a:solidFill>
                   <a:schemeClr val="dk2"/>
                 </a:solidFill>
@@ -9576,7 +9366,7 @@
                 <a:sym typeface="Arial"/>
               </a:defRPr>
             </a:lvl1pPr>
-            <a:lvl2pPr marL="0" marR="0" lvl="1" indent="0" algn="r" rtl="0">
+            <a:lvl2pPr indent="0" lvl="1" marL="0" marR="0" rtl="0" algn="r">
               <a:lnSpc>
                 <a:spcPct val="100000"/>
               </a:lnSpc>
@@ -9592,7 +9382,7 @@
               <a:buSzPts val="1000"/>
               <a:buFont typeface="Arial"/>
               <a:buNone/>
-              <a:defRPr sz="1000" b="0" i="0" u="none" strike="noStrike" cap="none">
+              <a:defRPr b="0" i="0" sz="1000" u="none" cap="none" strike="noStrike">
                 <a:solidFill>
                   <a:schemeClr val="dk2"/>
                 </a:solidFill>
@@ -9602,7 +9392,7 @@
                 <a:sym typeface="Arial"/>
               </a:defRPr>
             </a:lvl2pPr>
-            <a:lvl3pPr marL="0" marR="0" lvl="2" indent="0" algn="r" rtl="0">
+            <a:lvl3pPr indent="0" lvl="2" marL="0" marR="0" rtl="0" algn="r">
               <a:lnSpc>
                 <a:spcPct val="100000"/>
               </a:lnSpc>
@@ -9618,7 +9408,7 @@
               <a:buSzPts val="1000"/>
               <a:buFont typeface="Arial"/>
               <a:buNone/>
-              <a:defRPr sz="1000" b="0" i="0" u="none" strike="noStrike" cap="none">
+              <a:defRPr b="0" i="0" sz="1000" u="none" cap="none" strike="noStrike">
                 <a:solidFill>
                   <a:schemeClr val="dk2"/>
                 </a:solidFill>
@@ -9628,7 +9418,7 @@
                 <a:sym typeface="Arial"/>
               </a:defRPr>
             </a:lvl3pPr>
-            <a:lvl4pPr marL="0" marR="0" lvl="3" indent="0" algn="r" rtl="0">
+            <a:lvl4pPr indent="0" lvl="3" marL="0" marR="0" rtl="0" algn="r">
               <a:lnSpc>
                 <a:spcPct val="100000"/>
               </a:lnSpc>
@@ -9644,7 +9434,7 @@
               <a:buSzPts val="1000"/>
               <a:buFont typeface="Arial"/>
               <a:buNone/>
-              <a:defRPr sz="1000" b="0" i="0" u="none" strike="noStrike" cap="none">
+              <a:defRPr b="0" i="0" sz="1000" u="none" cap="none" strike="noStrike">
                 <a:solidFill>
                   <a:schemeClr val="dk2"/>
                 </a:solidFill>
@@ -9654,7 +9444,7 @@
                 <a:sym typeface="Arial"/>
               </a:defRPr>
             </a:lvl4pPr>
-            <a:lvl5pPr marL="0" marR="0" lvl="4" indent="0" algn="r" rtl="0">
+            <a:lvl5pPr indent="0" lvl="4" marL="0" marR="0" rtl="0" algn="r">
               <a:lnSpc>
                 <a:spcPct val="100000"/>
               </a:lnSpc>
@@ -9670,7 +9460,7 @@
               <a:buSzPts val="1000"/>
               <a:buFont typeface="Arial"/>
               <a:buNone/>
-              <a:defRPr sz="1000" b="0" i="0" u="none" strike="noStrike" cap="none">
+              <a:defRPr b="0" i="0" sz="1000" u="none" cap="none" strike="noStrike">
                 <a:solidFill>
                   <a:schemeClr val="dk2"/>
                 </a:solidFill>
@@ -9680,7 +9470,7 @@
                 <a:sym typeface="Arial"/>
               </a:defRPr>
             </a:lvl5pPr>
-            <a:lvl6pPr marL="0" marR="0" lvl="5" indent="0" algn="r" rtl="0">
+            <a:lvl6pPr indent="0" lvl="5" marL="0" marR="0" rtl="0" algn="r">
               <a:lnSpc>
                 <a:spcPct val="100000"/>
               </a:lnSpc>
@@ -9696,7 +9486,7 @@
               <a:buSzPts val="1000"/>
               <a:buFont typeface="Arial"/>
               <a:buNone/>
-              <a:defRPr sz="1000" b="0" i="0" u="none" strike="noStrike" cap="none">
+              <a:defRPr b="0" i="0" sz="1000" u="none" cap="none" strike="noStrike">
                 <a:solidFill>
                   <a:schemeClr val="dk2"/>
                 </a:solidFill>
@@ -9706,7 +9496,7 @@
                 <a:sym typeface="Arial"/>
               </a:defRPr>
             </a:lvl6pPr>
-            <a:lvl7pPr marL="0" marR="0" lvl="6" indent="0" algn="r" rtl="0">
+            <a:lvl7pPr indent="0" lvl="6" marL="0" marR="0" rtl="0" algn="r">
               <a:lnSpc>
                 <a:spcPct val="100000"/>
               </a:lnSpc>
@@ -9722,7 +9512,7 @@
               <a:buSzPts val="1000"/>
               <a:buFont typeface="Arial"/>
               <a:buNone/>
-              <a:defRPr sz="1000" b="0" i="0" u="none" strike="noStrike" cap="none">
+              <a:defRPr b="0" i="0" sz="1000" u="none" cap="none" strike="noStrike">
                 <a:solidFill>
                   <a:schemeClr val="dk2"/>
                 </a:solidFill>
@@ -9732,7 +9522,7 @@
                 <a:sym typeface="Arial"/>
               </a:defRPr>
             </a:lvl7pPr>
-            <a:lvl8pPr marL="0" marR="0" lvl="7" indent="0" algn="r" rtl="0">
+            <a:lvl8pPr indent="0" lvl="7" marL="0" marR="0" rtl="0" algn="r">
               <a:lnSpc>
                 <a:spcPct val="100000"/>
               </a:lnSpc>
@@ -9748,7 +9538,7 @@
               <a:buSzPts val="1000"/>
               <a:buFont typeface="Arial"/>
               <a:buNone/>
-              <a:defRPr sz="1000" b="0" i="0" u="none" strike="noStrike" cap="none">
+              <a:defRPr b="0" i="0" sz="1000" u="none" cap="none" strike="noStrike">
                 <a:solidFill>
                   <a:schemeClr val="dk2"/>
                 </a:solidFill>
@@ -9758,7 +9548,7 @@
                 <a:sym typeface="Arial"/>
               </a:defRPr>
             </a:lvl8pPr>
-            <a:lvl9pPr marL="0" marR="0" lvl="8" indent="0" algn="r" rtl="0">
+            <a:lvl9pPr indent="0" lvl="8" marL="0" marR="0" rtl="0" algn="r">
               <a:lnSpc>
                 <a:spcPct val="100000"/>
               </a:lnSpc>
@@ -9774,7 +9564,7 @@
               <a:buSzPts val="1000"/>
               <a:buFont typeface="Arial"/>
               <a:buNone/>
-              <a:defRPr sz="1000" b="0" i="0" u="none" strike="noStrike" cap="none">
+              <a:defRPr b="0" i="0" sz="1000" u="none" cap="none" strike="noStrike">
                 <a:solidFill>
                   <a:schemeClr val="dk2"/>
                 </a:solidFill>
@@ -9786,7 +9576,7 @@
             </a:lvl9pPr>
           </a:lstStyle>
           <a:p>
-            <a:pPr marL="0" lvl="0" indent="0" algn="r" rtl="0">
+            <a:pPr indent="0" lvl="0" marL="0" rtl="0" algn="r">
               <a:spcBef>
                 <a:spcPts val="0"/>
               </a:spcBef>
@@ -9805,7 +9595,7 @@
       </p:sp>
     </p:spTree>
   </p:cSld>
-  <p:clrMap bg1="lt1" tx1="dk1" bg2="dk2" tx2="lt2" accent1="accent1" accent2="accent2" accent3="accent3" accent4="accent4" accent5="accent5" accent6="accent6" hlink="hlink" folHlink="folHlink"/>
+  <p:clrMap accent1="accent1" accent2="accent2" accent3="accent3" accent4="accent4" accent5="accent5" accent6="accent6" bg1="lt1" bg2="dk2" tx1="dk1" tx2="lt2" folHlink="folHlink" hlink="hlink"/>
   <p:sldLayoutIdLst>
     <p:sldLayoutId id="2147483649" r:id="rId1"/>
     <p:sldLayoutId id="2147483650" r:id="rId2"/>
@@ -9819,10 +9609,10 @@
     <p:sldLayoutId id="2147483658" r:id="rId10"/>
     <p:sldLayoutId id="2147483659" r:id="rId11"/>
   </p:sldLayoutIdLst>
-  <p:hf sldNum="0" hdr="0" ftr="0" dt="0"/>
+  <p:hf dt="0" ftr="0" hdr="0" sldNum="0"/>
   <p:txStyles>
     <p:titleStyle>
-      <a:defPPr marR="0" lvl="0" algn="l" rtl="0">
+      <a:defPPr lvl="0" marR="0" rtl="0" algn="l">
         <a:lnSpc>
           <a:spcPct val="100000"/>
         </a:lnSpc>
@@ -9833,7 +9623,7 @@
           <a:spcPts val="0"/>
         </a:spcAft>
       </a:defPPr>
-      <a:lvl1pPr marR="0" lvl="0" algn="l" rtl="0">
+      <a:lvl1pPr lvl="0" marR="0" rtl="0" algn="l">
         <a:lnSpc>
           <a:spcPct val="100000"/>
         </a:lnSpc>
@@ -9847,7 +9637,7 @@
           <a:srgbClr val="000000"/>
         </a:buClr>
         <a:buFont typeface="Arial"/>
-        <a:defRPr sz="1400" b="0" i="0" u="none" strike="noStrike" cap="none">
+        <a:defRPr b="0" i="0" sz="1400" u="none" cap="none" strike="noStrike">
           <a:solidFill>
             <a:srgbClr val="000000"/>
           </a:solidFill>
@@ -9857,7 +9647,7 @@
           <a:sym typeface="Arial"/>
         </a:defRPr>
       </a:lvl1pPr>
-      <a:lvl2pPr marR="0" lvl="1" algn="l" rtl="0">
+      <a:lvl2pPr lvl="1" marR="0" rtl="0" algn="l">
         <a:lnSpc>
           <a:spcPct val="100000"/>
         </a:lnSpc>
@@ -9871,7 +9661,7 @@
           <a:srgbClr val="000000"/>
         </a:buClr>
         <a:buFont typeface="Arial"/>
-        <a:defRPr sz="1400" b="0" i="0" u="none" strike="noStrike" cap="none">
+        <a:defRPr b="0" i="0" sz="1400" u="none" cap="none" strike="noStrike">
           <a:solidFill>
             <a:srgbClr val="000000"/>
           </a:solidFill>
@@ -9881,7 +9671,7 @@
           <a:sym typeface="Arial"/>
         </a:defRPr>
       </a:lvl2pPr>
-      <a:lvl3pPr marR="0" lvl="2" algn="l" rtl="0">
+      <a:lvl3pPr lvl="2" marR="0" rtl="0" algn="l">
         <a:lnSpc>
           <a:spcPct val="100000"/>
         </a:lnSpc>
@@ -9895,7 +9685,7 @@
           <a:srgbClr val="000000"/>
         </a:buClr>
         <a:buFont typeface="Arial"/>
-        <a:defRPr sz="1400" b="0" i="0" u="none" strike="noStrike" cap="none">
+        <a:defRPr b="0" i="0" sz="1400" u="none" cap="none" strike="noStrike">
           <a:solidFill>
             <a:srgbClr val="000000"/>
           </a:solidFill>
@@ -9905,7 +9695,7 @@
           <a:sym typeface="Arial"/>
         </a:defRPr>
       </a:lvl3pPr>
-      <a:lvl4pPr marR="0" lvl="3" algn="l" rtl="0">
+      <a:lvl4pPr lvl="3" marR="0" rtl="0" algn="l">
         <a:lnSpc>
           <a:spcPct val="100000"/>
         </a:lnSpc>
@@ -9919,7 +9709,7 @@
           <a:srgbClr val="000000"/>
         </a:buClr>
         <a:buFont typeface="Arial"/>
-        <a:defRPr sz="1400" b="0" i="0" u="none" strike="noStrike" cap="none">
+        <a:defRPr b="0" i="0" sz="1400" u="none" cap="none" strike="noStrike">
           <a:solidFill>
             <a:srgbClr val="000000"/>
           </a:solidFill>
@@ -9929,7 +9719,7 @@
           <a:sym typeface="Arial"/>
         </a:defRPr>
       </a:lvl4pPr>
-      <a:lvl5pPr marR="0" lvl="4" algn="l" rtl="0">
+      <a:lvl5pPr lvl="4" marR="0" rtl="0" algn="l">
         <a:lnSpc>
           <a:spcPct val="100000"/>
         </a:lnSpc>
@@ -9943,7 +9733,7 @@
           <a:srgbClr val="000000"/>
         </a:buClr>
         <a:buFont typeface="Arial"/>
-        <a:defRPr sz="1400" b="0" i="0" u="none" strike="noStrike" cap="none">
+        <a:defRPr b="0" i="0" sz="1400" u="none" cap="none" strike="noStrike">
           <a:solidFill>
             <a:srgbClr val="000000"/>
           </a:solidFill>
@@ -9953,7 +9743,7 @@
           <a:sym typeface="Arial"/>
         </a:defRPr>
       </a:lvl5pPr>
-      <a:lvl6pPr marR="0" lvl="5" algn="l" rtl="0">
+      <a:lvl6pPr lvl="5" marR="0" rtl="0" algn="l">
         <a:lnSpc>
           <a:spcPct val="100000"/>
         </a:lnSpc>
@@ -9967,7 +9757,7 @@
           <a:srgbClr val="000000"/>
         </a:buClr>
         <a:buFont typeface="Arial"/>
-        <a:defRPr sz="1400" b="0" i="0" u="none" strike="noStrike" cap="none">
+        <a:defRPr b="0" i="0" sz="1400" u="none" cap="none" strike="noStrike">
           <a:solidFill>
             <a:srgbClr val="000000"/>
           </a:solidFill>
@@ -9977,7 +9767,7 @@
           <a:sym typeface="Arial"/>
         </a:defRPr>
       </a:lvl6pPr>
-      <a:lvl7pPr marR="0" lvl="6" algn="l" rtl="0">
+      <a:lvl7pPr lvl="6" marR="0" rtl="0" algn="l">
         <a:lnSpc>
           <a:spcPct val="100000"/>
         </a:lnSpc>
@@ -9991,7 +9781,7 @@
           <a:srgbClr val="000000"/>
         </a:buClr>
         <a:buFont typeface="Arial"/>
-        <a:defRPr sz="1400" b="0" i="0" u="none" strike="noStrike" cap="none">
+        <a:defRPr b="0" i="0" sz="1400" u="none" cap="none" strike="noStrike">
           <a:solidFill>
             <a:srgbClr val="000000"/>
           </a:solidFill>
@@ -10001,7 +9791,7 @@
           <a:sym typeface="Arial"/>
         </a:defRPr>
       </a:lvl7pPr>
-      <a:lvl8pPr marR="0" lvl="7" algn="l" rtl="0">
+      <a:lvl8pPr lvl="7" marR="0" rtl="0" algn="l">
         <a:lnSpc>
           <a:spcPct val="100000"/>
         </a:lnSpc>
@@ -10015,7 +9805,7 @@
           <a:srgbClr val="000000"/>
         </a:buClr>
         <a:buFont typeface="Arial"/>
-        <a:defRPr sz="1400" b="0" i="0" u="none" strike="noStrike" cap="none">
+        <a:defRPr b="0" i="0" sz="1400" u="none" cap="none" strike="noStrike">
           <a:solidFill>
             <a:srgbClr val="000000"/>
           </a:solidFill>
@@ -10025,7 +9815,7 @@
           <a:sym typeface="Arial"/>
         </a:defRPr>
       </a:lvl8pPr>
-      <a:lvl9pPr marR="0" lvl="8" algn="l" rtl="0">
+      <a:lvl9pPr lvl="8" marR="0" rtl="0" algn="l">
         <a:lnSpc>
           <a:spcPct val="100000"/>
         </a:lnSpc>
@@ -10039,7 +9829,7 @@
           <a:srgbClr val="000000"/>
         </a:buClr>
         <a:buFont typeface="Arial"/>
-        <a:defRPr sz="1400" b="0" i="0" u="none" strike="noStrike" cap="none">
+        <a:defRPr b="0" i="0" sz="1400" u="none" cap="none" strike="noStrike">
           <a:solidFill>
             <a:srgbClr val="000000"/>
           </a:solidFill>
@@ -10051,7 +9841,7 @@
       </a:lvl9pPr>
     </p:titleStyle>
     <p:bodyStyle>
-      <a:defPPr marR="0" lvl="0" algn="l" rtl="0">
+      <a:defPPr lvl="0" marR="0" rtl="0" algn="l">
         <a:lnSpc>
           <a:spcPct val="100000"/>
         </a:lnSpc>
@@ -10062,7 +9852,7 @@
           <a:spcPts val="0"/>
         </a:spcAft>
       </a:defPPr>
-      <a:lvl1pPr marR="0" lvl="0" algn="l" rtl="0">
+      <a:lvl1pPr lvl="0" marR="0" rtl="0" algn="l">
         <a:lnSpc>
           <a:spcPct val="100000"/>
         </a:lnSpc>
@@ -10076,7 +9866,7 @@
           <a:srgbClr val="000000"/>
         </a:buClr>
         <a:buFont typeface="Arial"/>
-        <a:defRPr sz="1400" b="0" i="0" u="none" strike="noStrike" cap="none">
+        <a:defRPr b="0" i="0" sz="1400" u="none" cap="none" strike="noStrike">
           <a:solidFill>
             <a:srgbClr val="000000"/>
           </a:solidFill>
@@ -10086,7 +9876,7 @@
           <a:sym typeface="Arial"/>
         </a:defRPr>
       </a:lvl1pPr>
-      <a:lvl2pPr marR="0" lvl="1" algn="l" rtl="0">
+      <a:lvl2pPr lvl="1" marR="0" rtl="0" algn="l">
         <a:lnSpc>
           <a:spcPct val="100000"/>
         </a:lnSpc>
@@ -10100,7 +9890,7 @@
           <a:srgbClr val="000000"/>
         </a:buClr>
         <a:buFont typeface="Arial"/>
-        <a:defRPr sz="1400" b="0" i="0" u="none" strike="noStrike" cap="none">
+        <a:defRPr b="0" i="0" sz="1400" u="none" cap="none" strike="noStrike">
           <a:solidFill>
             <a:srgbClr val="000000"/>
           </a:solidFill>
@@ -10110,7 +9900,7 @@
           <a:sym typeface="Arial"/>
         </a:defRPr>
       </a:lvl2pPr>
-      <a:lvl3pPr marR="0" lvl="2" algn="l" rtl="0">
+      <a:lvl3pPr lvl="2" marR="0" rtl="0" algn="l">
         <a:lnSpc>
           <a:spcPct val="100000"/>
         </a:lnSpc>
@@ -10124,7 +9914,7 @@
           <a:srgbClr val="000000"/>
         </a:buClr>
         <a:buFont typeface="Arial"/>
-        <a:defRPr sz="1400" b="0" i="0" u="none" strike="noStrike" cap="none">
+        <a:defRPr b="0" i="0" sz="1400" u="none" cap="none" strike="noStrike">
           <a:solidFill>
             <a:srgbClr val="000000"/>
           </a:solidFill>
@@ -10134,7 +9924,7 @@
           <a:sym typeface="Arial"/>
         </a:defRPr>
       </a:lvl3pPr>
-      <a:lvl4pPr marR="0" lvl="3" algn="l" rtl="0">
+      <a:lvl4pPr lvl="3" marR="0" rtl="0" algn="l">
         <a:lnSpc>
           <a:spcPct val="100000"/>
         </a:lnSpc>
@@ -10148,7 +9938,7 @@
           <a:srgbClr val="000000"/>
         </a:buClr>
         <a:buFont typeface="Arial"/>
-        <a:defRPr sz="1400" b="0" i="0" u="none" strike="noStrike" cap="none">
+        <a:defRPr b="0" i="0" sz="1400" u="none" cap="none" strike="noStrike">
           <a:solidFill>
             <a:srgbClr val="000000"/>
           </a:solidFill>
@@ -10158,7 +9948,7 @@
           <a:sym typeface="Arial"/>
         </a:defRPr>
       </a:lvl4pPr>
-      <a:lvl5pPr marR="0" lvl="4" algn="l" rtl="0">
+      <a:lvl5pPr lvl="4" marR="0" rtl="0" algn="l">
         <a:lnSpc>
           <a:spcPct val="100000"/>
         </a:lnSpc>
@@ -10172,7 +9962,7 @@
           <a:srgbClr val="000000"/>
         </a:buClr>
         <a:buFont typeface="Arial"/>
-        <a:defRPr sz="1400" b="0" i="0" u="none" strike="noStrike" cap="none">
+        <a:defRPr b="0" i="0" sz="1400" u="none" cap="none" strike="noStrike">
           <a:solidFill>
             <a:srgbClr val="000000"/>
           </a:solidFill>
@@ -10182,7 +9972,7 @@
           <a:sym typeface="Arial"/>
         </a:defRPr>
       </a:lvl5pPr>
-      <a:lvl6pPr marR="0" lvl="5" algn="l" rtl="0">
+      <a:lvl6pPr lvl="5" marR="0" rtl="0" algn="l">
         <a:lnSpc>
           <a:spcPct val="100000"/>
         </a:lnSpc>
@@ -10196,7 +9986,7 @@
           <a:srgbClr val="000000"/>
         </a:buClr>
         <a:buFont typeface="Arial"/>
-        <a:defRPr sz="1400" b="0" i="0" u="none" strike="noStrike" cap="none">
+        <a:defRPr b="0" i="0" sz="1400" u="none" cap="none" strike="noStrike">
           <a:solidFill>
             <a:srgbClr val="000000"/>
           </a:solidFill>
@@ -10206,7 +9996,7 @@
           <a:sym typeface="Arial"/>
         </a:defRPr>
       </a:lvl6pPr>
-      <a:lvl7pPr marR="0" lvl="6" algn="l" rtl="0">
+      <a:lvl7pPr lvl="6" marR="0" rtl="0" algn="l">
         <a:lnSpc>
           <a:spcPct val="100000"/>
         </a:lnSpc>
@@ -10220,7 +10010,7 @@
           <a:srgbClr val="000000"/>
         </a:buClr>
         <a:buFont typeface="Arial"/>
-        <a:defRPr sz="1400" b="0" i="0" u="none" strike="noStrike" cap="none">
+        <a:defRPr b="0" i="0" sz="1400" u="none" cap="none" strike="noStrike">
           <a:solidFill>
             <a:srgbClr val="000000"/>
           </a:solidFill>
@@ -10230,7 +10020,7 @@
           <a:sym typeface="Arial"/>
         </a:defRPr>
       </a:lvl7pPr>
-      <a:lvl8pPr marR="0" lvl="7" algn="l" rtl="0">
+      <a:lvl8pPr lvl="7" marR="0" rtl="0" algn="l">
         <a:lnSpc>
           <a:spcPct val="100000"/>
         </a:lnSpc>
@@ -10244,7 +10034,7 @@
           <a:srgbClr val="000000"/>
         </a:buClr>
         <a:buFont typeface="Arial"/>
-        <a:defRPr sz="1400" b="0" i="0" u="none" strike="noStrike" cap="none">
+        <a:defRPr b="0" i="0" sz="1400" u="none" cap="none" strike="noStrike">
           <a:solidFill>
             <a:srgbClr val="000000"/>
           </a:solidFill>
@@ -10254,7 +10044,7 @@
           <a:sym typeface="Arial"/>
         </a:defRPr>
       </a:lvl8pPr>
-      <a:lvl9pPr marR="0" lvl="8" algn="l" rtl="0">
+      <a:lvl9pPr lvl="8" marR="0" rtl="0" algn="l">
         <a:lnSpc>
           <a:spcPct val="100000"/>
         </a:lnSpc>
@@ -10268,7 +10058,7 @@
           <a:srgbClr val="000000"/>
         </a:buClr>
         <a:buFont typeface="Arial"/>
-        <a:defRPr sz="1400" b="0" i="0" u="none" strike="noStrike" cap="none">
+        <a:defRPr b="0" i="0" sz="1400" u="none" cap="none" strike="noStrike">
           <a:solidFill>
             <a:srgbClr val="000000"/>
           </a:solidFill>
@@ -10280,7 +10070,7 @@
       </a:lvl9pPr>
     </p:bodyStyle>
     <p:otherStyle>
-      <a:defPPr marR="0" lvl="0" algn="l" rtl="0">
+      <a:defPPr lvl="0" marR="0" rtl="0" algn="l">
         <a:lnSpc>
           <a:spcPct val="100000"/>
         </a:lnSpc>
@@ -10291,7 +10081,7 @@
           <a:spcPts val="0"/>
         </a:spcAft>
       </a:defPPr>
-      <a:lvl1pPr marR="0" lvl="0" algn="l" rtl="0">
+      <a:lvl1pPr lvl="0" marR="0" rtl="0" algn="l">
         <a:lnSpc>
           <a:spcPct val="100000"/>
         </a:lnSpc>
@@ -10305,7 +10095,7 @@
           <a:srgbClr val="000000"/>
         </a:buClr>
         <a:buFont typeface="Arial"/>
-        <a:defRPr sz="1400" b="0" i="0" u="none" strike="noStrike" cap="none">
+        <a:defRPr b="0" i="0" sz="1400" u="none" cap="none" strike="noStrike">
           <a:solidFill>
             <a:srgbClr val="000000"/>
           </a:solidFill>
@@ -10315,7 +10105,7 @@
           <a:sym typeface="Arial"/>
         </a:defRPr>
       </a:lvl1pPr>
-      <a:lvl2pPr marR="0" lvl="1" algn="l" rtl="0">
+      <a:lvl2pPr lvl="1" marR="0" rtl="0" algn="l">
         <a:lnSpc>
           <a:spcPct val="100000"/>
         </a:lnSpc>
@@ -10329,7 +10119,7 @@
           <a:srgbClr val="000000"/>
         </a:buClr>
         <a:buFont typeface="Arial"/>
-        <a:defRPr sz="1400" b="0" i="0" u="none" strike="noStrike" cap="none">
+        <a:defRPr b="0" i="0" sz="1400" u="none" cap="none" strike="noStrike">
           <a:solidFill>
             <a:srgbClr val="000000"/>
           </a:solidFill>
@@ -10339,7 +10129,7 @@
           <a:sym typeface="Arial"/>
         </a:defRPr>
       </a:lvl2pPr>
-      <a:lvl3pPr marR="0" lvl="2" algn="l" rtl="0">
+      <a:lvl3pPr lvl="2" marR="0" rtl="0" algn="l">
         <a:lnSpc>
           <a:spcPct val="100000"/>
         </a:lnSpc>
@@ -10353,7 +10143,7 @@
           <a:srgbClr val="000000"/>
         </a:buClr>
         <a:buFont typeface="Arial"/>
-        <a:defRPr sz="1400" b="0" i="0" u="none" strike="noStrike" cap="none">
+        <a:defRPr b="0" i="0" sz="1400" u="none" cap="none" strike="noStrike">
           <a:solidFill>
             <a:srgbClr val="000000"/>
           </a:solidFill>
@@ -10363,7 +10153,7 @@
           <a:sym typeface="Arial"/>
         </a:defRPr>
       </a:lvl3pPr>
-      <a:lvl4pPr marR="0" lvl="3" algn="l" rtl="0">
+      <a:lvl4pPr lvl="3" marR="0" rtl="0" algn="l">
         <a:lnSpc>
           <a:spcPct val="100000"/>
         </a:lnSpc>
@@ -10377,7 +10167,7 @@
           <a:srgbClr val="000000"/>
         </a:buClr>
         <a:buFont typeface="Arial"/>
-        <a:defRPr sz="1400" b="0" i="0" u="none" strike="noStrike" cap="none">
+        <a:defRPr b="0" i="0" sz="1400" u="none" cap="none" strike="noStrike">
           <a:solidFill>
             <a:srgbClr val="000000"/>
           </a:solidFill>
@@ -10387,7 +10177,7 @@
           <a:sym typeface="Arial"/>
         </a:defRPr>
       </a:lvl4pPr>
-      <a:lvl5pPr marR="0" lvl="4" algn="l" rtl="0">
+      <a:lvl5pPr lvl="4" marR="0" rtl="0" algn="l">
         <a:lnSpc>
           <a:spcPct val="100000"/>
         </a:lnSpc>
@@ -10401,7 +10191,7 @@
           <a:srgbClr val="000000"/>
         </a:buClr>
         <a:buFont typeface="Arial"/>
-        <a:defRPr sz="1400" b="0" i="0" u="none" strike="noStrike" cap="none">
+        <a:defRPr b="0" i="0" sz="1400" u="none" cap="none" strike="noStrike">
           <a:solidFill>
             <a:srgbClr val="000000"/>
           </a:solidFill>
@@ -10411,7 +10201,7 @@
           <a:sym typeface="Arial"/>
         </a:defRPr>
       </a:lvl5pPr>
-      <a:lvl6pPr marR="0" lvl="5" algn="l" rtl="0">
+      <a:lvl6pPr lvl="5" marR="0" rtl="0" algn="l">
         <a:lnSpc>
           <a:spcPct val="100000"/>
         </a:lnSpc>
@@ -10425,7 +10215,7 @@
           <a:srgbClr val="000000"/>
         </a:buClr>
         <a:buFont typeface="Arial"/>
-        <a:defRPr sz="1400" b="0" i="0" u="none" strike="noStrike" cap="none">
+        <a:defRPr b="0" i="0" sz="1400" u="none" cap="none" strike="noStrike">
           <a:solidFill>
             <a:srgbClr val="000000"/>
           </a:solidFill>
@@ -10435,7 +10225,7 @@
           <a:sym typeface="Arial"/>
         </a:defRPr>
       </a:lvl6pPr>
-      <a:lvl7pPr marR="0" lvl="6" algn="l" rtl="0">
+      <a:lvl7pPr lvl="6" marR="0" rtl="0" algn="l">
         <a:lnSpc>
           <a:spcPct val="100000"/>
         </a:lnSpc>
@@ -10449,7 +10239,7 @@
           <a:srgbClr val="000000"/>
         </a:buClr>
         <a:buFont typeface="Arial"/>
-        <a:defRPr sz="1400" b="0" i="0" u="none" strike="noStrike" cap="none">
+        <a:defRPr b="0" i="0" sz="1400" u="none" cap="none" strike="noStrike">
           <a:solidFill>
             <a:srgbClr val="000000"/>
           </a:solidFill>
@@ -10459,7 +10249,7 @@
           <a:sym typeface="Arial"/>
         </a:defRPr>
       </a:lvl7pPr>
-      <a:lvl8pPr marR="0" lvl="7" algn="l" rtl="0">
+      <a:lvl8pPr lvl="7" marR="0" rtl="0" algn="l">
         <a:lnSpc>
           <a:spcPct val="100000"/>
         </a:lnSpc>
@@ -10473,7 +10263,7 @@
           <a:srgbClr val="000000"/>
         </a:buClr>
         <a:buFont typeface="Arial"/>
-        <a:defRPr sz="1400" b="0" i="0" u="none" strike="noStrike" cap="none">
+        <a:defRPr b="0" i="0" sz="1400" u="none" cap="none" strike="noStrike">
           <a:solidFill>
             <a:srgbClr val="000000"/>
           </a:solidFill>
@@ -10483,7 +10273,7 @@
           <a:sym typeface="Arial"/>
         </a:defRPr>
       </a:lvl8pPr>
-      <a:lvl9pPr marR="0" lvl="8" algn="l" rtl="0">
+      <a:lvl9pPr lvl="8" marR="0" rtl="0" algn="l">
         <a:lnSpc>
           <a:spcPct val="100000"/>
         </a:lnSpc>
@@ -10497,7 +10287,7 @@
           <a:srgbClr val="000000"/>
         </a:buClr>
         <a:buFont typeface="Arial"/>
-        <a:defRPr sz="1400" b="0" i="0" u="none" strike="noStrike" cap="none">
+        <a:defRPr b="0" i="0" sz="1400" u="none" cap="none" strike="noStrike">
           <a:solidFill>
             <a:srgbClr val="000000"/>
           </a:solidFill>
@@ -10513,11 +10303,11 @@
 </file>
 
 <file path=ppt/slides/slide1.xml><?xml version="1.0" encoding="utf-8"?>
-<p:sld xmlns:a="http://schemas.openxmlformats.org/drawingml/2006/main" xmlns:r="http://schemas.openxmlformats.org/officeDocument/2006/relationships" xmlns:p="http://schemas.openxmlformats.org/presentationml/2006/main">
+<p:sld xmlns:a="http://schemas.openxmlformats.org/drawingml/2006/main" xmlns:r="http://schemas.openxmlformats.org/officeDocument/2006/relationships" xmlns:mc="http://schemas.openxmlformats.org/markup-compatibility/2006" xmlns:mv="urn:schemas-microsoft-com:mac:vml" xmlns:p="http://schemas.openxmlformats.org/presentationml/2006/main" xmlns:c="http://schemas.openxmlformats.org/drawingml/2006/chart" xmlns:dgm="http://schemas.openxmlformats.org/drawingml/2006/diagram" xmlns:o="urn:schemas-microsoft-com:office:office" xmlns:v="urn:schemas-microsoft-com:vml" xmlns:pvml="urn:schemas-microsoft-com:office:powerpoint" xmlns:com="http://schemas.openxmlformats.org/drawingml/2006/compatibility" xmlns:p14="http://schemas.microsoft.com/office/powerpoint/2010/main" xmlns:p15="http://schemas.microsoft.com/office/powerpoint/2012/main" xmlns:ahyp="http://schemas.microsoft.com/office/drawing/2018/hyperlinkcolor">
   <p:cSld>
     <p:spTree>
       <p:nvGrpSpPr>
-        <p:cNvPr id="1" name="Shape 53"/>
+        <p:cNvPr id="53" name="Shape 53"/>
         <p:cNvGrpSpPr/>
         <p:nvPr/>
       </p:nvGrpSpPr>
@@ -10532,9 +10322,7 @@
       <p:sp>
         <p:nvSpPr>
           <p:cNvPr id="54" name="Google Shape;54;p1"/>
-          <p:cNvSpPr txBox="1">
-            <a:spLocks noGrp="1"/>
-          </p:cNvSpPr>
+          <p:cNvSpPr txBox="1"/>
           <p:nvPr>
             <p:ph type="ctrTitle"/>
           </p:nvPr>
@@ -10553,12 +10341,12 @@
           </a:ln>
         </p:spPr>
         <p:txBody>
-          <a:bodyPr spcFirstLastPara="1" wrap="square" lIns="91425" tIns="91425" rIns="91425" bIns="91425" anchor="b" anchorCtr="0">
+          <a:bodyPr anchorCtr="0" anchor="b" bIns="91425" lIns="91425" spcFirstLastPara="1" rIns="91425" wrap="square" tIns="91425">
             <a:normAutofit/>
           </a:bodyPr>
           <a:lstStyle/>
           <a:p>
-            <a:pPr marL="0" lvl="0" indent="0" algn="ctr" rtl="0">
+            <a:pPr indent="0" lvl="0" marL="0" rtl="0" algn="ctr">
               <a:lnSpc>
                 <a:spcPct val="100000"/>
               </a:lnSpc>
@@ -10582,11 +10370,9 @@
       <p:sp>
         <p:nvSpPr>
           <p:cNvPr id="55" name="Google Shape;55;p1"/>
-          <p:cNvSpPr txBox="1">
-            <a:spLocks noGrp="1"/>
-          </p:cNvSpPr>
+          <p:cNvSpPr txBox="1"/>
           <p:nvPr>
-            <p:ph type="subTitle" idx="1"/>
+            <p:ph idx="1" type="subTitle"/>
           </p:nvPr>
         </p:nvSpPr>
         <p:spPr>
@@ -10603,12 +10389,12 @@
           </a:ln>
         </p:spPr>
         <p:txBody>
-          <a:bodyPr spcFirstLastPara="1" wrap="square" lIns="91425" tIns="91425" rIns="91425" bIns="91425" anchor="t" anchorCtr="0">
+          <a:bodyPr anchorCtr="0" anchor="t" bIns="91425" lIns="91425" spcFirstLastPara="1" rIns="91425" wrap="square" tIns="91425">
             <a:normAutofit lnSpcReduction="10000"/>
           </a:bodyPr>
           <a:lstStyle/>
           <a:p>
-            <a:pPr marL="0" lvl="0" indent="0" algn="ctr" rtl="0">
+            <a:pPr indent="0" lvl="0" marL="0" rtl="0" algn="ctr">
               <a:lnSpc>
                 <a:spcPct val="100000"/>
               </a:lnSpc>
@@ -10646,11 +10432,11 @@
 </file>
 
 <file path=ppt/slides/slide10.xml><?xml version="1.0" encoding="utf-8"?>
-<p:sld xmlns:a="http://schemas.openxmlformats.org/drawingml/2006/main" xmlns:r="http://schemas.openxmlformats.org/officeDocument/2006/relationships" xmlns:p="http://schemas.openxmlformats.org/presentationml/2006/main">
+<p:sld xmlns:a="http://schemas.openxmlformats.org/drawingml/2006/main" xmlns:r="http://schemas.openxmlformats.org/officeDocument/2006/relationships" xmlns:mc="http://schemas.openxmlformats.org/markup-compatibility/2006" xmlns:mv="urn:schemas-microsoft-com:mac:vml" xmlns:p="http://schemas.openxmlformats.org/presentationml/2006/main" xmlns:c="http://schemas.openxmlformats.org/drawingml/2006/chart" xmlns:dgm="http://schemas.openxmlformats.org/drawingml/2006/diagram" xmlns:o="urn:schemas-microsoft-com:office:office" xmlns:v="urn:schemas-microsoft-com:vml" xmlns:pvml="urn:schemas-microsoft-com:office:powerpoint" xmlns:com="http://schemas.openxmlformats.org/drawingml/2006/compatibility" xmlns:p14="http://schemas.microsoft.com/office/powerpoint/2010/main" xmlns:p15="http://schemas.microsoft.com/office/powerpoint/2012/main" xmlns:ahyp="http://schemas.microsoft.com/office/drawing/2018/hyperlinkcolor">
   <p:cSld>
     <p:spTree>
       <p:nvGrpSpPr>
-        <p:cNvPr id="1" name="Shape 135"/>
+        <p:cNvPr id="135" name="Shape 135"/>
         <p:cNvGrpSpPr/>
         <p:nvPr/>
       </p:nvGrpSpPr>
@@ -10693,9 +10479,7 @@
       <p:sp>
         <p:nvSpPr>
           <p:cNvPr id="137" name="Google Shape;137;g2a7c1fc1d97_1_163"/>
-          <p:cNvSpPr txBox="1">
-            <a:spLocks noGrp="1"/>
-          </p:cNvSpPr>
+          <p:cNvSpPr txBox="1"/>
           <p:nvPr>
             <p:ph type="title"/>
           </p:nvPr>
@@ -10710,12 +10494,12 @@
           </a:prstGeom>
         </p:spPr>
         <p:txBody>
-          <a:bodyPr spcFirstLastPara="1" wrap="square" lIns="91425" tIns="91425" rIns="91425" bIns="91425" anchor="t" anchorCtr="0">
+          <a:bodyPr anchorCtr="0" anchor="t" bIns="91425" lIns="91425" spcFirstLastPara="1" rIns="91425" wrap="square" tIns="91425">
             <a:normAutofit fontScale="90000"/>
           </a:bodyPr>
           <a:lstStyle/>
           <a:p>
-            <a:pPr marL="0" lvl="0" indent="0" algn="l" rtl="0">
+            <a:pPr indent="0" lvl="0" marL="0" rtl="0" algn="l">
               <a:spcBef>
                 <a:spcPts val="0"/>
               </a:spcBef>
@@ -10740,11 +10524,9 @@
       <p:sp>
         <p:nvSpPr>
           <p:cNvPr id="138" name="Google Shape;138;g2a7c1fc1d97_1_163"/>
-          <p:cNvSpPr txBox="1">
-            <a:spLocks noGrp="1"/>
-          </p:cNvSpPr>
+          <p:cNvSpPr txBox="1"/>
           <p:nvPr>
-            <p:ph type="body" idx="1"/>
+            <p:ph idx="1" type="body"/>
           </p:nvPr>
         </p:nvSpPr>
         <p:spPr>
@@ -10757,12 +10539,12 @@
           </a:prstGeom>
         </p:spPr>
         <p:txBody>
-          <a:bodyPr spcFirstLastPara="1" wrap="square" lIns="91425" tIns="91425" rIns="91425" bIns="91425" anchor="t" anchorCtr="0">
+          <a:bodyPr anchorCtr="0" anchor="t" bIns="91425" lIns="91425" spcFirstLastPara="1" rIns="91425" wrap="square" tIns="91425">
             <a:normAutofit/>
           </a:bodyPr>
           <a:lstStyle/>
           <a:p>
-            <a:pPr marL="0" lvl="0" indent="0" algn="l" rtl="0">
+            <a:pPr indent="0" lvl="0" marL="0" rtl="0" algn="l">
               <a:spcBef>
                 <a:spcPts val="0"/>
               </a:spcBef>
@@ -10791,7 +10573,7 @@
             </a:endParaRPr>
           </a:p>
           <a:p>
-            <a:pPr marL="0" lvl="0" indent="0" algn="l" rtl="0">
+            <a:pPr indent="0" lvl="0" marL="0" rtl="0" algn="l">
               <a:spcBef>
                 <a:spcPts val="0"/>
               </a:spcBef>
@@ -10815,7 +10597,7 @@
             </a:endParaRPr>
           </a:p>
           <a:p>
-            <a:pPr marL="0" lvl="0" indent="0" algn="l" rtl="0">
+            <a:pPr indent="0" lvl="0" marL="0" rtl="0" algn="l">
               <a:spcBef>
                 <a:spcPts val="0"/>
               </a:spcBef>
@@ -10824,6 +10606,9 @@
               </a:spcAft>
               <a:buNone/>
             </a:pPr>
+            <a:r>
+              <a:t/>
+            </a:r>
             <a:endParaRPr>
               <a:solidFill>
                 <a:schemeClr val="dk1"/>
@@ -10831,7 +10616,7 @@
             </a:endParaRPr>
           </a:p>
           <a:p>
-            <a:pPr marL="0" lvl="0" indent="0" algn="l" rtl="0">
+            <a:pPr indent="0" lvl="0" marL="0" rtl="0" algn="l">
               <a:spcBef>
                 <a:spcPts val="0"/>
               </a:spcBef>
@@ -10855,7 +10640,7 @@
             </a:endParaRPr>
           </a:p>
           <a:p>
-            <a:pPr marL="0" lvl="0" indent="0" algn="l" rtl="0">
+            <a:pPr indent="0" lvl="0" marL="0" rtl="0" algn="l">
               <a:spcBef>
                 <a:spcPts val="0"/>
               </a:spcBef>
@@ -10879,7 +10664,7 @@
             </a:endParaRPr>
           </a:p>
           <a:p>
-            <a:pPr marL="0" lvl="0" indent="0" algn="l" rtl="0">
+            <a:pPr indent="0" lvl="0" marL="0" rtl="0" algn="l">
               <a:spcBef>
                 <a:spcPts val="0"/>
               </a:spcBef>
@@ -10888,6 +10673,9 @@
               </a:spcAft>
               <a:buNone/>
             </a:pPr>
+            <a:r>
+              <a:t/>
+            </a:r>
             <a:endParaRPr/>
           </a:p>
         </p:txBody>
@@ -10933,27 +10721,27 @@
           </a:xfrm>
           <a:prstGeom prst="roundRect">
             <a:avLst>
-              <a:gd name="adj" fmla="val 16667"/>
+              <a:gd fmla="val 16667" name="adj"/>
             </a:avLst>
           </a:prstGeom>
           <a:noFill/>
-          <a:ln w="19050" cap="flat" cmpd="sng">
+          <a:ln cap="flat" cmpd="sng" w="19050">
             <a:solidFill>
               <a:srgbClr val="FF0000"/>
             </a:solidFill>
             <a:prstDash val="solid"/>
             <a:round/>
-            <a:headEnd type="none" w="sm" len="sm"/>
-            <a:tailEnd type="none" w="sm" len="sm"/>
+            <a:headEnd len="sm" w="sm" type="none"/>
+            <a:tailEnd len="sm" w="sm" type="none"/>
           </a:ln>
         </p:spPr>
         <p:txBody>
-          <a:bodyPr spcFirstLastPara="1" wrap="square" lIns="91425" tIns="91425" rIns="91425" bIns="91425" anchor="ctr" anchorCtr="0">
+          <a:bodyPr anchorCtr="0" anchor="ctr" bIns="91425" lIns="91425" spcFirstLastPara="1" rIns="91425" wrap="square" tIns="91425">
             <a:noAutofit/>
           </a:bodyPr>
           <a:lstStyle/>
           <a:p>
-            <a:pPr marL="0" lvl="0" indent="0" algn="ctr" rtl="0">
+            <a:pPr indent="0" lvl="0" marL="0" rtl="0" algn="ctr">
               <a:spcBef>
                 <a:spcPts val="0"/>
               </a:spcBef>
@@ -10962,6 +10750,9 @@
               </a:spcAft>
               <a:buNone/>
             </a:pPr>
+            <a:r>
+              <a:t/>
+            </a:r>
             <a:endParaRPr/>
           </a:p>
         </p:txBody>
@@ -10975,11 +10766,11 @@
 </file>
 
 <file path=ppt/slides/slide11.xml><?xml version="1.0" encoding="utf-8"?>
-<p:sld xmlns:a="http://schemas.openxmlformats.org/drawingml/2006/main" xmlns:r="http://schemas.openxmlformats.org/officeDocument/2006/relationships" xmlns:p="http://schemas.openxmlformats.org/presentationml/2006/main">
+<p:sld xmlns:a="http://schemas.openxmlformats.org/drawingml/2006/main" xmlns:r="http://schemas.openxmlformats.org/officeDocument/2006/relationships" xmlns:mc="http://schemas.openxmlformats.org/markup-compatibility/2006" xmlns:mv="urn:schemas-microsoft-com:mac:vml" xmlns:p="http://schemas.openxmlformats.org/presentationml/2006/main" xmlns:c="http://schemas.openxmlformats.org/drawingml/2006/chart" xmlns:dgm="http://schemas.openxmlformats.org/drawingml/2006/diagram" xmlns:o="urn:schemas-microsoft-com:office:office" xmlns:v="urn:schemas-microsoft-com:vml" xmlns:pvml="urn:schemas-microsoft-com:office:powerpoint" xmlns:com="http://schemas.openxmlformats.org/drawingml/2006/compatibility" xmlns:p14="http://schemas.microsoft.com/office/powerpoint/2010/main" xmlns:p15="http://schemas.microsoft.com/office/powerpoint/2012/main" xmlns:ahyp="http://schemas.microsoft.com/office/drawing/2018/hyperlinkcolor">
   <p:cSld>
     <p:spTree>
       <p:nvGrpSpPr>
-        <p:cNvPr id="1" name="Shape 144"/>
+        <p:cNvPr id="144" name="Shape 144"/>
         <p:cNvGrpSpPr/>
         <p:nvPr/>
       </p:nvGrpSpPr>
@@ -10994,9 +10785,7 @@
       <p:sp>
         <p:nvSpPr>
           <p:cNvPr id="145" name="Google Shape;145;g2a801c85953_3_91"/>
-          <p:cNvSpPr txBox="1">
-            <a:spLocks noGrp="1"/>
-          </p:cNvSpPr>
+          <p:cNvSpPr txBox="1"/>
           <p:nvPr>
             <p:ph type="title"/>
           </p:nvPr>
@@ -11011,12 +10800,12 @@
           </a:prstGeom>
         </p:spPr>
         <p:txBody>
-          <a:bodyPr spcFirstLastPara="1" wrap="square" lIns="91425" tIns="91425" rIns="91425" bIns="91425" anchor="t" anchorCtr="0">
+          <a:bodyPr anchorCtr="0" anchor="t" bIns="91425" lIns="91425" spcFirstLastPara="1" rIns="91425" wrap="square" tIns="91425">
             <a:normAutofit fontScale="90000"/>
           </a:bodyPr>
           <a:lstStyle/>
           <a:p>
-            <a:pPr marL="0" lvl="0" indent="0" algn="l" rtl="0">
+            <a:pPr indent="0" lvl="0" marL="0" rtl="0" algn="l">
               <a:spcBef>
                 <a:spcPts val="0"/>
               </a:spcBef>
@@ -11036,11 +10825,9 @@
       <p:sp>
         <p:nvSpPr>
           <p:cNvPr id="146" name="Google Shape;146;g2a801c85953_3_91"/>
-          <p:cNvSpPr txBox="1">
-            <a:spLocks noGrp="1"/>
-          </p:cNvSpPr>
+          <p:cNvSpPr txBox="1"/>
           <p:nvPr>
-            <p:ph type="body" idx="1"/>
+            <p:ph idx="1" type="body"/>
           </p:nvPr>
         </p:nvSpPr>
         <p:spPr>
@@ -11053,12 +10840,12 @@
           </a:prstGeom>
         </p:spPr>
         <p:txBody>
-          <a:bodyPr spcFirstLastPara="1" wrap="square" lIns="91425" tIns="91425" rIns="91425" bIns="91425" anchor="t" anchorCtr="0">
+          <a:bodyPr anchorCtr="0" anchor="t" bIns="91425" lIns="91425" spcFirstLastPara="1" rIns="91425" wrap="square" tIns="91425">
             <a:normAutofit lnSpcReduction="10000"/>
           </a:bodyPr>
           <a:lstStyle/>
           <a:p>
-            <a:pPr marL="0" lvl="0" indent="0" algn="l" rtl="0">
+            <a:pPr indent="0" lvl="0" marL="0" rtl="0" algn="l">
               <a:spcBef>
                 <a:spcPts val="0"/>
               </a:spcBef>
@@ -11087,7 +10874,7 @@
             </a:endParaRPr>
           </a:p>
           <a:p>
-            <a:pPr marL="0" lvl="0" indent="0" algn="l" rtl="0">
+            <a:pPr indent="0" lvl="0" marL="0" rtl="0" algn="l">
               <a:spcBef>
                 <a:spcPts val="0"/>
               </a:spcBef>
@@ -11111,7 +10898,7 @@
             </a:endParaRPr>
           </a:p>
           <a:p>
-            <a:pPr marL="0" lvl="0" indent="0" algn="l" rtl="0">
+            <a:pPr indent="0" lvl="0" marL="0" rtl="0" algn="l">
               <a:spcBef>
                 <a:spcPts val="0"/>
               </a:spcBef>
@@ -11125,6 +10912,9 @@
               <a:buFont typeface="Arial"/>
               <a:buNone/>
             </a:pPr>
+            <a:r>
+              <a:t/>
+            </a:r>
             <a:endParaRPr>
               <a:solidFill>
                 <a:schemeClr val="dk1"/>
@@ -11132,7 +10922,7 @@
             </a:endParaRPr>
           </a:p>
           <a:p>
-            <a:pPr marL="0" lvl="0" indent="0" algn="l" rtl="0">
+            <a:pPr indent="0" lvl="0" marL="0" rtl="0" algn="l">
               <a:spcBef>
                 <a:spcPts val="0"/>
               </a:spcBef>
@@ -11156,7 +10946,7 @@
             </a:endParaRPr>
           </a:p>
           <a:p>
-            <a:pPr marL="0" lvl="0" indent="0" algn="l" rtl="0">
+            <a:pPr indent="0" lvl="0" marL="0" rtl="0" algn="l">
               <a:spcBef>
                 <a:spcPts val="0"/>
               </a:spcBef>
@@ -11185,7 +10975,7 @@
             </a:endParaRPr>
           </a:p>
           <a:p>
-            <a:pPr marL="0" lvl="0" indent="0" algn="l" rtl="0">
+            <a:pPr indent="0" lvl="0" marL="0" rtl="0" algn="l">
               <a:spcBef>
                 <a:spcPts val="0"/>
               </a:spcBef>
@@ -11194,6 +10984,9 @@
               </a:spcAft>
               <a:buNone/>
             </a:pPr>
+            <a:r>
+              <a:t/>
+            </a:r>
             <a:endParaRPr/>
           </a:p>
         </p:txBody>
@@ -11264,7 +11057,7 @@
           <a:blip r:embed="rId5">
             <a:alphaModFix/>
           </a:blip>
-          <a:srcRect l="10063" t="7983" r="11866" b="8773"/>
+          <a:srcRect b="8773" l="10063" r="11866" t="7983"/>
           <a:stretch/>
         </p:blipFill>
         <p:spPr>
@@ -11290,11 +11083,11 @@
 </file>
 
 <file path=ppt/slides/slide12.xml><?xml version="1.0" encoding="utf-8"?>
-<p:sld xmlns:a="http://schemas.openxmlformats.org/drawingml/2006/main" xmlns:r="http://schemas.openxmlformats.org/officeDocument/2006/relationships" xmlns:p="http://schemas.openxmlformats.org/presentationml/2006/main">
+<p:sld xmlns:a="http://schemas.openxmlformats.org/drawingml/2006/main" xmlns:r="http://schemas.openxmlformats.org/officeDocument/2006/relationships" xmlns:mc="http://schemas.openxmlformats.org/markup-compatibility/2006" xmlns:mv="urn:schemas-microsoft-com:mac:vml" xmlns:p="http://schemas.openxmlformats.org/presentationml/2006/main" xmlns:c="http://schemas.openxmlformats.org/drawingml/2006/chart" xmlns:dgm="http://schemas.openxmlformats.org/drawingml/2006/diagram" xmlns:o="urn:schemas-microsoft-com:office:office" xmlns:v="urn:schemas-microsoft-com:vml" xmlns:pvml="urn:schemas-microsoft-com:office:powerpoint" xmlns:com="http://schemas.openxmlformats.org/drawingml/2006/compatibility" xmlns:p14="http://schemas.microsoft.com/office/powerpoint/2010/main" xmlns:p15="http://schemas.microsoft.com/office/powerpoint/2012/main" xmlns:ahyp="http://schemas.microsoft.com/office/drawing/2018/hyperlinkcolor">
   <p:cSld>
     <p:spTree>
       <p:nvGrpSpPr>
-        <p:cNvPr id="1" name="Shape 153"/>
+        <p:cNvPr id="153" name="Shape 153"/>
         <p:cNvGrpSpPr/>
         <p:nvPr/>
       </p:nvGrpSpPr>
@@ -11309,9 +11102,7 @@
       <p:sp>
         <p:nvSpPr>
           <p:cNvPr id="154" name="Google Shape;154;g2a801c85953_3_108"/>
-          <p:cNvSpPr txBox="1">
-            <a:spLocks noGrp="1"/>
-          </p:cNvSpPr>
+          <p:cNvSpPr txBox="1"/>
           <p:nvPr>
             <p:ph type="title"/>
           </p:nvPr>
@@ -11326,12 +11117,12 @@
           </a:prstGeom>
         </p:spPr>
         <p:txBody>
-          <a:bodyPr spcFirstLastPara="1" wrap="square" lIns="91425" tIns="91425" rIns="91425" bIns="91425" anchor="t" anchorCtr="0">
+          <a:bodyPr anchorCtr="0" anchor="t" bIns="91425" lIns="91425" spcFirstLastPara="1" rIns="91425" wrap="square" tIns="91425">
             <a:normAutofit fontScale="90000"/>
           </a:bodyPr>
           <a:lstStyle/>
           <a:p>
-            <a:pPr marL="0" lvl="0" indent="0" algn="l" rtl="0">
+            <a:pPr indent="0" lvl="0" marL="0" rtl="0" algn="l">
               <a:spcBef>
                 <a:spcPts val="0"/>
               </a:spcBef>
@@ -11351,11 +11142,9 @@
       <p:sp>
         <p:nvSpPr>
           <p:cNvPr id="155" name="Google Shape;155;g2a801c85953_3_108"/>
-          <p:cNvSpPr txBox="1">
-            <a:spLocks noGrp="1"/>
-          </p:cNvSpPr>
+          <p:cNvSpPr txBox="1"/>
           <p:nvPr>
-            <p:ph type="body" idx="1"/>
+            <p:ph idx="1" type="body"/>
           </p:nvPr>
         </p:nvSpPr>
         <p:spPr>
@@ -11368,12 +11157,12 @@
           </a:prstGeom>
         </p:spPr>
         <p:txBody>
-          <a:bodyPr spcFirstLastPara="1" wrap="square" lIns="91425" tIns="91425" rIns="91425" bIns="91425" anchor="t" anchorCtr="0">
+          <a:bodyPr anchorCtr="0" anchor="t" bIns="91425" lIns="91425" spcFirstLastPara="1" rIns="91425" wrap="square" tIns="91425">
             <a:normAutofit lnSpcReduction="10000"/>
           </a:bodyPr>
           <a:lstStyle/>
           <a:p>
-            <a:pPr marL="0" lvl="0" indent="0" algn="l" rtl="0">
+            <a:pPr indent="0" lvl="0" marL="0" rtl="0" algn="l">
               <a:spcBef>
                 <a:spcPts val="0"/>
               </a:spcBef>
@@ -11397,7 +11186,7 @@
             </a:endParaRPr>
           </a:p>
           <a:p>
-            <a:pPr marL="0" lvl="0" indent="0" algn="l" rtl="0">
+            <a:pPr indent="0" lvl="0" marL="0" rtl="0" algn="l">
               <a:spcBef>
                 <a:spcPts val="0"/>
               </a:spcBef>
@@ -11411,6 +11200,9 @@
               <a:buFont typeface="Arial"/>
               <a:buNone/>
             </a:pPr>
+            <a:r>
+              <a:t/>
+            </a:r>
             <a:endParaRPr>
               <a:solidFill>
                 <a:schemeClr val="dk1"/>
@@ -11418,7 +11210,7 @@
             </a:endParaRPr>
           </a:p>
           <a:p>
-            <a:pPr marL="457200" lvl="0" indent="0" algn="l" rtl="0">
+            <a:pPr indent="0" lvl="0" marL="457200" rtl="0" algn="l">
               <a:spcBef>
                 <a:spcPts val="0"/>
               </a:spcBef>
@@ -11442,7 +11234,7 @@
             </a:endParaRPr>
           </a:p>
           <a:p>
-            <a:pPr marL="457200" lvl="0" indent="0" algn="l" rtl="0">
+            <a:pPr indent="0" lvl="0" marL="457200" rtl="0" algn="l">
               <a:spcBef>
                 <a:spcPts val="0"/>
               </a:spcBef>
@@ -11456,6 +11248,9 @@
               <a:buFont typeface="Arial"/>
               <a:buNone/>
             </a:pPr>
+            <a:r>
+              <a:t/>
+            </a:r>
             <a:endParaRPr>
               <a:solidFill>
                 <a:schemeClr val="dk1"/>
@@ -11463,7 +11258,7 @@
             </a:endParaRPr>
           </a:p>
           <a:p>
-            <a:pPr marL="457200" lvl="0" indent="0" algn="l" rtl="0">
+            <a:pPr indent="0" lvl="0" marL="457200" rtl="0" algn="l">
               <a:spcBef>
                 <a:spcPts val="0"/>
               </a:spcBef>
@@ -11487,7 +11282,7 @@
             </a:endParaRPr>
           </a:p>
           <a:p>
-            <a:pPr marL="457200" lvl="0" indent="0" algn="l" rtl="0">
+            <a:pPr indent="0" lvl="0" marL="457200" rtl="0" algn="l">
               <a:spcBef>
                 <a:spcPts val="0"/>
               </a:spcBef>
@@ -11549,30 +11344,30 @@
           </a:xfrm>
           <a:prstGeom prst="downArrow">
             <a:avLst>
-              <a:gd name="adj1" fmla="val 50000"/>
-              <a:gd name="adj2" fmla="val 50000"/>
+              <a:gd fmla="val 50000" name="adj1"/>
+              <a:gd fmla="val 50000" name="adj2"/>
             </a:avLst>
           </a:prstGeom>
           <a:solidFill>
             <a:schemeClr val="lt2"/>
           </a:solidFill>
-          <a:ln w="9525" cap="flat" cmpd="sng">
+          <a:ln cap="flat" cmpd="sng" w="9525">
             <a:solidFill>
               <a:schemeClr val="dk2"/>
             </a:solidFill>
             <a:prstDash val="solid"/>
             <a:round/>
-            <a:headEnd type="none" w="sm" len="sm"/>
-            <a:tailEnd type="none" w="sm" len="sm"/>
+            <a:headEnd len="sm" w="sm" type="none"/>
+            <a:tailEnd len="sm" w="sm" type="none"/>
           </a:ln>
         </p:spPr>
         <p:txBody>
-          <a:bodyPr spcFirstLastPara="1" wrap="square" lIns="91425" tIns="91425" rIns="91425" bIns="91425" anchor="ctr" anchorCtr="0">
+          <a:bodyPr anchorCtr="0" anchor="ctr" bIns="91425" lIns="91425" spcFirstLastPara="1" rIns="91425" wrap="square" tIns="91425">
             <a:noAutofit/>
           </a:bodyPr>
           <a:lstStyle/>
           <a:p>
-            <a:pPr marL="0" lvl="0" indent="0" algn="ctr" rtl="0">
+            <a:pPr indent="0" lvl="0" marL="0" rtl="0" algn="ctr">
               <a:spcBef>
                 <a:spcPts val="0"/>
               </a:spcBef>
@@ -11581,6 +11376,9 @@
               </a:spcAft>
               <a:buNone/>
             </a:pPr>
+            <a:r>
+              <a:t/>
+            </a:r>
             <a:endParaRPr/>
           </a:p>
         </p:txBody>
@@ -11595,7 +11393,7 @@
           <a:blip r:embed="rId4">
             <a:alphaModFix/>
           </a:blip>
-          <a:srcRect l="7694" t="9331" r="5941" b="13608"/>
+          <a:srcRect b="13608" l="7694" r="5941" t="9331"/>
           <a:stretch/>
         </p:blipFill>
         <p:spPr>
@@ -11621,11 +11419,11 @@
 </file>
 
 <file path=ppt/slides/slide13.xml><?xml version="1.0" encoding="utf-8"?>
-<p:sld xmlns:a="http://schemas.openxmlformats.org/drawingml/2006/main" xmlns:r="http://schemas.openxmlformats.org/officeDocument/2006/relationships" xmlns:p="http://schemas.openxmlformats.org/presentationml/2006/main">
+<p:sld xmlns:a="http://schemas.openxmlformats.org/drawingml/2006/main" xmlns:r="http://schemas.openxmlformats.org/officeDocument/2006/relationships" xmlns:mc="http://schemas.openxmlformats.org/markup-compatibility/2006" xmlns:mv="urn:schemas-microsoft-com:mac:vml" xmlns:p="http://schemas.openxmlformats.org/presentationml/2006/main" xmlns:c="http://schemas.openxmlformats.org/drawingml/2006/chart" xmlns:dgm="http://schemas.openxmlformats.org/drawingml/2006/diagram" xmlns:o="urn:schemas-microsoft-com:office:office" xmlns:v="urn:schemas-microsoft-com:vml" xmlns:pvml="urn:schemas-microsoft-com:office:powerpoint" xmlns:com="http://schemas.openxmlformats.org/drawingml/2006/compatibility" xmlns:p14="http://schemas.microsoft.com/office/powerpoint/2010/main" xmlns:p15="http://schemas.microsoft.com/office/powerpoint/2012/main" xmlns:ahyp="http://schemas.microsoft.com/office/drawing/2018/hyperlinkcolor">
   <p:cSld>
     <p:spTree>
       <p:nvGrpSpPr>
-        <p:cNvPr id="1" name="Shape 162"/>
+        <p:cNvPr id="162" name="Shape 162"/>
         <p:cNvGrpSpPr/>
         <p:nvPr/>
       </p:nvGrpSpPr>
@@ -11640,9 +11438,7 @@
       <p:sp>
         <p:nvSpPr>
           <p:cNvPr id="163" name="Google Shape;163;g2a7c1fc1d97_1_156"/>
-          <p:cNvSpPr txBox="1">
-            <a:spLocks noGrp="1"/>
-          </p:cNvSpPr>
+          <p:cNvSpPr txBox="1"/>
           <p:nvPr>
             <p:ph type="title"/>
           </p:nvPr>
@@ -11657,12 +11453,12 @@
           </a:prstGeom>
         </p:spPr>
         <p:txBody>
-          <a:bodyPr spcFirstLastPara="1" wrap="square" lIns="91425" tIns="91425" rIns="91425" bIns="91425" anchor="t" anchorCtr="0">
+          <a:bodyPr anchorCtr="0" anchor="t" bIns="91425" lIns="91425" spcFirstLastPara="1" rIns="91425" wrap="square" tIns="91425">
             <a:normAutofit fontScale="90000"/>
           </a:bodyPr>
           <a:lstStyle/>
           <a:p>
-            <a:pPr marL="0" lvl="0" indent="0" algn="l" rtl="0">
+            <a:pPr indent="0" lvl="0" marL="0" rtl="0" algn="l">
               <a:spcBef>
                 <a:spcPts val="0"/>
               </a:spcBef>
@@ -11682,11 +11478,9 @@
       <p:sp>
         <p:nvSpPr>
           <p:cNvPr id="164" name="Google Shape;164;g2a7c1fc1d97_1_156"/>
-          <p:cNvSpPr txBox="1">
-            <a:spLocks noGrp="1"/>
-          </p:cNvSpPr>
+          <p:cNvSpPr txBox="1"/>
           <p:nvPr>
-            <p:ph type="body" idx="1"/>
+            <p:ph idx="1" type="body"/>
           </p:nvPr>
         </p:nvSpPr>
         <p:spPr>
@@ -11699,12 +11493,12 @@
           </a:prstGeom>
         </p:spPr>
         <p:txBody>
-          <a:bodyPr spcFirstLastPara="1" wrap="square" lIns="91425" tIns="91425" rIns="91425" bIns="91425" anchor="t" anchorCtr="0">
+          <a:bodyPr anchorCtr="0" anchor="t" bIns="91425" lIns="91425" spcFirstLastPara="1" rIns="91425" wrap="square" tIns="91425">
             <a:normAutofit/>
           </a:bodyPr>
           <a:lstStyle/>
           <a:p>
-            <a:pPr marL="0" lvl="0" indent="0" algn="l" rtl="0">
+            <a:pPr indent="0" lvl="0" marL="0" rtl="0" algn="l">
               <a:spcBef>
                 <a:spcPts val="0"/>
               </a:spcBef>
@@ -11738,7 +11532,7 @@
           <a:blip r:embed="rId3">
             <a:alphaModFix/>
           </a:blip>
-          <a:srcRect b="5249"/>
+          <a:srcRect b="5249" l="0" r="0" t="0"/>
           <a:stretch/>
         </p:blipFill>
         <p:spPr>
@@ -11793,7 +11587,7 @@
           <a:blip r:embed="rId5">
             <a:alphaModFix/>
           </a:blip>
-          <a:srcRect l="7172" t="6175" r="7843" b="5227"/>
+          <a:srcRect b="5227" l="7172" r="7843" t="6175"/>
           <a:stretch/>
         </p:blipFill>
         <p:spPr>
@@ -11819,11 +11613,11 @@
 </file>
 
 <file path=ppt/slides/slide14.xml><?xml version="1.0" encoding="utf-8"?>
-<p:sld xmlns:a="http://schemas.openxmlformats.org/drawingml/2006/main" xmlns:r="http://schemas.openxmlformats.org/officeDocument/2006/relationships" xmlns:p="http://schemas.openxmlformats.org/presentationml/2006/main">
+<p:sld xmlns:a="http://schemas.openxmlformats.org/drawingml/2006/main" xmlns:r="http://schemas.openxmlformats.org/officeDocument/2006/relationships" xmlns:mc="http://schemas.openxmlformats.org/markup-compatibility/2006" xmlns:mv="urn:schemas-microsoft-com:mac:vml" xmlns:p="http://schemas.openxmlformats.org/presentationml/2006/main" xmlns:c="http://schemas.openxmlformats.org/drawingml/2006/chart" xmlns:dgm="http://schemas.openxmlformats.org/drawingml/2006/diagram" xmlns:o="urn:schemas-microsoft-com:office:office" xmlns:v="urn:schemas-microsoft-com:vml" xmlns:pvml="urn:schemas-microsoft-com:office:powerpoint" xmlns:com="http://schemas.openxmlformats.org/drawingml/2006/compatibility" xmlns:p14="http://schemas.microsoft.com/office/powerpoint/2010/main" xmlns:p15="http://schemas.microsoft.com/office/powerpoint/2012/main" xmlns:ahyp="http://schemas.microsoft.com/office/drawing/2018/hyperlinkcolor">
   <p:cSld>
     <p:spTree>
       <p:nvGrpSpPr>
-        <p:cNvPr id="1" name="Shape 171"/>
+        <p:cNvPr id="171" name="Shape 171"/>
         <p:cNvGrpSpPr/>
         <p:nvPr/>
       </p:nvGrpSpPr>
@@ -11838,9 +11632,7 @@
       <p:sp>
         <p:nvSpPr>
           <p:cNvPr id="172" name="Google Shape;172;g2a801c85953_5_5"/>
-          <p:cNvSpPr txBox="1">
-            <a:spLocks noGrp="1"/>
-          </p:cNvSpPr>
+          <p:cNvSpPr txBox="1"/>
           <p:nvPr>
             <p:ph type="title"/>
           </p:nvPr>
@@ -11855,12 +11647,12 @@
           </a:prstGeom>
         </p:spPr>
         <p:txBody>
-          <a:bodyPr spcFirstLastPara="1" wrap="square" lIns="91425" tIns="91425" rIns="91425" bIns="91425" anchor="ctr" anchorCtr="0">
+          <a:bodyPr anchorCtr="0" anchor="ctr" bIns="91425" lIns="91425" spcFirstLastPara="1" rIns="91425" wrap="square" tIns="91425">
             <a:normAutofit/>
           </a:bodyPr>
           <a:lstStyle/>
           <a:p>
-            <a:pPr marL="0" lvl="0" indent="0" algn="ctr" rtl="0">
+            <a:pPr indent="0" lvl="0" marL="0" rtl="0" algn="ctr">
               <a:spcBef>
                 <a:spcPts val="0"/>
               </a:spcBef>
@@ -11886,11 +11678,11 @@
 </file>
 
 <file path=ppt/slides/slide15.xml><?xml version="1.0" encoding="utf-8"?>
-<p:sld xmlns:a="http://schemas.openxmlformats.org/drawingml/2006/main" xmlns:r="http://schemas.openxmlformats.org/officeDocument/2006/relationships" xmlns:p="http://schemas.openxmlformats.org/presentationml/2006/main">
+<p:sld xmlns:a="http://schemas.openxmlformats.org/drawingml/2006/main" xmlns:r="http://schemas.openxmlformats.org/officeDocument/2006/relationships" xmlns:mc="http://schemas.openxmlformats.org/markup-compatibility/2006" xmlns:mv="urn:schemas-microsoft-com:mac:vml" xmlns:p="http://schemas.openxmlformats.org/presentationml/2006/main" xmlns:c="http://schemas.openxmlformats.org/drawingml/2006/chart" xmlns:dgm="http://schemas.openxmlformats.org/drawingml/2006/diagram" xmlns:o="urn:schemas-microsoft-com:office:office" xmlns:v="urn:schemas-microsoft-com:vml" xmlns:pvml="urn:schemas-microsoft-com:office:powerpoint" xmlns:com="http://schemas.openxmlformats.org/drawingml/2006/compatibility" xmlns:p14="http://schemas.microsoft.com/office/powerpoint/2010/main" xmlns:p15="http://schemas.microsoft.com/office/powerpoint/2012/main" xmlns:ahyp="http://schemas.microsoft.com/office/drawing/2018/hyperlinkcolor">
   <p:cSld>
     <p:spTree>
       <p:nvGrpSpPr>
-        <p:cNvPr id="1" name="Shape 176"/>
+        <p:cNvPr id="176" name="Shape 176"/>
         <p:cNvGrpSpPr/>
         <p:nvPr/>
       </p:nvGrpSpPr>
@@ -11905,9 +11697,7 @@
       <p:sp>
         <p:nvSpPr>
           <p:cNvPr id="177" name="Google Shape;177;g263b0ff8fa3_0_0"/>
-          <p:cNvSpPr txBox="1">
-            <a:spLocks noGrp="1"/>
-          </p:cNvSpPr>
+          <p:cNvSpPr txBox="1"/>
           <p:nvPr>
             <p:ph type="title"/>
           </p:nvPr>
@@ -11922,12 +11712,12 @@
           </a:prstGeom>
         </p:spPr>
         <p:txBody>
-          <a:bodyPr spcFirstLastPara="1" wrap="square" lIns="91425" tIns="91425" rIns="91425" bIns="91425" anchor="t" anchorCtr="0">
+          <a:bodyPr anchorCtr="0" anchor="t" bIns="91425" lIns="91425" spcFirstLastPara="1" rIns="91425" wrap="square" tIns="91425">
             <a:normAutofit fontScale="90000"/>
           </a:bodyPr>
           <a:lstStyle/>
           <a:p>
-            <a:pPr marL="0" lvl="0" indent="0" algn="l" rtl="0">
+            <a:pPr indent="0" lvl="0" marL="0" rtl="0" algn="l">
               <a:spcBef>
                 <a:spcPts val="0"/>
               </a:spcBef>
@@ -11947,11 +11737,9 @@
       <p:sp>
         <p:nvSpPr>
           <p:cNvPr id="178" name="Google Shape;178;g263b0ff8fa3_0_0"/>
-          <p:cNvSpPr txBox="1">
-            <a:spLocks noGrp="1"/>
-          </p:cNvSpPr>
+          <p:cNvSpPr txBox="1"/>
           <p:nvPr>
-            <p:ph type="body" idx="1"/>
+            <p:ph idx="1" type="body"/>
           </p:nvPr>
         </p:nvSpPr>
         <p:spPr>
@@ -11964,12 +11752,12 @@
           </a:prstGeom>
         </p:spPr>
         <p:txBody>
-          <a:bodyPr spcFirstLastPara="1" wrap="square" lIns="91425" tIns="91425" rIns="91425" bIns="91425" anchor="t" anchorCtr="0">
-            <a:normAutofit/>
+          <a:bodyPr anchorCtr="0" anchor="t" bIns="91425" lIns="91425" spcFirstLastPara="1" rIns="91425" wrap="square" tIns="91425">
+            <a:normAutofit lnSpcReduction="10000"/>
           </a:bodyPr>
           <a:lstStyle/>
           <a:p>
-            <a:pPr marL="0" lvl="0" indent="0" algn="l" rtl="0">
+            <a:pPr indent="0" lvl="0" marL="0" rtl="0" algn="l">
               <a:spcBef>
                 <a:spcPts val="0"/>
               </a:spcBef>
@@ -11979,21 +11767,29 @@
               <a:buNone/>
             </a:pPr>
             <a:r>
-              <a:rPr lang="ja" b="1" dirty="0">
+              <a:rPr b="1" lang="ja">
                 <a:solidFill>
                   <a:schemeClr val="dk1"/>
                 </a:solidFill>
               </a:rPr>
-              <a:t>（必須）</a:t>
+              <a:t>（</a:t>
             </a:r>
-            <a:endParaRPr b="1" dirty="0">
+            <a:r>
+              <a:rPr b="1" lang="ja">
+                <a:solidFill>
+                  <a:schemeClr val="dk1"/>
+                </a:solidFill>
+              </a:rPr>
+              <a:t>必須）</a:t>
+            </a:r>
+            <a:endParaRPr b="1">
               <a:solidFill>
                 <a:schemeClr val="dk1"/>
               </a:solidFill>
             </a:endParaRPr>
           </a:p>
           <a:p>
-            <a:pPr marL="457200" lvl="0" indent="0" algn="l" rtl="0">
+            <a:pPr indent="0" lvl="0" marL="457200" rtl="0" algn="l">
               <a:spcBef>
                 <a:spcPts val="0"/>
               </a:spcBef>
@@ -12003,21 +11799,21 @@
               <a:buNone/>
             </a:pPr>
             <a:r>
-              <a:rPr lang="ja" dirty="0">
+              <a:rPr lang="ja">
                 <a:solidFill>
                   <a:schemeClr val="dk1"/>
                 </a:solidFill>
               </a:rPr>
-              <a:t>画像分類モデルを自前で組んで、CIFAR-10で分類精度55%以上を達成する。</a:t>
+              <a:t>画像分類モデルを自前で組んで、CIFAR-10テストデータで分類精度55%以上を達成する。</a:t>
             </a:r>
-            <a:endParaRPr dirty="0">
+            <a:endParaRPr>
               <a:solidFill>
                 <a:schemeClr val="dk1"/>
               </a:solidFill>
             </a:endParaRPr>
           </a:p>
           <a:p>
-            <a:pPr marL="0" lvl="0" indent="0" algn="l" rtl="0">
+            <a:pPr indent="0" lvl="0" marL="0" rtl="0" algn="l">
               <a:spcBef>
                 <a:spcPts val="0"/>
               </a:spcBef>
@@ -12032,21 +11828,21 @@
               <a:buNone/>
             </a:pPr>
             <a:r>
-              <a:rPr lang="ja" dirty="0">
+              <a:rPr lang="ja">
                 <a:solidFill>
                   <a:schemeClr val="dk1"/>
                 </a:solidFill>
               </a:rPr>
               <a:t>実装するファイル</a:t>
             </a:r>
-            <a:endParaRPr dirty="0">
+            <a:endParaRPr>
               <a:solidFill>
                 <a:schemeClr val="dk1"/>
               </a:solidFill>
             </a:endParaRPr>
           </a:p>
           <a:p>
-            <a:pPr marL="457200" lvl="0" indent="-342900" algn="l" rtl="0">
+            <a:pPr indent="-342900" lvl="0" marL="457200" rtl="0" algn="l">
               <a:spcBef>
                 <a:spcPts val="0"/>
               </a:spcBef>
@@ -12060,21 +11856,21 @@
               <a:buChar char="●"/>
             </a:pPr>
             <a:r>
-              <a:rPr lang="ja" dirty="0">
+              <a:rPr lang="ja">
                 <a:solidFill>
                   <a:schemeClr val="dk1"/>
                 </a:solidFill>
               </a:rPr>
               <a:t>dataset.py : データセットの読み込み</a:t>
             </a:r>
-            <a:endParaRPr dirty="0">
+            <a:endParaRPr>
               <a:solidFill>
                 <a:schemeClr val="dk1"/>
               </a:solidFill>
             </a:endParaRPr>
           </a:p>
           <a:p>
-            <a:pPr marL="457200" lvl="0" indent="-342900" algn="l" rtl="0">
+            <a:pPr indent="-342900" lvl="0" marL="457200" rtl="0" algn="l">
               <a:spcBef>
                 <a:spcPts val="0"/>
               </a:spcBef>
@@ -12088,21 +11884,21 @@
               <a:buChar char="●"/>
             </a:pPr>
             <a:r>
-              <a:rPr lang="ja" dirty="0">
+              <a:rPr lang="ja">
                 <a:solidFill>
                   <a:schemeClr val="dk1"/>
                 </a:solidFill>
               </a:rPr>
               <a:t>model.py : モデルの作成</a:t>
             </a:r>
-            <a:endParaRPr dirty="0">
+            <a:endParaRPr>
               <a:solidFill>
                 <a:schemeClr val="dk1"/>
               </a:solidFill>
             </a:endParaRPr>
           </a:p>
           <a:p>
-            <a:pPr marL="457200" lvl="0" indent="-342900" algn="l" rtl="0">
+            <a:pPr indent="-342900" lvl="0" marL="457200" rtl="0" algn="l">
               <a:spcBef>
                 <a:spcPts val="0"/>
               </a:spcBef>
@@ -12116,21 +11912,21 @@
               <a:buChar char="●"/>
             </a:pPr>
             <a:r>
-              <a:rPr lang="ja" dirty="0">
+              <a:rPr lang="ja">
                 <a:solidFill>
                   <a:schemeClr val="dk1"/>
                 </a:solidFill>
               </a:rPr>
               <a:t>train.py : モデルの学習・保存</a:t>
             </a:r>
-            <a:endParaRPr dirty="0">
+            <a:endParaRPr>
               <a:solidFill>
                 <a:schemeClr val="dk1"/>
               </a:solidFill>
             </a:endParaRPr>
           </a:p>
           <a:p>
-            <a:pPr marL="457200" lvl="0" indent="-342900" algn="l" rtl="0">
+            <a:pPr indent="-342900" lvl="0" marL="457200" rtl="0" algn="l">
               <a:spcBef>
                 <a:spcPts val="0"/>
               </a:spcBef>
@@ -12144,7 +11940,7 @@
               <a:buChar char="●"/>
             </a:pPr>
             <a:r>
-              <a:rPr lang="ja" dirty="0">
+              <a:rPr lang="ja">
                 <a:solidFill>
                   <a:schemeClr val="dk1"/>
                 </a:solidFill>
@@ -12152,21 +11948,21 @@
               <a:t>evaluation.py : </a:t>
             </a:r>
             <a:r>
-              <a:rPr lang="ja" dirty="0">
+              <a:rPr lang="ja">
                 <a:solidFill>
                   <a:srgbClr val="1D1C1D"/>
                 </a:solidFill>
               </a:rPr>
               <a:t>保存したモデルを読み込み、テストデータで精度を評価</a:t>
             </a:r>
-            <a:endParaRPr dirty="0">
+            <a:endParaRPr>
               <a:solidFill>
                 <a:schemeClr val="dk1"/>
               </a:solidFill>
             </a:endParaRPr>
           </a:p>
           <a:p>
-            <a:pPr marL="0" lvl="0" indent="0" algn="l" rtl="0">
+            <a:pPr indent="0" lvl="0" marL="0" rtl="0" algn="l">
               <a:spcBef>
                 <a:spcPts val="0"/>
               </a:spcBef>
@@ -12175,14 +11971,17 @@
               </a:spcAft>
               <a:buNone/>
             </a:pPr>
-            <a:endParaRPr dirty="0">
+            <a:r>
+              <a:t/>
+            </a:r>
+            <a:endParaRPr>
               <a:solidFill>
                 <a:schemeClr val="dk1"/>
               </a:solidFill>
             </a:endParaRPr>
           </a:p>
           <a:p>
-            <a:pPr marL="0" lvl="0" indent="0" algn="l" rtl="0">
+            <a:pPr indent="0" lvl="0" marL="0" rtl="0" algn="l">
               <a:spcBef>
                 <a:spcPts val="0"/>
               </a:spcBef>
@@ -12192,39 +11991,45 @@
               <a:buNone/>
             </a:pPr>
             <a:r>
-              <a:rPr lang="ja" b="1" dirty="0">
+              <a:rPr b="1" lang="ja">
                 <a:solidFill>
                   <a:schemeClr val="dk1"/>
                 </a:solidFill>
               </a:rPr>
               <a:t>（任意）</a:t>
             </a:r>
-            <a:endParaRPr b="1" dirty="0">
+            <a:endParaRPr b="1">
               <a:solidFill>
                 <a:schemeClr val="dk1"/>
               </a:solidFill>
             </a:endParaRPr>
           </a:p>
           <a:p>
-            <a:pPr marL="457200" lvl="1" indent="0">
+            <a:pPr indent="0" lvl="0" marL="0" rtl="0" algn="l">
+              <a:spcBef>
+                <a:spcPts val="0"/>
+              </a:spcBef>
+              <a:spcAft>
+                <a:spcPts val="0"/>
+              </a:spcAft>
               <a:buNone/>
             </a:pPr>
             <a:r>
-              <a:rPr lang="ja" sz="1800" dirty="0">
+              <a:rPr lang="ja">
                 <a:solidFill>
                   <a:schemeClr val="dk1"/>
                 </a:solidFill>
               </a:rPr>
-              <a:t>ResNet18で学習を行い、自分で組んだモデルと分類精度を比較する。</a:t>
+              <a:t>	ResNet18で学習を行い、自分で組んだモデルと分類精度を比較する。</a:t>
             </a:r>
-            <a:endParaRPr sz="1800" dirty="0">
+            <a:endParaRPr>
               <a:solidFill>
                 <a:srgbClr val="1D1C1D"/>
               </a:solidFill>
             </a:endParaRPr>
           </a:p>
           <a:p>
-            <a:pPr marL="0" lvl="0" indent="0" algn="l" rtl="0">
+            <a:pPr indent="0" lvl="0" marL="0" rtl="0" algn="l">
               <a:spcBef>
                 <a:spcPts val="0"/>
               </a:spcBef>
@@ -12234,21 +12039,21 @@
               <a:buNone/>
             </a:pPr>
             <a:r>
-              <a:rPr lang="ja" dirty="0">
+              <a:rPr lang="ja">
                 <a:solidFill>
                   <a:schemeClr val="dk1"/>
                 </a:solidFill>
               </a:rPr>
               <a:t>TorchvisionからResNetを利用することができる</a:t>
             </a:r>
-            <a:endParaRPr dirty="0">
+            <a:endParaRPr>
               <a:solidFill>
                 <a:schemeClr val="dk1"/>
               </a:solidFill>
             </a:endParaRPr>
           </a:p>
           <a:p>
-            <a:pPr marL="457200" lvl="0" indent="-317500" algn="l" rtl="0">
+            <a:pPr indent="-317500" lvl="0" marL="457200" rtl="0" algn="l">
               <a:spcBef>
                 <a:spcPts val="0"/>
               </a:spcBef>
@@ -12262,7 +12067,7 @@
               <a:buChar char="●"/>
             </a:pPr>
             <a:r>
-              <a:rPr lang="ja" sz="1400" u="sng" dirty="0">
+              <a:rPr lang="ja" sz="1400" u="sng">
                 <a:solidFill>
                   <a:schemeClr val="hlink"/>
                 </a:solidFill>
@@ -12270,7 +12075,7 @@
               </a:rPr>
               <a:t>https://pytorch.org/vision/main/models/generated/torchvision.models.resnet18.html</a:t>
             </a:r>
-            <a:endParaRPr sz="1400" dirty="0">
+            <a:endParaRPr sz="1400">
               <a:solidFill>
                 <a:schemeClr val="dk1"/>
               </a:solidFill>
@@ -12287,11 +12092,11 @@
 </file>
 
 <file path=ppt/slides/slide16.xml><?xml version="1.0" encoding="utf-8"?>
-<p:sld xmlns:a="http://schemas.openxmlformats.org/drawingml/2006/main" xmlns:r="http://schemas.openxmlformats.org/officeDocument/2006/relationships" xmlns:p="http://schemas.openxmlformats.org/presentationml/2006/main">
+<p:sld xmlns:a="http://schemas.openxmlformats.org/drawingml/2006/main" xmlns:r="http://schemas.openxmlformats.org/officeDocument/2006/relationships" xmlns:mc="http://schemas.openxmlformats.org/markup-compatibility/2006" xmlns:mv="urn:schemas-microsoft-com:mac:vml" xmlns:p="http://schemas.openxmlformats.org/presentationml/2006/main" xmlns:c="http://schemas.openxmlformats.org/drawingml/2006/chart" xmlns:dgm="http://schemas.openxmlformats.org/drawingml/2006/diagram" xmlns:o="urn:schemas-microsoft-com:office:office" xmlns:v="urn:schemas-microsoft-com:vml" xmlns:pvml="urn:schemas-microsoft-com:office:powerpoint" xmlns:com="http://schemas.openxmlformats.org/drawingml/2006/compatibility" xmlns:p14="http://schemas.microsoft.com/office/powerpoint/2010/main" xmlns:p15="http://schemas.microsoft.com/office/powerpoint/2012/main" xmlns:ahyp="http://schemas.microsoft.com/office/drawing/2018/hyperlinkcolor">
   <p:cSld>
     <p:spTree>
       <p:nvGrpSpPr>
-        <p:cNvPr id="1" name="Shape 182"/>
+        <p:cNvPr id="182" name="Shape 182"/>
         <p:cNvGrpSpPr/>
         <p:nvPr/>
       </p:nvGrpSpPr>
@@ -12362,9 +12167,7 @@
       <p:sp>
         <p:nvSpPr>
           <p:cNvPr id="185" name="Google Shape;185;g2643520e193_0_10"/>
-          <p:cNvSpPr txBox="1">
-            <a:spLocks noGrp="1"/>
-          </p:cNvSpPr>
+          <p:cNvSpPr txBox="1"/>
           <p:nvPr>
             <p:ph type="title"/>
           </p:nvPr>
@@ -12379,12 +12182,12 @@
           </a:prstGeom>
         </p:spPr>
         <p:txBody>
-          <a:bodyPr spcFirstLastPara="1" wrap="square" lIns="91425" tIns="91425" rIns="91425" bIns="91425" anchor="t" anchorCtr="0">
+          <a:bodyPr anchorCtr="0" anchor="t" bIns="91425" lIns="91425" spcFirstLastPara="1" rIns="91425" wrap="square" tIns="91425">
             <a:normAutofit fontScale="90000"/>
           </a:bodyPr>
           <a:lstStyle/>
           <a:p>
-            <a:pPr marL="0" lvl="0" indent="0" algn="l" rtl="0">
+            <a:pPr indent="0" lvl="0" marL="0" rtl="0" algn="l">
               <a:spcBef>
                 <a:spcPts val="0"/>
               </a:spcBef>
@@ -12404,11 +12207,9 @@
       <p:sp>
         <p:nvSpPr>
           <p:cNvPr id="186" name="Google Shape;186;g2643520e193_0_10"/>
-          <p:cNvSpPr txBox="1">
-            <a:spLocks noGrp="1"/>
-          </p:cNvSpPr>
+          <p:cNvSpPr txBox="1"/>
           <p:nvPr>
-            <p:ph type="body" idx="1"/>
+            <p:ph idx="1" type="body"/>
           </p:nvPr>
         </p:nvSpPr>
         <p:spPr>
@@ -12421,12 +12222,12 @@
           </a:prstGeom>
         </p:spPr>
         <p:txBody>
-          <a:bodyPr spcFirstLastPara="1" wrap="square" lIns="91425" tIns="91425" rIns="91425" bIns="91425" anchor="t" anchorCtr="0">
+          <a:bodyPr anchorCtr="0" anchor="t" bIns="91425" lIns="91425" spcFirstLastPara="1" rIns="91425" wrap="square" tIns="91425">
             <a:normAutofit/>
           </a:bodyPr>
           <a:lstStyle/>
           <a:p>
-            <a:pPr marL="0" lvl="0" indent="0" algn="l" rtl="0">
+            <a:pPr indent="0" lvl="0" marL="0" rtl="0" algn="l">
               <a:spcBef>
                 <a:spcPts val="0"/>
               </a:spcBef>
@@ -12450,7 +12251,7 @@
             </a:endParaRPr>
           </a:p>
           <a:p>
-            <a:pPr marL="0" lvl="0" indent="0" algn="l" rtl="0">
+            <a:pPr indent="0" lvl="0" marL="0" rtl="0" algn="l">
               <a:spcBef>
                 <a:spcPts val="0"/>
               </a:spcBef>
@@ -12459,6 +12260,9 @@
               </a:spcAft>
               <a:buNone/>
             </a:pPr>
+            <a:r>
+              <a:t/>
+            </a:r>
             <a:endParaRPr/>
           </a:p>
         </p:txBody>
@@ -12476,27 +12280,27 @@
           </a:xfrm>
           <a:prstGeom prst="roundRect">
             <a:avLst>
-              <a:gd name="adj" fmla="val 16667"/>
+              <a:gd fmla="val 16667" name="adj"/>
             </a:avLst>
           </a:prstGeom>
           <a:noFill/>
-          <a:ln w="19050" cap="flat" cmpd="sng">
+          <a:ln cap="flat" cmpd="sng" w="19050">
             <a:solidFill>
               <a:srgbClr val="FF0000"/>
             </a:solidFill>
             <a:prstDash val="solid"/>
             <a:round/>
-            <a:headEnd type="none" w="sm" len="sm"/>
-            <a:tailEnd type="none" w="sm" len="sm"/>
+            <a:headEnd len="sm" w="sm" type="none"/>
+            <a:tailEnd len="sm" w="sm" type="none"/>
           </a:ln>
         </p:spPr>
         <p:txBody>
-          <a:bodyPr spcFirstLastPara="1" wrap="square" lIns="91425" tIns="91425" rIns="91425" bIns="91425" anchor="ctr" anchorCtr="0">
+          <a:bodyPr anchorCtr="0" anchor="ctr" bIns="91425" lIns="91425" spcFirstLastPara="1" rIns="91425" wrap="square" tIns="91425">
             <a:noAutofit/>
           </a:bodyPr>
           <a:lstStyle/>
           <a:p>
-            <a:pPr marL="0" lvl="0" indent="0" algn="ctr" rtl="0">
+            <a:pPr indent="0" lvl="0" marL="0" rtl="0" algn="ctr">
               <a:spcBef>
                 <a:spcPts val="0"/>
               </a:spcBef>
@@ -12505,6 +12309,9 @@
               </a:spcAft>
               <a:buNone/>
             </a:pPr>
+            <a:r>
+              <a:t/>
+            </a:r>
             <a:endParaRPr/>
           </a:p>
         </p:txBody>
@@ -12522,27 +12329,27 @@
           </a:xfrm>
           <a:prstGeom prst="roundRect">
             <a:avLst>
-              <a:gd name="adj" fmla="val 16667"/>
+              <a:gd fmla="val 16667" name="adj"/>
             </a:avLst>
           </a:prstGeom>
           <a:noFill/>
-          <a:ln w="19050" cap="flat" cmpd="sng">
+          <a:ln cap="flat" cmpd="sng" w="19050">
             <a:solidFill>
               <a:srgbClr val="FF0000"/>
             </a:solidFill>
             <a:prstDash val="solid"/>
             <a:round/>
-            <a:headEnd type="none" w="sm" len="sm"/>
-            <a:tailEnd type="none" w="sm" len="sm"/>
+            <a:headEnd len="sm" w="sm" type="none"/>
+            <a:tailEnd len="sm" w="sm" type="none"/>
           </a:ln>
         </p:spPr>
         <p:txBody>
-          <a:bodyPr spcFirstLastPara="1" wrap="square" lIns="91425" tIns="91425" rIns="91425" bIns="91425" anchor="ctr" anchorCtr="0">
+          <a:bodyPr anchorCtr="0" anchor="ctr" bIns="91425" lIns="91425" spcFirstLastPara="1" rIns="91425" wrap="square" tIns="91425">
             <a:noAutofit/>
           </a:bodyPr>
           <a:lstStyle/>
           <a:p>
-            <a:pPr marL="0" lvl="0" indent="0" algn="ctr" rtl="0">
+            <a:pPr indent="0" lvl="0" marL="0" rtl="0" algn="ctr">
               <a:spcBef>
                 <a:spcPts val="0"/>
               </a:spcBef>
@@ -12551,6 +12358,9 @@
               </a:spcAft>
               <a:buNone/>
             </a:pPr>
+            <a:r>
+              <a:t/>
+            </a:r>
             <a:endParaRPr/>
           </a:p>
         </p:txBody>
@@ -12564,11 +12374,11 @@
 </file>
 
 <file path=ppt/slides/slide17.xml><?xml version="1.0" encoding="utf-8"?>
-<p:sld xmlns:a="http://schemas.openxmlformats.org/drawingml/2006/main" xmlns:r="http://schemas.openxmlformats.org/officeDocument/2006/relationships" xmlns:p="http://schemas.openxmlformats.org/presentationml/2006/main">
+<p:sld xmlns:a="http://schemas.openxmlformats.org/drawingml/2006/main" xmlns:r="http://schemas.openxmlformats.org/officeDocument/2006/relationships" xmlns:mc="http://schemas.openxmlformats.org/markup-compatibility/2006" xmlns:mv="urn:schemas-microsoft-com:mac:vml" xmlns:p="http://schemas.openxmlformats.org/presentationml/2006/main" xmlns:c="http://schemas.openxmlformats.org/drawingml/2006/chart" xmlns:dgm="http://schemas.openxmlformats.org/drawingml/2006/diagram" xmlns:o="urn:schemas-microsoft-com:office:office" xmlns:v="urn:schemas-microsoft-com:vml" xmlns:pvml="urn:schemas-microsoft-com:office:powerpoint" xmlns:com="http://schemas.openxmlformats.org/drawingml/2006/compatibility" xmlns:p14="http://schemas.microsoft.com/office/powerpoint/2010/main" xmlns:p15="http://schemas.microsoft.com/office/powerpoint/2012/main" xmlns:ahyp="http://schemas.microsoft.com/office/drawing/2018/hyperlinkcolor">
   <p:cSld>
     <p:spTree>
       <p:nvGrpSpPr>
-        <p:cNvPr id="1" name="Shape 192"/>
+        <p:cNvPr id="192" name="Shape 192"/>
         <p:cNvGrpSpPr/>
         <p:nvPr/>
       </p:nvGrpSpPr>
@@ -12611,9 +12421,7 @@
       <p:sp>
         <p:nvSpPr>
           <p:cNvPr id="194" name="Google Shape;194;g2643520e193_0_15"/>
-          <p:cNvSpPr txBox="1">
-            <a:spLocks noGrp="1"/>
-          </p:cNvSpPr>
+          <p:cNvSpPr txBox="1"/>
           <p:nvPr>
             <p:ph type="title"/>
           </p:nvPr>
@@ -12628,12 +12436,12 @@
           </a:prstGeom>
         </p:spPr>
         <p:txBody>
-          <a:bodyPr spcFirstLastPara="1" wrap="square" lIns="91425" tIns="91425" rIns="91425" bIns="91425" anchor="t" anchorCtr="0">
+          <a:bodyPr anchorCtr="0" anchor="t" bIns="91425" lIns="91425" spcFirstLastPara="1" rIns="91425" wrap="square" tIns="91425">
             <a:normAutofit fontScale="90000"/>
           </a:bodyPr>
           <a:lstStyle/>
           <a:p>
-            <a:pPr marL="0" lvl="0" indent="0" algn="l" rtl="0">
+            <a:pPr indent="0" lvl="0" marL="0" rtl="0" algn="l">
               <a:spcBef>
                 <a:spcPts val="0"/>
               </a:spcBef>
@@ -12653,11 +12461,9 @@
       <p:sp>
         <p:nvSpPr>
           <p:cNvPr id="195" name="Google Shape;195;g2643520e193_0_15"/>
-          <p:cNvSpPr txBox="1">
-            <a:spLocks noGrp="1"/>
-          </p:cNvSpPr>
+          <p:cNvSpPr txBox="1"/>
           <p:nvPr>
-            <p:ph type="body" idx="1"/>
+            <p:ph idx="1" type="body"/>
           </p:nvPr>
         </p:nvSpPr>
         <p:spPr>
@@ -12670,12 +12476,12 @@
           </a:prstGeom>
         </p:spPr>
         <p:txBody>
-          <a:bodyPr spcFirstLastPara="1" wrap="square" lIns="91425" tIns="91425" rIns="91425" bIns="91425" anchor="t" anchorCtr="0">
+          <a:bodyPr anchorCtr="0" anchor="t" bIns="91425" lIns="91425" spcFirstLastPara="1" rIns="91425" wrap="square" tIns="91425">
             <a:normAutofit/>
           </a:bodyPr>
           <a:lstStyle/>
           <a:p>
-            <a:pPr marL="0" lvl="0" indent="0" algn="l" rtl="0">
+            <a:pPr indent="0" lvl="0" marL="0" rtl="0" algn="l">
               <a:spcBef>
                 <a:spcPts val="0"/>
               </a:spcBef>
@@ -12717,27 +12523,27 @@
           </a:xfrm>
           <a:prstGeom prst="roundRect">
             <a:avLst>
-              <a:gd name="adj" fmla="val 16667"/>
+              <a:gd fmla="val 16667" name="adj"/>
             </a:avLst>
           </a:prstGeom>
           <a:noFill/>
-          <a:ln w="19050" cap="flat" cmpd="sng">
+          <a:ln cap="flat" cmpd="sng" w="19050">
             <a:solidFill>
               <a:srgbClr val="FF0000"/>
             </a:solidFill>
             <a:prstDash val="solid"/>
             <a:round/>
-            <a:headEnd type="none" w="sm" len="sm"/>
-            <a:tailEnd type="none" w="sm" len="sm"/>
+            <a:headEnd len="sm" w="sm" type="none"/>
+            <a:tailEnd len="sm" w="sm" type="none"/>
           </a:ln>
         </p:spPr>
         <p:txBody>
-          <a:bodyPr spcFirstLastPara="1" wrap="square" lIns="91425" tIns="91425" rIns="91425" bIns="91425" anchor="ctr" anchorCtr="0">
+          <a:bodyPr anchorCtr="0" anchor="ctr" bIns="91425" lIns="91425" spcFirstLastPara="1" rIns="91425" wrap="square" tIns="91425">
             <a:noAutofit/>
           </a:bodyPr>
           <a:lstStyle/>
           <a:p>
-            <a:pPr marL="0" lvl="0" indent="0" algn="ctr" rtl="0">
+            <a:pPr indent="0" lvl="0" marL="0" rtl="0" algn="ctr">
               <a:spcBef>
                 <a:spcPts val="0"/>
               </a:spcBef>
@@ -12746,6 +12552,9 @@
               </a:spcAft>
               <a:buNone/>
             </a:pPr>
+            <a:r>
+              <a:t/>
+            </a:r>
             <a:endParaRPr/>
           </a:p>
         </p:txBody>
@@ -12763,27 +12572,27 @@
           </a:xfrm>
           <a:prstGeom prst="roundRect">
             <a:avLst>
-              <a:gd name="adj" fmla="val 16667"/>
+              <a:gd fmla="val 16667" name="adj"/>
             </a:avLst>
           </a:prstGeom>
           <a:noFill/>
-          <a:ln w="19050" cap="flat" cmpd="sng">
+          <a:ln cap="flat" cmpd="sng" w="19050">
             <a:solidFill>
               <a:srgbClr val="FF0000"/>
             </a:solidFill>
             <a:prstDash val="solid"/>
             <a:round/>
-            <a:headEnd type="none" w="sm" len="sm"/>
-            <a:tailEnd type="none" w="sm" len="sm"/>
+            <a:headEnd len="sm" w="sm" type="none"/>
+            <a:tailEnd len="sm" w="sm" type="none"/>
           </a:ln>
         </p:spPr>
         <p:txBody>
-          <a:bodyPr spcFirstLastPara="1" wrap="square" lIns="91425" tIns="91425" rIns="91425" bIns="91425" anchor="ctr" anchorCtr="0">
+          <a:bodyPr anchorCtr="0" anchor="ctr" bIns="91425" lIns="91425" spcFirstLastPara="1" rIns="91425" wrap="square" tIns="91425">
             <a:noAutofit/>
           </a:bodyPr>
           <a:lstStyle/>
           <a:p>
-            <a:pPr marL="0" lvl="0" indent="0" algn="ctr" rtl="0">
+            <a:pPr indent="0" lvl="0" marL="0" rtl="0" algn="ctr">
               <a:spcBef>
                 <a:spcPts val="0"/>
               </a:spcBef>
@@ -12792,6 +12601,9 @@
               </a:spcAft>
               <a:buNone/>
             </a:pPr>
+            <a:r>
+              <a:t/>
+            </a:r>
             <a:endParaRPr/>
           </a:p>
         </p:txBody>
@@ -12833,11 +12645,11 @@
 </file>
 
 <file path=ppt/slides/slide18.xml><?xml version="1.0" encoding="utf-8"?>
-<p:sld xmlns:a="http://schemas.openxmlformats.org/drawingml/2006/main" xmlns:r="http://schemas.openxmlformats.org/officeDocument/2006/relationships" xmlns:p="http://schemas.openxmlformats.org/presentationml/2006/main">
+<p:sld xmlns:a="http://schemas.openxmlformats.org/drawingml/2006/main" xmlns:r="http://schemas.openxmlformats.org/officeDocument/2006/relationships" xmlns:mc="http://schemas.openxmlformats.org/markup-compatibility/2006" xmlns:mv="urn:schemas-microsoft-com:mac:vml" xmlns:p="http://schemas.openxmlformats.org/presentationml/2006/main" xmlns:c="http://schemas.openxmlformats.org/drawingml/2006/chart" xmlns:dgm="http://schemas.openxmlformats.org/drawingml/2006/diagram" xmlns:o="urn:schemas-microsoft-com:office:office" xmlns:v="urn:schemas-microsoft-com:vml" xmlns:pvml="urn:schemas-microsoft-com:office:powerpoint" xmlns:com="http://schemas.openxmlformats.org/drawingml/2006/compatibility" xmlns:p14="http://schemas.microsoft.com/office/powerpoint/2010/main" xmlns:p15="http://schemas.microsoft.com/office/powerpoint/2012/main" xmlns:ahyp="http://schemas.microsoft.com/office/drawing/2018/hyperlinkcolor">
   <p:cSld>
     <p:spTree>
       <p:nvGrpSpPr>
-        <p:cNvPr id="1" name="Shape 202"/>
+        <p:cNvPr id="202" name="Shape 202"/>
         <p:cNvGrpSpPr/>
         <p:nvPr/>
       </p:nvGrpSpPr>
@@ -12852,9 +12664,7 @@
       <p:sp>
         <p:nvSpPr>
           <p:cNvPr id="203" name="Google Shape;203;g2643520e193_0_1"/>
-          <p:cNvSpPr txBox="1">
-            <a:spLocks noGrp="1"/>
-          </p:cNvSpPr>
+          <p:cNvSpPr txBox="1"/>
           <p:nvPr>
             <p:ph type="title"/>
           </p:nvPr>
@@ -12869,12 +12679,12 @@
           </a:prstGeom>
         </p:spPr>
         <p:txBody>
-          <a:bodyPr spcFirstLastPara="1" wrap="square" lIns="91425" tIns="91425" rIns="91425" bIns="91425" anchor="t" anchorCtr="0">
+          <a:bodyPr anchorCtr="0" anchor="t" bIns="91425" lIns="91425" spcFirstLastPara="1" rIns="91425" wrap="square" tIns="91425">
             <a:normAutofit fontScale="90000"/>
           </a:bodyPr>
           <a:lstStyle/>
           <a:p>
-            <a:pPr marL="0" lvl="0" indent="0" algn="l" rtl="0">
+            <a:pPr indent="0" lvl="0" marL="0" rtl="0" algn="l">
               <a:spcBef>
                 <a:spcPts val="0"/>
               </a:spcBef>
@@ -12894,11 +12704,9 @@
       <p:sp>
         <p:nvSpPr>
           <p:cNvPr id="204" name="Google Shape;204;g2643520e193_0_1"/>
-          <p:cNvSpPr txBox="1">
-            <a:spLocks noGrp="1"/>
-          </p:cNvSpPr>
+          <p:cNvSpPr txBox="1"/>
           <p:nvPr>
-            <p:ph type="body" idx="1"/>
+            <p:ph idx="1" type="body"/>
           </p:nvPr>
         </p:nvSpPr>
         <p:spPr>
@@ -12911,12 +12719,12 @@
           </a:prstGeom>
         </p:spPr>
         <p:txBody>
-          <a:bodyPr spcFirstLastPara="1" wrap="square" lIns="91425" tIns="91425" rIns="91425" bIns="91425" anchor="t" anchorCtr="0">
+          <a:bodyPr anchorCtr="0" anchor="t" bIns="91425" lIns="91425" spcFirstLastPara="1" rIns="91425" wrap="square" tIns="91425">
             <a:normAutofit/>
           </a:bodyPr>
           <a:lstStyle/>
           <a:p>
-            <a:pPr marL="0" lvl="0" indent="0" algn="l" rtl="0">
+            <a:pPr indent="0" lvl="0" marL="0" rtl="0" algn="l">
               <a:spcBef>
                 <a:spcPts val="0"/>
               </a:spcBef>
@@ -12931,7 +12739,7 @@
               <a:buNone/>
             </a:pPr>
             <a:r>
-              <a:rPr lang="ja" b="1">
+              <a:rPr b="1" lang="ja">
                 <a:solidFill>
                   <a:schemeClr val="dk1"/>
                 </a:solidFill>
@@ -12945,7 +12753,7 @@
             </a:endParaRPr>
           </a:p>
           <a:p>
-            <a:pPr marL="457200" lvl="0" indent="-342900" algn="l" rtl="0">
+            <a:pPr indent="-342900" lvl="0" marL="457200" rtl="0" algn="l">
               <a:spcBef>
                 <a:spcPts val="0"/>
               </a:spcBef>
@@ -12964,7 +12772,7 @@
                   <a:schemeClr val="dk1"/>
                 </a:solidFill>
               </a:rPr>
-              <a:t>zip化したファイルをGoogle Driveにアップロード(提出先URLは後日メールします)</a:t>
+              <a:t>zip化したファイルをGoogle Driveにアップロード(提出先URLは後日メールで告知)</a:t>
             </a:r>
             <a:endParaRPr>
               <a:solidFill>
@@ -12973,7 +12781,7 @@
             </a:endParaRPr>
           </a:p>
           <a:p>
-            <a:pPr marL="457200" lvl="0" indent="-342900" algn="l" rtl="0">
+            <a:pPr indent="-342900" lvl="0" marL="457200" rtl="0" algn="l">
               <a:spcBef>
                 <a:spcPts val="0"/>
               </a:spcBef>
@@ -13001,7 +12809,7 @@
             </a:endParaRPr>
           </a:p>
           <a:p>
-            <a:pPr marL="0" lvl="0" indent="0" algn="l" rtl="0">
+            <a:pPr indent="0" lvl="0" marL="0" rtl="0" algn="l">
               <a:spcBef>
                 <a:spcPts val="0"/>
               </a:spcBef>
@@ -13015,6 +12823,9 @@
               <a:buFont typeface="Arial"/>
               <a:buNone/>
             </a:pPr>
+            <a:r>
+              <a:t/>
+            </a:r>
             <a:endParaRPr>
               <a:solidFill>
                 <a:schemeClr val="dk1"/>
@@ -13022,7 +12833,7 @@
             </a:endParaRPr>
           </a:p>
           <a:p>
-            <a:pPr marL="0" lvl="0" indent="0" algn="l" rtl="0">
+            <a:pPr indent="0" lvl="0" marL="0" rtl="0" algn="l">
               <a:spcBef>
                 <a:spcPts val="0"/>
               </a:spcBef>
@@ -13032,7 +12843,7 @@
               <a:buNone/>
             </a:pPr>
             <a:r>
-              <a:rPr lang="ja" b="1">
+              <a:rPr b="1" lang="ja">
                 <a:solidFill>
                   <a:schemeClr val="dk1"/>
                 </a:solidFill>
@@ -13046,7 +12857,7 @@
             </a:endParaRPr>
           </a:p>
           <a:p>
-            <a:pPr marL="0" lvl="0" indent="0" algn="l" rtl="0">
+            <a:pPr indent="0" lvl="0" marL="0" rtl="0" algn="l">
               <a:spcBef>
                 <a:spcPts val="0"/>
               </a:spcBef>
@@ -13070,7 +12881,7 @@
             </a:endParaRPr>
           </a:p>
           <a:p>
-            <a:pPr marL="0" lvl="0" indent="0" algn="l" rtl="0">
+            <a:pPr indent="0" lvl="0" marL="0" rtl="0" algn="l">
               <a:spcBef>
                 <a:spcPts val="0"/>
               </a:spcBef>
@@ -13079,6 +12890,9 @@
               </a:spcAft>
               <a:buNone/>
             </a:pPr>
+            <a:r>
+              <a:t/>
+            </a:r>
             <a:endParaRPr/>
           </a:p>
         </p:txBody>
@@ -13092,11 +12906,11 @@
 </file>
 
 <file path=ppt/slides/slide2.xml><?xml version="1.0" encoding="utf-8"?>
-<p:sld xmlns:a="http://schemas.openxmlformats.org/drawingml/2006/main" xmlns:r="http://schemas.openxmlformats.org/officeDocument/2006/relationships" xmlns:p="http://schemas.openxmlformats.org/presentationml/2006/main">
+<p:sld xmlns:a="http://schemas.openxmlformats.org/drawingml/2006/main" xmlns:r="http://schemas.openxmlformats.org/officeDocument/2006/relationships" xmlns:mc="http://schemas.openxmlformats.org/markup-compatibility/2006" xmlns:mv="urn:schemas-microsoft-com:mac:vml" xmlns:p="http://schemas.openxmlformats.org/presentationml/2006/main" xmlns:c="http://schemas.openxmlformats.org/drawingml/2006/chart" xmlns:dgm="http://schemas.openxmlformats.org/drawingml/2006/diagram" xmlns:o="urn:schemas-microsoft-com:office:office" xmlns:v="urn:schemas-microsoft-com:vml" xmlns:pvml="urn:schemas-microsoft-com:office:powerpoint" xmlns:com="http://schemas.openxmlformats.org/drawingml/2006/compatibility" xmlns:p14="http://schemas.microsoft.com/office/powerpoint/2010/main" xmlns:p15="http://schemas.microsoft.com/office/powerpoint/2012/main" xmlns:ahyp="http://schemas.microsoft.com/office/drawing/2018/hyperlinkcolor">
   <p:cSld>
     <p:spTree>
       <p:nvGrpSpPr>
-        <p:cNvPr id="1" name="Shape 59"/>
+        <p:cNvPr id="59" name="Shape 59"/>
         <p:cNvGrpSpPr/>
         <p:nvPr/>
       </p:nvGrpSpPr>
@@ -13111,9 +12925,7 @@
       <p:sp>
         <p:nvSpPr>
           <p:cNvPr id="60" name="Google Shape;60;p3"/>
-          <p:cNvSpPr txBox="1">
-            <a:spLocks noGrp="1"/>
-          </p:cNvSpPr>
+          <p:cNvSpPr txBox="1"/>
           <p:nvPr>
             <p:ph type="title"/>
           </p:nvPr>
@@ -13132,12 +12944,12 @@
           </a:ln>
         </p:spPr>
         <p:txBody>
-          <a:bodyPr spcFirstLastPara="1" wrap="square" lIns="91425" tIns="91425" rIns="91425" bIns="91425" anchor="t" anchorCtr="0">
+          <a:bodyPr anchorCtr="0" anchor="t" bIns="91425" lIns="91425" spcFirstLastPara="1" rIns="91425" wrap="square" tIns="91425">
             <a:normAutofit fontScale="90000"/>
           </a:bodyPr>
           <a:lstStyle/>
           <a:p>
-            <a:pPr marL="0" lvl="0" indent="0" algn="l" rtl="0">
+            <a:pPr indent="0" lvl="0" marL="0" rtl="0" algn="l">
               <a:lnSpc>
                 <a:spcPct val="100000"/>
               </a:lnSpc>
@@ -13161,11 +12973,9 @@
       <p:sp>
         <p:nvSpPr>
           <p:cNvPr id="61" name="Google Shape;61;p3"/>
-          <p:cNvSpPr txBox="1">
-            <a:spLocks noGrp="1"/>
-          </p:cNvSpPr>
+          <p:cNvSpPr txBox="1"/>
           <p:nvPr>
-            <p:ph type="body" idx="1"/>
+            <p:ph idx="1" type="body"/>
           </p:nvPr>
         </p:nvSpPr>
         <p:spPr>
@@ -13182,12 +12992,12 @@
           </a:ln>
         </p:spPr>
         <p:txBody>
-          <a:bodyPr spcFirstLastPara="1" wrap="square" lIns="91425" tIns="91425" rIns="91425" bIns="91425" anchor="t" anchorCtr="0">
+          <a:bodyPr anchorCtr="0" anchor="t" bIns="91425" lIns="91425" spcFirstLastPara="1" rIns="91425" wrap="square" tIns="91425">
             <a:normAutofit/>
           </a:bodyPr>
           <a:lstStyle/>
           <a:p>
-            <a:pPr marL="457200" lvl="0" indent="-342900" algn="l" rtl="0">
+            <a:pPr indent="-342900" lvl="0" marL="457200" rtl="0" algn="l">
               <a:spcBef>
                 <a:spcPts val="0"/>
               </a:spcBef>
@@ -13215,7 +13025,7 @@
             </a:endParaRPr>
           </a:p>
           <a:p>
-            <a:pPr marL="914400" lvl="1" indent="-342900" algn="l" rtl="0">
+            <a:pPr indent="-342900" lvl="1" marL="914400" rtl="0" algn="l">
               <a:spcBef>
                 <a:spcPts val="0"/>
               </a:spcBef>
@@ -13243,7 +13053,7 @@
             </a:endParaRPr>
           </a:p>
           <a:p>
-            <a:pPr marL="914400" lvl="1" indent="-342900" algn="l" rtl="0">
+            <a:pPr indent="-342900" lvl="1" marL="914400" rtl="0" algn="l">
               <a:spcBef>
                 <a:spcPts val="0"/>
               </a:spcBef>
@@ -13271,7 +13081,7 @@
             </a:endParaRPr>
           </a:p>
           <a:p>
-            <a:pPr marL="914400" lvl="1" indent="-342900" algn="l" rtl="0">
+            <a:pPr indent="-342900" lvl="1" marL="914400" rtl="0" algn="l">
               <a:spcBef>
                 <a:spcPts val="0"/>
               </a:spcBef>
@@ -13306,7 +13116,7 @@
             </a:endParaRPr>
           </a:p>
           <a:p>
-            <a:pPr marL="914400" lvl="1" indent="-342900" algn="l" rtl="0">
+            <a:pPr indent="-342900" lvl="1" marL="914400" rtl="0" algn="l">
               <a:spcBef>
                 <a:spcPts val="0"/>
               </a:spcBef>
@@ -13341,7 +13151,7 @@
             </a:endParaRPr>
           </a:p>
           <a:p>
-            <a:pPr marL="914400" lvl="1" indent="-342900" algn="l" rtl="0">
+            <a:pPr indent="-342900" lvl="1" marL="914400" rtl="0" algn="l">
               <a:spcBef>
                 <a:spcPts val="0"/>
               </a:spcBef>
@@ -13376,7 +13186,7 @@
             </a:endParaRPr>
           </a:p>
           <a:p>
-            <a:pPr marL="914400" lvl="1" indent="-342900" algn="l" rtl="0">
+            <a:pPr indent="-342900" lvl="1" marL="914400" rtl="0" algn="l">
               <a:spcBef>
                 <a:spcPts val="0"/>
               </a:spcBef>
@@ -13411,7 +13221,7 @@
             </a:endParaRPr>
           </a:p>
           <a:p>
-            <a:pPr marL="914400" lvl="1" indent="-342900" algn="l" rtl="0">
+            <a:pPr indent="-342900" lvl="1" marL="914400" rtl="0" algn="l">
               <a:spcBef>
                 <a:spcPts val="0"/>
               </a:spcBef>
@@ -13449,11 +13259,11 @@
 </file>
 
 <file path=ppt/slides/slide3.xml><?xml version="1.0" encoding="utf-8"?>
-<p:sld xmlns:a="http://schemas.openxmlformats.org/drawingml/2006/main" xmlns:r="http://schemas.openxmlformats.org/officeDocument/2006/relationships" xmlns:p="http://schemas.openxmlformats.org/presentationml/2006/main">
+<p:sld xmlns:a="http://schemas.openxmlformats.org/drawingml/2006/main" xmlns:r="http://schemas.openxmlformats.org/officeDocument/2006/relationships" xmlns:mc="http://schemas.openxmlformats.org/markup-compatibility/2006" xmlns:mv="urn:schemas-microsoft-com:mac:vml" xmlns:p="http://schemas.openxmlformats.org/presentationml/2006/main" xmlns:c="http://schemas.openxmlformats.org/drawingml/2006/chart" xmlns:dgm="http://schemas.openxmlformats.org/drawingml/2006/diagram" xmlns:o="urn:schemas-microsoft-com:office:office" xmlns:v="urn:schemas-microsoft-com:vml" xmlns:pvml="urn:schemas-microsoft-com:office:powerpoint" xmlns:com="http://schemas.openxmlformats.org/drawingml/2006/compatibility" xmlns:p14="http://schemas.microsoft.com/office/powerpoint/2010/main" xmlns:p15="http://schemas.microsoft.com/office/powerpoint/2012/main" xmlns:ahyp="http://schemas.microsoft.com/office/drawing/2018/hyperlinkcolor">
   <p:cSld>
     <p:spTree>
       <p:nvGrpSpPr>
-        <p:cNvPr id="1" name="Shape 65"/>
+        <p:cNvPr id="65" name="Shape 65"/>
         <p:cNvGrpSpPr/>
         <p:nvPr/>
       </p:nvGrpSpPr>
@@ -13468,9 +13278,7 @@
       <p:sp>
         <p:nvSpPr>
           <p:cNvPr id="66" name="Google Shape;66;g263b0ff8fa3_0_11"/>
-          <p:cNvSpPr txBox="1">
-            <a:spLocks noGrp="1"/>
-          </p:cNvSpPr>
+          <p:cNvSpPr txBox="1"/>
           <p:nvPr>
             <p:ph type="title"/>
           </p:nvPr>
@@ -13485,12 +13293,12 @@
           </a:prstGeom>
         </p:spPr>
         <p:txBody>
-          <a:bodyPr spcFirstLastPara="1" wrap="square" lIns="91425" tIns="91425" rIns="91425" bIns="91425" anchor="t" anchorCtr="0">
+          <a:bodyPr anchorCtr="0" anchor="t" bIns="91425" lIns="91425" spcFirstLastPara="1" rIns="91425" wrap="square" tIns="91425">
             <a:normAutofit fontScale="90000"/>
           </a:bodyPr>
           <a:lstStyle/>
           <a:p>
-            <a:pPr marL="0" lvl="0" indent="0" algn="l" rtl="0">
+            <a:pPr indent="0" lvl="0" marL="0" rtl="0" algn="l">
               <a:spcBef>
                 <a:spcPts val="0"/>
               </a:spcBef>
@@ -13510,11 +13318,9 @@
       <p:sp>
         <p:nvSpPr>
           <p:cNvPr id="67" name="Google Shape;67;g263b0ff8fa3_0_11"/>
-          <p:cNvSpPr txBox="1">
-            <a:spLocks noGrp="1"/>
-          </p:cNvSpPr>
+          <p:cNvSpPr txBox="1"/>
           <p:nvPr>
-            <p:ph type="body" idx="1"/>
+            <p:ph idx="1" type="body"/>
           </p:nvPr>
         </p:nvSpPr>
         <p:spPr>
@@ -13527,12 +13333,12 @@
           </a:prstGeom>
         </p:spPr>
         <p:txBody>
-          <a:bodyPr spcFirstLastPara="1" wrap="square" lIns="91425" tIns="91425" rIns="91425" bIns="91425" anchor="t" anchorCtr="0">
+          <a:bodyPr anchorCtr="0" anchor="t" bIns="91425" lIns="91425" spcFirstLastPara="1" rIns="91425" wrap="square" tIns="91425">
             <a:normAutofit/>
           </a:bodyPr>
           <a:lstStyle/>
           <a:p>
-            <a:pPr marL="457200" lvl="0" indent="-342900" algn="l" rtl="0">
+            <a:pPr indent="-342900" lvl="0" marL="457200" rtl="0" algn="l">
               <a:spcBef>
                 <a:spcPts val="0"/>
               </a:spcBef>
@@ -13560,7 +13366,7 @@
             </a:endParaRPr>
           </a:p>
           <a:p>
-            <a:pPr marL="457200" lvl="0" indent="-342900" algn="l" rtl="0">
+            <a:pPr indent="-342900" lvl="0" marL="457200" rtl="0" algn="l">
               <a:spcBef>
                 <a:spcPts val="0"/>
               </a:spcBef>
@@ -13588,7 +13394,7 @@
             </a:endParaRPr>
           </a:p>
           <a:p>
-            <a:pPr marL="0" lvl="0" indent="0" algn="l" rtl="0">
+            <a:pPr indent="0" lvl="0" marL="0" rtl="0" algn="l">
               <a:spcBef>
                 <a:spcPts val="0"/>
               </a:spcBef>
@@ -13597,6 +13403,9 @@
               </a:spcAft>
               <a:buNone/>
             </a:pPr>
+            <a:r>
+              <a:t/>
+            </a:r>
             <a:endParaRPr b="1"/>
           </a:p>
         </p:txBody>
@@ -13610,11 +13419,11 @@
 </file>
 
 <file path=ppt/slides/slide4.xml><?xml version="1.0" encoding="utf-8"?>
-<p:sld xmlns:a="http://schemas.openxmlformats.org/drawingml/2006/main" xmlns:r="http://schemas.openxmlformats.org/officeDocument/2006/relationships" xmlns:p="http://schemas.openxmlformats.org/presentationml/2006/main">
+<p:sld xmlns:a="http://schemas.openxmlformats.org/drawingml/2006/main" xmlns:r="http://schemas.openxmlformats.org/officeDocument/2006/relationships" xmlns:mc="http://schemas.openxmlformats.org/markup-compatibility/2006" xmlns:mv="urn:schemas-microsoft-com:mac:vml" xmlns:p="http://schemas.openxmlformats.org/presentationml/2006/main" xmlns:c="http://schemas.openxmlformats.org/drawingml/2006/chart" xmlns:dgm="http://schemas.openxmlformats.org/drawingml/2006/diagram" xmlns:o="urn:schemas-microsoft-com:office:office" xmlns:v="urn:schemas-microsoft-com:vml" xmlns:pvml="urn:schemas-microsoft-com:office:powerpoint" xmlns:com="http://schemas.openxmlformats.org/drawingml/2006/compatibility" xmlns:p14="http://schemas.microsoft.com/office/powerpoint/2010/main" xmlns:p15="http://schemas.microsoft.com/office/powerpoint/2012/main" xmlns:ahyp="http://schemas.microsoft.com/office/drawing/2018/hyperlinkcolor">
   <p:cSld>
     <p:spTree>
       <p:nvGrpSpPr>
-        <p:cNvPr id="1" name="Shape 71"/>
+        <p:cNvPr id="71" name="Shape 71"/>
         <p:cNvGrpSpPr/>
         <p:nvPr/>
       </p:nvGrpSpPr>
@@ -13629,11 +13438,9 @@
       <p:sp>
         <p:nvSpPr>
           <p:cNvPr id="72" name="Google Shape;72;g2a7c1fc1d97_1_0"/>
-          <p:cNvSpPr txBox="1">
-            <a:spLocks noGrp="1"/>
-          </p:cNvSpPr>
+          <p:cNvSpPr txBox="1"/>
           <p:nvPr>
-            <p:ph type="body" idx="1"/>
+            <p:ph idx="1" type="body"/>
           </p:nvPr>
         </p:nvSpPr>
         <p:spPr>
@@ -13646,12 +13453,12 @@
           </a:prstGeom>
         </p:spPr>
         <p:txBody>
-          <a:bodyPr spcFirstLastPara="1" wrap="square" lIns="91425" tIns="91425" rIns="91425" bIns="91425" anchor="t" anchorCtr="0">
+          <a:bodyPr anchorCtr="0" anchor="t" bIns="91425" lIns="91425" spcFirstLastPara="1" rIns="91425" wrap="square" tIns="91425">
             <a:normAutofit/>
           </a:bodyPr>
           <a:lstStyle/>
           <a:p>
-            <a:pPr marL="457200" lvl="0" indent="-342900" algn="l" rtl="0">
+            <a:pPr indent="-342900" lvl="0" marL="457200" rtl="0" algn="l">
               <a:lnSpc>
                 <a:spcPct val="100000"/>
               </a:lnSpc>
@@ -13682,7 +13489,7 @@
             </a:endParaRPr>
           </a:p>
           <a:p>
-            <a:pPr marL="457200" lvl="0" indent="-342900" algn="l" rtl="0">
+            <a:pPr indent="-342900" lvl="0" marL="457200" rtl="0" algn="l">
               <a:lnSpc>
                 <a:spcPct val="100000"/>
               </a:lnSpc>
@@ -13704,7 +13511,15 @@
                   <a:srgbClr val="040C28"/>
                 </a:solidFill>
               </a:rPr>
-              <a:t>予測結果と正解ラベルを比較・誤差を計算</a:t>
+              <a:t>予測結果と正解ラベルを比較・</a:t>
+            </a:r>
+            <a:r>
+              <a:rPr lang="ja">
+                <a:solidFill>
+                  <a:srgbClr val="040C28"/>
+                </a:solidFill>
+              </a:rPr>
+              <a:t>誤差を計算</a:t>
             </a:r>
             <a:endParaRPr>
               <a:solidFill>
@@ -13713,7 +13528,7 @@
             </a:endParaRPr>
           </a:p>
           <a:p>
-            <a:pPr marL="457200" lvl="0" indent="-342900" algn="l" rtl="0">
+            <a:pPr indent="-342900" lvl="0" marL="457200" rtl="0" algn="l">
               <a:lnSpc>
                 <a:spcPct val="100000"/>
               </a:lnSpc>
@@ -13744,7 +13559,7 @@
             </a:endParaRPr>
           </a:p>
           <a:p>
-            <a:pPr marL="457200" lvl="0" indent="-342900" algn="l" rtl="0">
+            <a:pPr indent="-342900" lvl="0" marL="457200" rtl="0" algn="l">
               <a:lnSpc>
                 <a:spcPct val="100000"/>
               </a:lnSpc>
@@ -13775,7 +13590,7 @@
             </a:endParaRPr>
           </a:p>
           <a:p>
-            <a:pPr marL="0" lvl="0" indent="0" algn="l" rtl="0">
+            <a:pPr indent="0" lvl="0" marL="0" rtl="0" algn="l">
               <a:spcBef>
                 <a:spcPts val="0"/>
               </a:spcBef>
@@ -13784,10 +13599,13 @@
               </a:spcAft>
               <a:buNone/>
             </a:pPr>
+            <a:r>
+              <a:t/>
+            </a:r>
             <a:endParaRPr/>
           </a:p>
           <a:p>
-            <a:pPr marL="0" lvl="0" indent="0" algn="l" rtl="0">
+            <a:pPr indent="0" lvl="0" marL="0" rtl="0" algn="l">
               <a:spcBef>
                 <a:spcPts val="0"/>
               </a:spcBef>
@@ -13796,6 +13614,9 @@
               </a:spcAft>
               <a:buNone/>
             </a:pPr>
+            <a:r>
+              <a:t/>
+            </a:r>
             <a:endParaRPr/>
           </a:p>
         </p:txBody>
@@ -13803,9 +13624,7 @@
       <p:sp>
         <p:nvSpPr>
           <p:cNvPr id="73" name="Google Shape;73;g2a7c1fc1d97_1_0"/>
-          <p:cNvSpPr txBox="1">
-            <a:spLocks noGrp="1"/>
-          </p:cNvSpPr>
+          <p:cNvSpPr txBox="1"/>
           <p:nvPr>
             <p:ph type="title"/>
           </p:nvPr>
@@ -13820,12 +13639,12 @@
           </a:prstGeom>
         </p:spPr>
         <p:txBody>
-          <a:bodyPr spcFirstLastPara="1" wrap="square" lIns="91425" tIns="91425" rIns="91425" bIns="91425" anchor="t" anchorCtr="0">
+          <a:bodyPr anchorCtr="0" anchor="t" bIns="91425" lIns="91425" spcFirstLastPara="1" rIns="91425" wrap="square" tIns="91425">
             <a:normAutofit fontScale="90000"/>
           </a:bodyPr>
           <a:lstStyle/>
           <a:p>
-            <a:pPr marL="0" lvl="0" indent="0" algn="l" rtl="0">
+            <a:pPr indent="0" lvl="0" marL="0" rtl="0" algn="l">
               <a:spcBef>
                 <a:spcPts val="0"/>
               </a:spcBef>
@@ -13836,7 +13655,11 @@
             </a:pPr>
             <a:r>
               <a:rPr lang="ja"/>
-              <a:t>どうやって学習するか（前回のスライド）</a:t>
+              <a:t>どうやって学習するか</a:t>
+            </a:r>
+            <a:r>
+              <a:rPr lang="ja"/>
+              <a:t>（前回のスライド）</a:t>
             </a:r>
             <a:endParaRPr sz="2750"/>
           </a:p>
@@ -13855,31 +13678,31 @@
           </a:xfrm>
           <a:prstGeom prst="wedgeRoundRectCallout">
             <a:avLst>
-              <a:gd name="adj1" fmla="val -55627"/>
-              <a:gd name="adj2" fmla="val 92940"/>
-              <a:gd name="adj3" fmla="val 0"/>
+              <a:gd fmla="val -55627" name="adj1"/>
+              <a:gd fmla="val 92940" name="adj2"/>
+              <a:gd fmla="val 0" name="adj3"/>
             </a:avLst>
           </a:prstGeom>
           <a:solidFill>
             <a:schemeClr val="lt1"/>
           </a:solidFill>
-          <a:ln w="9525" cap="flat" cmpd="sng">
+          <a:ln cap="flat" cmpd="sng" w="9525">
             <a:solidFill>
               <a:schemeClr val="dk2"/>
             </a:solidFill>
             <a:prstDash val="solid"/>
             <a:round/>
-            <a:headEnd type="none" w="sm" len="sm"/>
-            <a:tailEnd type="none" w="sm" len="sm"/>
+            <a:headEnd len="sm" w="sm" type="none"/>
+            <a:tailEnd len="sm" w="sm" type="none"/>
           </a:ln>
         </p:spPr>
         <p:txBody>
-          <a:bodyPr spcFirstLastPara="1" wrap="square" lIns="91425" tIns="91425" rIns="91425" bIns="91425" anchor="ctr" anchorCtr="0">
+          <a:bodyPr anchorCtr="0" anchor="ctr" bIns="91425" lIns="91425" spcFirstLastPara="1" rIns="91425" wrap="square" tIns="91425">
             <a:noAutofit/>
           </a:bodyPr>
           <a:lstStyle/>
           <a:p>
-            <a:pPr marL="0" lvl="0" indent="0" algn="ctr" rtl="0">
+            <a:pPr indent="0" lvl="0" marL="0" rtl="0" algn="ctr">
               <a:spcBef>
                 <a:spcPts val="0"/>
               </a:spcBef>
@@ -13948,12 +13771,12 @@
           </a:ln>
         </p:spPr>
         <p:txBody>
-          <a:bodyPr spcFirstLastPara="1" wrap="square" lIns="91425" tIns="91425" rIns="91425" bIns="91425" anchor="t" anchorCtr="0">
+          <a:bodyPr anchorCtr="0" anchor="t" bIns="91425" lIns="91425" spcFirstLastPara="1" rIns="91425" wrap="square" tIns="91425">
             <a:spAutoFit/>
           </a:bodyPr>
           <a:lstStyle/>
           <a:p>
-            <a:pPr marL="0" lvl="0" indent="0" algn="l" rtl="0">
+            <a:pPr indent="0" lvl="0" marL="0" rtl="0" algn="l">
               <a:spcBef>
                 <a:spcPts val="0"/>
               </a:spcBef>
@@ -13998,12 +13821,12 @@
           </a:ln>
         </p:spPr>
         <p:txBody>
-          <a:bodyPr spcFirstLastPara="1" wrap="square" lIns="91425" tIns="91425" rIns="91425" bIns="91425" anchor="t" anchorCtr="0">
+          <a:bodyPr anchorCtr="0" anchor="t" bIns="91425" lIns="91425" spcFirstLastPara="1" rIns="91425" wrap="square" tIns="91425">
             <a:spAutoFit/>
           </a:bodyPr>
           <a:lstStyle/>
           <a:p>
-            <a:pPr marL="0" lvl="0" indent="0" algn="l" rtl="0">
+            <a:pPr indent="0" lvl="0" marL="0" rtl="0" algn="l">
               <a:spcBef>
                 <a:spcPts val="0"/>
               </a:spcBef>
@@ -14048,12 +13871,12 @@
           </a:ln>
         </p:spPr>
         <p:txBody>
-          <a:bodyPr spcFirstLastPara="1" wrap="square" lIns="91425" tIns="91425" rIns="91425" bIns="91425" anchor="t" anchorCtr="0">
+          <a:bodyPr anchorCtr="0" anchor="t" bIns="91425" lIns="91425" spcFirstLastPara="1" rIns="91425" wrap="square" tIns="91425">
             <a:spAutoFit/>
           </a:bodyPr>
           <a:lstStyle/>
           <a:p>
-            <a:pPr marL="0" lvl="0" indent="0" algn="l" rtl="0">
+            <a:pPr indent="0" lvl="0" marL="0" rtl="0" algn="l">
               <a:spcBef>
                 <a:spcPts val="0"/>
               </a:spcBef>
@@ -14091,30 +13914,30 @@
           </a:xfrm>
           <a:prstGeom prst="rightArrow">
             <a:avLst>
-              <a:gd name="adj1" fmla="val 50000"/>
-              <a:gd name="adj2" fmla="val 50000"/>
+              <a:gd fmla="val 50000" name="adj1"/>
+              <a:gd fmla="val 50000" name="adj2"/>
             </a:avLst>
           </a:prstGeom>
           <a:solidFill>
             <a:schemeClr val="lt2"/>
           </a:solidFill>
-          <a:ln w="9525" cap="flat" cmpd="sng">
+          <a:ln cap="flat" cmpd="sng" w="9525">
             <a:solidFill>
               <a:schemeClr val="dk2"/>
             </a:solidFill>
             <a:prstDash val="solid"/>
             <a:round/>
-            <a:headEnd type="none" w="sm" len="sm"/>
-            <a:tailEnd type="none" w="sm" len="sm"/>
+            <a:headEnd len="sm" w="sm" type="none"/>
+            <a:tailEnd len="sm" w="sm" type="none"/>
           </a:ln>
         </p:spPr>
         <p:txBody>
-          <a:bodyPr spcFirstLastPara="1" wrap="square" lIns="91425" tIns="91425" rIns="91425" bIns="91425" anchor="ctr" anchorCtr="0">
+          <a:bodyPr anchorCtr="0" anchor="ctr" bIns="91425" lIns="91425" spcFirstLastPara="1" rIns="91425" wrap="square" tIns="91425">
             <a:noAutofit/>
           </a:bodyPr>
           <a:lstStyle/>
           <a:p>
-            <a:pPr marL="0" lvl="0" indent="0" algn="ctr" rtl="0">
+            <a:pPr indent="0" lvl="0" marL="0" rtl="0" algn="ctr">
               <a:spcBef>
                 <a:spcPts val="0"/>
               </a:spcBef>
@@ -14123,6 +13946,9 @@
               </a:spcAft>
               <a:buNone/>
             </a:pPr>
+            <a:r>
+              <a:t/>
+            </a:r>
             <a:endParaRPr/>
           </a:p>
         </p:txBody>
@@ -14137,7 +13963,7 @@
           <a:blip r:embed="rId4">
             <a:alphaModFix/>
           </a:blip>
-          <a:srcRect l="76789" t="9232" r="2110" b="8116"/>
+          <a:srcRect b="8116" l="76789" r="2110" t="9232"/>
           <a:stretch/>
         </p:blipFill>
         <p:spPr>
@@ -14167,30 +13993,30 @@
           </a:xfrm>
           <a:prstGeom prst="rightArrow">
             <a:avLst>
-              <a:gd name="adj1" fmla="val 50000"/>
-              <a:gd name="adj2" fmla="val 50000"/>
+              <a:gd fmla="val 50000" name="adj1"/>
+              <a:gd fmla="val 50000" name="adj2"/>
             </a:avLst>
           </a:prstGeom>
           <a:solidFill>
             <a:schemeClr val="lt2"/>
           </a:solidFill>
-          <a:ln w="9525" cap="flat" cmpd="sng">
+          <a:ln cap="flat" cmpd="sng" w="9525">
             <a:solidFill>
               <a:schemeClr val="dk2"/>
             </a:solidFill>
             <a:prstDash val="solid"/>
             <a:round/>
-            <a:headEnd type="none" w="sm" len="sm"/>
-            <a:tailEnd type="none" w="sm" len="sm"/>
+            <a:headEnd len="sm" w="sm" type="none"/>
+            <a:tailEnd len="sm" w="sm" type="none"/>
           </a:ln>
         </p:spPr>
         <p:txBody>
-          <a:bodyPr spcFirstLastPara="1" wrap="square" lIns="91425" tIns="91425" rIns="91425" bIns="91425" anchor="ctr" anchorCtr="0">
+          <a:bodyPr anchorCtr="0" anchor="ctr" bIns="91425" lIns="91425" spcFirstLastPara="1" rIns="91425" wrap="square" tIns="91425">
             <a:noAutofit/>
           </a:bodyPr>
           <a:lstStyle/>
           <a:p>
-            <a:pPr marL="0" lvl="0" indent="0" algn="ctr" rtl="0">
+            <a:pPr indent="0" lvl="0" marL="0" rtl="0" algn="ctr">
               <a:spcBef>
                 <a:spcPts val="0"/>
               </a:spcBef>
@@ -14199,6 +14025,9 @@
               </a:spcAft>
               <a:buNone/>
             </a:pPr>
+            <a:r>
+              <a:t/>
+            </a:r>
             <a:endParaRPr/>
           </a:p>
         </p:txBody>
@@ -14251,12 +14080,12 @@
           </a:ln>
         </p:spPr>
         <p:txBody>
-          <a:bodyPr spcFirstLastPara="1" wrap="square" lIns="91425" tIns="91425" rIns="91425" bIns="91425" anchor="t" anchorCtr="0">
+          <a:bodyPr anchorCtr="0" anchor="t" bIns="91425" lIns="91425" spcFirstLastPara="1" rIns="91425" wrap="square" tIns="91425">
             <a:spAutoFit/>
           </a:bodyPr>
           <a:lstStyle/>
           <a:p>
-            <a:pPr marL="0" lvl="0" indent="0" algn="l" rtl="0">
+            <a:pPr indent="0" lvl="0" marL="0" rtl="0" algn="l">
               <a:spcBef>
                 <a:spcPts val="0"/>
               </a:spcBef>
@@ -14301,12 +14130,12 @@
           </a:ln>
         </p:spPr>
         <p:txBody>
-          <a:bodyPr spcFirstLastPara="1" wrap="square" lIns="91425" tIns="91425" rIns="91425" bIns="91425" anchor="t" anchorCtr="0">
+          <a:bodyPr anchorCtr="0" anchor="t" bIns="91425" lIns="91425" spcFirstLastPara="1" rIns="91425" wrap="square" tIns="91425">
             <a:spAutoFit/>
           </a:bodyPr>
           <a:lstStyle/>
           <a:p>
-            <a:pPr marL="0" lvl="0" indent="0" algn="ctr" rtl="0">
+            <a:pPr indent="0" lvl="0" marL="0" rtl="0" algn="ctr">
               <a:spcBef>
                 <a:spcPts val="0"/>
               </a:spcBef>
@@ -14340,11 +14169,11 @@
 </file>
 
 <file path=ppt/slides/slide5.xml><?xml version="1.0" encoding="utf-8"?>
-<p:sld xmlns:a="http://schemas.openxmlformats.org/drawingml/2006/main" xmlns:r="http://schemas.openxmlformats.org/officeDocument/2006/relationships" xmlns:p="http://schemas.openxmlformats.org/presentationml/2006/main">
+<p:sld xmlns:a="http://schemas.openxmlformats.org/drawingml/2006/main" xmlns:r="http://schemas.openxmlformats.org/officeDocument/2006/relationships" xmlns:mc="http://schemas.openxmlformats.org/markup-compatibility/2006" xmlns:mv="urn:schemas-microsoft-com:mac:vml" xmlns:p="http://schemas.openxmlformats.org/presentationml/2006/main" xmlns:c="http://schemas.openxmlformats.org/drawingml/2006/chart" xmlns:dgm="http://schemas.openxmlformats.org/drawingml/2006/diagram" xmlns:o="urn:schemas-microsoft-com:office:office" xmlns:v="urn:schemas-microsoft-com:vml" xmlns:pvml="urn:schemas-microsoft-com:office:powerpoint" xmlns:com="http://schemas.openxmlformats.org/drawingml/2006/compatibility" xmlns:p14="http://schemas.microsoft.com/office/powerpoint/2010/main" xmlns:p15="http://schemas.microsoft.com/office/powerpoint/2012/main" xmlns:ahyp="http://schemas.microsoft.com/office/drawing/2018/hyperlinkcolor">
   <p:cSld>
     <p:spTree>
       <p:nvGrpSpPr>
-        <p:cNvPr id="1" name="Shape 88"/>
+        <p:cNvPr id="88" name="Shape 88"/>
         <p:cNvGrpSpPr/>
         <p:nvPr/>
       </p:nvGrpSpPr>
@@ -14359,9 +14188,7 @@
       <p:sp>
         <p:nvSpPr>
           <p:cNvPr id="89" name="Google Shape;89;g263b0ff8fa3_0_21"/>
-          <p:cNvSpPr txBox="1">
-            <a:spLocks noGrp="1"/>
-          </p:cNvSpPr>
+          <p:cNvSpPr txBox="1"/>
           <p:nvPr>
             <p:ph type="title"/>
           </p:nvPr>
@@ -14376,12 +14203,12 @@
           </a:prstGeom>
         </p:spPr>
         <p:txBody>
-          <a:bodyPr spcFirstLastPara="1" wrap="square" lIns="91425" tIns="91425" rIns="91425" bIns="91425" anchor="t" anchorCtr="0">
+          <a:bodyPr anchorCtr="0" anchor="t" bIns="91425" lIns="91425" spcFirstLastPara="1" rIns="91425" wrap="square" tIns="91425">
             <a:normAutofit fontScale="90000"/>
           </a:bodyPr>
           <a:lstStyle/>
           <a:p>
-            <a:pPr marL="0" lvl="0" indent="0" algn="l" rtl="0">
+            <a:pPr indent="0" lvl="0" marL="0" rtl="0" algn="l">
               <a:spcBef>
                 <a:spcPts val="0"/>
               </a:spcBef>
@@ -14401,11 +14228,9 @@
       <p:sp>
         <p:nvSpPr>
           <p:cNvPr id="90" name="Google Shape;90;g263b0ff8fa3_0_21"/>
-          <p:cNvSpPr txBox="1">
-            <a:spLocks noGrp="1"/>
-          </p:cNvSpPr>
+          <p:cNvSpPr txBox="1"/>
           <p:nvPr>
-            <p:ph type="body" idx="1"/>
+            <p:ph idx="1" type="body"/>
           </p:nvPr>
         </p:nvSpPr>
         <p:spPr>
@@ -14418,12 +14243,12 @@
           </a:prstGeom>
         </p:spPr>
         <p:txBody>
-          <a:bodyPr spcFirstLastPara="1" wrap="square" lIns="91425" tIns="91425" rIns="91425" bIns="91425" anchor="t" anchorCtr="0">
+          <a:bodyPr anchorCtr="0" anchor="t" bIns="91425" lIns="91425" spcFirstLastPara="1" rIns="91425" wrap="square" tIns="91425">
             <a:noAutofit/>
           </a:bodyPr>
           <a:lstStyle/>
           <a:p>
-            <a:pPr marL="0" lvl="0" indent="0" algn="l" rtl="0">
+            <a:pPr indent="0" lvl="0" marL="0" rtl="0" algn="l">
               <a:spcBef>
                 <a:spcPts val="0"/>
               </a:spcBef>
@@ -14447,7 +14272,7 @@
             </a:endParaRPr>
           </a:p>
           <a:p>
-            <a:pPr marL="0" lvl="0" indent="0" algn="l" rtl="0">
+            <a:pPr indent="0" lvl="0" marL="0" rtl="0" algn="l">
               <a:spcBef>
                 <a:spcPts val="0"/>
               </a:spcBef>
@@ -14456,6 +14281,9 @@
               </a:spcAft>
               <a:buNone/>
             </a:pPr>
+            <a:r>
+              <a:t/>
+            </a:r>
             <a:endParaRPr>
               <a:solidFill>
                 <a:schemeClr val="dk1"/>
@@ -14463,7 +14291,7 @@
             </a:endParaRPr>
           </a:p>
           <a:p>
-            <a:pPr marL="0" lvl="0" indent="0" algn="l" rtl="0">
+            <a:pPr indent="0" lvl="0" marL="0" rtl="0" algn="l">
               <a:spcBef>
                 <a:spcPts val="0"/>
               </a:spcBef>
@@ -14487,7 +14315,7 @@
             </a:endParaRPr>
           </a:p>
           <a:p>
-            <a:pPr marL="457200" lvl="0" indent="-330200" algn="l" rtl="0">
+            <a:pPr indent="-330200" lvl="0" marL="457200" rtl="0" algn="l">
               <a:lnSpc>
                 <a:spcPct val="170000"/>
               </a:lnSpc>
@@ -14518,7 +14346,7 @@
             </a:endParaRPr>
           </a:p>
           <a:p>
-            <a:pPr marL="457200" lvl="0" indent="-330200" algn="l" rtl="0">
+            <a:pPr indent="-330200" lvl="0" marL="457200" rtl="0" algn="l">
               <a:lnSpc>
                 <a:spcPct val="170000"/>
               </a:lnSpc>
@@ -14549,7 +14377,7 @@
             </a:endParaRPr>
           </a:p>
           <a:p>
-            <a:pPr marL="457200" lvl="0" indent="-330200" algn="l" rtl="0">
+            <a:pPr indent="-330200" lvl="0" marL="457200" rtl="0" algn="l">
               <a:lnSpc>
                 <a:spcPct val="170000"/>
               </a:lnSpc>
@@ -14605,7 +14433,7 @@
             </a:endParaRPr>
           </a:p>
           <a:p>
-            <a:pPr marL="457200" lvl="0" indent="-330200" algn="l" rtl="0">
+            <a:pPr indent="-330200" lvl="0" marL="457200" rtl="0" algn="l">
               <a:lnSpc>
                 <a:spcPct val="170000"/>
               </a:lnSpc>
@@ -14661,7 +14489,7 @@
             </a:endParaRPr>
           </a:p>
           <a:p>
-            <a:pPr marL="457200" lvl="0" indent="-330200" algn="l" rtl="0">
+            <a:pPr indent="-330200" lvl="0" marL="457200" rtl="0" algn="l">
               <a:lnSpc>
                 <a:spcPct val="170000"/>
               </a:lnSpc>
@@ -14731,28 +14559,28 @@
           </a:xfrm>
           <a:prstGeom prst="rightBrace">
             <a:avLst>
-              <a:gd name="adj1" fmla="val 50000"/>
-              <a:gd name="adj2" fmla="val 50000"/>
+              <a:gd fmla="val 50000" name="adj1"/>
+              <a:gd fmla="val 50000" name="adj2"/>
             </a:avLst>
           </a:prstGeom>
           <a:noFill/>
-          <a:ln w="9525" cap="flat" cmpd="sng">
+          <a:ln cap="flat" cmpd="sng" w="9525">
             <a:solidFill>
               <a:schemeClr val="dk2"/>
             </a:solidFill>
             <a:prstDash val="solid"/>
             <a:round/>
-            <a:headEnd type="none" w="sm" len="sm"/>
-            <a:tailEnd type="none" w="sm" len="sm"/>
+            <a:headEnd len="sm" w="sm" type="none"/>
+            <a:tailEnd len="sm" w="sm" type="none"/>
           </a:ln>
         </p:spPr>
         <p:txBody>
-          <a:bodyPr spcFirstLastPara="1" wrap="square" lIns="91425" tIns="91425" rIns="91425" bIns="91425" anchor="ctr" anchorCtr="0">
+          <a:bodyPr anchorCtr="0" anchor="ctr" bIns="91425" lIns="91425" spcFirstLastPara="1" rIns="91425" wrap="square" tIns="91425">
             <a:noAutofit/>
           </a:bodyPr>
           <a:lstStyle/>
           <a:p>
-            <a:pPr marL="0" lvl="0" indent="0" algn="ctr" rtl="0">
+            <a:pPr indent="0" lvl="0" marL="0" rtl="0" algn="ctr">
               <a:spcBef>
                 <a:spcPts val="0"/>
               </a:spcBef>
@@ -14761,6 +14589,9 @@
               </a:spcAft>
               <a:buNone/>
             </a:pPr>
+            <a:r>
+              <a:t/>
+            </a:r>
             <a:endParaRPr/>
           </a:p>
         </p:txBody>
@@ -14778,28 +14609,28 @@
           </a:xfrm>
           <a:prstGeom prst="rightBrace">
             <a:avLst>
-              <a:gd name="adj1" fmla="val 50000"/>
-              <a:gd name="adj2" fmla="val 50000"/>
+              <a:gd fmla="val 50000" name="adj1"/>
+              <a:gd fmla="val 50000" name="adj2"/>
             </a:avLst>
           </a:prstGeom>
           <a:noFill/>
-          <a:ln w="9525" cap="flat" cmpd="sng">
+          <a:ln cap="flat" cmpd="sng" w="9525">
             <a:solidFill>
               <a:schemeClr val="dk2"/>
             </a:solidFill>
             <a:prstDash val="solid"/>
             <a:round/>
-            <a:headEnd type="none" w="sm" len="sm"/>
-            <a:tailEnd type="none" w="sm" len="sm"/>
+            <a:headEnd len="sm" w="sm" type="none"/>
+            <a:tailEnd len="sm" w="sm" type="none"/>
           </a:ln>
         </p:spPr>
         <p:txBody>
-          <a:bodyPr spcFirstLastPara="1" wrap="square" lIns="91425" tIns="91425" rIns="91425" bIns="91425" anchor="ctr" anchorCtr="0">
+          <a:bodyPr anchorCtr="0" anchor="ctr" bIns="91425" lIns="91425" spcFirstLastPara="1" rIns="91425" wrap="square" tIns="91425">
             <a:noAutofit/>
           </a:bodyPr>
           <a:lstStyle/>
           <a:p>
-            <a:pPr marL="0" lvl="0" indent="0" algn="ctr" rtl="0">
+            <a:pPr indent="0" lvl="0" marL="0" rtl="0" algn="ctr">
               <a:spcBef>
                 <a:spcPts val="0"/>
               </a:spcBef>
@@ -14808,6 +14639,9 @@
               </a:spcAft>
               <a:buNone/>
             </a:pPr>
+            <a:r>
+              <a:t/>
+            </a:r>
             <a:endParaRPr/>
           </a:p>
         </p:txBody>
@@ -14832,12 +14666,12 @@
           </a:ln>
         </p:spPr>
         <p:txBody>
-          <a:bodyPr spcFirstLastPara="1" wrap="square" lIns="91425" tIns="91425" rIns="91425" bIns="91425" anchor="t" anchorCtr="0">
+          <a:bodyPr anchorCtr="0" anchor="t" bIns="91425" lIns="91425" spcFirstLastPara="1" rIns="91425" wrap="square" tIns="91425">
             <a:spAutoFit/>
           </a:bodyPr>
           <a:lstStyle/>
           <a:p>
-            <a:pPr marL="0" lvl="0" indent="0" algn="l" rtl="0">
+            <a:pPr indent="0" lvl="0" marL="0" rtl="0" algn="l">
               <a:spcBef>
                 <a:spcPts val="0"/>
               </a:spcBef>
@@ -14882,12 +14716,12 @@
           </a:ln>
         </p:spPr>
         <p:txBody>
-          <a:bodyPr spcFirstLastPara="1" wrap="square" lIns="91425" tIns="91425" rIns="91425" bIns="91425" anchor="t" anchorCtr="0">
+          <a:bodyPr anchorCtr="0" anchor="t" bIns="91425" lIns="91425" spcFirstLastPara="1" rIns="91425" wrap="square" tIns="91425">
             <a:spAutoFit/>
           </a:bodyPr>
           <a:lstStyle/>
           <a:p>
-            <a:pPr marL="0" lvl="0" indent="0" algn="l" rtl="0">
+            <a:pPr indent="0" lvl="0" marL="0" rtl="0" algn="l">
               <a:spcBef>
                 <a:spcPts val="0"/>
               </a:spcBef>
@@ -14902,7 +14736,15 @@
                   <a:schemeClr val="dk1"/>
                 </a:solidFill>
               </a:rPr>
-              <a:t>分類問題</a:t>
+              <a:t>分類</a:t>
+            </a:r>
+            <a:r>
+              <a:rPr lang="ja" sz="1600">
+                <a:solidFill>
+                  <a:schemeClr val="dk1"/>
+                </a:solidFill>
+              </a:rPr>
+              <a:t>問題</a:t>
             </a:r>
             <a:endParaRPr sz="1600">
               <a:solidFill>
@@ -14921,11 +14763,11 @@
 </file>
 
 <file path=ppt/slides/slide6.xml><?xml version="1.0" encoding="utf-8"?>
-<p:sld xmlns:a="http://schemas.openxmlformats.org/drawingml/2006/main" xmlns:r="http://schemas.openxmlformats.org/officeDocument/2006/relationships" xmlns:p="http://schemas.openxmlformats.org/presentationml/2006/main">
+<p:sld xmlns:a="http://schemas.openxmlformats.org/drawingml/2006/main" xmlns:r="http://schemas.openxmlformats.org/officeDocument/2006/relationships" xmlns:mc="http://schemas.openxmlformats.org/markup-compatibility/2006" xmlns:mv="urn:schemas-microsoft-com:mac:vml" xmlns:p="http://schemas.openxmlformats.org/presentationml/2006/main" xmlns:c="http://schemas.openxmlformats.org/drawingml/2006/chart" xmlns:dgm="http://schemas.openxmlformats.org/drawingml/2006/diagram" xmlns:o="urn:schemas-microsoft-com:office:office" xmlns:v="urn:schemas-microsoft-com:vml" xmlns:pvml="urn:schemas-microsoft-com:office:powerpoint" xmlns:com="http://schemas.openxmlformats.org/drawingml/2006/compatibility" xmlns:p14="http://schemas.microsoft.com/office/powerpoint/2010/main" xmlns:p15="http://schemas.microsoft.com/office/powerpoint/2012/main" xmlns:ahyp="http://schemas.microsoft.com/office/drawing/2018/hyperlinkcolor">
   <p:cSld>
     <p:spTree>
       <p:nvGrpSpPr>
-        <p:cNvPr id="1" name="Shape 98"/>
+        <p:cNvPr id="98" name="Shape 98"/>
         <p:cNvGrpSpPr/>
         <p:nvPr/>
       </p:nvGrpSpPr>
@@ -14940,11 +14782,9 @@
       <p:sp>
         <p:nvSpPr>
           <p:cNvPr id="99" name="Google Shape;99;g2a7c1fc1d97_1_113"/>
-          <p:cNvSpPr txBox="1">
-            <a:spLocks noGrp="1"/>
-          </p:cNvSpPr>
+          <p:cNvSpPr txBox="1"/>
           <p:nvPr>
-            <p:ph type="body" idx="1"/>
+            <p:ph idx="1" type="body"/>
           </p:nvPr>
         </p:nvSpPr>
         <p:spPr>
@@ -14957,12 +14797,12 @@
           </a:prstGeom>
         </p:spPr>
         <p:txBody>
-          <a:bodyPr spcFirstLastPara="1" wrap="square" lIns="91425" tIns="91425" rIns="91425" bIns="91425" anchor="t" anchorCtr="0">
+          <a:bodyPr anchorCtr="0" anchor="t" bIns="91425" lIns="91425" spcFirstLastPara="1" rIns="91425" wrap="square" tIns="91425">
             <a:normAutofit/>
           </a:bodyPr>
           <a:lstStyle/>
           <a:p>
-            <a:pPr marL="0" lvl="0" indent="0" algn="l" rtl="0">
+            <a:pPr indent="0" lvl="0" marL="0" rtl="0" algn="l">
               <a:spcBef>
                 <a:spcPts val="0"/>
               </a:spcBef>
@@ -14977,7 +14817,15 @@
                   <a:schemeClr val="dk1"/>
                 </a:solidFill>
               </a:rPr>
-              <a:t>予測値と正解値との差の二乗の平均</a:t>
+              <a:t>予測値と正</a:t>
+            </a:r>
+            <a:r>
+              <a:rPr lang="ja">
+                <a:solidFill>
+                  <a:schemeClr val="dk1"/>
+                </a:solidFill>
+              </a:rPr>
+              <a:t>解値との差の二乗の平均</a:t>
             </a:r>
             <a:endParaRPr>
               <a:solidFill>
@@ -14986,7 +14834,7 @@
             </a:endParaRPr>
           </a:p>
           <a:p>
-            <a:pPr marL="457200" lvl="0" indent="-342900" algn="l" rtl="0">
+            <a:pPr indent="-342900" lvl="0" marL="457200" rtl="0" algn="l">
               <a:spcBef>
                 <a:spcPts val="0"/>
               </a:spcBef>
@@ -15081,7 +14929,7 @@
           <a:blip r:embed="rId5">
             <a:alphaModFix/>
           </a:blip>
-          <a:srcRect l="9217" t="30879" r="62323" b="22090"/>
+          <a:srcRect b="22090" l="9217" r="62323" t="30879"/>
           <a:stretch/>
         </p:blipFill>
         <p:spPr>
@@ -15128,41 +14976,48 @@
       </p:pic>
       <p:sp>
         <p:nvSpPr>
-          <p:cNvPr id="3" name="タイトル 2">
-            <a:extLst>
-              <a:ext uri="{FF2B5EF4-FFF2-40B4-BE49-F238E27FC236}">
-                <a16:creationId xmlns:a16="http://schemas.microsoft.com/office/drawing/2014/main" id="{F0E27DC6-BACB-E231-1BF1-5530D203E3C5}"/>
-              </a:ext>
-            </a:extLst>
-          </p:cNvPr>
-          <p:cNvSpPr>
-            <a:spLocks noGrp="1"/>
-          </p:cNvSpPr>
+          <p:cNvPr id="104" name="Google Shape;104;g2a7c1fc1d97_1_113"/>
+          <p:cNvSpPr txBox="1"/>
           <p:nvPr>
             <p:ph type="title"/>
           </p:nvPr>
         </p:nvSpPr>
-        <p:spPr/>
+        <p:spPr>
+          <a:xfrm>
+            <a:off x="311700" y="445025"/>
+            <a:ext cx="8520600" cy="572700"/>
+          </a:xfrm>
+          <a:prstGeom prst="rect">
+            <a:avLst/>
+          </a:prstGeom>
+        </p:spPr>
         <p:txBody>
-          <a:bodyPr>
+          <a:bodyPr anchorCtr="0" anchor="t" bIns="91425" lIns="91425" spcFirstLastPara="1" rIns="91425" wrap="square" tIns="91425">
             <a:normAutofit fontScale="90000"/>
           </a:bodyPr>
           <a:lstStyle/>
           <a:p>
+            <a:pPr indent="0" lvl="0" marL="0" rtl="0" algn="l">
+              <a:lnSpc>
+                <a:spcPct val="170000"/>
+              </a:lnSpc>
+              <a:spcBef>
+                <a:spcPts val="600"/>
+              </a:spcBef>
+              <a:spcAft>
+                <a:spcPts val="600"/>
+              </a:spcAft>
+              <a:buNone/>
+            </a:pPr>
             <a:r>
-              <a:rPr lang="ja" altLang="ja-JP" dirty="0"/>
+              <a:rPr lang="ja"/>
               <a:t>平均二乗誤差 (MSELoss：Mean Squared Error Loss)</a:t>
             </a:r>
-            <a:endParaRPr lang="ja-JP" altLang="en-US" dirty="0"/>
+            <a:endParaRPr/>
           </a:p>
         </p:txBody>
       </p:sp>
     </p:spTree>
-    <p:extLst>
-      <p:ext uri="{BB962C8B-B14F-4D97-AF65-F5344CB8AC3E}">
-        <p14:creationId xmlns:p14="http://schemas.microsoft.com/office/powerpoint/2010/main" val="4040831324"/>
-      </p:ext>
-    </p:extLst>
   </p:cSld>
   <p:clrMapOvr>
     <a:masterClrMapping/>
@@ -15171,11 +15026,11 @@
 </file>
 
 <file path=ppt/slides/slide7.xml><?xml version="1.0" encoding="utf-8"?>
-<p:sld xmlns:a="http://schemas.openxmlformats.org/drawingml/2006/main" xmlns:r="http://schemas.openxmlformats.org/officeDocument/2006/relationships" xmlns:p="http://schemas.openxmlformats.org/presentationml/2006/main">
+<p:sld xmlns:a="http://schemas.openxmlformats.org/drawingml/2006/main" xmlns:r="http://schemas.openxmlformats.org/officeDocument/2006/relationships" xmlns:mc="http://schemas.openxmlformats.org/markup-compatibility/2006" xmlns:mv="urn:schemas-microsoft-com:mac:vml" xmlns:p="http://schemas.openxmlformats.org/presentationml/2006/main" xmlns:c="http://schemas.openxmlformats.org/drawingml/2006/chart" xmlns:dgm="http://schemas.openxmlformats.org/drawingml/2006/diagram" xmlns:o="urn:schemas-microsoft-com:office:office" xmlns:v="urn:schemas-microsoft-com:vml" xmlns:pvml="urn:schemas-microsoft-com:office:powerpoint" xmlns:com="http://schemas.openxmlformats.org/drawingml/2006/compatibility" xmlns:p14="http://schemas.microsoft.com/office/powerpoint/2010/main" xmlns:p15="http://schemas.microsoft.com/office/powerpoint/2012/main" xmlns:ahyp="http://schemas.microsoft.com/office/drawing/2018/hyperlinkcolor">
   <p:cSld>
     <p:spTree>
       <p:nvGrpSpPr>
-        <p:cNvPr id="1" name="Shape 108"/>
+        <p:cNvPr id="108" name="Shape 108"/>
         <p:cNvGrpSpPr/>
         <p:nvPr/>
       </p:nvGrpSpPr>
@@ -15190,11 +15045,9 @@
       <p:sp>
         <p:nvSpPr>
           <p:cNvPr id="109" name="Google Shape;109;g2643520e193_0_43"/>
-          <p:cNvSpPr txBox="1">
-            <a:spLocks noGrp="1"/>
-          </p:cNvSpPr>
+          <p:cNvSpPr txBox="1"/>
           <p:nvPr>
-            <p:ph type="body" idx="1"/>
+            <p:ph idx="1" type="body"/>
           </p:nvPr>
         </p:nvSpPr>
         <p:spPr>
@@ -15207,12 +15060,12 @@
           </a:prstGeom>
         </p:spPr>
         <p:txBody>
-          <a:bodyPr spcFirstLastPara="1" wrap="square" lIns="91425" tIns="91425" rIns="91425" bIns="91425" anchor="t" anchorCtr="0">
+          <a:bodyPr anchorCtr="0" anchor="t" bIns="91425" lIns="91425" spcFirstLastPara="1" rIns="91425" wrap="square" tIns="91425">
             <a:normAutofit/>
           </a:bodyPr>
           <a:lstStyle/>
           <a:p>
-            <a:pPr marL="0" lvl="0" indent="0" algn="l" rtl="0">
+            <a:pPr indent="0" lvl="0" marL="0" rtl="0" algn="l">
               <a:spcBef>
                 <a:spcPts val="0"/>
               </a:spcBef>
@@ -15236,7 +15089,7 @@
             </a:endParaRPr>
           </a:p>
           <a:p>
-            <a:pPr marL="457200" lvl="0" indent="-342900" algn="l" rtl="0">
+            <a:pPr indent="-342900" lvl="0" marL="457200" rtl="0" algn="l">
               <a:spcBef>
                 <a:spcPts val="0"/>
               </a:spcBef>
@@ -15334,31 +15187,31 @@
           </a:xfrm>
           <a:prstGeom prst="wedgeRoundRectCallout">
             <a:avLst>
-              <a:gd name="adj1" fmla="val -62583"/>
-              <a:gd name="adj2" fmla="val 8616"/>
-              <a:gd name="adj3" fmla="val 0"/>
+              <a:gd fmla="val -62583" name="adj1"/>
+              <a:gd fmla="val 8616" name="adj2"/>
+              <a:gd fmla="val 0" name="adj3"/>
             </a:avLst>
           </a:prstGeom>
           <a:solidFill>
             <a:schemeClr val="lt1"/>
           </a:solidFill>
-          <a:ln w="9525" cap="flat" cmpd="sng">
+          <a:ln cap="flat" cmpd="sng" w="9525">
             <a:solidFill>
               <a:schemeClr val="dk2"/>
             </a:solidFill>
             <a:prstDash val="solid"/>
             <a:round/>
-            <a:headEnd type="none" w="sm" len="sm"/>
-            <a:tailEnd type="none" w="sm" len="sm"/>
+            <a:headEnd len="sm" w="sm" type="none"/>
+            <a:tailEnd len="sm" w="sm" type="none"/>
           </a:ln>
         </p:spPr>
         <p:txBody>
-          <a:bodyPr spcFirstLastPara="1" wrap="square" lIns="91425" tIns="91425" rIns="91425" bIns="91425" anchor="ctr" anchorCtr="0">
+          <a:bodyPr anchorCtr="0" anchor="ctr" bIns="91425" lIns="91425" spcFirstLastPara="1" rIns="91425" wrap="square" tIns="91425">
             <a:noAutofit/>
           </a:bodyPr>
           <a:lstStyle/>
           <a:p>
-            <a:pPr marL="0" lvl="0" indent="0" algn="ctr" rtl="0">
+            <a:pPr indent="0" lvl="0" marL="0" rtl="0" algn="ctr">
               <a:spcBef>
                 <a:spcPts val="0"/>
               </a:spcBef>
@@ -15367,6 +15220,9 @@
               </a:spcAft>
               <a:buNone/>
             </a:pPr>
+            <a:r>
+              <a:t/>
+            </a:r>
             <a:endParaRPr/>
           </a:p>
         </p:txBody>
@@ -15429,29 +15285,38 @@
       </p:pic>
       <p:sp>
         <p:nvSpPr>
-          <p:cNvPr id="3" name="タイトル 2">
-            <a:extLst>
-              <a:ext uri="{FF2B5EF4-FFF2-40B4-BE49-F238E27FC236}">
-                <a16:creationId xmlns:a16="http://schemas.microsoft.com/office/drawing/2014/main" id="{351071AC-1D4A-419F-0B28-59642631F0F0}"/>
-              </a:ext>
-            </a:extLst>
-          </p:cNvPr>
-          <p:cNvSpPr>
-            <a:spLocks noGrp="1"/>
-          </p:cNvSpPr>
+          <p:cNvPr id="115" name="Google Shape;115;g2643520e193_0_43"/>
+          <p:cNvSpPr txBox="1"/>
           <p:nvPr>
             <p:ph type="title"/>
           </p:nvPr>
         </p:nvSpPr>
-        <p:spPr/>
+        <p:spPr>
+          <a:xfrm>
+            <a:off x="311700" y="445025"/>
+            <a:ext cx="8520600" cy="572700"/>
+          </a:xfrm>
+          <a:prstGeom prst="rect">
+            <a:avLst/>
+          </a:prstGeom>
+        </p:spPr>
         <p:txBody>
-          <a:bodyPr>
+          <a:bodyPr anchorCtr="0" anchor="t" bIns="91425" lIns="91425" spcFirstLastPara="1" rIns="91425" wrap="square" tIns="91425">
             <a:normAutofit fontScale="90000"/>
           </a:bodyPr>
           <a:lstStyle/>
           <a:p>
+            <a:pPr indent="0" lvl="0" marL="0" marR="76200" rtl="0" algn="l">
+              <a:spcBef>
+                <a:spcPts val="1400"/>
+              </a:spcBef>
+              <a:spcAft>
+                <a:spcPts val="400"/>
+              </a:spcAft>
+              <a:buNone/>
+            </a:pPr>
             <a:r>
-              <a:rPr lang="ja" altLang="ja-JP" dirty="0">
+              <a:rPr lang="ja">
                 <a:solidFill>
                   <a:srgbClr val="3A3E40"/>
                 </a:solidFill>
@@ -15462,11 +15327,11 @@
               <a:t>交差エントロピー誤差 (</a:t>
             </a:r>
             <a:r>
-              <a:rPr lang="ja" altLang="ja-JP" dirty="0"/>
+              <a:rPr lang="ja"/>
               <a:t>Cross-Entropy Loss</a:t>
             </a:r>
             <a:r>
-              <a:rPr lang="ja" altLang="ja-JP" dirty="0">
+              <a:rPr lang="ja">
                 <a:solidFill>
                   <a:srgbClr val="3A3E40"/>
                 </a:solidFill>
@@ -15476,7 +15341,7 @@
               </a:rPr>
               <a:t>)</a:t>
             </a:r>
-            <a:endParaRPr lang="ja-JP" altLang="en-US" dirty="0"/>
+            <a:endParaRPr/>
           </a:p>
         </p:txBody>
       </p:sp>
@@ -15489,11 +15354,11 @@
 </file>
 
 <file path=ppt/slides/slide8.xml><?xml version="1.0" encoding="utf-8"?>
-<p:sld xmlns:a="http://schemas.openxmlformats.org/drawingml/2006/main" xmlns:r="http://schemas.openxmlformats.org/officeDocument/2006/relationships" xmlns:p="http://schemas.openxmlformats.org/presentationml/2006/main">
+<p:sld xmlns:a="http://schemas.openxmlformats.org/drawingml/2006/main" xmlns:r="http://schemas.openxmlformats.org/officeDocument/2006/relationships" xmlns:mc="http://schemas.openxmlformats.org/markup-compatibility/2006" xmlns:mv="urn:schemas-microsoft-com:mac:vml" xmlns:p="http://schemas.openxmlformats.org/presentationml/2006/main" xmlns:c="http://schemas.openxmlformats.org/drawingml/2006/chart" xmlns:dgm="http://schemas.openxmlformats.org/drawingml/2006/diagram" xmlns:o="urn:schemas-microsoft-com:office:office" xmlns:v="urn:schemas-microsoft-com:vml" xmlns:pvml="urn:schemas-microsoft-com:office:powerpoint" xmlns:com="http://schemas.openxmlformats.org/drawingml/2006/compatibility" xmlns:p14="http://schemas.microsoft.com/office/powerpoint/2010/main" xmlns:p15="http://schemas.microsoft.com/office/powerpoint/2012/main" xmlns:ahyp="http://schemas.microsoft.com/office/drawing/2018/hyperlinkcolor">
   <p:cSld>
     <p:spTree>
       <p:nvGrpSpPr>
-        <p:cNvPr id="1" name="Shape 119"/>
+        <p:cNvPr id="119" name="Shape 119"/>
         <p:cNvGrpSpPr/>
         <p:nvPr/>
       </p:nvGrpSpPr>
@@ -15515,7 +15380,7 @@
           <a:blip r:embed="rId3">
             <a:alphaModFix/>
           </a:blip>
-          <a:srcRect l="7273" t="9028" r="6348" b="6038"/>
+          <a:srcRect b="6038" l="7273" r="6348" t="9028"/>
           <a:stretch/>
         </p:blipFill>
         <p:spPr>
@@ -15535,9 +15400,7 @@
       <p:sp>
         <p:nvSpPr>
           <p:cNvPr id="121" name="Google Shape;121;g2a801c85953_3_64"/>
-          <p:cNvSpPr txBox="1">
-            <a:spLocks noGrp="1"/>
-          </p:cNvSpPr>
+          <p:cNvSpPr txBox="1"/>
           <p:nvPr>
             <p:ph type="title"/>
           </p:nvPr>
@@ -15552,12 +15415,12 @@
           </a:prstGeom>
         </p:spPr>
         <p:txBody>
-          <a:bodyPr spcFirstLastPara="1" wrap="square" lIns="91425" tIns="91425" rIns="91425" bIns="91425" anchor="t" anchorCtr="0">
+          <a:bodyPr anchorCtr="0" anchor="t" bIns="91425" lIns="91425" spcFirstLastPara="1" rIns="91425" wrap="square" tIns="91425">
             <a:normAutofit fontScale="90000"/>
           </a:bodyPr>
           <a:lstStyle/>
           <a:p>
-            <a:pPr marL="0" lvl="0" indent="0" algn="l" rtl="0">
+            <a:pPr indent="0" lvl="0" marL="0" rtl="0" algn="l">
               <a:spcBef>
                 <a:spcPts val="0"/>
               </a:spcBef>
@@ -15577,11 +15440,9 @@
       <p:sp>
         <p:nvSpPr>
           <p:cNvPr id="122" name="Google Shape;122;g2a801c85953_3_64"/>
-          <p:cNvSpPr txBox="1">
-            <a:spLocks noGrp="1"/>
-          </p:cNvSpPr>
+          <p:cNvSpPr txBox="1"/>
           <p:nvPr>
-            <p:ph type="body" idx="1"/>
+            <p:ph idx="1" type="body"/>
           </p:nvPr>
         </p:nvSpPr>
         <p:spPr>
@@ -15594,12 +15455,12 @@
           </a:prstGeom>
         </p:spPr>
         <p:txBody>
-          <a:bodyPr spcFirstLastPara="1" wrap="square" lIns="91425" tIns="91425" rIns="91425" bIns="91425" anchor="t" anchorCtr="0">
+          <a:bodyPr anchorCtr="0" anchor="t" bIns="91425" lIns="91425" spcFirstLastPara="1" rIns="91425" wrap="square" tIns="91425">
             <a:normAutofit/>
           </a:bodyPr>
           <a:lstStyle/>
           <a:p>
-            <a:pPr marL="0" lvl="0" indent="0" algn="l" rtl="0">
+            <a:pPr indent="0" lvl="0" marL="0" rtl="0" algn="l">
               <a:spcBef>
                 <a:spcPts val="0"/>
               </a:spcBef>
@@ -15623,7 +15484,7 @@
             </a:endParaRPr>
           </a:p>
           <a:p>
-            <a:pPr marL="0" lvl="0" indent="0" algn="l" rtl="0">
+            <a:pPr indent="0" lvl="0" marL="0" rtl="0" algn="l">
               <a:spcBef>
                 <a:spcPts val="0"/>
               </a:spcBef>
@@ -15647,7 +15508,7 @@
             </a:endParaRPr>
           </a:p>
           <a:p>
-            <a:pPr marL="0" lvl="0" indent="0" algn="l" rtl="0">
+            <a:pPr indent="0" lvl="0" marL="0" rtl="0" algn="l">
               <a:spcBef>
                 <a:spcPts val="0"/>
               </a:spcBef>
@@ -15661,6 +15522,9 @@
               <a:buFont typeface="Arial"/>
               <a:buNone/>
             </a:pPr>
+            <a:r>
+              <a:t/>
+            </a:r>
             <a:endParaRPr>
               <a:solidFill>
                 <a:schemeClr val="dk1"/>
@@ -15668,7 +15532,7 @@
             </a:endParaRPr>
           </a:p>
           <a:p>
-            <a:pPr marL="0" lvl="0" indent="0" algn="l" rtl="0">
+            <a:pPr indent="0" lvl="0" marL="0" rtl="0" algn="l">
               <a:spcBef>
                 <a:spcPts val="0"/>
               </a:spcBef>
@@ -15692,7 +15556,7 @@
             </a:endParaRPr>
           </a:p>
           <a:p>
-            <a:pPr marL="457200" lvl="0" indent="-330200" algn="l" rtl="0">
+            <a:pPr indent="-330200" lvl="0" marL="457200" rtl="0" algn="l">
               <a:spcBef>
                 <a:spcPts val="0"/>
               </a:spcBef>
@@ -15712,7 +15576,7 @@
                 </a:solidFill>
                 <a:extLst>
                   <a:ext uri="http://customooxmlschemas.google.com/">
-                    <go:slidesCustomData xmlns:go="http://customooxmlschemas.google.com/" xmlns:ahyp="http://schemas.microsoft.com/office/drawing/2018/hyperlinkcolor" xmlns:p15="http://schemas.microsoft.com/office/powerpoint/2012/main" xmlns:p14="http://schemas.microsoft.com/office/powerpoint/2010/main" xmlns:com="http://schemas.openxmlformats.org/drawingml/2006/compatibility" xmlns:pvml="urn:schemas-microsoft-com:office:powerpoint" xmlns:v="urn:schemas-microsoft-com:vml" xmlns:o="urn:schemas-microsoft-com:office:office" xmlns:dgm="http://schemas.openxmlformats.org/drawingml/2006/diagram" xmlns:c="http://schemas.openxmlformats.org/drawingml/2006/chart" xmlns:mv="urn:schemas-microsoft-com:mac:vml" xmlns:mc="http://schemas.openxmlformats.org/markup-compatibility/2006" xmlns="" textRoundtripDataId="0"/>
+                    <go:slidesCustomData xmlns:go="http://customooxmlschemas.google.com/" textRoundtripDataId="0"/>
                   </a:ext>
                 </a:extLst>
               </a:rPr>
@@ -15744,7 +15608,7 @@
             </a:endParaRPr>
           </a:p>
           <a:p>
-            <a:pPr marL="457200" lvl="0" indent="-330200" algn="l" rtl="0">
+            <a:pPr indent="-330200" lvl="0" marL="457200" rtl="0" algn="l">
               <a:spcBef>
                 <a:spcPts val="0"/>
               </a:spcBef>
@@ -15783,7 +15647,7 @@
             </a:endParaRPr>
           </a:p>
           <a:p>
-            <a:pPr marL="457200" lvl="0" indent="-330200" algn="l" rtl="0">
+            <a:pPr indent="-330200" lvl="0" marL="457200" rtl="0" algn="l">
               <a:spcBef>
                 <a:spcPts val="0"/>
               </a:spcBef>
@@ -15822,7 +15686,7 @@
             </a:endParaRPr>
           </a:p>
           <a:p>
-            <a:pPr marL="457200" lvl="0" indent="-330200" algn="l" rtl="0">
+            <a:pPr indent="-330200" lvl="0" marL="457200" rtl="0" algn="l">
               <a:spcBef>
                 <a:spcPts val="0"/>
               </a:spcBef>
@@ -15861,7 +15725,7 @@
             </a:endParaRPr>
           </a:p>
           <a:p>
-            <a:pPr marL="457200" lvl="0" indent="-330200" algn="l" rtl="0">
+            <a:pPr indent="-330200" lvl="0" marL="457200" rtl="0" algn="l">
               <a:spcBef>
                 <a:spcPts val="0"/>
               </a:spcBef>
@@ -15910,11 +15774,11 @@
 </file>
 
 <file path=ppt/slides/slide9.xml><?xml version="1.0" encoding="utf-8"?>
-<p:sld xmlns:a="http://schemas.openxmlformats.org/drawingml/2006/main" xmlns:r="http://schemas.openxmlformats.org/officeDocument/2006/relationships" xmlns:p="http://schemas.openxmlformats.org/presentationml/2006/main">
+<p:sld xmlns:a="http://schemas.openxmlformats.org/drawingml/2006/main" xmlns:r="http://schemas.openxmlformats.org/officeDocument/2006/relationships" xmlns:mc="http://schemas.openxmlformats.org/markup-compatibility/2006" xmlns:mv="urn:schemas-microsoft-com:mac:vml" xmlns:p="http://schemas.openxmlformats.org/presentationml/2006/main" xmlns:c="http://schemas.openxmlformats.org/drawingml/2006/chart" xmlns:dgm="http://schemas.openxmlformats.org/drawingml/2006/diagram" xmlns:o="urn:schemas-microsoft-com:office:office" xmlns:v="urn:schemas-microsoft-com:vml" xmlns:pvml="urn:schemas-microsoft-com:office:powerpoint" xmlns:com="http://schemas.openxmlformats.org/drawingml/2006/compatibility" xmlns:p14="http://schemas.microsoft.com/office/powerpoint/2010/main" xmlns:p15="http://schemas.microsoft.com/office/powerpoint/2012/main" xmlns:ahyp="http://schemas.microsoft.com/office/drawing/2018/hyperlinkcolor">
   <p:cSld>
     <p:spTree>
       <p:nvGrpSpPr>
-        <p:cNvPr id="1" name="Shape 126"/>
+        <p:cNvPr id="126" name="Shape 126"/>
         <p:cNvGrpSpPr/>
         <p:nvPr/>
       </p:nvGrpSpPr>
@@ -15957,9 +15821,7 @@
       <p:sp>
         <p:nvSpPr>
           <p:cNvPr id="128" name="Google Shape;128;g2a7c1fc1d97_1_118"/>
-          <p:cNvSpPr txBox="1">
-            <a:spLocks noGrp="1"/>
-          </p:cNvSpPr>
+          <p:cNvSpPr txBox="1"/>
           <p:nvPr>
             <p:ph type="title"/>
           </p:nvPr>
@@ -15974,12 +15836,12 @@
           </a:prstGeom>
         </p:spPr>
         <p:txBody>
-          <a:bodyPr spcFirstLastPara="1" wrap="square" lIns="91425" tIns="91425" rIns="91425" bIns="91425" anchor="t" anchorCtr="0">
+          <a:bodyPr anchorCtr="0" anchor="t" bIns="91425" lIns="91425" spcFirstLastPara="1" rIns="91425" wrap="square" tIns="91425">
             <a:normAutofit fontScale="90000"/>
           </a:bodyPr>
           <a:lstStyle/>
           <a:p>
-            <a:pPr marL="0" lvl="0" indent="0" algn="l" rtl="0">
+            <a:pPr indent="0" lvl="0" marL="0" rtl="0" algn="l">
               <a:spcBef>
                 <a:spcPts val="0"/>
               </a:spcBef>
@@ -15992,7 +15854,7 @@
               <a:rPr lang="ja">
                 <a:extLst>
                   <a:ext uri="http://customooxmlschemas.google.com/">
-                    <go:slidesCustomData xmlns:go="http://customooxmlschemas.google.com/" xmlns:ahyp="http://schemas.microsoft.com/office/drawing/2018/hyperlinkcolor" xmlns:p15="http://schemas.microsoft.com/office/powerpoint/2012/main" xmlns:p14="http://schemas.microsoft.com/office/powerpoint/2010/main" xmlns:com="http://schemas.openxmlformats.org/drawingml/2006/compatibility" xmlns:pvml="urn:schemas-microsoft-com:office:powerpoint" xmlns:v="urn:schemas-microsoft-com:vml" xmlns:o="urn:schemas-microsoft-com:office:office" xmlns:dgm="http://schemas.openxmlformats.org/drawingml/2006/diagram" xmlns:c="http://schemas.openxmlformats.org/drawingml/2006/chart" xmlns:mv="urn:schemas-microsoft-com:mac:vml" xmlns:mc="http://schemas.openxmlformats.org/markup-compatibility/2006" xmlns="" textRoundtripDataId="1"/>
+                    <go:slidesCustomData xmlns:go="http://customooxmlschemas.google.com/" textRoundtripDataId="1"/>
                   </a:ext>
                 </a:extLst>
               </a:rPr>
@@ -16013,11 +15875,9 @@
       <p:sp>
         <p:nvSpPr>
           <p:cNvPr id="129" name="Google Shape;129;g2a7c1fc1d97_1_118"/>
-          <p:cNvSpPr txBox="1">
-            <a:spLocks noGrp="1"/>
-          </p:cNvSpPr>
+          <p:cNvSpPr txBox="1"/>
           <p:nvPr>
-            <p:ph type="body" idx="1"/>
+            <p:ph idx="1" type="body"/>
           </p:nvPr>
         </p:nvSpPr>
         <p:spPr>
@@ -16030,12 +15890,12 @@
           </a:prstGeom>
         </p:spPr>
         <p:txBody>
-          <a:bodyPr spcFirstLastPara="1" wrap="square" lIns="91425" tIns="91425" rIns="91425" bIns="91425" anchor="t" anchorCtr="0">
+          <a:bodyPr anchorCtr="0" anchor="t" bIns="91425" lIns="91425" spcFirstLastPara="1" rIns="91425" wrap="square" tIns="91425">
             <a:normAutofit/>
           </a:bodyPr>
           <a:lstStyle/>
           <a:p>
-            <a:pPr marL="0" lvl="0" indent="0" algn="l" rtl="0">
+            <a:pPr indent="0" lvl="0" marL="0" rtl="0" algn="l">
               <a:lnSpc>
                 <a:spcPct val="90000"/>
               </a:lnSpc>
@@ -16062,7 +15922,7 @@
             </a:endParaRPr>
           </a:p>
           <a:p>
-            <a:pPr marL="0" lvl="0" indent="0" algn="l" rtl="0">
+            <a:pPr indent="0" lvl="0" marL="0" rtl="0" algn="l">
               <a:lnSpc>
                 <a:spcPct val="90000"/>
               </a:lnSpc>
@@ -16080,7 +15940,15 @@
                   <a:schemeClr val="dk1"/>
                 </a:solidFill>
               </a:rPr>
-              <a:t>データセット全体ではなく</a:t>
+              <a:t>データセット全体ではな</a:t>
+            </a:r>
+            <a:r>
+              <a:rPr lang="ja">
+                <a:solidFill>
+                  <a:schemeClr val="dk1"/>
+                </a:solidFill>
+              </a:rPr>
+              <a:t>く</a:t>
             </a:r>
             <a:endParaRPr>
               <a:solidFill>
@@ -16089,7 +15957,7 @@
             </a:endParaRPr>
           </a:p>
           <a:p>
-            <a:pPr marL="0" lvl="0" indent="0" algn="l" rtl="0">
+            <a:pPr indent="0" lvl="0" marL="0" rtl="0" algn="l">
               <a:lnSpc>
                 <a:spcPct val="90000"/>
               </a:lnSpc>
@@ -16182,7 +16050,7 @@
 </file>
 
 <file path=ppt/theme/theme1.xml><?xml version="1.0" encoding="utf-8"?>
-<a:theme xmlns:a="http://schemas.openxmlformats.org/drawingml/2006/main" name="Simple Light">
+<a:theme xmlns:a="http://schemas.openxmlformats.org/drawingml/2006/main" xmlns:r="http://schemas.openxmlformats.org/officeDocument/2006/relationships" name="Simple Light">
   <a:themeElements>
     <a:clrScheme name="Simple Light">
       <a:dk1>
@@ -16457,13 +16325,11 @@
       </a:bgFillStyleLst>
     </a:fmtScheme>
   </a:themeElements>
-  <a:objectDefaults/>
-  <a:extraClrSchemeLst/>
 </a:theme>
 </file>
 
 <file path=ppt/theme/theme2.xml><?xml version="1.0" encoding="utf-8"?>
-<a:theme xmlns:a="http://schemas.openxmlformats.org/drawingml/2006/main">
+<a:theme xmlns:a="http://schemas.openxmlformats.org/drawingml/2006/main" xmlns:r="http://schemas.openxmlformats.org/officeDocument/2006/relationships">
   <a:themeElements>
     <a:clrScheme name="Default">
       <a:dk1>
@@ -16738,7 +16604,5 @@
       </a:bgFillStyleLst>
     </a:fmtScheme>
   </a:themeElements>
-  <a:objectDefaults/>
-  <a:extraClrSchemeLst/>
 </a:theme>
 </file>